--- a/Diplomarbeit/doc/Presentations/DA-Präsentation2024_Zweitpräsentation.pptx
+++ b/Diplomarbeit/doc/Presentations/DA-Präsentation2024_Zweitpräsentation.pptx
@@ -601,7 +601,7 @@
             <a:fld id="{4597EA2D-D11E-4F11-940E-96FC3DC86B48}" type="datetimeFigureOut">
               <a:rPr lang="de-DE" smtClean="0"/>
               <a:pPr/>
-              <a:t>16.10.2024</a:t>
+              <a:t>19.10.2024</a:t>
             </a:fld>
             <a:endParaRPr lang="de-AT"/>
           </a:p>
@@ -768,7 +768,7 @@
             <a:fld id="{25FA59D5-1C02-4780-AF81-09ADAD492357}" type="datetimeFigureOut">
               <a:rPr lang="de-AT" smtClean="0"/>
               <a:pPr/>
-              <a:t>16.10.2024</a:t>
+              <a:t>19.10.2024</a:t>
             </a:fld>
             <a:endParaRPr lang="de-AT"/>
           </a:p>
@@ -1703,6 +1703,118 @@
 </p:notes>
 </file>
 
+<file path=ppt/notesSlides/notesSlide8.xml><?xml version="1.0" encoding="utf-8"?>
+<p:notes xmlns:a="http://schemas.openxmlformats.org/drawingml/2006/main" xmlns:r="http://schemas.openxmlformats.org/officeDocument/2006/relationships" xmlns:p="http://schemas.openxmlformats.org/presentationml/2006/main">
+  <p:cSld>
+    <p:spTree>
+      <p:nvGrpSpPr>
+        <p:cNvPr id="1" name=""/>
+        <p:cNvGrpSpPr/>
+        <p:nvPr/>
+      </p:nvGrpSpPr>
+      <p:grpSpPr>
+        <a:xfrm>
+          <a:off x="0" y="0"/>
+          <a:ext cx="0" cy="0"/>
+          <a:chOff x="0" y="0"/>
+          <a:chExt cx="0" cy="0"/>
+        </a:xfrm>
+      </p:grpSpPr>
+      <p:sp>
+        <p:nvSpPr>
+          <p:cNvPr id="2" name="Folienbildplatzhalter 1"/>
+          <p:cNvSpPr>
+            <a:spLocks noGrp="1" noRot="1" noChangeAspect="1"/>
+          </p:cNvSpPr>
+          <p:nvPr>
+            <p:ph type="sldImg"/>
+          </p:nvPr>
+        </p:nvSpPr>
+        <p:spPr/>
+      </p:sp>
+      <p:sp>
+        <p:nvSpPr>
+          <p:cNvPr id="3" name="Notizenplatzhalter 2"/>
+          <p:cNvSpPr>
+            <a:spLocks noGrp="1"/>
+          </p:cNvSpPr>
+          <p:nvPr>
+            <p:ph type="body" idx="1"/>
+          </p:nvPr>
+        </p:nvSpPr>
+        <p:spPr/>
+        <p:txBody>
+          <a:bodyPr/>
+          <a:lstStyle/>
+          <a:p>
+            <a:r>
+              <a:rPr lang="en-GB" dirty="0"/>
+              <a:t>3</a:t>
+            </a:r>
+          </a:p>
+          <a:p>
+            <a:r>
+              <a:rPr lang="en-GB" dirty="0"/>
+              <a:t>8</a:t>
+            </a:r>
+          </a:p>
+          <a:p>
+            <a:r>
+              <a:rPr lang="en-GB" dirty="0"/>
+              <a:t>9</a:t>
+            </a:r>
+          </a:p>
+          <a:p>
+            <a:r>
+              <a:rPr lang="en-GB" dirty="0"/>
+              <a:t>12</a:t>
+            </a:r>
+          </a:p>
+          <a:p>
+            <a:r>
+              <a:rPr lang="en-GB" dirty="0"/>
+              <a:t>13</a:t>
+            </a:r>
+          </a:p>
+        </p:txBody>
+      </p:sp>
+      <p:sp>
+        <p:nvSpPr>
+          <p:cNvPr id="4" name="Foliennummernplatzhalter 3"/>
+          <p:cNvSpPr>
+            <a:spLocks noGrp="1"/>
+          </p:cNvSpPr>
+          <p:nvPr>
+            <p:ph type="sldNum" sz="quarter" idx="5"/>
+          </p:nvPr>
+        </p:nvSpPr>
+        <p:spPr/>
+        <p:txBody>
+          <a:bodyPr/>
+          <a:lstStyle/>
+          <a:p>
+            <a:fld id="{7AA6D168-C717-485B-B0C8-699ECBDF2CFF}" type="slidenum">
+              <a:rPr lang="de-AT" smtClean="0"/>
+              <a:pPr/>
+              <a:t>24</a:t>
+            </a:fld>
+            <a:endParaRPr lang="de-AT"/>
+          </a:p>
+        </p:txBody>
+      </p:sp>
+    </p:spTree>
+    <p:extLst>
+      <p:ext uri="{BB962C8B-B14F-4D97-AF65-F5344CB8AC3E}">
+        <p14:creationId xmlns:p14="http://schemas.microsoft.com/office/powerpoint/2010/main" val="1070406584"/>
+      </p:ext>
+    </p:extLst>
+  </p:cSld>
+  <p:clrMapOvr>
+    <a:masterClrMapping/>
+  </p:clrMapOvr>
+</p:notes>
+</file>
+
 <file path=ppt/slideLayouts/slideLayout1.xml><?xml version="1.0" encoding="utf-8"?>
 <p:sldLayout xmlns:a="http://schemas.openxmlformats.org/drawingml/2006/main" xmlns:r="http://schemas.openxmlformats.org/officeDocument/2006/relationships" xmlns:p="http://schemas.openxmlformats.org/presentationml/2006/main" preserve="1" userDrawn="1">
   <p:cSld name="Titelfolie">
@@ -1776,7 +1888,7 @@
           <a:p>
             <a:fld id="{903DBAB2-6CCA-40C7-8885-2C056A77E284}" type="datetime1">
               <a:rPr lang="de-AT" smtClean="0"/>
-              <a:t>16.10.2024</a:t>
+              <a:t>19.10.2024</a:t>
             </a:fld>
             <a:endParaRPr lang="de-AT"/>
           </a:p>
@@ -2131,7 +2243,7 @@
           <a:p>
             <a:fld id="{CFFB591F-AE7F-406B-977E-415D708CD05B}" type="datetime1">
               <a:rPr lang="de-AT" smtClean="0"/>
-              <a:t>16.10.2024</a:t>
+              <a:t>19.10.2024</a:t>
             </a:fld>
             <a:endParaRPr lang="de-AT"/>
           </a:p>
@@ -2611,7 +2723,7 @@
           <a:p>
             <a:fld id="{DDED4213-31A7-43A9-B381-650B72838F3D}" type="datetime1">
               <a:rPr lang="de-AT" smtClean="0"/>
-              <a:t>16.10.2024</a:t>
+              <a:t>19.10.2024</a:t>
             </a:fld>
             <a:endParaRPr lang="de-AT"/>
           </a:p>
@@ -3243,7 +3355,7 @@
           <a:p>
             <a:fld id="{73623C63-4118-48BA-956A-11DEEC1AA07D}" type="datetime1">
               <a:rPr lang="de-AT" smtClean="0"/>
-              <a:t>16.10.2024</a:t>
+              <a:t>19.10.2024</a:t>
             </a:fld>
             <a:endParaRPr lang="de-AT"/>
           </a:p>
@@ -3588,7 +3700,7 @@
           <a:p>
             <a:fld id="{D256D3EE-23A3-40C2-AAE3-0430D418E6CE}" type="datetime1">
               <a:rPr lang="de-AT" smtClean="0"/>
-              <a:t>16.10.2024</a:t>
+              <a:t>19.10.2024</a:t>
             </a:fld>
             <a:endParaRPr lang="de-AT"/>
           </a:p>
@@ -3784,7 +3896,7 @@
           <a:p>
             <a:fld id="{3FE2F795-10B4-41AA-AEDE-F815B308DCDB}" type="datetime1">
               <a:rPr lang="de-AT" smtClean="0"/>
-              <a:t>16.10.2024</a:t>
+              <a:t>19.10.2024</a:t>
             </a:fld>
             <a:endParaRPr lang="de-AT"/>
           </a:p>
@@ -4009,7 +4121,7 @@
           <a:p>
             <a:fld id="{03FB355E-663F-46F6-A58A-7E827B834F26}" type="datetime1">
               <a:rPr lang="de-AT" smtClean="0"/>
-              <a:t>16.10.2024</a:t>
+              <a:t>19.10.2024</a:t>
             </a:fld>
             <a:endParaRPr lang="de-AT"/>
           </a:p>
@@ -4516,7 +4628,7 @@
             <a:pPr algn="r"/>
             <a:fld id="{8EA2BAE2-6757-47A9-8E17-82B3704991C6}" type="datetime4">
               <a:rPr lang="de-AT" smtClean="0"/>
-              <a:t>16. Oktober 2024</a:t>
+              <a:t>19. Oktober 2024</a:t>
             </a:fld>
             <a:endParaRPr lang="de-AT" dirty="0"/>
           </a:p>
@@ -8950,6 +9062,36 @@
           </a:p>
         </p:txBody>
       </p:sp>
+      <p:pic>
+        <p:nvPicPr>
+          <p:cNvPr id="9" name="Grafik 8">
+            <a:extLst>
+              <a:ext uri="{FF2B5EF4-FFF2-40B4-BE49-F238E27FC236}">
+                <a16:creationId xmlns:a16="http://schemas.microsoft.com/office/drawing/2014/main" id="{7ACBC51B-F618-00C1-CF3B-55E6158EBA89}"/>
+              </a:ext>
+            </a:extLst>
+          </p:cNvPr>
+          <p:cNvPicPr>
+            <a:picLocks noChangeAspect="1"/>
+          </p:cNvPicPr>
+          <p:nvPr/>
+        </p:nvPicPr>
+        <p:blipFill>
+          <a:blip r:embed="rId2"/>
+          <a:stretch>
+            <a:fillRect/>
+          </a:stretch>
+        </p:blipFill>
+        <p:spPr>
+          <a:xfrm>
+            <a:off x="4760110" y="1691400"/>
+            <a:ext cx="6822290" cy="4113861"/>
+          </a:xfrm>
+          <a:prstGeom prst="rect">
+            <a:avLst/>
+          </a:prstGeom>
+        </p:spPr>
+      </p:pic>
     </p:spTree>
     <p:extLst>
       <p:ext uri="{BB962C8B-B14F-4D97-AF65-F5344CB8AC3E}">
@@ -9043,31 +9185,31 @@
           <a:p>
             <a:r>
               <a:rPr lang="de-DE" dirty="0"/>
-              <a:t>3. Gesundheit &amp; Wohlergehen</a:t>
+              <a:t>Gesundheit &amp; Wohlergehen</a:t>
             </a:r>
           </a:p>
           <a:p>
             <a:r>
               <a:rPr lang="de-DE" dirty="0"/>
-              <a:t>8. Menschenwürdige Arbeit &amp; Wirtschaftswachstum</a:t>
+              <a:t>Menschenwürdige Arbeit &amp; Wirtschaftswachstum</a:t>
             </a:r>
           </a:p>
           <a:p>
             <a:r>
               <a:rPr lang="de-DE" dirty="0"/>
-              <a:t>9. Industrie, Innovation &amp; Infrastruktur</a:t>
+              <a:t>Industrie, Innovation &amp; Infrastruktur</a:t>
             </a:r>
           </a:p>
           <a:p>
             <a:r>
               <a:rPr lang="de-DE" dirty="0"/>
-              <a:t>12. Nachhaltiger Konsum &amp; Produktion</a:t>
+              <a:t>Nachhaltiger Konsum &amp; Produktion</a:t>
             </a:r>
           </a:p>
           <a:p>
             <a:r>
               <a:rPr lang="de-DE" dirty="0"/>
-              <a:t>13. Klimaschutz</a:t>
+              <a:t>Klimaschutz</a:t>
             </a:r>
           </a:p>
         </p:txBody>
@@ -11280,13 +11422,13 @@
   <p:clrMapOvr>
     <a:masterClrMapping/>
   </p:clrMapOvr>
-  <mc:AlternateContent xmlns:mc="http://schemas.openxmlformats.org/markup-compatibility/2006">
-    <mc:Choice xmlns:p159="http://schemas.microsoft.com/office/powerpoint/2015/09/main" Requires="p159">
+  <mc:AlternateContent xmlns:mc="http://schemas.openxmlformats.org/markup-compatibility/2006" xmlns:p159="http://schemas.microsoft.com/office/powerpoint/2015/09/main">
+    <mc:Choice Requires="p159">
       <p:transition xmlns:p14="http://schemas.microsoft.com/office/powerpoint/2010/main" spd="slow" p14:dur="2000" advClick="0" advTm="4000">
         <p159:morph option="byObject"/>
       </p:transition>
     </mc:Choice>
-    <mc:Fallback>
+    <mc:Fallback xmlns="">
       <p:transition spd="slow" advClick="0" advTm="4000">
         <p:fade/>
       </p:transition>
@@ -13223,15 +13365,6 @@
 </file>
 
 <file path=customXml/item1.xml><?xml version="1.0" encoding="utf-8"?>
-<?mso-contentType ?>
-<FormTemplates xmlns="http://schemas.microsoft.com/sharepoint/v3/contenttype/forms">
-  <Display>DocumentLibraryForm</Display>
-  <Edit>DocumentLibraryForm</Edit>
-  <New>DocumentLibraryForm</New>
-</FormTemplates>
-</file>
-
-<file path=customXml/item2.xml><?xml version="1.0" encoding="utf-8"?>
 <ct:contentTypeSchema xmlns:ct="http://schemas.microsoft.com/office/2006/metadata/contentType" xmlns:ma="http://schemas.microsoft.com/office/2006/metadata/properties/metaAttributes" ct:_="" ma:_="" ma:contentTypeName="Dokument" ma:contentTypeID="0x010100AEC342486E2AC5419469D1A36EC3682B" ma:contentTypeVersion="4" ma:contentTypeDescription="Ein neues Dokument erstellen." ma:contentTypeScope="" ma:versionID="3fa14d8831e4b125e814b54aaa4122bb">
   <xsd:schema xmlns:xsd="http://www.w3.org/2001/XMLSchema" xmlns:xs="http://www.w3.org/2001/XMLSchema" xmlns:p="http://schemas.microsoft.com/office/2006/metadata/properties" xmlns:ns2="025117e9-99fa-48ff-aab4-bb37753ec9db" targetNamespace="http://schemas.microsoft.com/office/2006/metadata/properties" ma:root="true" ma:fieldsID="c273f986753a84b21935896d46e76ffa" ns2:_="">
     <xsd:import namespace="025117e9-99fa-48ff-aab4-bb37753ec9db"/>
@@ -13375,6 +13508,15 @@
 </ct:contentTypeSchema>
 </file>
 
+<file path=customXml/item2.xml><?xml version="1.0" encoding="utf-8"?>
+<?mso-contentType ?>
+<FormTemplates xmlns="http://schemas.microsoft.com/sharepoint/v3/contenttype/forms">
+  <Display>DocumentLibraryForm</Display>
+  <Edit>DocumentLibraryForm</Edit>
+  <New>DocumentLibraryForm</New>
+</FormTemplates>
+</file>
+
 <file path=customXml/item3.xml><?xml version="1.0" encoding="utf-8"?>
 <p:properties xmlns:p="http://schemas.microsoft.com/office/2006/metadata/properties" xmlns:xsi="http://www.w3.org/2001/XMLSchema-instance" xmlns:pc="http://schemas.microsoft.com/office/infopath/2007/PartnerControls">
   <documentManagement/>
@@ -13382,14 +13524,6 @@
 </file>
 
 <file path=customXml/itemProps1.xml><?xml version="1.0" encoding="utf-8"?>
-<ds:datastoreItem xmlns:ds="http://schemas.openxmlformats.org/officeDocument/2006/customXml" ds:itemID="{A62B322D-2084-418A-8960-B074ADC5B6DB}">
-  <ds:schemaRefs>
-    <ds:schemaRef ds:uri="http://schemas.microsoft.com/sharepoint/v3/contenttype/forms"/>
-  </ds:schemaRefs>
-</ds:datastoreItem>
-</file>
-
-<file path=customXml/itemProps2.xml><?xml version="1.0" encoding="utf-8"?>
 <ds:datastoreItem xmlns:ds="http://schemas.openxmlformats.org/officeDocument/2006/customXml" ds:itemID="{112BE4CD-0DD7-4283-8B22-B94F084D1F44}">
   <ds:schemaRefs>
     <ds:schemaRef ds:uri="025117e9-99fa-48ff-aab4-bb37753ec9db"/>
@@ -13403,6 +13537,14 @@
     <ds:schemaRef ds:uri="http://schemas.microsoft.com/office/infopath/2007/PartnerControls"/>
     <ds:schemaRef ds:uri="http://schemas.openxmlformats.org/package/2006/metadata/core-properties"/>
     <ds:schemaRef ds:uri="http://www.w3.org/2001/XMLSchema"/>
+  </ds:schemaRefs>
+</ds:datastoreItem>
+</file>
+
+<file path=customXml/itemProps2.xml><?xml version="1.0" encoding="utf-8"?>
+<ds:datastoreItem xmlns:ds="http://schemas.openxmlformats.org/officeDocument/2006/customXml" ds:itemID="{A62B322D-2084-418A-8960-B074ADC5B6DB}">
+  <ds:schemaRefs>
+    <ds:schemaRef ds:uri="http://schemas.microsoft.com/sharepoint/v3/contenttype/forms"/>
   </ds:schemaRefs>
 </ds:datastoreItem>
 </file>

--- a/Diplomarbeit/doc/Presentations/DA-Präsentation2024_Zweitpräsentation.pptx
+++ b/Diplomarbeit/doc/Presentations/DA-Präsentation2024_Zweitpräsentation.pptx
@@ -601,7 +601,7 @@
             <a:fld id="{4597EA2D-D11E-4F11-940E-96FC3DC86B48}" type="datetimeFigureOut">
               <a:rPr lang="de-DE" smtClean="0"/>
               <a:pPr/>
-              <a:t>19.10.2024</a:t>
+              <a:t>20.10.2024</a:t>
             </a:fld>
             <a:endParaRPr lang="de-AT"/>
           </a:p>
@@ -768,7 +768,7 @@
             <a:fld id="{25FA59D5-1C02-4780-AF81-09ADAD492357}" type="datetimeFigureOut">
               <a:rPr lang="de-AT" smtClean="0"/>
               <a:pPr/>
-              <a:t>19.10.2024</a:t>
+              <a:t>20.10.2024</a:t>
             </a:fld>
             <a:endParaRPr lang="de-AT"/>
           </a:p>
@@ -1888,7 +1888,7 @@
           <a:p>
             <a:fld id="{903DBAB2-6CCA-40C7-8885-2C056A77E284}" type="datetime1">
               <a:rPr lang="de-AT" smtClean="0"/>
-              <a:t>19.10.2024</a:t>
+              <a:t>20.10.2024</a:t>
             </a:fld>
             <a:endParaRPr lang="de-AT"/>
           </a:p>
@@ -2243,7 +2243,7 @@
           <a:p>
             <a:fld id="{CFFB591F-AE7F-406B-977E-415D708CD05B}" type="datetime1">
               <a:rPr lang="de-AT" smtClean="0"/>
-              <a:t>19.10.2024</a:t>
+              <a:t>20.10.2024</a:t>
             </a:fld>
             <a:endParaRPr lang="de-AT"/>
           </a:p>
@@ -2723,7 +2723,7 @@
           <a:p>
             <a:fld id="{DDED4213-31A7-43A9-B381-650B72838F3D}" type="datetime1">
               <a:rPr lang="de-AT" smtClean="0"/>
-              <a:t>19.10.2024</a:t>
+              <a:t>20.10.2024</a:t>
             </a:fld>
             <a:endParaRPr lang="de-AT"/>
           </a:p>
@@ -3355,7 +3355,7 @@
           <a:p>
             <a:fld id="{73623C63-4118-48BA-956A-11DEEC1AA07D}" type="datetime1">
               <a:rPr lang="de-AT" smtClean="0"/>
-              <a:t>19.10.2024</a:t>
+              <a:t>20.10.2024</a:t>
             </a:fld>
             <a:endParaRPr lang="de-AT"/>
           </a:p>
@@ -3700,7 +3700,7 @@
           <a:p>
             <a:fld id="{D256D3EE-23A3-40C2-AAE3-0430D418E6CE}" type="datetime1">
               <a:rPr lang="de-AT" smtClean="0"/>
-              <a:t>19.10.2024</a:t>
+              <a:t>20.10.2024</a:t>
             </a:fld>
             <a:endParaRPr lang="de-AT"/>
           </a:p>
@@ -3896,7 +3896,7 @@
           <a:p>
             <a:fld id="{3FE2F795-10B4-41AA-AEDE-F815B308DCDB}" type="datetime1">
               <a:rPr lang="de-AT" smtClean="0"/>
-              <a:t>19.10.2024</a:t>
+              <a:t>20.10.2024</a:t>
             </a:fld>
             <a:endParaRPr lang="de-AT"/>
           </a:p>
@@ -4121,7 +4121,7 @@
           <a:p>
             <a:fld id="{03FB355E-663F-46F6-A58A-7E827B834F26}" type="datetime1">
               <a:rPr lang="de-AT" smtClean="0"/>
-              <a:t>19.10.2024</a:t>
+              <a:t>20.10.2024</a:t>
             </a:fld>
             <a:endParaRPr lang="de-AT"/>
           </a:p>
@@ -4628,7 +4628,7 @@
             <a:pPr algn="r"/>
             <a:fld id="{8EA2BAE2-6757-47A9-8E17-82B3704991C6}" type="datetime4">
               <a:rPr lang="de-AT" smtClean="0"/>
-              <a:t>19. Oktober 2024</a:t>
+              <a:t>20. Oktober 2024</a:t>
             </a:fld>
             <a:endParaRPr lang="de-AT" dirty="0"/>
           </a:p>
@@ -13509,18 +13509,18 @@
 </file>
 
 <file path=customXml/item2.xml><?xml version="1.0" encoding="utf-8"?>
+<p:properties xmlns:p="http://schemas.microsoft.com/office/2006/metadata/properties" xmlns:xsi="http://www.w3.org/2001/XMLSchema-instance" xmlns:pc="http://schemas.microsoft.com/office/infopath/2007/PartnerControls">
+  <documentManagement/>
+</p:properties>
+</file>
+
+<file path=customXml/item3.xml><?xml version="1.0" encoding="utf-8"?>
 <?mso-contentType ?>
 <FormTemplates xmlns="http://schemas.microsoft.com/sharepoint/v3/contenttype/forms">
   <Display>DocumentLibraryForm</Display>
   <Edit>DocumentLibraryForm</Edit>
   <New>DocumentLibraryForm</New>
 </FormTemplates>
-</file>
-
-<file path=customXml/item3.xml><?xml version="1.0" encoding="utf-8"?>
-<p:properties xmlns:p="http://schemas.microsoft.com/office/2006/metadata/properties" xmlns:xsi="http://www.w3.org/2001/XMLSchema-instance" xmlns:pc="http://schemas.microsoft.com/office/infopath/2007/PartnerControls">
-  <documentManagement/>
-</p:properties>
 </file>
 
 <file path=customXml/itemProps1.xml><?xml version="1.0" encoding="utf-8"?>
@@ -13542,14 +13542,6 @@
 </file>
 
 <file path=customXml/itemProps2.xml><?xml version="1.0" encoding="utf-8"?>
-<ds:datastoreItem xmlns:ds="http://schemas.openxmlformats.org/officeDocument/2006/customXml" ds:itemID="{A62B322D-2084-418A-8960-B074ADC5B6DB}">
-  <ds:schemaRefs>
-    <ds:schemaRef ds:uri="http://schemas.microsoft.com/sharepoint/v3/contenttype/forms"/>
-  </ds:schemaRefs>
-</ds:datastoreItem>
-</file>
-
-<file path=customXml/itemProps3.xml><?xml version="1.0" encoding="utf-8"?>
 <ds:datastoreItem xmlns:ds="http://schemas.openxmlformats.org/officeDocument/2006/customXml" ds:itemID="{91B09AE3-FA1D-40C8-A6CE-A2D9F55131C8}">
   <ds:schemaRefs>
     <ds:schemaRef ds:uri="http://schemas.microsoft.com/office/2006/metadata/properties"/>
@@ -13563,4 +13555,12 @@
     <ds:schemaRef ds:uri="025117e9-99fa-48ff-aab4-bb37753ec9db"/>
   </ds:schemaRefs>
 </ds:datastoreItem>
+</file>
+
+<file path=customXml/itemProps3.xml><?xml version="1.0" encoding="utf-8"?>
+<ds:datastoreItem xmlns:ds="http://schemas.openxmlformats.org/officeDocument/2006/customXml" ds:itemID="{A62B322D-2084-418A-8960-B074ADC5B6DB}">
+  <ds:schemaRefs>
+    <ds:schemaRef ds:uri="http://schemas.microsoft.com/sharepoint/v3/contenttype/forms"/>
+  </ds:schemaRefs>
+</ds:datastoreItem>
 </file>
--- a/Diplomarbeit/doc/Presentations/DA-Präsentation2024_Zweitpräsentation.pptx
+++ b/Diplomarbeit/doc/Presentations/DA-Präsentation2024_Zweitpräsentation.pptx
@@ -8880,6 +8880,41 @@
           </a:p>
         </p:txBody>
       </p:sp>
+      <p:pic>
+        <p:nvPicPr>
+          <p:cNvPr id="8" name="Grafik 7" descr="Ein Bild, das Elektrisches Bauelement, Elektronisches Bauteil, Elektronik, passives Bauelement enthält.&#10;&#10;Automatisch generierte Beschreibung">
+            <a:extLst>
+              <a:ext uri="{FF2B5EF4-FFF2-40B4-BE49-F238E27FC236}">
+                <a16:creationId xmlns:a16="http://schemas.microsoft.com/office/drawing/2014/main" id="{9CB9F298-EBC3-3EAD-641E-F126434862CD}"/>
+              </a:ext>
+            </a:extLst>
+          </p:cNvPr>
+          <p:cNvPicPr>
+            <a:picLocks noChangeAspect="1"/>
+          </p:cNvPicPr>
+          <p:nvPr/>
+        </p:nvPicPr>
+        <p:blipFill>
+          <a:blip r:embed="rId2" cstate="print">
+            <a:extLst>
+              <a:ext uri="{28A0092B-C50C-407E-A947-70E740481C1C}">
+                <a14:useLocalDpi xmlns:a14="http://schemas.microsoft.com/office/drawing/2010/main" val="0"/>
+              </a:ext>
+            </a:extLst>
+          </a:blip>
+          <a:srcRect l="16909" t="22905" r="19055" b="19358"/>
+          <a:stretch/>
+        </p:blipFill>
+        <p:spPr>
+          <a:xfrm>
+            <a:off x="5662374" y="1349477"/>
+            <a:ext cx="6150451" cy="4159046"/>
+          </a:xfrm>
+          <a:prstGeom prst="rect">
+            <a:avLst/>
+          </a:prstGeom>
+        </p:spPr>
+      </p:pic>
     </p:spTree>
     <p:extLst>
       <p:ext uri="{BB962C8B-B14F-4D97-AF65-F5344CB8AC3E}">
@@ -13509,18 +13544,18 @@
 </file>
 
 <file path=customXml/item2.xml><?xml version="1.0" encoding="utf-8"?>
-<p:properties xmlns:p="http://schemas.microsoft.com/office/2006/metadata/properties" xmlns:xsi="http://www.w3.org/2001/XMLSchema-instance" xmlns:pc="http://schemas.microsoft.com/office/infopath/2007/PartnerControls">
-  <documentManagement/>
-</p:properties>
-</file>
-
-<file path=customXml/item3.xml><?xml version="1.0" encoding="utf-8"?>
 <?mso-contentType ?>
 <FormTemplates xmlns="http://schemas.microsoft.com/sharepoint/v3/contenttype/forms">
   <Display>DocumentLibraryForm</Display>
   <Edit>DocumentLibraryForm</Edit>
   <New>DocumentLibraryForm</New>
 </FormTemplates>
+</file>
+
+<file path=customXml/item3.xml><?xml version="1.0" encoding="utf-8"?>
+<p:properties xmlns:p="http://schemas.microsoft.com/office/2006/metadata/properties" xmlns:xsi="http://www.w3.org/2001/XMLSchema-instance" xmlns:pc="http://schemas.microsoft.com/office/infopath/2007/PartnerControls">
+  <documentManagement/>
+</p:properties>
 </file>
 
 <file path=customXml/itemProps1.xml><?xml version="1.0" encoding="utf-8"?>
@@ -13542,6 +13577,14 @@
 </file>
 
 <file path=customXml/itemProps2.xml><?xml version="1.0" encoding="utf-8"?>
+<ds:datastoreItem xmlns:ds="http://schemas.openxmlformats.org/officeDocument/2006/customXml" ds:itemID="{A62B322D-2084-418A-8960-B074ADC5B6DB}">
+  <ds:schemaRefs>
+    <ds:schemaRef ds:uri="http://schemas.microsoft.com/sharepoint/v3/contenttype/forms"/>
+  </ds:schemaRefs>
+</ds:datastoreItem>
+</file>
+
+<file path=customXml/itemProps3.xml><?xml version="1.0" encoding="utf-8"?>
 <ds:datastoreItem xmlns:ds="http://schemas.openxmlformats.org/officeDocument/2006/customXml" ds:itemID="{91B09AE3-FA1D-40C8-A6CE-A2D9F55131C8}">
   <ds:schemaRefs>
     <ds:schemaRef ds:uri="http://schemas.microsoft.com/office/2006/metadata/properties"/>
@@ -13555,12 +13598,4 @@
     <ds:schemaRef ds:uri="025117e9-99fa-48ff-aab4-bb37753ec9db"/>
   </ds:schemaRefs>
 </ds:datastoreItem>
-</file>
-
-<file path=customXml/itemProps3.xml><?xml version="1.0" encoding="utf-8"?>
-<ds:datastoreItem xmlns:ds="http://schemas.openxmlformats.org/officeDocument/2006/customXml" ds:itemID="{A62B322D-2084-418A-8960-B074ADC5B6DB}">
-  <ds:schemaRefs>
-    <ds:schemaRef ds:uri="http://schemas.microsoft.com/sharepoint/v3/contenttype/forms"/>
-  </ds:schemaRefs>
-</ds:datastoreItem>
 </file>
--- a/Diplomarbeit/doc/Presentations/DA-Präsentation2024_Zweitpräsentation.pptx
+++ b/Diplomarbeit/doc/Presentations/DA-Präsentation2024_Zweitpräsentation.pptx
@@ -9099,10 +9099,10 @@
       </p:sp>
       <p:pic>
         <p:nvPicPr>
-          <p:cNvPr id="9" name="Grafik 8">
+          <p:cNvPr id="7" name="Grafik 6">
             <a:extLst>
               <a:ext uri="{FF2B5EF4-FFF2-40B4-BE49-F238E27FC236}">
-                <a16:creationId xmlns:a16="http://schemas.microsoft.com/office/drawing/2014/main" id="{7ACBC51B-F618-00C1-CF3B-55E6158EBA89}"/>
+                <a16:creationId xmlns:a16="http://schemas.microsoft.com/office/drawing/2014/main" id="{C54A3553-9AFB-3424-3832-8327FE170FF7}"/>
               </a:ext>
             </a:extLst>
           </p:cNvPr>
@@ -9113,14 +9113,13 @@
         </p:nvPicPr>
         <p:blipFill>
           <a:blip r:embed="rId2"/>
-          <a:stretch>
-            <a:fillRect/>
-          </a:stretch>
+          <a:srcRect r="40313"/>
+          <a:stretch/>
         </p:blipFill>
         <p:spPr>
           <a:xfrm>
-            <a:off x="4760110" y="1691400"/>
-            <a:ext cx="6822290" cy="4113861"/>
+            <a:off x="4760110" y="1289050"/>
+            <a:ext cx="6822290" cy="4516211"/>
           </a:xfrm>
           <a:prstGeom prst="rect">
             <a:avLst/>
@@ -13544,18 +13543,18 @@
 </file>
 
 <file path=customXml/item2.xml><?xml version="1.0" encoding="utf-8"?>
+<p:properties xmlns:p="http://schemas.microsoft.com/office/2006/metadata/properties" xmlns:xsi="http://www.w3.org/2001/XMLSchema-instance" xmlns:pc="http://schemas.microsoft.com/office/infopath/2007/PartnerControls">
+  <documentManagement/>
+</p:properties>
+</file>
+
+<file path=customXml/item3.xml><?xml version="1.0" encoding="utf-8"?>
 <?mso-contentType ?>
 <FormTemplates xmlns="http://schemas.microsoft.com/sharepoint/v3/contenttype/forms">
   <Display>DocumentLibraryForm</Display>
   <Edit>DocumentLibraryForm</Edit>
   <New>DocumentLibraryForm</New>
 </FormTemplates>
-</file>
-
-<file path=customXml/item3.xml><?xml version="1.0" encoding="utf-8"?>
-<p:properties xmlns:p="http://schemas.microsoft.com/office/2006/metadata/properties" xmlns:xsi="http://www.w3.org/2001/XMLSchema-instance" xmlns:pc="http://schemas.microsoft.com/office/infopath/2007/PartnerControls">
-  <documentManagement/>
-</p:properties>
 </file>
 
 <file path=customXml/itemProps1.xml><?xml version="1.0" encoding="utf-8"?>
@@ -13577,14 +13576,6 @@
 </file>
 
 <file path=customXml/itemProps2.xml><?xml version="1.0" encoding="utf-8"?>
-<ds:datastoreItem xmlns:ds="http://schemas.openxmlformats.org/officeDocument/2006/customXml" ds:itemID="{A62B322D-2084-418A-8960-B074ADC5B6DB}">
-  <ds:schemaRefs>
-    <ds:schemaRef ds:uri="http://schemas.microsoft.com/sharepoint/v3/contenttype/forms"/>
-  </ds:schemaRefs>
-</ds:datastoreItem>
-</file>
-
-<file path=customXml/itemProps3.xml><?xml version="1.0" encoding="utf-8"?>
 <ds:datastoreItem xmlns:ds="http://schemas.openxmlformats.org/officeDocument/2006/customXml" ds:itemID="{91B09AE3-FA1D-40C8-A6CE-A2D9F55131C8}">
   <ds:schemaRefs>
     <ds:schemaRef ds:uri="http://schemas.microsoft.com/office/2006/metadata/properties"/>
@@ -13598,4 +13589,12 @@
     <ds:schemaRef ds:uri="025117e9-99fa-48ff-aab4-bb37753ec9db"/>
   </ds:schemaRefs>
 </ds:datastoreItem>
+</file>
+
+<file path=customXml/itemProps3.xml><?xml version="1.0" encoding="utf-8"?>
+<ds:datastoreItem xmlns:ds="http://schemas.openxmlformats.org/officeDocument/2006/customXml" ds:itemID="{A62B322D-2084-418A-8960-B074ADC5B6DB}">
+  <ds:schemaRefs>
+    <ds:schemaRef ds:uri="http://schemas.microsoft.com/sharepoint/v3/contenttype/forms"/>
+  </ds:schemaRefs>
+</ds:datastoreItem>
 </file>
--- a/Diplomarbeit/doc/Presentations/DA-Präsentation2024_Zweitpräsentation.pptx
+++ b/Diplomarbeit/doc/Presentations/DA-Präsentation2024_Zweitpräsentation.pptx
@@ -18,8 +18,8 @@
     <p:sldId id="2593" r:id="rId9"/>
     <p:sldId id="2594" r:id="rId10"/>
     <p:sldId id="2595" r:id="rId11"/>
-    <p:sldId id="2597" r:id="rId12"/>
-    <p:sldId id="2598" r:id="rId13"/>
+    <p:sldId id="2610" r:id="rId12"/>
+    <p:sldId id="2609" r:id="rId13"/>
     <p:sldId id="2596" r:id="rId14"/>
     <p:sldId id="2584" r:id="rId15"/>
     <p:sldId id="2585" r:id="rId16"/>
@@ -1523,7 +1523,7 @@
     </p:spTree>
     <p:extLst>
       <p:ext uri="{BB962C8B-B14F-4D97-AF65-F5344CB8AC3E}">
-        <p14:creationId xmlns:p14="http://schemas.microsoft.com/office/powerpoint/2010/main" val="1148185079"/>
+        <p14:creationId xmlns:p14="http://schemas.microsoft.com/office/powerpoint/2010/main" val="1854314039"/>
       </p:ext>
     </p:extLst>
   </p:cSld>
@@ -1608,7 +1608,7 @@
     </p:spTree>
     <p:extLst>
       <p:ext uri="{BB962C8B-B14F-4D97-AF65-F5344CB8AC3E}">
-        <p14:creationId xmlns:p14="http://schemas.microsoft.com/office/powerpoint/2010/main" val="2722358604"/>
+        <p14:creationId xmlns:p14="http://schemas.microsoft.com/office/powerpoint/2010/main" val="3983324849"/>
       </p:ext>
     </p:extLst>
   </p:cSld>
@@ -5021,7 +5021,7 @@
         </p:nvSpPr>
         <p:spPr>
           <a:xfrm>
-            <a:off x="0" y="-4243"/>
+            <a:off x="0" y="0"/>
             <a:ext cx="12257237" cy="6858000"/>
           </a:xfrm>
           <a:prstGeom prst="rect">
@@ -5161,7 +5161,7 @@
         </p:blipFill>
         <p:spPr>
           <a:xfrm>
-            <a:off x="-65238" y="4243"/>
+            <a:off x="-65238" y="236259"/>
             <a:ext cx="12257237" cy="6215588"/>
           </a:xfrm>
           <a:prstGeom prst="rect">
@@ -5183,8 +5183,8 @@
         </p:nvSpPr>
         <p:spPr>
           <a:xfrm>
-            <a:off x="4054365" y="4560415"/>
-            <a:ext cx="6195848" cy="400110"/>
+            <a:off x="4054365" y="4792431"/>
+            <a:ext cx="6195848" cy="523220"/>
           </a:xfrm>
           <a:prstGeom prst="rect">
             <a:avLst/>
@@ -5198,7 +5198,7 @@
           <a:lstStyle/>
           <a:p>
             <a:r>
-              <a:rPr lang="de-AT" sz="2000" b="1" u="sng">
+              <a:rPr lang="de-AT" sz="2800" b="1" u="sng" dirty="0">
                 <a:solidFill>
                   <a:schemeClr val="bg1"/>
                 </a:solidFill>
@@ -5222,8 +5222,8 @@
         </p:nvSpPr>
         <p:spPr>
           <a:xfrm>
-            <a:off x="9289300" y="2092293"/>
-            <a:ext cx="6195848" cy="400110"/>
+            <a:off x="3964152" y="3143998"/>
+            <a:ext cx="1726964" cy="400110"/>
           </a:xfrm>
           <a:prstGeom prst="rect">
             <a:avLst/>
@@ -5237,14 +5237,14 @@
           <a:lstStyle/>
           <a:p>
             <a:r>
-              <a:rPr lang="de-AT" sz="2000">
+              <a:rPr lang="de-AT" sz="2000" u="sng" dirty="0">
                 <a:solidFill>
                   <a:schemeClr val="bg1"/>
                 </a:solidFill>
               </a:rPr>
               <a:t>Datenbanken</a:t>
             </a:r>
-            <a:endParaRPr lang="en-US"/>
+            <a:endParaRPr lang="en-US" u="sng" dirty="0"/>
           </a:p>
         </p:txBody>
       </p:sp>
@@ -5262,7 +5262,7 @@
         </p:nvSpPr>
         <p:spPr>
           <a:xfrm>
-            <a:off x="4269928" y="2061515"/>
+            <a:off x="2180523" y="2729797"/>
             <a:ext cx="1397226" cy="400110"/>
           </a:xfrm>
           <a:prstGeom prst="rect">
@@ -5277,14 +5277,14 @@
           <a:lstStyle/>
           <a:p>
             <a:r>
-              <a:rPr lang="de-AT" sz="2000">
+              <a:rPr lang="de-AT" sz="2000" u="sng" dirty="0">
                 <a:solidFill>
                   <a:schemeClr val="bg1"/>
                 </a:solidFill>
               </a:rPr>
               <a:t>Server</a:t>
             </a:r>
-            <a:endParaRPr lang="en-US"/>
+            <a:endParaRPr lang="en-US" u="sng" dirty="0"/>
           </a:p>
         </p:txBody>
       </p:sp>
@@ -5302,7 +5302,7 @@
         </p:nvSpPr>
         <p:spPr>
           <a:xfrm>
-            <a:off x="1067851" y="2092887"/>
+            <a:off x="1067851" y="2324903"/>
             <a:ext cx="743434" cy="400110"/>
           </a:xfrm>
           <a:prstGeom prst="rect">
@@ -5317,14 +5317,14 @@
           <a:lstStyle/>
           <a:p>
             <a:r>
-              <a:rPr lang="de-AT" sz="2000" dirty="0">
+              <a:rPr lang="de-AT" sz="2000" u="sng" dirty="0">
                 <a:solidFill>
                   <a:schemeClr val="bg1"/>
                 </a:solidFill>
               </a:rPr>
               <a:t>REST</a:t>
             </a:r>
-            <a:endParaRPr lang="en-US" dirty="0">
+            <a:endParaRPr lang="en-US" u="sng" dirty="0">
               <a:solidFill>
                 <a:schemeClr val="bg1"/>
               </a:solidFill>
@@ -5360,7 +5360,7 @@
         </p:blipFill>
         <p:spPr>
           <a:xfrm>
-            <a:off x="6267689" y="1824838"/>
+            <a:off x="6267689" y="2056854"/>
             <a:ext cx="1971959" cy="1971959"/>
           </a:xfrm>
           <a:prstGeom prst="rect">
@@ -5382,7 +5382,7 @@
         </p:nvSpPr>
         <p:spPr>
           <a:xfrm>
-            <a:off x="-65238" y="3879305"/>
+            <a:off x="-65238" y="4111321"/>
             <a:ext cx="1133089" cy="268309"/>
           </a:xfrm>
           <a:prstGeom prst="rect">
@@ -5463,6 +5463,9 @@
                     <p:cTn id="3" fill="hold">
                       <p:stCondLst>
                         <p:cond delay="indefinite"/>
+                        <p:cond evt="onBegin" delay="0">
+                          <p:tn val="2"/>
+                        </p:cond>
                       </p:stCondLst>
                       <p:childTnLst>
                         <p:par>
@@ -5472,9 +5475,9 @@
                             </p:stCondLst>
                             <p:childTnLst>
                               <p:par>
-                                <p:cTn id="5" presetID="1" presetClass="entr" presetSubtype="0" fill="hold" nodeType="clickEffect">
+                                <p:cTn id="5" presetID="1" presetClass="entr" presetSubtype="0" fill="hold" nodeType="afterEffect">
                                   <p:stCondLst>
-                                    <p:cond delay="0"/>
+                                    <p:cond delay="250"/>
                                   </p:stCondLst>
                                   <p:childTnLst>
                                     <p:set>
@@ -5505,30 +5508,21 @@
                             </p:childTnLst>
                           </p:cTn>
                         </p:par>
-                      </p:childTnLst>
-                    </p:cTn>
-                  </p:par>
-                  <p:par>
-                    <p:cTn id="7" fill="hold">
-                      <p:stCondLst>
-                        <p:cond delay="indefinite"/>
-                      </p:stCondLst>
-                      <p:childTnLst>
                         <p:par>
-                          <p:cTn id="8" fill="hold">
+                          <p:cTn id="7" fill="hold">
                             <p:stCondLst>
-                              <p:cond delay="0"/>
+                              <p:cond delay="250"/>
                             </p:stCondLst>
                             <p:childTnLst>
                               <p:par>
-                                <p:cTn id="9" presetID="2" presetClass="entr" presetSubtype="8" fill="hold" nodeType="clickEffect">
+                                <p:cTn id="8" presetID="2" presetClass="entr" presetSubtype="8" fill="hold" nodeType="afterEffect">
                                   <p:stCondLst>
-                                    <p:cond delay="0"/>
+                                    <p:cond delay="250"/>
                                   </p:stCondLst>
                                   <p:childTnLst>
                                     <p:set>
                                       <p:cBhvr>
-                                        <p:cTn id="10" dur="1" fill="hold">
+                                        <p:cTn id="9" dur="1" fill="hold">
                                           <p:stCondLst>
                                             <p:cond delay="0"/>
                                           </p:stCondLst>
@@ -5550,7 +5544,7 @@
                                     </p:set>
                                     <p:anim calcmode="lin" valueType="num">
                                       <p:cBhvr additive="base">
-                                        <p:cTn id="11" dur="500" fill="hold"/>
+                                        <p:cTn id="10" dur="500" fill="hold"/>
                                         <p:tgtEl>
                                           <p:spTgt spid="19">
                                             <p:txEl>
@@ -5577,7 +5571,7 @@
                                     </p:anim>
                                     <p:anim calcmode="lin" valueType="num">
                                       <p:cBhvr additive="base">
-                                        <p:cTn id="12" dur="500" fill="hold"/>
+                                        <p:cTn id="11" dur="500" fill="hold"/>
                                         <p:tgtEl>
                                           <p:spTgt spid="19">
                                             <p:txEl>
@@ -5609,20 +5603,20 @@
                           </p:cTn>
                         </p:par>
                         <p:par>
-                          <p:cTn id="13" fill="hold">
+                          <p:cTn id="12" fill="hold">
                             <p:stCondLst>
-                              <p:cond delay="500"/>
+                              <p:cond delay="1000"/>
                             </p:stCondLst>
                             <p:childTnLst>
                               <p:par>
-                                <p:cTn id="14" presetID="2" presetClass="entr" presetSubtype="1" fill="hold" nodeType="afterEffect">
+                                <p:cTn id="13" presetID="2" presetClass="entr" presetSubtype="1" fill="hold" nodeType="afterEffect">
                                   <p:stCondLst>
                                     <p:cond delay="750"/>
                                   </p:stCondLst>
                                   <p:childTnLst>
                                     <p:set>
                                       <p:cBhvr>
-                                        <p:cTn id="15" dur="1" fill="hold">
+                                        <p:cTn id="14" dur="1" fill="hold">
                                           <p:stCondLst>
                                             <p:cond delay="0"/>
                                           </p:stCondLst>
@@ -5644,7 +5638,7 @@
                                     </p:set>
                                     <p:anim calcmode="lin" valueType="num">
                                       <p:cBhvr additive="base">
-                                        <p:cTn id="16" dur="500" fill="hold"/>
+                                        <p:cTn id="15" dur="500" fill="hold"/>
                                         <p:tgtEl>
                                           <p:spTgt spid="15">
                                             <p:txEl>
@@ -5671,7 +5665,7 @@
                                     </p:anim>
                                     <p:anim calcmode="lin" valueType="num">
                                       <p:cBhvr additive="base">
-                                        <p:cTn id="17" dur="500" fill="hold"/>
+                                        <p:cTn id="16" dur="500" fill="hold"/>
                                         <p:tgtEl>
                                           <p:spTgt spid="15">
                                             <p:txEl>
@@ -5703,20 +5697,20 @@
                           </p:cTn>
                         </p:par>
                         <p:par>
-                          <p:cTn id="18" fill="hold">
+                          <p:cTn id="17" fill="hold">
                             <p:stCondLst>
-                              <p:cond delay="1750"/>
+                              <p:cond delay="2250"/>
                             </p:stCondLst>
                             <p:childTnLst>
                               <p:par>
-                                <p:cTn id="19" presetID="2" presetClass="entr" presetSubtype="2" fill="hold" nodeType="afterEffect">
+                                <p:cTn id="18" presetID="2" presetClass="entr" presetSubtype="2" fill="hold" nodeType="afterEffect">
                                   <p:stCondLst>
                                     <p:cond delay="500"/>
                                   </p:stCondLst>
                                   <p:childTnLst>
                                     <p:set>
                                       <p:cBhvr>
-                                        <p:cTn id="20" dur="1" fill="hold">
+                                        <p:cTn id="19" dur="1" fill="hold">
                                           <p:stCondLst>
                                             <p:cond delay="0"/>
                                           </p:stCondLst>
@@ -5738,7 +5732,7 @@
                                     </p:set>
                                     <p:anim calcmode="lin" valueType="num">
                                       <p:cBhvr additive="base">
-                                        <p:cTn id="21" dur="500" fill="hold"/>
+                                        <p:cTn id="20" dur="500" fill="hold"/>
                                         <p:tgtEl>
                                           <p:spTgt spid="11">
                                             <p:txEl>
@@ -5765,7 +5759,7 @@
                                     </p:anim>
                                     <p:anim calcmode="lin" valueType="num">
                                       <p:cBhvr additive="base">
-                                        <p:cTn id="22" dur="500" fill="hold"/>
+                                        <p:cTn id="21" dur="500" fill="hold"/>
                                         <p:tgtEl>
                                           <p:spTgt spid="11">
                                             <p:txEl>
@@ -5797,20 +5791,20 @@
                           </p:cTn>
                         </p:par>
                         <p:par>
-                          <p:cTn id="23" fill="hold">
+                          <p:cTn id="22" fill="hold">
                             <p:stCondLst>
-                              <p:cond delay="2750"/>
+                              <p:cond delay="3250"/>
                             </p:stCondLst>
                             <p:childTnLst>
                               <p:par>
-                                <p:cTn id="24" presetID="10" presetClass="entr" presetSubtype="0" fill="hold" nodeType="afterEffect">
+                                <p:cTn id="23" presetID="10" presetClass="entr" presetSubtype="0" fill="hold" nodeType="afterEffect">
                                   <p:stCondLst>
                                     <p:cond delay="500"/>
                                   </p:stCondLst>
                                   <p:childTnLst>
                                     <p:set>
                                       <p:cBhvr>
-                                        <p:cTn id="25" dur="1" fill="hold">
+                                        <p:cTn id="24" dur="1" fill="hold">
                                           <p:stCondLst>
                                             <p:cond delay="0"/>
                                           </p:stCondLst>
@@ -5828,7 +5822,7 @@
                                     </p:set>
                                     <p:animEffect transition="in" filter="fade">
                                       <p:cBhvr>
-                                        <p:cTn id="26" dur="500"/>
+                                        <p:cTn id="25" dur="500"/>
                                         <p:tgtEl>
                                           <p:spTgt spid="3"/>
                                         </p:tgtEl>
@@ -7243,10 +7237,10 @@
       </p:sp>
       <p:pic>
         <p:nvPicPr>
-          <p:cNvPr id="8" name="Inhaltsplatzhalter 7">
-            <a:extLst>
-              <a:ext uri="{FF2B5EF4-FFF2-40B4-BE49-F238E27FC236}">
-                <a16:creationId xmlns:a16="http://schemas.microsoft.com/office/drawing/2014/main" id="{48CABA1A-8C5B-67B0-5EB4-BAD28F2E27CA}"/>
+          <p:cNvPr id="13" name="Inhaltsplatzhalter 12" descr="Ein Bild, das Text, Screenshot, Reihe, Schrift enthält.&#10;&#10;Automatisch generierte Beschreibung">
+            <a:extLst>
+              <a:ext uri="{FF2B5EF4-FFF2-40B4-BE49-F238E27FC236}">
+                <a16:creationId xmlns:a16="http://schemas.microsoft.com/office/drawing/2014/main" id="{51ED9C1D-0E0F-1938-08D9-F34BB244C246}"/>
               </a:ext>
             </a:extLst>
           </p:cNvPr>
@@ -7258,7 +7252,7 @@
           </p:nvPr>
         </p:nvPicPr>
         <p:blipFill>
-          <a:blip r:embed="rId2">
+          <a:blip r:embed="rId2" cstate="print">
             <a:extLst>
               <a:ext uri="{28A0092B-C50C-407E-A947-70E740481C1C}">
                 <a14:useLocalDpi xmlns:a14="http://schemas.microsoft.com/office/drawing/2010/main" val="0"/>
@@ -7271,8 +7265,8 @@
         </p:blipFill>
         <p:spPr>
           <a:xfrm>
-            <a:off x="969158" y="2355661"/>
-            <a:ext cx="10613242" cy="2146678"/>
+            <a:off x="609600" y="1096268"/>
+            <a:ext cx="10972800" cy="4986139"/>
           </a:xfrm>
         </p:spPr>
       </p:pic>
@@ -7448,11 +7442,11 @@
                 </a:highlight>
                 <a:latin typeface="DIN-Web-Pro"/>
               </a:rPr>
-              <a:t>Wissende Kosten: € 70,86</a:t>
-            </a:r>
-          </a:p>
-          <a:p>
-            <a:pPr lvl="2"/>
+              <a:t>€ 13,74 pro Person </a:t>
+            </a:r>
+          </a:p>
+          <a:p>
+            <a:pPr lvl="1"/>
             <a:r>
               <a:rPr lang="de-AT" dirty="0">
                 <a:solidFill>
@@ -7463,82 +7457,7 @@
                 </a:highlight>
                 <a:latin typeface="DIN-Web-Pro"/>
               </a:rPr>
-              <a:t>3 Prototypen je: € 23,62</a:t>
-            </a:r>
-          </a:p>
-          <a:p>
-            <a:pPr lvl="3"/>
-            <a:r>
-              <a:rPr lang="de-AT" dirty="0">
-                <a:solidFill>
-                  <a:srgbClr val="000000"/>
-                </a:solidFill>
-                <a:highlight>
-                  <a:srgbClr val="FFFFFF"/>
-                </a:highlight>
-                <a:latin typeface="DIN-Web-Pro"/>
-              </a:rPr>
-              <a:t>Esp32: € 13,89</a:t>
-            </a:r>
-          </a:p>
-          <a:p>
-            <a:pPr lvl="3"/>
-            <a:r>
-              <a:rPr lang="de-AT" dirty="0">
-                <a:solidFill>
-                  <a:srgbClr val="000000"/>
-                </a:solidFill>
-                <a:highlight>
-                  <a:srgbClr val="FFFFFF"/>
-                </a:highlight>
-                <a:latin typeface="DIN-Web-Pro"/>
-              </a:rPr>
-              <a:t>GPS-Sensor: € 1,11</a:t>
-            </a:r>
-          </a:p>
-          <a:p>
-            <a:pPr lvl="3"/>
-            <a:r>
-              <a:rPr lang="de-AT" dirty="0">
-                <a:solidFill>
-                  <a:srgbClr val="000000"/>
-                </a:solidFill>
-                <a:highlight>
-                  <a:srgbClr val="FFFFFF"/>
-                </a:highlight>
-                <a:latin typeface="DIN-Web-Pro"/>
-              </a:rPr>
-              <a:t>Vibrationssensor: € 2,72</a:t>
-            </a:r>
-          </a:p>
-          <a:p>
-            <a:pPr lvl="3"/>
-            <a:r>
-              <a:rPr lang="de-AT" dirty="0">
-                <a:solidFill>
-                  <a:srgbClr val="000000"/>
-                </a:solidFill>
-                <a:highlight>
-                  <a:srgbClr val="FFFFFF"/>
-                </a:highlight>
-                <a:latin typeface="DIN-Web-Pro"/>
-              </a:rPr>
-              <a:t>BME 280: € 5,90</a:t>
-            </a:r>
-          </a:p>
-          <a:p>
-            <a:pPr lvl="1"/>
-            <a:r>
-              <a:rPr lang="de-AT" dirty="0">
-                <a:solidFill>
-                  <a:srgbClr val="000000"/>
-                </a:solidFill>
-                <a:highlight>
-                  <a:srgbClr val="FFFFFF"/>
-                </a:highlight>
-                <a:latin typeface="DIN-Web-Pro"/>
-              </a:rPr>
-              <a:t>Maximale Kosten € 200,00</a:t>
+              <a:t>€ 41,21 insgesamt</a:t>
             </a:r>
           </a:p>
           <a:p>
@@ -8646,7 +8565,7 @@
       </p:sp>
       <p:pic>
         <p:nvPicPr>
-          <p:cNvPr id="2050" name="Picture 2">
+          <p:cNvPr id="6" name="Picture 2">
             <a:extLst>
               <a:ext uri="{FF2B5EF4-FFF2-40B4-BE49-F238E27FC236}">
                 <a16:creationId xmlns:a16="http://schemas.microsoft.com/office/drawing/2014/main" id="{9717D544-01A3-046C-A61C-C7EA4071713D}"/>
@@ -8673,8 +8592,53 @@
         </p:blipFill>
         <p:spPr bwMode="auto">
           <a:xfrm>
-            <a:off x="5335589" y="1582580"/>
+            <a:off x="5378828" y="1437554"/>
             <a:ext cx="6399211" cy="3692839"/>
+          </a:xfrm>
+          <a:prstGeom prst="rect">
+            <a:avLst/>
+          </a:prstGeom>
+          <a:noFill/>
+          <a:extLst>
+            <a:ext uri="{909E8E84-426E-40DD-AFC4-6F175D3DCCD1}">
+              <a14:hiddenFill xmlns:a14="http://schemas.microsoft.com/office/drawing/2010/main">
+                <a:solidFill>
+                  <a:srgbClr val="FFFFFF"/>
+                </a:solidFill>
+              </a14:hiddenFill>
+            </a:ext>
+          </a:extLst>
+        </p:spPr>
+      </p:pic>
+      <p:pic>
+        <p:nvPicPr>
+          <p:cNvPr id="7" name="Picture 2">
+            <a:extLst>
+              <a:ext uri="{FF2B5EF4-FFF2-40B4-BE49-F238E27FC236}">
+                <a16:creationId xmlns:a16="http://schemas.microsoft.com/office/drawing/2014/main" id="{3FC2D77A-3433-E2FB-4E43-D0800364C129}"/>
+              </a:ext>
+            </a:extLst>
+          </p:cNvPr>
+          <p:cNvPicPr>
+            <a:picLocks noChangeAspect="1" noChangeArrowheads="1"/>
+          </p:cNvPicPr>
+          <p:nvPr/>
+        </p:nvPicPr>
+        <p:blipFill rotWithShape="1">
+          <a:blip r:embed="rId2" cstate="print">
+            <a:extLst>
+              <a:ext uri="{28A0092B-C50C-407E-A947-70E740481C1C}">
+                <a14:useLocalDpi xmlns:a14="http://schemas.microsoft.com/office/drawing/2010/main" val="0"/>
+              </a:ext>
+            </a:extLst>
+          </a:blip>
+          <a:srcRect l="16147" t="55214" r="67967" b="8777"/>
+          <a:stretch/>
+        </p:blipFill>
+        <p:spPr bwMode="auto">
+          <a:xfrm>
+            <a:off x="6096000" y="3418353"/>
+            <a:ext cx="1691149" cy="1913652"/>
           </a:xfrm>
           <a:prstGeom prst="rect">
             <a:avLst/>
@@ -9053,15 +9017,15 @@
           <a:lstStyle/>
           <a:p>
             <a:r>
-              <a:rPr lang="de-AT"/>
+              <a:rPr lang="de-AT" dirty="0"/>
               <a:t>CONTRUDE </a:t>
             </a:r>
             <a:r>
-              <a:rPr lang="de-AT" err="1"/>
+              <a:rPr lang="de-AT" dirty="0" err="1"/>
               <a:t>Gekle</a:t>
             </a:r>
             <a:r>
-              <a:rPr lang="de-AT"/>
+              <a:rPr lang="de-AT" dirty="0"/>
               <a:t>, Kampl, Schrempf</a:t>
             </a:r>
           </a:p>
@@ -9198,10 +9162,10 @@
       </p:sp>
       <p:sp>
         <p:nvSpPr>
-          <p:cNvPr id="3" name="Inhaltsplatzhalter 2">
-            <a:extLst>
-              <a:ext uri="{FF2B5EF4-FFF2-40B4-BE49-F238E27FC236}">
-                <a16:creationId xmlns:a16="http://schemas.microsoft.com/office/drawing/2014/main" id="{C2DBF5C7-A707-ABDC-AAC2-B4DED04D0B9D}"/>
+          <p:cNvPr id="4" name="Fußzeilenplatzhalter 3">
+            <a:extLst>
+              <a:ext uri="{FF2B5EF4-FFF2-40B4-BE49-F238E27FC236}">
+                <a16:creationId xmlns:a16="http://schemas.microsoft.com/office/drawing/2014/main" id="{E5F5223E-8ED4-4C95-5CDA-F14BDC1EEAAF}"/>
               </a:ext>
             </a:extLst>
           </p:cNvPr>
@@ -9209,7 +9173,7 @@
             <a:spLocks noGrp="1"/>
           </p:cNvSpPr>
           <p:nvPr>
-            <p:ph idx="1"/>
+            <p:ph type="ftr" sz="quarter" idx="11"/>
           </p:nvPr>
         </p:nvSpPr>
         <p:spPr/>
@@ -9218,60 +9182,16 @@
           <a:lstStyle/>
           <a:p>
             <a:r>
-              <a:rPr lang="de-DE" dirty="0"/>
-              <a:t>Gesundheit &amp; Wohlergehen</a:t>
-            </a:r>
-          </a:p>
-          <a:p>
-            <a:r>
-              <a:rPr lang="de-DE" dirty="0"/>
-              <a:t>Menschenwürdige Arbeit &amp; Wirtschaftswachstum</a:t>
-            </a:r>
-          </a:p>
-          <a:p>
-            <a:r>
-              <a:rPr lang="de-DE" dirty="0"/>
-              <a:t>Industrie, Innovation &amp; Infrastruktur</a:t>
-            </a:r>
-          </a:p>
-          <a:p>
-            <a:r>
-              <a:rPr lang="de-DE" dirty="0"/>
-              <a:t>Nachhaltiger Konsum &amp; Produktion</a:t>
-            </a:r>
-          </a:p>
-          <a:p>
-            <a:r>
-              <a:rPr lang="de-DE" dirty="0"/>
-              <a:t>Klimaschutz</a:t>
-            </a:r>
-          </a:p>
-        </p:txBody>
-      </p:sp>
-      <p:sp>
-        <p:nvSpPr>
-          <p:cNvPr id="4" name="Fußzeilenplatzhalter 3">
-            <a:extLst>
-              <a:ext uri="{FF2B5EF4-FFF2-40B4-BE49-F238E27FC236}">
-                <a16:creationId xmlns:a16="http://schemas.microsoft.com/office/drawing/2014/main" id="{E5F5223E-8ED4-4C95-5CDA-F14BDC1EEAAF}"/>
-              </a:ext>
-            </a:extLst>
-          </p:cNvPr>
-          <p:cNvSpPr>
-            <a:spLocks noGrp="1"/>
-          </p:cNvSpPr>
-          <p:nvPr>
-            <p:ph type="ftr" sz="quarter" idx="11"/>
-          </p:nvPr>
-        </p:nvSpPr>
-        <p:spPr/>
-        <p:txBody>
-          <a:bodyPr/>
-          <a:lstStyle/>
-          <a:p>
-            <a:r>
-              <a:rPr lang="de-AT"/>
-              <a:t>Diplomarbeit Name, Name</a:t>
+              <a:rPr lang="de-AT" dirty="0"/>
+              <a:t>CONTRUDE </a:t>
+            </a:r>
+            <a:r>
+              <a:rPr lang="de-AT" dirty="0" err="1"/>
+              <a:t>Gekle</a:t>
+            </a:r>
+            <a:r>
+              <a:rPr lang="de-AT" dirty="0"/>
+              <a:t>, Kampl, Schrempf</a:t>
             </a:r>
           </a:p>
         </p:txBody>
@@ -9306,6 +9226,186 @@
           </a:p>
         </p:txBody>
       </p:sp>
+      <p:pic>
+        <p:nvPicPr>
+          <p:cNvPr id="7" name="Grafik 6" descr="Ein Bild, das Text, Schrift, Grün, Grafiken enthält.&#10;&#10;Automatisch generierte Beschreibung">
+            <a:extLst>
+              <a:ext uri="{FF2B5EF4-FFF2-40B4-BE49-F238E27FC236}">
+                <a16:creationId xmlns:a16="http://schemas.microsoft.com/office/drawing/2014/main" id="{BB3329D1-48C7-94F5-D68C-8796277FBDDB}"/>
+              </a:ext>
+            </a:extLst>
+          </p:cNvPr>
+          <p:cNvPicPr>
+            <a:picLocks noChangeAspect="1"/>
+          </p:cNvPicPr>
+          <p:nvPr/>
+        </p:nvPicPr>
+        <p:blipFill>
+          <a:blip r:embed="rId3" cstate="print">
+            <a:extLst>
+              <a:ext uri="{28A0092B-C50C-407E-A947-70E740481C1C}">
+                <a14:useLocalDpi xmlns:a14="http://schemas.microsoft.com/office/drawing/2010/main" val="0"/>
+              </a:ext>
+            </a:extLst>
+          </a:blip>
+          <a:stretch>
+            <a:fillRect/>
+          </a:stretch>
+        </p:blipFill>
+        <p:spPr>
+          <a:xfrm>
+            <a:off x="2043046" y="1141214"/>
+            <a:ext cx="2354461" cy="2354461"/>
+          </a:xfrm>
+          <a:prstGeom prst="rect">
+            <a:avLst/>
+          </a:prstGeom>
+        </p:spPr>
+      </p:pic>
+      <p:pic>
+        <p:nvPicPr>
+          <p:cNvPr id="10" name="Grafik 9" descr="Ein Bild, das Text, Schrift, Grafiken, Logo enthält.&#10;&#10;Automatisch generierte Beschreibung">
+            <a:extLst>
+              <a:ext uri="{FF2B5EF4-FFF2-40B4-BE49-F238E27FC236}">
+                <a16:creationId xmlns:a16="http://schemas.microsoft.com/office/drawing/2014/main" id="{D5DB498B-8B11-E80E-56FC-E602297D0C6A}"/>
+              </a:ext>
+            </a:extLst>
+          </p:cNvPr>
+          <p:cNvPicPr>
+            <a:picLocks noChangeAspect="1"/>
+          </p:cNvPicPr>
+          <p:nvPr/>
+        </p:nvPicPr>
+        <p:blipFill>
+          <a:blip r:embed="rId4" cstate="print">
+            <a:extLst>
+              <a:ext uri="{28A0092B-C50C-407E-A947-70E740481C1C}">
+                <a14:useLocalDpi xmlns:a14="http://schemas.microsoft.com/office/drawing/2010/main" val="0"/>
+              </a:ext>
+            </a:extLst>
+          </a:blip>
+          <a:stretch>
+            <a:fillRect/>
+          </a:stretch>
+        </p:blipFill>
+        <p:spPr>
+          <a:xfrm>
+            <a:off x="5077564" y="1141214"/>
+            <a:ext cx="2354461" cy="2354461"/>
+          </a:xfrm>
+          <a:prstGeom prst="rect">
+            <a:avLst/>
+          </a:prstGeom>
+        </p:spPr>
+      </p:pic>
+      <p:pic>
+        <p:nvPicPr>
+          <p:cNvPr id="12" name="Grafik 11" descr="Ein Bild, das Text, Design, Grafiken, Schrift enthält.&#10;&#10;Automatisch generierte Beschreibung">
+            <a:extLst>
+              <a:ext uri="{FF2B5EF4-FFF2-40B4-BE49-F238E27FC236}">
+                <a16:creationId xmlns:a16="http://schemas.microsoft.com/office/drawing/2014/main" id="{5FC52199-4A3F-3E14-874F-7564EE6BFC29}"/>
+              </a:ext>
+            </a:extLst>
+          </p:cNvPr>
+          <p:cNvPicPr>
+            <a:picLocks noChangeAspect="1"/>
+          </p:cNvPicPr>
+          <p:nvPr/>
+        </p:nvPicPr>
+        <p:blipFill>
+          <a:blip r:embed="rId5" cstate="print">
+            <a:extLst>
+              <a:ext uri="{28A0092B-C50C-407E-A947-70E740481C1C}">
+                <a14:useLocalDpi xmlns:a14="http://schemas.microsoft.com/office/drawing/2010/main" val="0"/>
+              </a:ext>
+            </a:extLst>
+          </a:blip>
+          <a:stretch>
+            <a:fillRect/>
+          </a:stretch>
+        </p:blipFill>
+        <p:spPr>
+          <a:xfrm>
+            <a:off x="8112082" y="1141214"/>
+            <a:ext cx="2354461" cy="2354461"/>
+          </a:xfrm>
+          <a:prstGeom prst="rect">
+            <a:avLst/>
+          </a:prstGeom>
+        </p:spPr>
+      </p:pic>
+      <p:pic>
+        <p:nvPicPr>
+          <p:cNvPr id="14" name="Grafik 13" descr="Ein Bild, das Text, Schrift, Logo, Grafiken enthält.&#10;&#10;Automatisch generierte Beschreibung">
+            <a:extLst>
+              <a:ext uri="{FF2B5EF4-FFF2-40B4-BE49-F238E27FC236}">
+                <a16:creationId xmlns:a16="http://schemas.microsoft.com/office/drawing/2014/main" id="{F4B79455-BB9C-413C-9CEB-C51B694642FA}"/>
+              </a:ext>
+            </a:extLst>
+          </p:cNvPr>
+          <p:cNvPicPr>
+            <a:picLocks noChangeAspect="1"/>
+          </p:cNvPicPr>
+          <p:nvPr/>
+        </p:nvPicPr>
+        <p:blipFill>
+          <a:blip r:embed="rId6" cstate="print">
+            <a:extLst>
+              <a:ext uri="{28A0092B-C50C-407E-A947-70E740481C1C}">
+                <a14:useLocalDpi xmlns:a14="http://schemas.microsoft.com/office/drawing/2010/main" val="0"/>
+              </a:ext>
+            </a:extLst>
+          </a:blip>
+          <a:stretch>
+            <a:fillRect/>
+          </a:stretch>
+        </p:blipFill>
+        <p:spPr>
+          <a:xfrm>
+            <a:off x="3560305" y="3724394"/>
+            <a:ext cx="2354461" cy="2354461"/>
+          </a:xfrm>
+          <a:prstGeom prst="rect">
+            <a:avLst/>
+          </a:prstGeom>
+        </p:spPr>
+      </p:pic>
+      <p:pic>
+        <p:nvPicPr>
+          <p:cNvPr id="16" name="Grafik 15" descr="Ein Bild, das Text, Logo, Grafiken, Grafikdesign enthält.&#10;&#10;Automatisch generierte Beschreibung">
+            <a:extLst>
+              <a:ext uri="{FF2B5EF4-FFF2-40B4-BE49-F238E27FC236}">
+                <a16:creationId xmlns:a16="http://schemas.microsoft.com/office/drawing/2014/main" id="{4A1CF2A3-C671-DF8D-6D25-6E8CA96ED248}"/>
+              </a:ext>
+            </a:extLst>
+          </p:cNvPr>
+          <p:cNvPicPr>
+            <a:picLocks noChangeAspect="1"/>
+          </p:cNvPicPr>
+          <p:nvPr/>
+        </p:nvPicPr>
+        <p:blipFill>
+          <a:blip r:embed="rId7" cstate="print">
+            <a:extLst>
+              <a:ext uri="{28A0092B-C50C-407E-A947-70E740481C1C}">
+                <a14:useLocalDpi xmlns:a14="http://schemas.microsoft.com/office/drawing/2010/main" val="0"/>
+              </a:ext>
+            </a:extLst>
+          </a:blip>
+          <a:stretch>
+            <a:fillRect/>
+          </a:stretch>
+        </p:blipFill>
+        <p:spPr>
+          <a:xfrm>
+            <a:off x="6588472" y="3725305"/>
+            <a:ext cx="2367163" cy="2367163"/>
+          </a:xfrm>
+          <a:prstGeom prst="rect">
+            <a:avLst/>
+          </a:prstGeom>
+        </p:spPr>
+      </p:pic>
     </p:spTree>
     <p:extLst>
       <p:ext uri="{BB962C8B-B14F-4D97-AF65-F5344CB8AC3E}">
@@ -9621,7 +9721,20 @@
                 <a:effectLst/>
                 <a:latin typeface="+mj-lt"/>
               </a:rPr>
-              <a:t>Verfolgung von Containern während des Überseetransports GPS-Tracking</a:t>
+              <a:t>Verfolgung von Containern während des Überseetransports </a:t>
+            </a:r>
+          </a:p>
+          <a:p>
+            <a:pPr lvl="1" fontAlgn="base">
+              <a:buFont typeface="Arial" panose="020B0604020202020204" pitchFamily="34" charset="0"/>
+              <a:buChar char="•"/>
+            </a:pPr>
+            <a:r>
+              <a:rPr lang="de-DE" b="0" i="0" dirty="0">
+                <a:effectLst/>
+                <a:latin typeface="+mj-lt"/>
+              </a:rPr>
+              <a:t>GPS-Tracking</a:t>
             </a:r>
           </a:p>
           <a:p>
@@ -10452,7 +10565,7 @@
         </p:nvSpPr>
         <p:spPr>
           <a:xfrm>
-            <a:off x="6736771" y="2853672"/>
+            <a:off x="6696485" y="2858894"/>
             <a:ext cx="2300514" cy="400110"/>
           </a:xfrm>
           <a:prstGeom prst="rect">
@@ -10468,7 +10581,7 @@
           <a:p>
             <a:pPr lvl="1"/>
             <a:r>
-              <a:rPr lang="de-AT" sz="2000" u="sng">
+              <a:rPr lang="de-AT" sz="2000" u="sng" dirty="0">
                 <a:solidFill>
                   <a:schemeClr val="bg1"/>
                 </a:solidFill>
@@ -10507,7 +10620,7 @@
           <a:lstStyle/>
           <a:p>
             <a:r>
-              <a:rPr lang="de-AT" sz="2800" b="1" u="sng">
+              <a:rPr lang="de-AT" sz="2800" b="1" u="sng" dirty="0">
                 <a:solidFill>
                   <a:schemeClr val="bg1"/>
                 </a:solidFill>
@@ -10515,14 +10628,14 @@
               <a:t>Luca A. </a:t>
             </a:r>
             <a:r>
-              <a:rPr lang="de-AT" sz="2800" b="1" u="sng" err="1">
+              <a:rPr lang="de-AT" sz="2800" b="1" u="sng" dirty="0" err="1">
                 <a:solidFill>
                   <a:schemeClr val="bg1"/>
                 </a:solidFill>
               </a:rPr>
               <a:t>Gekle</a:t>
             </a:r>
-            <a:endParaRPr lang="de-AT" sz="2800" b="1" u="sng">
+            <a:endParaRPr lang="de-AT" sz="2800" b="1" u="sng" dirty="0">
               <a:solidFill>
                 <a:schemeClr val="bg1"/>
               </a:solidFill>
@@ -10560,14 +10673,14 @@
           <a:p>
             <a:pPr lvl="1"/>
             <a:r>
-              <a:rPr lang="de-AT" sz="2000" u="sng">
+              <a:rPr lang="de-AT" sz="2000" u="sng" dirty="0">
                 <a:solidFill>
                   <a:schemeClr val="bg1"/>
                 </a:solidFill>
               </a:rPr>
               <a:t>Webanwendung</a:t>
             </a:r>
-            <a:endParaRPr lang="de-AT" sz="1800" u="sng">
+            <a:endParaRPr lang="de-AT" sz="1800" u="sng" dirty="0">
               <a:solidFill>
                 <a:schemeClr val="bg1"/>
               </a:solidFill>
@@ -10604,14 +10717,14 @@
           <a:lstStyle/>
           <a:p>
             <a:r>
-              <a:rPr lang="de-AT" sz="2000" u="sng">
+              <a:rPr lang="de-AT" sz="2000" u="sng" dirty="0">
                 <a:solidFill>
                   <a:schemeClr val="bg1"/>
                 </a:solidFill>
               </a:rPr>
               <a:t>Positionsalgorithmus</a:t>
             </a:r>
-            <a:endParaRPr lang="en-US" u="sng"/>
+            <a:endParaRPr lang="en-US" u="sng" dirty="0"/>
           </a:p>
         </p:txBody>
       </p:sp>
@@ -10742,6 +10855,9 @@
                     <p:cTn id="3" fill="hold">
                       <p:stCondLst>
                         <p:cond delay="indefinite"/>
+                        <p:cond evt="onBegin" delay="0">
+                          <p:tn val="2"/>
+                        </p:cond>
                       </p:stCondLst>
                       <p:childTnLst>
                         <p:par>
@@ -10751,9 +10867,9 @@
                             </p:stCondLst>
                             <p:childTnLst>
                               <p:par>
-                                <p:cTn id="5" presetID="10" presetClass="entr" presetSubtype="0" fill="hold" nodeType="clickEffect">
+                                <p:cTn id="5" presetID="10" presetClass="entr" presetSubtype="0" fill="hold" nodeType="afterEffect">
                                   <p:stCondLst>
-                                    <p:cond delay="0"/>
+                                    <p:cond delay="250"/>
                                   </p:stCondLst>
                                   <p:childTnLst>
                                     <p:set>
@@ -10796,30 +10912,21 @@
                             </p:childTnLst>
                           </p:cTn>
                         </p:par>
-                      </p:childTnLst>
-                    </p:cTn>
-                  </p:par>
-                  <p:par>
-                    <p:cTn id="8" fill="hold">
-                      <p:stCondLst>
-                        <p:cond delay="indefinite"/>
-                      </p:stCondLst>
-                      <p:childTnLst>
                         <p:par>
-                          <p:cTn id="9" fill="hold">
+                          <p:cTn id="8" fill="hold">
                             <p:stCondLst>
-                              <p:cond delay="0"/>
+                              <p:cond delay="750"/>
                             </p:stCondLst>
                             <p:childTnLst>
                               <p:par>
-                                <p:cTn id="10" presetID="10" presetClass="entr" presetSubtype="0" fill="hold" nodeType="clickEffect">
+                                <p:cTn id="9" presetID="10" presetClass="entr" presetSubtype="0" fill="hold" nodeType="afterEffect">
                                   <p:stCondLst>
-                                    <p:cond delay="0"/>
+                                    <p:cond delay="250"/>
                                   </p:stCondLst>
                                   <p:childTnLst>
                                     <p:set>
                                       <p:cBhvr>
-                                        <p:cTn id="11" dur="1" fill="hold">
+                                        <p:cTn id="10" dur="1" fill="hold">
                                           <p:stCondLst>
                                             <p:cond delay="0"/>
                                           </p:stCondLst>
@@ -10841,7 +10948,7 @@
                                     </p:set>
                                     <p:animEffect transition="in" filter="fade">
                                       <p:cBhvr>
-                                        <p:cTn id="12" dur="500"/>
+                                        <p:cTn id="11" dur="500"/>
                                         <p:tgtEl>
                                           <p:spTgt spid="12">
                                             <p:txEl>
@@ -10858,20 +10965,20 @@
                           </p:cTn>
                         </p:par>
                         <p:par>
-                          <p:cTn id="13" fill="hold">
+                          <p:cTn id="12" fill="hold">
                             <p:stCondLst>
-                              <p:cond delay="500"/>
+                              <p:cond delay="1500"/>
                             </p:stCondLst>
                             <p:childTnLst>
                               <p:par>
-                                <p:cTn id="14" presetID="10" presetClass="entr" presetSubtype="0" fill="hold" nodeType="afterEffect">
+                                <p:cTn id="13" presetID="10" presetClass="entr" presetSubtype="0" fill="hold" nodeType="afterEffect">
                                   <p:stCondLst>
                                     <p:cond delay="750"/>
                                   </p:stCondLst>
                                   <p:childTnLst>
                                     <p:set>
                                       <p:cBhvr>
-                                        <p:cTn id="15" dur="1" fill="hold">
+                                        <p:cTn id="14" dur="1" fill="hold">
                                           <p:stCondLst>
                                             <p:cond delay="0"/>
                                           </p:stCondLst>
@@ -10893,7 +11000,7 @@
                                     </p:set>
                                     <p:animEffect transition="in" filter="fade">
                                       <p:cBhvr>
-                                        <p:cTn id="16" dur="500"/>
+                                        <p:cTn id="15" dur="500"/>
                                         <p:tgtEl>
                                           <p:spTgt spid="3">
                                             <p:txEl>
@@ -10910,20 +11017,20 @@
                           </p:cTn>
                         </p:par>
                         <p:par>
-                          <p:cTn id="17" fill="hold">
+                          <p:cTn id="16" fill="hold">
                             <p:stCondLst>
-                              <p:cond delay="1750"/>
+                              <p:cond delay="2750"/>
                             </p:stCondLst>
                             <p:childTnLst>
                               <p:par>
-                                <p:cTn id="18" presetID="10" presetClass="entr" presetSubtype="0" fill="hold" nodeType="afterEffect">
+                                <p:cTn id="17" presetID="10" presetClass="entr" presetSubtype="0" fill="hold" nodeType="afterEffect">
                                   <p:stCondLst>
                                     <p:cond delay="500"/>
                                   </p:stCondLst>
                                   <p:childTnLst>
                                     <p:set>
                                       <p:cBhvr>
-                                        <p:cTn id="19" dur="1" fill="hold">
+                                        <p:cTn id="18" dur="1" fill="hold">
                                           <p:stCondLst>
                                             <p:cond delay="0"/>
                                           </p:stCondLst>
@@ -10945,7 +11052,7 @@
                                     </p:set>
                                     <p:animEffect transition="in" filter="fade">
                                       <p:cBhvr>
-                                        <p:cTn id="20" dur="500"/>
+                                        <p:cTn id="19" dur="500"/>
                                         <p:tgtEl>
                                           <p:spTgt spid="14">
                                             <p:txEl>
@@ -10962,20 +11069,20 @@
                           </p:cTn>
                         </p:par>
                         <p:par>
-                          <p:cTn id="21" fill="hold">
+                          <p:cTn id="20" fill="hold">
                             <p:stCondLst>
-                              <p:cond delay="2750"/>
+                              <p:cond delay="3750"/>
                             </p:stCondLst>
                             <p:childTnLst>
                               <p:par>
-                                <p:cTn id="22" presetID="10" presetClass="entr" presetSubtype="0" fill="hold" nodeType="afterEffect">
+                                <p:cTn id="21" presetID="10" presetClass="entr" presetSubtype="0" fill="hold" nodeType="afterEffect">
                                   <p:stCondLst>
                                     <p:cond delay="250"/>
                                   </p:stCondLst>
                                   <p:childTnLst>
                                     <p:set>
                                       <p:cBhvr>
-                                        <p:cTn id="23" dur="1" fill="hold">
+                                        <p:cTn id="22" dur="1" fill="hold">
                                           <p:stCondLst>
                                             <p:cond delay="0"/>
                                           </p:stCondLst>
@@ -10993,7 +11100,7 @@
                                     </p:set>
                                     <p:animEffect transition="in" filter="fade">
                                       <p:cBhvr>
-                                        <p:cTn id="24" dur="1000"/>
+                                        <p:cTn id="23" dur="1000"/>
                                         <p:tgtEl>
                                           <p:spTgt spid="16"/>
                                         </p:tgtEl>
@@ -11064,7 +11171,7 @@
         </p:nvSpPr>
         <p:spPr>
           <a:xfrm>
-            <a:off x="-32619" y="-2178"/>
+            <a:off x="-32619" y="0"/>
             <a:ext cx="12257237" cy="6858000"/>
           </a:xfrm>
           <a:prstGeom prst="rect">
@@ -11100,14 +11207,11 @@
           <a:bodyPr rtlCol="0" anchor="ctr"/>
           <a:lstStyle/>
           <a:p>
-            <a:r>
-              <a:rPr lang="de-AT" sz="1800">
-                <a:solidFill>
-                  <a:schemeClr val="bg1"/>
-                </a:solidFill>
-              </a:rPr>
-              <a:t>Luca Alexander Gekle</a:t>
-            </a:r>
+            <a:endParaRPr lang="de-AT" sz="1800" dirty="0">
+              <a:solidFill>
+                <a:schemeClr val="bg1"/>
+              </a:solidFill>
+            </a:endParaRPr>
           </a:p>
         </p:txBody>
       </p:sp>
@@ -11214,7 +11318,54 @@
         </p:blipFill>
         <p:spPr bwMode="auto">
           <a:xfrm>
-            <a:off x="5312724" y="1588522"/>
+            <a:off x="5312724" y="1785166"/>
+            <a:ext cx="559134" cy="559134"/>
+          </a:xfrm>
+          <a:prstGeom prst="rect">
+            <a:avLst/>
+          </a:prstGeom>
+          <a:noFill/>
+          <a:extLst>
+            <a:ext uri="{909E8E84-426E-40DD-AFC4-6F175D3DCCD1}">
+              <a14:hiddenFill xmlns:a14="http://schemas.microsoft.com/office/drawing/2010/main">
+                <a:solidFill>
+                  <a:srgbClr val="FFFFFF"/>
+                </a:solidFill>
+              </a14:hiddenFill>
+            </a:ext>
+          </a:extLst>
+        </p:spPr>
+      </p:pic>
+      <p:pic>
+        <p:nvPicPr>
+          <p:cNvPr id="3" name="Picture 2" descr="NodeMCU ESP32 | Joy-IT">
+            <a:extLst>
+              <a:ext uri="{FF2B5EF4-FFF2-40B4-BE49-F238E27FC236}">
+                <a16:creationId xmlns:a16="http://schemas.microsoft.com/office/drawing/2014/main" id="{1D760FF0-D398-D889-5BE3-0519E62345AD}"/>
+              </a:ext>
+            </a:extLst>
+          </p:cNvPr>
+          <p:cNvPicPr>
+            <a:picLocks noChangeAspect="1" noChangeArrowheads="1"/>
+          </p:cNvPicPr>
+          <p:nvPr/>
+        </p:nvPicPr>
+        <p:blipFill>
+          <a:blip r:embed="rId3" cstate="print">
+            <a:extLst>
+              <a:ext uri="{28A0092B-C50C-407E-A947-70E740481C1C}">
+                <a14:useLocalDpi xmlns:a14="http://schemas.microsoft.com/office/drawing/2010/main" val="0"/>
+              </a:ext>
+            </a:extLst>
+          </a:blip>
+          <a:srcRect/>
+          <a:stretch>
+            <a:fillRect/>
+          </a:stretch>
+        </p:blipFill>
+        <p:spPr bwMode="auto">
+          <a:xfrm>
+            <a:off x="5033157" y="1792797"/>
             <a:ext cx="559134" cy="559134"/>
           </a:xfrm>
           <a:prstGeom prst="rect">
@@ -11262,7 +11413,7 @@
         </p:blipFill>
         <p:spPr>
           <a:xfrm>
-            <a:off x="-65238" y="4243"/>
+            <a:off x="-24294" y="200887"/>
             <a:ext cx="12257238" cy="6215588"/>
           </a:xfrm>
           <a:prstGeom prst="rect">
@@ -11284,8 +11435,8 @@
         </p:nvSpPr>
         <p:spPr>
           <a:xfrm>
-            <a:off x="4202226" y="4547416"/>
-            <a:ext cx="3164929" cy="400110"/>
+            <a:off x="4202226" y="4744060"/>
+            <a:ext cx="3465900" cy="523220"/>
           </a:xfrm>
           <a:prstGeom prst="rect">
             <a:avLst/>
@@ -11299,7 +11450,7 @@
           <a:lstStyle/>
           <a:p>
             <a:r>
-              <a:rPr lang="de-AT" sz="2000" b="1" u="sng">
+              <a:rPr lang="de-AT" sz="2800" b="1" u="sng" dirty="0">
                 <a:solidFill>
                   <a:schemeClr val="bg1"/>
                 </a:solidFill>
@@ -11323,7 +11474,7 @@
         </p:nvSpPr>
         <p:spPr>
           <a:xfrm>
-            <a:off x="2926369" y="1675665"/>
+            <a:off x="107273" y="1817230"/>
             <a:ext cx="1502142" cy="400110"/>
           </a:xfrm>
           <a:prstGeom prst="rect">
@@ -11338,14 +11489,14 @@
           <a:lstStyle/>
           <a:p>
             <a:r>
-              <a:rPr lang="de-AT" sz="2000">
+              <a:rPr lang="de-AT" sz="2000" u="sng" dirty="0">
                 <a:solidFill>
                   <a:schemeClr val="bg1"/>
                 </a:solidFill>
               </a:rPr>
               <a:t>Hardware</a:t>
             </a:r>
-            <a:endParaRPr lang="en-US"/>
+            <a:endParaRPr lang="en-US" u="sng" dirty="0"/>
           </a:p>
         </p:txBody>
       </p:sp>
@@ -11363,7 +11514,7 @@
         </p:nvSpPr>
         <p:spPr>
           <a:xfrm>
-            <a:off x="5592292" y="2147656"/>
+            <a:off x="5544671" y="1872309"/>
             <a:ext cx="1410087" cy="400110"/>
           </a:xfrm>
           <a:prstGeom prst="rect">
@@ -11378,14 +11529,14 @@
           <a:lstStyle/>
           <a:p>
             <a:r>
-              <a:rPr lang="de-AT" sz="2000">
+              <a:rPr lang="de-AT" sz="2000" u="sng" dirty="0">
                 <a:solidFill>
                   <a:schemeClr val="bg1"/>
                 </a:solidFill>
               </a:rPr>
               <a:t>Sensorik</a:t>
             </a:r>
-            <a:endParaRPr lang="en-US"/>
+            <a:endParaRPr lang="en-US" u="sng" dirty="0"/>
           </a:p>
         </p:txBody>
       </p:sp>
@@ -11403,8 +11554,8 @@
         </p:nvSpPr>
         <p:spPr>
           <a:xfrm>
-            <a:off x="-65239" y="2511872"/>
-            <a:ext cx="7897570" cy="892552"/>
+            <a:off x="2771285" y="2298134"/>
+            <a:ext cx="1527760" cy="892552"/>
           </a:xfrm>
           <a:prstGeom prst="rect">
             <a:avLst/>
@@ -11418,7 +11569,7 @@
           <a:lstStyle/>
           <a:p>
             <a:r>
-              <a:rPr lang="de-AT" sz="2000" dirty="0">
+              <a:rPr lang="de-AT" sz="2000" u="sng" dirty="0">
                 <a:solidFill>
                   <a:schemeClr val="bg1"/>
                 </a:solidFill>
@@ -11427,7 +11578,7 @@
             </a:r>
           </a:p>
           <a:p>
-            <a:endParaRPr lang="de-AT" sz="1200" dirty="0">
+            <a:endParaRPr lang="de-AT" sz="1200" u="sng" dirty="0">
               <a:solidFill>
                 <a:schemeClr val="bg1"/>
               </a:solidFill>
@@ -11435,14 +11586,14 @@
           </a:p>
           <a:p>
             <a:r>
-              <a:rPr lang="de-AT" sz="2000" dirty="0" err="1">
+              <a:rPr lang="de-AT" sz="2000" u="sng" dirty="0" err="1">
                 <a:solidFill>
                   <a:schemeClr val="bg1"/>
                 </a:solidFill>
               </a:rPr>
               <a:t>übertragung</a:t>
             </a:r>
-            <a:endParaRPr lang="en-US" dirty="0"/>
+            <a:endParaRPr lang="en-US" u="sng" dirty="0"/>
           </a:p>
         </p:txBody>
       </p:sp>
@@ -11583,7 +11734,7 @@
                                           </p:stCondLst>
                                         </p:cTn>
                                         <p:tgtEl>
-                                          <p:spTgt spid="17"/>
+                                          <p:spTgt spid="2"/>
                                         </p:tgtEl>
                                         <p:attrNameLst>
                                           <p:attrName>style.visibility</p:attrName>
@@ -11619,7 +11770,7 @@
                                           </p:stCondLst>
                                         </p:cTn>
                                         <p:tgtEl>
-                                          <p:spTgt spid="2"/>
+                                          <p:spTgt spid="17"/>
                                         </p:tgtEl>
                                         <p:attrNameLst>
                                           <p:attrName>style.visibility</p:attrName>
@@ -11700,7 +11851,7 @@
         </p:nvSpPr>
         <p:spPr>
           <a:xfrm>
-            <a:off x="-65238" y="0"/>
+            <a:off x="-32619" y="0"/>
             <a:ext cx="12257237" cy="6858000"/>
           </a:xfrm>
           <a:prstGeom prst="rect">
@@ -11736,14 +11887,11 @@
           <a:bodyPr rtlCol="0" anchor="ctr"/>
           <a:lstStyle/>
           <a:p>
-            <a:r>
-              <a:rPr lang="de-AT" sz="1800">
-                <a:solidFill>
-                  <a:schemeClr val="bg1"/>
-                </a:solidFill>
-              </a:rPr>
-              <a:t>Luca Alexander Gekle</a:t>
-            </a:r>
+            <a:endParaRPr lang="de-AT" sz="1800" dirty="0">
+              <a:solidFill>
+                <a:schemeClr val="bg1"/>
+              </a:solidFill>
+            </a:endParaRPr>
           </a:p>
         </p:txBody>
       </p:sp>
@@ -11823,44 +11971,6 @@
       </p:sp>
       <p:pic>
         <p:nvPicPr>
-          <p:cNvPr id="6" name="Grafik 5">
-            <a:extLst>
-              <a:ext uri="{FF2B5EF4-FFF2-40B4-BE49-F238E27FC236}">
-                <a16:creationId xmlns:a16="http://schemas.microsoft.com/office/drawing/2014/main" id="{835BFC3E-6502-D5D2-F643-8AE4DCE6143B}"/>
-              </a:ext>
-            </a:extLst>
-          </p:cNvPr>
-          <p:cNvPicPr>
-            <a:picLocks noChangeAspect="1"/>
-          </p:cNvPicPr>
-          <p:nvPr/>
-        </p:nvPicPr>
-        <p:blipFill rotWithShape="1">
-          <a:blip r:embed="rId3">
-            <a:extLst>
-              <a:ext uri="{28A0092B-C50C-407E-A947-70E740481C1C}">
-                <a14:useLocalDpi xmlns:a14="http://schemas.microsoft.com/office/drawing/2010/main" val="0"/>
-              </a:ext>
-              <a:ext uri="{96DAC541-7B7A-43D3-8B79-37D633B846F1}">
-                <asvg:svgBlip xmlns:asvg="http://schemas.microsoft.com/office/drawing/2016/SVG/main" r:embed="rId4"/>
-              </a:ext>
-            </a:extLst>
-          </a:blip>
-          <a:srcRect l="38203" t="12999" r="30542" b="-2628"/>
-          <a:stretch/>
-        </p:blipFill>
-        <p:spPr>
-          <a:xfrm>
-            <a:off x="-65238" y="4243"/>
-            <a:ext cx="12257238" cy="6215588"/>
-          </a:xfrm>
-          <a:prstGeom prst="rect">
-            <a:avLst/>
-          </a:prstGeom>
-        </p:spPr>
-      </p:pic>
-      <p:pic>
-        <p:nvPicPr>
           <p:cNvPr id="2050" name="Picture 2" descr="NodeMCU ESP32 | Joy-IT">
             <a:extLst>
               <a:ext uri="{FF2B5EF4-FFF2-40B4-BE49-F238E27FC236}">
@@ -11874,7 +11984,7 @@
           <p:nvPr/>
         </p:nvPicPr>
         <p:blipFill>
-          <a:blip r:embed="rId5" cstate="print">
+          <a:blip r:embed="rId3" cstate="print">
             <a:extLst>
               <a:ext uri="{28A0092B-C50C-407E-A947-70E740481C1C}">
                 <a14:useLocalDpi xmlns:a14="http://schemas.microsoft.com/office/drawing/2010/main" val="0"/>
@@ -11888,7 +11998,7 @@
         </p:blipFill>
         <p:spPr bwMode="auto">
           <a:xfrm>
-            <a:off x="7222669" y="1588522"/>
+            <a:off x="5312724" y="1785166"/>
             <a:ext cx="559134" cy="559134"/>
           </a:xfrm>
           <a:prstGeom prst="rect">
@@ -11906,6 +12016,91 @@
           </a:extLst>
         </p:spPr>
       </p:pic>
+      <p:pic>
+        <p:nvPicPr>
+          <p:cNvPr id="3" name="Picture 2" descr="NodeMCU ESP32 | Joy-IT">
+            <a:extLst>
+              <a:ext uri="{FF2B5EF4-FFF2-40B4-BE49-F238E27FC236}">
+                <a16:creationId xmlns:a16="http://schemas.microsoft.com/office/drawing/2014/main" id="{1D760FF0-D398-D889-5BE3-0519E62345AD}"/>
+              </a:ext>
+            </a:extLst>
+          </p:cNvPr>
+          <p:cNvPicPr>
+            <a:picLocks noChangeAspect="1" noChangeArrowheads="1"/>
+          </p:cNvPicPr>
+          <p:nvPr/>
+        </p:nvPicPr>
+        <p:blipFill>
+          <a:blip r:embed="rId3" cstate="print">
+            <a:extLst>
+              <a:ext uri="{28A0092B-C50C-407E-A947-70E740481C1C}">
+                <a14:useLocalDpi xmlns:a14="http://schemas.microsoft.com/office/drawing/2010/main" val="0"/>
+              </a:ext>
+            </a:extLst>
+          </a:blip>
+          <a:srcRect/>
+          <a:stretch>
+            <a:fillRect/>
+          </a:stretch>
+        </p:blipFill>
+        <p:spPr bwMode="auto">
+          <a:xfrm>
+            <a:off x="5033157" y="1792797"/>
+            <a:ext cx="559134" cy="559134"/>
+          </a:xfrm>
+          <a:prstGeom prst="rect">
+            <a:avLst/>
+          </a:prstGeom>
+          <a:noFill/>
+          <a:extLst>
+            <a:ext uri="{909E8E84-426E-40DD-AFC4-6F175D3DCCD1}">
+              <a14:hiddenFill xmlns:a14="http://schemas.microsoft.com/office/drawing/2010/main">
+                <a:solidFill>
+                  <a:srgbClr val="FFFFFF"/>
+                </a:solidFill>
+              </a14:hiddenFill>
+            </a:ext>
+          </a:extLst>
+        </p:spPr>
+      </p:pic>
+      <p:pic>
+        <p:nvPicPr>
+          <p:cNvPr id="6" name="Grafik 5">
+            <a:extLst>
+              <a:ext uri="{FF2B5EF4-FFF2-40B4-BE49-F238E27FC236}">
+                <a16:creationId xmlns:a16="http://schemas.microsoft.com/office/drawing/2014/main" id="{835BFC3E-6502-D5D2-F643-8AE4DCE6143B}"/>
+              </a:ext>
+            </a:extLst>
+          </p:cNvPr>
+          <p:cNvPicPr>
+            <a:picLocks noChangeAspect="1"/>
+          </p:cNvPicPr>
+          <p:nvPr/>
+        </p:nvPicPr>
+        <p:blipFill rotWithShape="1">
+          <a:blip r:embed="rId4">
+            <a:extLst>
+              <a:ext uri="{28A0092B-C50C-407E-A947-70E740481C1C}">
+                <a14:useLocalDpi xmlns:a14="http://schemas.microsoft.com/office/drawing/2010/main" val="0"/>
+              </a:ext>
+              <a:ext uri="{96DAC541-7B7A-43D3-8B79-37D633B846F1}">
+                <asvg:svgBlip xmlns:asvg="http://schemas.microsoft.com/office/drawing/2016/SVG/main" r:embed="rId5"/>
+              </a:ext>
+            </a:extLst>
+          </a:blip>
+          <a:srcRect l="38203" t="12999" r="30542" b="-2628"/>
+          <a:stretch/>
+        </p:blipFill>
+        <p:spPr>
+          <a:xfrm>
+            <a:off x="-24294" y="200887"/>
+            <a:ext cx="12257238" cy="6215588"/>
+          </a:xfrm>
+          <a:prstGeom prst="rect">
+            <a:avLst/>
+          </a:prstGeom>
+        </p:spPr>
+      </p:pic>
       <p:sp>
         <p:nvSpPr>
           <p:cNvPr id="11" name="Textfeld 10">
@@ -11920,8 +12115,8 @@
         </p:nvSpPr>
         <p:spPr>
           <a:xfrm>
-            <a:off x="4202226" y="4547416"/>
-            <a:ext cx="3300010" cy="400110"/>
+            <a:off x="4202226" y="4744060"/>
+            <a:ext cx="3465900" cy="523220"/>
           </a:xfrm>
           <a:prstGeom prst="rect">
             <a:avLst/>
@@ -11935,7 +12130,7 @@
           <a:lstStyle/>
           <a:p>
             <a:r>
-              <a:rPr lang="de-AT" sz="2000" b="1" u="sng">
+              <a:rPr lang="de-AT" sz="2800" b="1" u="sng" dirty="0">
                 <a:solidFill>
                   <a:schemeClr val="bg1"/>
                 </a:solidFill>
@@ -11959,7 +12154,7 @@
         </p:nvSpPr>
         <p:spPr>
           <a:xfrm>
-            <a:off x="2926369" y="1675665"/>
+            <a:off x="107273" y="1817230"/>
             <a:ext cx="1502142" cy="400110"/>
           </a:xfrm>
           <a:prstGeom prst="rect">
@@ -11974,14 +12169,14 @@
           <a:lstStyle/>
           <a:p>
             <a:r>
-              <a:rPr lang="de-AT" sz="2000">
+              <a:rPr lang="de-AT" sz="2000" u="sng" dirty="0">
                 <a:solidFill>
                   <a:schemeClr val="bg1"/>
                 </a:solidFill>
               </a:rPr>
               <a:t>Hardware</a:t>
             </a:r>
-            <a:endParaRPr lang="en-US"/>
+            <a:endParaRPr lang="en-US" u="sng" dirty="0"/>
           </a:p>
         </p:txBody>
       </p:sp>
@@ -11999,7 +12194,7 @@
         </p:nvSpPr>
         <p:spPr>
           <a:xfrm>
-            <a:off x="5592292" y="2147656"/>
+            <a:off x="5544671" y="1872309"/>
             <a:ext cx="1410087" cy="400110"/>
           </a:xfrm>
           <a:prstGeom prst="rect">
@@ -12014,14 +12209,14 @@
           <a:lstStyle/>
           <a:p>
             <a:r>
-              <a:rPr lang="de-AT" sz="2000">
+              <a:rPr lang="de-AT" sz="2000" u="sng" dirty="0">
                 <a:solidFill>
                   <a:schemeClr val="bg1"/>
                 </a:solidFill>
               </a:rPr>
               <a:t>Sensorik</a:t>
             </a:r>
-            <a:endParaRPr lang="en-US"/>
+            <a:endParaRPr lang="en-US" u="sng" dirty="0"/>
           </a:p>
         </p:txBody>
       </p:sp>
@@ -12030,7 +12225,7 @@
           <p:cNvPr id="2" name="Textfeld 1">
             <a:extLst>
               <a:ext uri="{FF2B5EF4-FFF2-40B4-BE49-F238E27FC236}">
-                <a16:creationId xmlns:a16="http://schemas.microsoft.com/office/drawing/2014/main" id="{8A826894-CE15-F64D-E27D-89974107FF57}"/>
+                <a16:creationId xmlns:a16="http://schemas.microsoft.com/office/drawing/2014/main" id="{86EA9456-8BBA-55A9-EC46-FB2166AC4C50}"/>
               </a:ext>
             </a:extLst>
           </p:cNvPr>
@@ -12039,8 +12234,8 @@
         </p:nvSpPr>
         <p:spPr>
           <a:xfrm>
-            <a:off x="-65239" y="2511872"/>
-            <a:ext cx="7897570" cy="892552"/>
+            <a:off x="2771285" y="2298134"/>
+            <a:ext cx="1527760" cy="892552"/>
           </a:xfrm>
           <a:prstGeom prst="rect">
             <a:avLst/>
@@ -12054,7 +12249,7 @@
           <a:lstStyle/>
           <a:p>
             <a:r>
-              <a:rPr lang="de-AT" sz="2000" dirty="0">
+              <a:rPr lang="de-AT" sz="2000" u="sng" dirty="0">
                 <a:solidFill>
                   <a:schemeClr val="bg1"/>
                 </a:solidFill>
@@ -12063,7 +12258,7 @@
             </a:r>
           </a:p>
           <a:p>
-            <a:endParaRPr lang="de-AT" sz="1200" dirty="0">
+            <a:endParaRPr lang="de-AT" sz="1200" u="sng" dirty="0">
               <a:solidFill>
                 <a:schemeClr val="bg1"/>
               </a:solidFill>
@@ -12071,21 +12266,68 @@
           </a:p>
           <a:p>
             <a:r>
-              <a:rPr lang="de-AT" sz="2000" dirty="0" err="1">
+              <a:rPr lang="de-AT" sz="2000" u="sng" dirty="0" err="1">
                 <a:solidFill>
                   <a:schemeClr val="bg1"/>
                 </a:solidFill>
               </a:rPr>
               <a:t>übertragung</a:t>
             </a:r>
-            <a:endParaRPr lang="en-US" dirty="0"/>
-          </a:p>
-        </p:txBody>
-      </p:sp>
+            <a:endParaRPr lang="en-US" u="sng" dirty="0"/>
+          </a:p>
+        </p:txBody>
+      </p:sp>
+      <p:pic>
+        <p:nvPicPr>
+          <p:cNvPr id="8" name="Picture 2" descr="NodeMCU ESP32 | Joy-IT">
+            <a:extLst>
+              <a:ext uri="{FF2B5EF4-FFF2-40B4-BE49-F238E27FC236}">
+                <a16:creationId xmlns:a16="http://schemas.microsoft.com/office/drawing/2014/main" id="{1D760FF0-D398-D889-5BE3-0519E62345AD}"/>
+              </a:ext>
+            </a:extLst>
+          </p:cNvPr>
+          <p:cNvPicPr>
+            <a:picLocks noChangeAspect="1" noChangeArrowheads="1"/>
+          </p:cNvPicPr>
+          <p:nvPr/>
+        </p:nvPicPr>
+        <p:blipFill>
+          <a:blip r:embed="rId3" cstate="print">
+            <a:extLst>
+              <a:ext uri="{28A0092B-C50C-407E-A947-70E740481C1C}">
+                <a14:useLocalDpi xmlns:a14="http://schemas.microsoft.com/office/drawing/2010/main" val="0"/>
+              </a:ext>
+            </a:extLst>
+          </a:blip>
+          <a:srcRect/>
+          <a:stretch>
+            <a:fillRect/>
+          </a:stretch>
+        </p:blipFill>
+        <p:spPr bwMode="auto">
+          <a:xfrm>
+            <a:off x="7186705" y="1785166"/>
+            <a:ext cx="559134" cy="559134"/>
+          </a:xfrm>
+          <a:prstGeom prst="rect">
+            <a:avLst/>
+          </a:prstGeom>
+          <a:noFill/>
+          <a:extLst>
+            <a:ext uri="{909E8E84-426E-40DD-AFC4-6F175D3DCCD1}">
+              <a14:hiddenFill xmlns:a14="http://schemas.microsoft.com/office/drawing/2010/main">
+                <a:solidFill>
+                  <a:srgbClr val="FFFFFF"/>
+                </a:solidFill>
+              </a14:hiddenFill>
+            </a:ext>
+          </a:extLst>
+        </p:spPr>
+      </p:pic>
     </p:spTree>
     <p:extLst>
       <p:ext uri="{BB962C8B-B14F-4D97-AF65-F5344CB8AC3E}">
-        <p14:creationId xmlns:p14="http://schemas.microsoft.com/office/powerpoint/2010/main" val="398900337"/>
+        <p14:creationId xmlns:p14="http://schemas.microsoft.com/office/powerpoint/2010/main" val="1261891472"/>
       </p:ext>
     </p:extLst>
   </p:cSld>
@@ -12094,12 +12336,12 @@
   </p:clrMapOvr>
   <mc:AlternateContent xmlns:mc="http://schemas.openxmlformats.org/markup-compatibility/2006" xmlns:p159="http://schemas.microsoft.com/office/powerpoint/2015/09/main">
     <mc:Choice Requires="p159">
-      <p:transition xmlns:p14="http://schemas.microsoft.com/office/powerpoint/2010/main" spd="slow" p14:dur="2000" advClick="0" advTm="1000">
+      <p:transition xmlns:p14="http://schemas.microsoft.com/office/powerpoint/2010/main" spd="slow" p14:dur="1750" advClick="0" advTm="500">
         <p159:morph option="byObject"/>
       </p:transition>
     </mc:Choice>
     <mc:Fallback xmlns="">
-      <p:transition spd="slow" advClick="0" advTm="1000">
+      <p:transition spd="slow" advClick="0" advTm="500">
         <p:fade/>
       </p:transition>
     </mc:Fallback>
@@ -12138,7 +12380,7 @@
         </p:nvSpPr>
         <p:spPr>
           <a:xfrm>
-            <a:off x="-65238" y="0"/>
+            <a:off x="-32619" y="0"/>
             <a:ext cx="12257237" cy="6858000"/>
           </a:xfrm>
           <a:prstGeom prst="rect">
@@ -12174,14 +12416,11 @@
           <a:bodyPr rtlCol="0" anchor="ctr"/>
           <a:lstStyle/>
           <a:p>
-            <a:r>
-              <a:rPr lang="de-AT" sz="1800">
-                <a:solidFill>
-                  <a:schemeClr val="bg1"/>
-                </a:solidFill>
-              </a:rPr>
-              <a:t>Luca Alexander Gekle</a:t>
-            </a:r>
+            <a:endParaRPr lang="de-AT" sz="1800" dirty="0">
+              <a:solidFill>
+                <a:schemeClr val="bg1"/>
+              </a:solidFill>
+            </a:endParaRPr>
           </a:p>
         </p:txBody>
       </p:sp>
@@ -12261,44 +12500,6 @@
       </p:sp>
       <p:pic>
         <p:nvPicPr>
-          <p:cNvPr id="6" name="Grafik 5">
-            <a:extLst>
-              <a:ext uri="{FF2B5EF4-FFF2-40B4-BE49-F238E27FC236}">
-                <a16:creationId xmlns:a16="http://schemas.microsoft.com/office/drawing/2014/main" id="{835BFC3E-6502-D5D2-F643-8AE4DCE6143B}"/>
-              </a:ext>
-            </a:extLst>
-          </p:cNvPr>
-          <p:cNvPicPr>
-            <a:picLocks noChangeAspect="1"/>
-          </p:cNvPicPr>
-          <p:nvPr/>
-        </p:nvPicPr>
-        <p:blipFill rotWithShape="1">
-          <a:blip r:embed="rId3">
-            <a:extLst>
-              <a:ext uri="{28A0092B-C50C-407E-A947-70E740481C1C}">
-                <a14:useLocalDpi xmlns:a14="http://schemas.microsoft.com/office/drawing/2010/main" val="0"/>
-              </a:ext>
-              <a:ext uri="{96DAC541-7B7A-43D3-8B79-37D633B846F1}">
-                <asvg:svgBlip xmlns:asvg="http://schemas.microsoft.com/office/drawing/2016/SVG/main" r:embed="rId4"/>
-              </a:ext>
-            </a:extLst>
-          </a:blip>
-          <a:srcRect l="38203" t="12999" r="30542" b="-2628"/>
-          <a:stretch/>
-        </p:blipFill>
-        <p:spPr>
-          <a:xfrm>
-            <a:off x="-65238" y="4243"/>
-            <a:ext cx="12257238" cy="6215588"/>
-          </a:xfrm>
-          <a:prstGeom prst="rect">
-            <a:avLst/>
-          </a:prstGeom>
-        </p:spPr>
-      </p:pic>
-      <p:pic>
-        <p:nvPicPr>
           <p:cNvPr id="2050" name="Picture 2" descr="NodeMCU ESP32 | Joy-IT">
             <a:extLst>
               <a:ext uri="{FF2B5EF4-FFF2-40B4-BE49-F238E27FC236}">
@@ -12312,7 +12513,7 @@
           <p:nvPr/>
         </p:nvPicPr>
         <p:blipFill>
-          <a:blip r:embed="rId5" cstate="print">
+          <a:blip r:embed="rId3" cstate="print">
             <a:extLst>
               <a:ext uri="{28A0092B-C50C-407E-A947-70E740481C1C}">
                 <a14:useLocalDpi xmlns:a14="http://schemas.microsoft.com/office/drawing/2010/main" val="0"/>
@@ -12326,8 +12527,8 @@
         </p:blipFill>
         <p:spPr bwMode="auto">
           <a:xfrm>
-            <a:off x="7821825" y="1616757"/>
-            <a:ext cx="2190340" cy="2190340"/>
+            <a:off x="5312724" y="1785166"/>
+            <a:ext cx="559134" cy="559134"/>
           </a:xfrm>
           <a:prstGeom prst="rect">
             <a:avLst/>
@@ -12344,6 +12545,91 @@
           </a:extLst>
         </p:spPr>
       </p:pic>
+      <p:pic>
+        <p:nvPicPr>
+          <p:cNvPr id="3" name="Picture 2" descr="NodeMCU ESP32 | Joy-IT">
+            <a:extLst>
+              <a:ext uri="{FF2B5EF4-FFF2-40B4-BE49-F238E27FC236}">
+                <a16:creationId xmlns:a16="http://schemas.microsoft.com/office/drawing/2014/main" id="{1D760FF0-D398-D889-5BE3-0519E62345AD}"/>
+              </a:ext>
+            </a:extLst>
+          </p:cNvPr>
+          <p:cNvPicPr>
+            <a:picLocks noChangeAspect="1" noChangeArrowheads="1"/>
+          </p:cNvPicPr>
+          <p:nvPr/>
+        </p:nvPicPr>
+        <p:blipFill>
+          <a:blip r:embed="rId3" cstate="print">
+            <a:extLst>
+              <a:ext uri="{28A0092B-C50C-407E-A947-70E740481C1C}">
+                <a14:useLocalDpi xmlns:a14="http://schemas.microsoft.com/office/drawing/2010/main" val="0"/>
+              </a:ext>
+            </a:extLst>
+          </a:blip>
+          <a:srcRect/>
+          <a:stretch>
+            <a:fillRect/>
+          </a:stretch>
+        </p:blipFill>
+        <p:spPr bwMode="auto">
+          <a:xfrm>
+            <a:off x="5033157" y="1792797"/>
+            <a:ext cx="559134" cy="559134"/>
+          </a:xfrm>
+          <a:prstGeom prst="rect">
+            <a:avLst/>
+          </a:prstGeom>
+          <a:noFill/>
+          <a:extLst>
+            <a:ext uri="{909E8E84-426E-40DD-AFC4-6F175D3DCCD1}">
+              <a14:hiddenFill xmlns:a14="http://schemas.microsoft.com/office/drawing/2010/main">
+                <a:solidFill>
+                  <a:srgbClr val="FFFFFF"/>
+                </a:solidFill>
+              </a14:hiddenFill>
+            </a:ext>
+          </a:extLst>
+        </p:spPr>
+      </p:pic>
+      <p:pic>
+        <p:nvPicPr>
+          <p:cNvPr id="6" name="Grafik 5">
+            <a:extLst>
+              <a:ext uri="{FF2B5EF4-FFF2-40B4-BE49-F238E27FC236}">
+                <a16:creationId xmlns:a16="http://schemas.microsoft.com/office/drawing/2014/main" id="{835BFC3E-6502-D5D2-F643-8AE4DCE6143B}"/>
+              </a:ext>
+            </a:extLst>
+          </p:cNvPr>
+          <p:cNvPicPr>
+            <a:picLocks noChangeAspect="1"/>
+          </p:cNvPicPr>
+          <p:nvPr/>
+        </p:nvPicPr>
+        <p:blipFill rotWithShape="1">
+          <a:blip r:embed="rId4">
+            <a:extLst>
+              <a:ext uri="{28A0092B-C50C-407E-A947-70E740481C1C}">
+                <a14:useLocalDpi xmlns:a14="http://schemas.microsoft.com/office/drawing/2010/main" val="0"/>
+              </a:ext>
+              <a:ext uri="{96DAC541-7B7A-43D3-8B79-37D633B846F1}">
+                <asvg:svgBlip xmlns:asvg="http://schemas.microsoft.com/office/drawing/2016/SVG/main" r:embed="rId5"/>
+              </a:ext>
+            </a:extLst>
+          </a:blip>
+          <a:srcRect l="38203" t="12999" r="30542" b="-2628"/>
+          <a:stretch/>
+        </p:blipFill>
+        <p:spPr>
+          <a:xfrm>
+            <a:off x="-24294" y="200887"/>
+            <a:ext cx="12257238" cy="6215588"/>
+          </a:xfrm>
+          <a:prstGeom prst="rect">
+            <a:avLst/>
+          </a:prstGeom>
+        </p:spPr>
+      </p:pic>
       <p:sp>
         <p:nvSpPr>
           <p:cNvPr id="11" name="Textfeld 10">
@@ -12358,8 +12644,8 @@
         </p:nvSpPr>
         <p:spPr>
           <a:xfrm>
-            <a:off x="4202226" y="4547416"/>
-            <a:ext cx="2800153" cy="400110"/>
+            <a:off x="4202226" y="4744060"/>
+            <a:ext cx="3465900" cy="523220"/>
           </a:xfrm>
           <a:prstGeom prst="rect">
             <a:avLst/>
@@ -12373,7 +12659,7 @@
           <a:lstStyle/>
           <a:p>
             <a:r>
-              <a:rPr lang="de-AT" sz="2000" b="1" u="sng">
+              <a:rPr lang="de-AT" sz="2800" b="1" u="sng" dirty="0">
                 <a:solidFill>
                   <a:schemeClr val="bg1"/>
                 </a:solidFill>
@@ -12397,7 +12683,7 @@
         </p:nvSpPr>
         <p:spPr>
           <a:xfrm>
-            <a:off x="2926369" y="1675665"/>
+            <a:off x="107273" y="1817230"/>
             <a:ext cx="1502142" cy="400110"/>
           </a:xfrm>
           <a:prstGeom prst="rect">
@@ -12412,14 +12698,14 @@
           <a:lstStyle/>
           <a:p>
             <a:r>
-              <a:rPr lang="de-AT" sz="2000">
+              <a:rPr lang="de-AT" sz="2000" u="sng" dirty="0">
                 <a:solidFill>
                   <a:schemeClr val="bg1"/>
                 </a:solidFill>
               </a:rPr>
               <a:t>Hardware</a:t>
             </a:r>
-            <a:endParaRPr lang="en-US"/>
+            <a:endParaRPr lang="en-US" u="sng" dirty="0"/>
           </a:p>
         </p:txBody>
       </p:sp>
@@ -12437,7 +12723,7 @@
         </p:nvSpPr>
         <p:spPr>
           <a:xfrm>
-            <a:off x="5592292" y="2147656"/>
+            <a:off x="5544671" y="1872309"/>
             <a:ext cx="1410087" cy="400110"/>
           </a:xfrm>
           <a:prstGeom prst="rect">
@@ -12452,23 +12738,23 @@
           <a:lstStyle/>
           <a:p>
             <a:r>
-              <a:rPr lang="de-AT" sz="2000">
+              <a:rPr lang="de-AT" sz="2000" u="sng" dirty="0">
                 <a:solidFill>
                   <a:schemeClr val="bg1"/>
                 </a:solidFill>
               </a:rPr>
               <a:t>Sensorik</a:t>
             </a:r>
-            <a:endParaRPr lang="en-US"/>
-          </a:p>
-        </p:txBody>
-      </p:sp>
-      <p:sp>
-        <p:nvSpPr>
-          <p:cNvPr id="19" name="Textfeld 18">
-            <a:extLst>
-              <a:ext uri="{FF2B5EF4-FFF2-40B4-BE49-F238E27FC236}">
-                <a16:creationId xmlns:a16="http://schemas.microsoft.com/office/drawing/2014/main" id="{51CB33F9-8673-CAEE-CB6E-2AACC970E80E}"/>
+            <a:endParaRPr lang="en-US" u="sng" dirty="0"/>
+          </a:p>
+        </p:txBody>
+      </p:sp>
+      <p:sp>
+        <p:nvSpPr>
+          <p:cNvPr id="2" name="Textfeld 1">
+            <a:extLst>
+              <a:ext uri="{FF2B5EF4-FFF2-40B4-BE49-F238E27FC236}">
+                <a16:creationId xmlns:a16="http://schemas.microsoft.com/office/drawing/2014/main" id="{86EA9456-8BBA-55A9-EC46-FB2166AC4C50}"/>
               </a:ext>
             </a:extLst>
           </p:cNvPr>
@@ -12477,8 +12763,8 @@
         </p:nvSpPr>
         <p:spPr>
           <a:xfrm>
-            <a:off x="-65239" y="2511872"/>
-            <a:ext cx="7897570" cy="892552"/>
+            <a:off x="2771285" y="2298134"/>
+            <a:ext cx="1527760" cy="892552"/>
           </a:xfrm>
           <a:prstGeom prst="rect">
             <a:avLst/>
@@ -12492,7 +12778,7 @@
           <a:lstStyle/>
           <a:p>
             <a:r>
-              <a:rPr lang="de-AT" sz="2000" dirty="0">
+              <a:rPr lang="de-AT" sz="2000" u="sng" dirty="0">
                 <a:solidFill>
                   <a:schemeClr val="bg1"/>
                 </a:solidFill>
@@ -12501,7 +12787,7 @@
             </a:r>
           </a:p>
           <a:p>
-            <a:endParaRPr lang="de-AT" sz="1200" dirty="0">
+            <a:endParaRPr lang="de-AT" sz="1200" u="sng" dirty="0">
               <a:solidFill>
                 <a:schemeClr val="bg1"/>
               </a:solidFill>
@@ -12509,21 +12795,68 @@
           </a:p>
           <a:p>
             <a:r>
-              <a:rPr lang="de-AT" sz="2000" dirty="0" err="1">
+              <a:rPr lang="de-AT" sz="2000" u="sng" dirty="0" err="1">
                 <a:solidFill>
                   <a:schemeClr val="bg1"/>
                 </a:solidFill>
               </a:rPr>
               <a:t>übertragung</a:t>
             </a:r>
-            <a:endParaRPr lang="en-US" dirty="0"/>
-          </a:p>
-        </p:txBody>
-      </p:sp>
+            <a:endParaRPr lang="en-US" u="sng" dirty="0"/>
+          </a:p>
+        </p:txBody>
+      </p:sp>
+      <p:pic>
+        <p:nvPicPr>
+          <p:cNvPr id="8" name="Picture 2" descr="NodeMCU ESP32 | Joy-IT">
+            <a:extLst>
+              <a:ext uri="{FF2B5EF4-FFF2-40B4-BE49-F238E27FC236}">
+                <a16:creationId xmlns:a16="http://schemas.microsoft.com/office/drawing/2014/main" id="{7F089D39-6A03-EF6E-B437-F074B2A84608}"/>
+              </a:ext>
+            </a:extLst>
+          </p:cNvPr>
+          <p:cNvPicPr>
+            <a:picLocks noChangeAspect="1" noChangeArrowheads="1"/>
+          </p:cNvPicPr>
+          <p:nvPr/>
+        </p:nvPicPr>
+        <p:blipFill>
+          <a:blip r:embed="rId3" cstate="print">
+            <a:extLst>
+              <a:ext uri="{28A0092B-C50C-407E-A947-70E740481C1C}">
+                <a14:useLocalDpi xmlns:a14="http://schemas.microsoft.com/office/drawing/2010/main" val="0"/>
+              </a:ext>
+            </a:extLst>
+          </a:blip>
+          <a:srcRect/>
+          <a:stretch>
+            <a:fillRect/>
+          </a:stretch>
+        </p:blipFill>
+        <p:spPr bwMode="auto">
+          <a:xfrm>
+            <a:off x="7892957" y="1759602"/>
+            <a:ext cx="1969615" cy="1969615"/>
+          </a:xfrm>
+          <a:prstGeom prst="rect">
+            <a:avLst/>
+          </a:prstGeom>
+          <a:noFill/>
+          <a:extLst>
+            <a:ext uri="{909E8E84-426E-40DD-AFC4-6F175D3DCCD1}">
+              <a14:hiddenFill xmlns:a14="http://schemas.microsoft.com/office/drawing/2010/main">
+                <a:solidFill>
+                  <a:srgbClr val="FFFFFF"/>
+                </a:solidFill>
+              </a14:hiddenFill>
+            </a:ext>
+          </a:extLst>
+        </p:spPr>
+      </p:pic>
     </p:spTree>
     <p:extLst>
       <p:ext uri="{BB962C8B-B14F-4D97-AF65-F5344CB8AC3E}">
-        <p14:creationId xmlns:p14="http://schemas.microsoft.com/office/powerpoint/2010/main" val="1531555268"/>
+        <p14:creationId xmlns:p14="http://schemas.microsoft.com/office/powerpoint/2010/main" val="457281821"/>
       </p:ext>
     </p:extLst>
   </p:cSld>
@@ -12532,12 +12865,12 @@
   </p:clrMapOvr>
   <mc:AlternateContent xmlns:mc="http://schemas.openxmlformats.org/markup-compatibility/2006" xmlns:p159="http://schemas.microsoft.com/office/powerpoint/2015/09/main">
     <mc:Choice Requires="p159">
-      <p:transition xmlns:p14="http://schemas.microsoft.com/office/powerpoint/2010/main" spd="slow" p14:dur="2000">
+      <p:transition xmlns:p14="http://schemas.microsoft.com/office/powerpoint/2010/main" spd="slow" p14:dur="2000" advClick="0">
         <p159:morph option="byObject"/>
       </p:transition>
     </mc:Choice>
     <mc:Fallback xmlns="">
-      <p:transition spd="slow">
+      <p:transition spd="slow" advClick="0">
         <p:fade/>
       </p:transition>
     </mc:Fallback>

--- a/Diplomarbeit/doc/Presentations/DA-Präsentation2024_Zweitpräsentation.pptx
+++ b/Diplomarbeit/doc/Presentations/DA-Präsentation2024_Zweitpräsentation.pptx
@@ -5,36 +5,37 @@
     <p:sldMasterId id="2147483648" r:id="rId4"/>
   </p:sldMasterIdLst>
   <p:notesMasterIdLst>
-    <p:notesMasterId r:id="rId29"/>
+    <p:notesMasterId r:id="rId30"/>
   </p:notesMasterIdLst>
   <p:handoutMasterIdLst>
-    <p:handoutMasterId r:id="rId30"/>
+    <p:handoutMasterId r:id="rId31"/>
   </p:handoutMasterIdLst>
   <p:sldIdLst>
     <p:sldId id="256" r:id="rId5"/>
     <p:sldId id="2599" r:id="rId6"/>
-    <p:sldId id="2582" r:id="rId7"/>
-    <p:sldId id="2583" r:id="rId8"/>
-    <p:sldId id="2593" r:id="rId9"/>
-    <p:sldId id="2594" r:id="rId10"/>
-    <p:sldId id="2595" r:id="rId11"/>
-    <p:sldId id="2610" r:id="rId12"/>
-    <p:sldId id="2609" r:id="rId13"/>
-    <p:sldId id="2596" r:id="rId14"/>
-    <p:sldId id="2584" r:id="rId15"/>
-    <p:sldId id="2585" r:id="rId16"/>
-    <p:sldId id="2602" r:id="rId17"/>
-    <p:sldId id="2587" r:id="rId18"/>
-    <p:sldId id="2603" r:id="rId19"/>
-    <p:sldId id="2601" r:id="rId20"/>
-    <p:sldId id="2586" r:id="rId21"/>
-    <p:sldId id="2590" r:id="rId22"/>
-    <p:sldId id="2600" r:id="rId23"/>
-    <p:sldId id="2592" r:id="rId24"/>
-    <p:sldId id="2604" r:id="rId25"/>
-    <p:sldId id="2605" r:id="rId26"/>
-    <p:sldId id="2591" r:id="rId27"/>
-    <p:sldId id="2606" r:id="rId28"/>
+    <p:sldId id="2583" r:id="rId7"/>
+    <p:sldId id="2582" r:id="rId8"/>
+    <p:sldId id="2606" r:id="rId9"/>
+    <p:sldId id="2593" r:id="rId10"/>
+    <p:sldId id="2594" r:id="rId11"/>
+    <p:sldId id="2595" r:id="rId12"/>
+    <p:sldId id="2610" r:id="rId13"/>
+    <p:sldId id="2609" r:id="rId14"/>
+    <p:sldId id="2596" r:id="rId15"/>
+    <p:sldId id="2605" r:id="rId16"/>
+    <p:sldId id="2591" r:id="rId17"/>
+    <p:sldId id="2604" r:id="rId18"/>
+    <p:sldId id="2601" r:id="rId19"/>
+    <p:sldId id="2586" r:id="rId20"/>
+    <p:sldId id="2584" r:id="rId21"/>
+    <p:sldId id="2611" r:id="rId22"/>
+    <p:sldId id="2585" r:id="rId23"/>
+    <p:sldId id="2602" r:id="rId24"/>
+    <p:sldId id="2587" r:id="rId25"/>
+    <p:sldId id="2603" r:id="rId26"/>
+    <p:sldId id="2590" r:id="rId27"/>
+    <p:sldId id="2600" r:id="rId28"/>
+    <p:sldId id="2592" r:id="rId29"/>
   </p:sldIdLst>
   <p:sldSz cx="12192000" cy="6858000"/>
   <p:notesSz cx="7099300" cy="10234613"/>
@@ -134,6 +135,43 @@
     </a:lvl9pPr>
   </p:defaultTextStyle>
   <p:extLst>
+    <p:ext uri="{521415D9-36F7-43E2-AB2F-B90AF26B5E84}">
+      <p14:sectionLst xmlns:p14="http://schemas.microsoft.com/office/powerpoint/2010/main">
+        <p14:section name="Standardabschnitt" id="{8559B2EA-F5EB-404C-ACD3-8FA653F686FE}">
+          <p14:sldIdLst>
+            <p14:sldId id="256"/>
+            <p14:sldId id="2599"/>
+            <p14:sldId id="2583"/>
+            <p14:sldId id="2582"/>
+            <p14:sldId id="2606"/>
+            <p14:sldId id="2593"/>
+            <p14:sldId id="2594"/>
+            <p14:sldId id="2595"/>
+            <p14:sldId id="2610"/>
+            <p14:sldId id="2609"/>
+            <p14:sldId id="2596"/>
+            <p14:sldId id="2605"/>
+            <p14:sldId id="2591"/>
+            <p14:sldId id="2604"/>
+            <p14:sldId id="2601"/>
+            <p14:sldId id="2586"/>
+            <p14:sldId id="2584"/>
+            <p14:sldId id="2611"/>
+          </p14:sldIdLst>
+        </p14:section>
+        <p14:section name="Bonusfolien" id="{4FF70747-72D9-4C22-9773-84D1D8092FD9}">
+          <p14:sldIdLst>
+            <p14:sldId id="2585"/>
+            <p14:sldId id="2602"/>
+            <p14:sldId id="2587"/>
+            <p14:sldId id="2603"/>
+            <p14:sldId id="2590"/>
+            <p14:sldId id="2600"/>
+            <p14:sldId id="2592"/>
+          </p14:sldIdLst>
+        </p14:section>
+      </p14:sectionLst>
+    </p:ext>
     <p:ext uri="{EFAFB233-063F-42B5-8137-9DF3F51BA10A}">
       <p15:sldGuideLst xmlns:p15="http://schemas.microsoft.com/office/powerpoint/2012/main">
         <p15:guide id="1" orient="horz" pos="2160" userDrawn="1">
@@ -166,358 +204,6 @@
 </p:presentation>
 </file>
 
-<file path=ppt/revisionInfo.xml><?xml version="1.0" encoding="utf-8"?>
-<p1510:revInfo xmlns:a="http://schemas.openxmlformats.org/drawingml/2006/main" xmlns:r="http://schemas.openxmlformats.org/officeDocument/2006/relationships" xmlns:p1510="http://schemas.microsoft.com/office/powerpoint/2015/10/main">
-  <p1510:revLst>
-    <p1510:client id="{471A55EF-552C-4C56-9006-996C359C77F2}" v="100" dt="2024-06-20T17:07:39.351"/>
-    <p1510:client id="{4F57753F-C091-4F8D-A94E-90E280820799}" v="32" dt="2024-06-20T16:58:45.535"/>
-    <p1510:client id="{72AE33B1-B0E3-49FE-ABA2-D44C1FF90581}" v="21" dt="2024-06-20T16:51:39.438"/>
-    <p1510:client id="{877E458E-2830-48BE-861D-71F57C303B75}" v="23" dt="2024-06-20T16:48:49.594"/>
-    <p1510:client id="{C31EE056-261C-469D-8615-8658228AB120}" v="15" dt="2024-06-20T10:24:08.311"/>
-    <p1510:client id="{E0A3C832-752A-425F-AE9E-F9650FBC4787}" v="1" dt="2024-06-21T07:00:26.134"/>
-  </p1510:revLst>
-</p1510:revInfo>
-</file>
-
-<file path=ppt/changesInfos/changesInfo1.xml><?xml version="1.0" encoding="utf-8"?>
-<pc:chgInfo xmlns:a="http://schemas.openxmlformats.org/drawingml/2006/main" xmlns:r="http://schemas.openxmlformats.org/officeDocument/2006/relationships" xmlns:ac="http://schemas.microsoft.com/office/drawing/2013/main/command" xmlns:pc="http://schemas.microsoft.com/office/powerpoint/2013/main/command">
-  <pc:docChgLst>
-    <pc:chgData name="Kampl Maximilian" userId="S::201wita27@o365.htl-leoben.at::4918dfd5-1387-4640-93ab-d05016201330" providerId="AD" clId="Web-{C31EE056-261C-469D-8615-8658228AB120}"/>
-    <pc:docChg chg="modSld">
-      <pc:chgData name="Kampl Maximilian" userId="S::201wita27@o365.htl-leoben.at::4918dfd5-1387-4640-93ab-d05016201330" providerId="AD" clId="Web-{C31EE056-261C-469D-8615-8658228AB120}" dt="2024-06-20T10:24:08.311" v="13" actId="20577"/>
-      <pc:docMkLst>
-        <pc:docMk/>
-      </pc:docMkLst>
-      <pc:sldChg chg="modSp">
-        <pc:chgData name="Kampl Maximilian" userId="S::201wita27@o365.htl-leoben.at::4918dfd5-1387-4640-93ab-d05016201330" providerId="AD" clId="Web-{C31EE056-261C-469D-8615-8658228AB120}" dt="2024-06-20T10:22:42.011" v="6" actId="20577"/>
-        <pc:sldMkLst>
-          <pc:docMk/>
-          <pc:sldMk cId="1710119030" sldId="2582"/>
-        </pc:sldMkLst>
-        <pc:spChg chg="mod">
-          <ac:chgData name="Kampl Maximilian" userId="S::201wita27@o365.htl-leoben.at::4918dfd5-1387-4640-93ab-d05016201330" providerId="AD" clId="Web-{C31EE056-261C-469D-8615-8658228AB120}" dt="2024-06-20T10:22:42.011" v="6" actId="20577"/>
-          <ac:spMkLst>
-            <pc:docMk/>
-            <pc:sldMk cId="1710119030" sldId="2582"/>
-            <ac:spMk id="3" creationId="{00000000-0000-0000-0000-000000000000}"/>
-          </ac:spMkLst>
-        </pc:spChg>
-      </pc:sldChg>
-      <pc:sldChg chg="modSp">
-        <pc:chgData name="Kampl Maximilian" userId="S::201wita27@o365.htl-leoben.at::4918dfd5-1387-4640-93ab-d05016201330" providerId="AD" clId="Web-{C31EE056-261C-469D-8615-8658228AB120}" dt="2024-06-20T10:24:08.311" v="13" actId="20577"/>
-        <pc:sldMkLst>
-          <pc:docMk/>
-          <pc:sldMk cId="3563135345" sldId="2599"/>
-        </pc:sldMkLst>
-        <pc:spChg chg="mod">
-          <ac:chgData name="Kampl Maximilian" userId="S::201wita27@o365.htl-leoben.at::4918dfd5-1387-4640-93ab-d05016201330" providerId="AD" clId="Web-{C31EE056-261C-469D-8615-8658228AB120}" dt="2024-06-20T10:24:08.311" v="13" actId="20577"/>
-          <ac:spMkLst>
-            <pc:docMk/>
-            <pc:sldMk cId="3563135345" sldId="2599"/>
-            <ac:spMk id="3" creationId="{A1E194B9-AB3E-DD46-627F-B7836C81E6B2}"/>
-          </ac:spMkLst>
-        </pc:spChg>
-      </pc:sldChg>
-    </pc:docChg>
-  </pc:docChgLst>
-  <pc:docChgLst>
-    <pc:chgData name="Schrempf Marko" userId="b322b77b-e065-407b-8828-e2c3ed4a10a4" providerId="ADAL" clId="{72AE33B1-B0E3-49FE-ABA2-D44C1FF90581}"/>
-    <pc:docChg chg="undo custSel modSld">
-      <pc:chgData name="Schrempf Marko" userId="b322b77b-e065-407b-8828-e2c3ed4a10a4" providerId="ADAL" clId="{72AE33B1-B0E3-49FE-ABA2-D44C1FF90581}" dt="2024-06-20T16:51:39.438" v="23" actId="207"/>
-      <pc:docMkLst>
-        <pc:docMk/>
-      </pc:docMkLst>
-      <pc:sldChg chg="modSp mod">
-        <pc:chgData name="Schrempf Marko" userId="b322b77b-e065-407b-8828-e2c3ed4a10a4" providerId="ADAL" clId="{72AE33B1-B0E3-49FE-ABA2-D44C1FF90581}" dt="2024-06-20T16:44:37.825" v="2" actId="12"/>
-        <pc:sldMkLst>
-          <pc:docMk/>
-          <pc:sldMk cId="1710119030" sldId="2582"/>
-        </pc:sldMkLst>
-        <pc:spChg chg="mod">
-          <ac:chgData name="Schrempf Marko" userId="b322b77b-e065-407b-8828-e2c3ed4a10a4" providerId="ADAL" clId="{72AE33B1-B0E3-49FE-ABA2-D44C1FF90581}" dt="2024-06-20T16:44:37.825" v="2" actId="12"/>
-          <ac:spMkLst>
-            <pc:docMk/>
-            <pc:sldMk cId="1710119030" sldId="2582"/>
-            <ac:spMk id="3" creationId="{00000000-0000-0000-0000-000000000000}"/>
-          </ac:spMkLst>
-        </pc:spChg>
-      </pc:sldChg>
-      <pc:sldChg chg="addSp modSp mod">
-        <pc:chgData name="Schrempf Marko" userId="b322b77b-e065-407b-8828-e2c3ed4a10a4" providerId="ADAL" clId="{72AE33B1-B0E3-49FE-ABA2-D44C1FF90581}" dt="2024-06-20T16:50:49.478" v="21" actId="207"/>
-        <pc:sldMkLst>
-          <pc:docMk/>
-          <pc:sldMk cId="2395814003" sldId="2593"/>
-        </pc:sldMkLst>
-        <pc:spChg chg="mod">
-          <ac:chgData name="Schrempf Marko" userId="b322b77b-e065-407b-8828-e2c3ed4a10a4" providerId="ADAL" clId="{72AE33B1-B0E3-49FE-ABA2-D44C1FF90581}" dt="2024-06-20T16:50:34.097" v="17" actId="207"/>
-          <ac:spMkLst>
-            <pc:docMk/>
-            <pc:sldMk cId="2395814003" sldId="2593"/>
-            <ac:spMk id="2" creationId="{73220638-C94E-09A1-A125-27B6E9EA2614}"/>
-          </ac:spMkLst>
-        </pc:spChg>
-        <pc:spChg chg="add mod">
-          <ac:chgData name="Schrempf Marko" userId="b322b77b-e065-407b-8828-e2c3ed4a10a4" providerId="ADAL" clId="{72AE33B1-B0E3-49FE-ABA2-D44C1FF90581}" dt="2024-06-20T16:50:49.478" v="21" actId="207"/>
-          <ac:spMkLst>
-            <pc:docMk/>
-            <pc:sldMk cId="2395814003" sldId="2593"/>
-            <ac:spMk id="3" creationId="{C97886A7-1C8D-5B93-D340-C4190B2ABFB5}"/>
-          </ac:spMkLst>
-        </pc:spChg>
-      </pc:sldChg>
-      <pc:sldChg chg="modSp mod">
-        <pc:chgData name="Schrempf Marko" userId="b322b77b-e065-407b-8828-e2c3ed4a10a4" providerId="ADAL" clId="{72AE33B1-B0E3-49FE-ABA2-D44C1FF90581}" dt="2024-06-20T16:51:39.438" v="23" actId="207"/>
-        <pc:sldMkLst>
-          <pc:docMk/>
-          <pc:sldMk cId="1061074841" sldId="2596"/>
-        </pc:sldMkLst>
-        <pc:spChg chg="mod">
-          <ac:chgData name="Schrempf Marko" userId="b322b77b-e065-407b-8828-e2c3ed4a10a4" providerId="ADAL" clId="{72AE33B1-B0E3-49FE-ABA2-D44C1FF90581}" dt="2024-06-20T16:51:39.438" v="23" actId="207"/>
-          <ac:spMkLst>
-            <pc:docMk/>
-            <pc:sldMk cId="1061074841" sldId="2596"/>
-            <ac:spMk id="2" creationId="{548018E2-51E9-7B56-D95A-411BB36F543B}"/>
-          </ac:spMkLst>
-        </pc:spChg>
-      </pc:sldChg>
-      <pc:sldChg chg="modSp mod">
-        <pc:chgData name="Schrempf Marko" userId="b322b77b-e065-407b-8828-e2c3ed4a10a4" providerId="ADAL" clId="{72AE33B1-B0E3-49FE-ABA2-D44C1FF90581}" dt="2024-06-20T16:43:26.079" v="1" actId="1076"/>
-        <pc:sldMkLst>
-          <pc:docMk/>
-          <pc:sldMk cId="2445627371" sldId="2601"/>
-        </pc:sldMkLst>
-        <pc:picChg chg="mod">
-          <ac:chgData name="Schrempf Marko" userId="b322b77b-e065-407b-8828-e2c3ed4a10a4" providerId="ADAL" clId="{72AE33B1-B0E3-49FE-ABA2-D44C1FF90581}" dt="2024-06-20T16:43:26.079" v="1" actId="1076"/>
-          <ac:picMkLst>
-            <pc:docMk/>
-            <pc:sldMk cId="2445627371" sldId="2601"/>
-            <ac:picMk id="9" creationId="{05B562F2-4FDD-D61E-05FD-799223D81774}"/>
-          </ac:picMkLst>
-        </pc:picChg>
-      </pc:sldChg>
-    </pc:docChg>
-  </pc:docChgLst>
-  <pc:docChgLst>
-    <pc:chgData name="Gekle Luca" userId="fe49dc5a-8cfb-4661-a8b9-7b8a02fb2088" providerId="ADAL" clId="{4F57753F-C091-4F8D-A94E-90E280820799}"/>
-    <pc:docChg chg="custSel modSld">
-      <pc:chgData name="Gekle Luca" userId="fe49dc5a-8cfb-4661-a8b9-7b8a02fb2088" providerId="ADAL" clId="{4F57753F-C091-4F8D-A94E-90E280820799}" dt="2024-06-20T16:58:45.535" v="31" actId="14100"/>
-      <pc:docMkLst>
-        <pc:docMk/>
-      </pc:docMkLst>
-      <pc:sldChg chg="addSp delSp modSp mod delAnim">
-        <pc:chgData name="Gekle Luca" userId="fe49dc5a-8cfb-4661-a8b9-7b8a02fb2088" providerId="ADAL" clId="{4F57753F-C091-4F8D-A94E-90E280820799}" dt="2024-06-20T16:56:41.854" v="5" actId="1076"/>
-        <pc:sldMkLst>
-          <pc:docMk/>
-          <pc:sldMk cId="2395814003" sldId="2593"/>
-        </pc:sldMkLst>
-        <pc:spChg chg="del">
-          <ac:chgData name="Gekle Luca" userId="fe49dc5a-8cfb-4661-a8b9-7b8a02fb2088" providerId="ADAL" clId="{4F57753F-C091-4F8D-A94E-90E280820799}" dt="2024-06-20T16:56:33.168" v="3" actId="478"/>
-          <ac:spMkLst>
-            <pc:docMk/>
-            <pc:sldMk cId="2395814003" sldId="2593"/>
-            <ac:spMk id="2" creationId="{73220638-C94E-09A1-A125-27B6E9EA2614}"/>
-          </ac:spMkLst>
-        </pc:spChg>
-        <pc:spChg chg="del">
-          <ac:chgData name="Gekle Luca" userId="fe49dc5a-8cfb-4661-a8b9-7b8a02fb2088" providerId="ADAL" clId="{4F57753F-C091-4F8D-A94E-90E280820799}" dt="2024-06-20T16:56:32.642" v="2" actId="478"/>
-          <ac:spMkLst>
-            <pc:docMk/>
-            <pc:sldMk cId="2395814003" sldId="2593"/>
-            <ac:spMk id="3" creationId="{C97886A7-1C8D-5B93-D340-C4190B2ABFB5}"/>
-          </ac:spMkLst>
-        </pc:spChg>
-        <pc:spChg chg="add mod">
-          <ac:chgData name="Gekle Luca" userId="fe49dc5a-8cfb-4661-a8b9-7b8a02fb2088" providerId="ADAL" clId="{4F57753F-C091-4F8D-A94E-90E280820799}" dt="2024-06-20T16:56:41.854" v="5" actId="1076"/>
-          <ac:spMkLst>
-            <pc:docMk/>
-            <pc:sldMk cId="2395814003" sldId="2593"/>
-            <ac:spMk id="7" creationId="{AD5A939A-DEF8-2B3D-EFCE-6916509B6481}"/>
-          </ac:spMkLst>
-        </pc:spChg>
-      </pc:sldChg>
-      <pc:sldChg chg="addSp delSp modSp mod">
-        <pc:chgData name="Gekle Luca" userId="fe49dc5a-8cfb-4661-a8b9-7b8a02fb2088" providerId="ADAL" clId="{4F57753F-C091-4F8D-A94E-90E280820799}" dt="2024-06-20T16:58:45.535" v="31" actId="14100"/>
-        <pc:sldMkLst>
-          <pc:docMk/>
-          <pc:sldMk cId="1061074841" sldId="2596"/>
-        </pc:sldMkLst>
-        <pc:spChg chg="del">
-          <ac:chgData name="Gekle Luca" userId="fe49dc5a-8cfb-4661-a8b9-7b8a02fb2088" providerId="ADAL" clId="{4F57753F-C091-4F8D-A94E-90E280820799}" dt="2024-06-20T16:57:04.680" v="10" actId="478"/>
-          <ac:spMkLst>
-            <pc:docMk/>
-            <pc:sldMk cId="1061074841" sldId="2596"/>
-            <ac:spMk id="2" creationId="{548018E2-51E9-7B56-D95A-411BB36F543B}"/>
-          </ac:spMkLst>
-        </pc:spChg>
-        <pc:spChg chg="add mod">
-          <ac:chgData name="Gekle Luca" userId="fe49dc5a-8cfb-4661-a8b9-7b8a02fb2088" providerId="ADAL" clId="{4F57753F-C091-4F8D-A94E-90E280820799}" dt="2024-06-20T16:58:45.535" v="31" actId="14100"/>
-          <ac:spMkLst>
-            <pc:docMk/>
-            <pc:sldMk cId="1061074841" sldId="2596"/>
-            <ac:spMk id="8" creationId="{FA819621-8BF1-591F-8B76-4EBCE52388A8}"/>
-          </ac:spMkLst>
-        </pc:spChg>
-      </pc:sldChg>
-    </pc:docChg>
-  </pc:docChgLst>
-  <pc:docChgLst>
-    <pc:chgData name="Schrempf Marko" userId="b322b77b-e065-407b-8828-e2c3ed4a10a4" providerId="ADAL" clId="{E0A3C832-752A-425F-AE9E-F9650FBC4787}"/>
-    <pc:docChg chg="custSel modSld">
-      <pc:chgData name="Schrempf Marko" userId="b322b77b-e065-407b-8828-e2c3ed4a10a4" providerId="ADAL" clId="{E0A3C832-752A-425F-AE9E-F9650FBC4787}" dt="2024-06-21T07:00:46.565" v="8" actId="1076"/>
-      <pc:docMkLst>
-        <pc:docMk/>
-      </pc:docMkLst>
-      <pc:sldChg chg="addSp delSp modSp mod">
-        <pc:chgData name="Schrempf Marko" userId="b322b77b-e065-407b-8828-e2c3ed4a10a4" providerId="ADAL" clId="{E0A3C832-752A-425F-AE9E-F9650FBC4787}" dt="2024-06-21T07:00:46.565" v="8" actId="1076"/>
-        <pc:sldMkLst>
-          <pc:docMk/>
-          <pc:sldMk cId="2445627371" sldId="2601"/>
-        </pc:sldMkLst>
-        <pc:spChg chg="add del mod">
-          <ac:chgData name="Schrempf Marko" userId="b322b77b-e065-407b-8828-e2c3ed4a10a4" providerId="ADAL" clId="{E0A3C832-752A-425F-AE9E-F9650FBC4787}" dt="2024-06-21T07:00:26.134" v="1" actId="931"/>
-          <ac:spMkLst>
-            <pc:docMk/>
-            <pc:sldMk cId="2445627371" sldId="2601"/>
-            <ac:spMk id="6" creationId="{3A13A272-6F77-33AA-5684-957E2EFAE734}"/>
-          </ac:spMkLst>
-        </pc:spChg>
-        <pc:picChg chg="add mod">
-          <ac:chgData name="Schrempf Marko" userId="b322b77b-e065-407b-8828-e2c3ed4a10a4" providerId="ADAL" clId="{E0A3C832-752A-425F-AE9E-F9650FBC4787}" dt="2024-06-21T07:00:46.565" v="8" actId="1076"/>
-          <ac:picMkLst>
-            <pc:docMk/>
-            <pc:sldMk cId="2445627371" sldId="2601"/>
-            <ac:picMk id="8" creationId="{48CABA1A-8C5B-67B0-5EB4-BAD28F2E27CA}"/>
-          </ac:picMkLst>
-        </pc:picChg>
-        <pc:picChg chg="del">
-          <ac:chgData name="Schrempf Marko" userId="b322b77b-e065-407b-8828-e2c3ed4a10a4" providerId="ADAL" clId="{E0A3C832-752A-425F-AE9E-F9650FBC4787}" dt="2024-06-21T07:00:06.682" v="0" actId="478"/>
-          <ac:picMkLst>
-            <pc:docMk/>
-            <pc:sldMk cId="2445627371" sldId="2601"/>
-            <ac:picMk id="9" creationId="{05B562F2-4FDD-D61E-05FD-799223D81774}"/>
-          </ac:picMkLst>
-        </pc:picChg>
-      </pc:sldChg>
-    </pc:docChg>
-  </pc:docChgLst>
-  <pc:docChgLst>
-    <pc:chgData name="Kampl Maximilian" userId="S::201wita27@o365.htl-leoben.at::4918dfd5-1387-4640-93ab-d05016201330" providerId="AD" clId="Web-{877E458E-2830-48BE-861D-71F57C303B75}"/>
-    <pc:docChg chg="modSld">
-      <pc:chgData name="Kampl Maximilian" userId="S::201wita27@o365.htl-leoben.at::4918dfd5-1387-4640-93ab-d05016201330" providerId="AD" clId="Web-{877E458E-2830-48BE-861D-71F57C303B75}" dt="2024-06-20T16:48:49.531" v="21"/>
-      <pc:docMkLst>
-        <pc:docMk/>
-      </pc:docMkLst>
-      <pc:sldChg chg="addSp modSp">
-        <pc:chgData name="Kampl Maximilian" userId="S::201wita27@o365.htl-leoben.at::4918dfd5-1387-4640-93ab-d05016201330" providerId="AD" clId="Web-{877E458E-2830-48BE-861D-71F57C303B75}" dt="2024-06-20T16:48:49.531" v="21"/>
-        <pc:sldMkLst>
-          <pc:docMk/>
-          <pc:sldMk cId="2395814003" sldId="2593"/>
-        </pc:sldMkLst>
-        <pc:spChg chg="add mod">
-          <ac:chgData name="Kampl Maximilian" userId="S::201wita27@o365.htl-leoben.at::4918dfd5-1387-4640-93ab-d05016201330" providerId="AD" clId="Web-{877E458E-2830-48BE-861D-71F57C303B75}" dt="2024-06-20T16:48:49.531" v="21"/>
-          <ac:spMkLst>
-            <pc:docMk/>
-            <pc:sldMk cId="2395814003" sldId="2593"/>
-            <ac:spMk id="2" creationId="{73220638-C94E-09A1-A125-27B6E9EA2614}"/>
-          </ac:spMkLst>
-        </pc:spChg>
-      </pc:sldChg>
-      <pc:sldChg chg="addSp modSp">
-        <pc:chgData name="Kampl Maximilian" userId="S::201wita27@o365.htl-leoben.at::4918dfd5-1387-4640-93ab-d05016201330" providerId="AD" clId="Web-{877E458E-2830-48BE-861D-71F57C303B75}" dt="2024-06-20T16:47:23.228" v="15" actId="1076"/>
-        <pc:sldMkLst>
-          <pc:docMk/>
-          <pc:sldMk cId="1061074841" sldId="2596"/>
-        </pc:sldMkLst>
-        <pc:spChg chg="add mod">
-          <ac:chgData name="Kampl Maximilian" userId="S::201wita27@o365.htl-leoben.at::4918dfd5-1387-4640-93ab-d05016201330" providerId="AD" clId="Web-{877E458E-2830-48BE-861D-71F57C303B75}" dt="2024-06-20T16:47:23.228" v="15" actId="1076"/>
-          <ac:spMkLst>
-            <pc:docMk/>
-            <pc:sldMk cId="1061074841" sldId="2596"/>
-            <ac:spMk id="2" creationId="{548018E2-51E9-7B56-D95A-411BB36F543B}"/>
-          </ac:spMkLst>
-        </pc:spChg>
-      </pc:sldChg>
-    </pc:docChg>
-  </pc:docChgLst>
-  <pc:docChgLst>
-    <pc:chgData name="Kampl Maximilian" userId="4918dfd5-1387-4640-93ab-d05016201330" providerId="ADAL" clId="{471A55EF-552C-4C56-9006-996C359C77F2}"/>
-    <pc:docChg chg="modSld">
-      <pc:chgData name="Kampl Maximilian" userId="4918dfd5-1387-4640-93ab-d05016201330" providerId="ADAL" clId="{471A55EF-552C-4C56-9006-996C359C77F2}" dt="2024-06-20T17:15:30.910" v="101" actId="403"/>
-      <pc:docMkLst>
-        <pc:docMk/>
-      </pc:docMkLst>
-      <pc:sldChg chg="modSp mod">
-        <pc:chgData name="Kampl Maximilian" userId="4918dfd5-1387-4640-93ab-d05016201330" providerId="ADAL" clId="{471A55EF-552C-4C56-9006-996C359C77F2}" dt="2024-06-20T17:07:39.351" v="98" actId="20577"/>
-        <pc:sldMkLst>
-          <pc:docMk/>
-          <pc:sldMk cId="2929837528" sldId="2584"/>
-        </pc:sldMkLst>
-        <pc:spChg chg="mod">
-          <ac:chgData name="Kampl Maximilian" userId="4918dfd5-1387-4640-93ab-d05016201330" providerId="ADAL" clId="{471A55EF-552C-4C56-9006-996C359C77F2}" dt="2024-06-20T17:07:39.351" v="98" actId="20577"/>
-          <ac:spMkLst>
-            <pc:docMk/>
-            <pc:sldMk cId="2929837528" sldId="2584"/>
-            <ac:spMk id="3" creationId="{A228378C-21E0-453B-B255-71BAC911E6C0}"/>
-          </ac:spMkLst>
-        </pc:spChg>
-      </pc:sldChg>
-      <pc:sldChg chg="modSp mod">
-        <pc:chgData name="Kampl Maximilian" userId="4918dfd5-1387-4640-93ab-d05016201330" providerId="ADAL" clId="{471A55EF-552C-4C56-9006-996C359C77F2}" dt="2024-06-20T17:12:45.766" v="100"/>
-        <pc:sldMkLst>
-          <pc:docMk/>
-          <pc:sldMk cId="148161461" sldId="2591"/>
-        </pc:sldMkLst>
-        <pc:spChg chg="mod">
-          <ac:chgData name="Kampl Maximilian" userId="4918dfd5-1387-4640-93ab-d05016201330" providerId="ADAL" clId="{471A55EF-552C-4C56-9006-996C359C77F2}" dt="2024-06-20T17:12:45.766" v="100"/>
-          <ac:spMkLst>
-            <pc:docMk/>
-            <pc:sldMk cId="148161461" sldId="2591"/>
-            <ac:spMk id="3" creationId="{024F27B7-30D2-20B0-4444-C74E11AB2A8E}"/>
-          </ac:spMkLst>
-        </pc:spChg>
-      </pc:sldChg>
-      <pc:sldChg chg="modAnim">
-        <pc:chgData name="Kampl Maximilian" userId="4918dfd5-1387-4640-93ab-d05016201330" providerId="ADAL" clId="{471A55EF-552C-4C56-9006-996C359C77F2}" dt="2024-06-20T17:03:14.353" v="96"/>
-        <pc:sldMkLst>
-          <pc:docMk/>
-          <pc:sldMk cId="2395814003" sldId="2593"/>
-        </pc:sldMkLst>
-      </pc:sldChg>
-      <pc:sldChg chg="modSp mod">
-        <pc:chgData name="Kampl Maximilian" userId="4918dfd5-1387-4640-93ab-d05016201330" providerId="ADAL" clId="{471A55EF-552C-4C56-9006-996C359C77F2}" dt="2024-06-20T17:15:30.910" v="101" actId="403"/>
-        <pc:sldMkLst>
-          <pc:docMk/>
-          <pc:sldMk cId="1531555268" sldId="2598"/>
-        </pc:sldMkLst>
-        <pc:spChg chg="mod">
-          <ac:chgData name="Kampl Maximilian" userId="4918dfd5-1387-4640-93ab-d05016201330" providerId="ADAL" clId="{471A55EF-552C-4C56-9006-996C359C77F2}" dt="2024-06-20T17:15:30.910" v="101" actId="403"/>
-          <ac:spMkLst>
-            <pc:docMk/>
-            <pc:sldMk cId="1531555268" sldId="2598"/>
-            <ac:spMk id="11" creationId="{294659C0-537B-4E41-1DDA-E4A6658C91C4}"/>
-          </ac:spMkLst>
-        </pc:spChg>
-      </pc:sldChg>
-      <pc:sldChg chg="modSp mod">
-        <pc:chgData name="Kampl Maximilian" userId="4918dfd5-1387-4640-93ab-d05016201330" providerId="ADAL" clId="{471A55EF-552C-4C56-9006-996C359C77F2}" dt="2024-06-20T16:50:52.480" v="8" actId="20577"/>
-        <pc:sldMkLst>
-          <pc:docMk/>
-          <pc:sldMk cId="3563135345" sldId="2599"/>
-        </pc:sldMkLst>
-        <pc:spChg chg="mod">
-          <ac:chgData name="Kampl Maximilian" userId="4918dfd5-1387-4640-93ab-d05016201330" providerId="ADAL" clId="{471A55EF-552C-4C56-9006-996C359C77F2}" dt="2024-06-20T16:50:52.480" v="8" actId="20577"/>
-          <ac:spMkLst>
-            <pc:docMk/>
-            <pc:sldMk cId="3563135345" sldId="2599"/>
-            <ac:spMk id="3" creationId="{A1E194B9-AB3E-DD46-627F-B7836C81E6B2}"/>
-          </ac:spMkLst>
-        </pc:spChg>
-      </pc:sldChg>
-    </pc:docChg>
-  </pc:docChgLst>
-</pc:chgInfo>
-</file>
-
 <file path=ppt/handoutMasters/handoutMaster1.xml><?xml version="1.0" encoding="utf-8"?>
 <p:handoutMaster xmlns:a="http://schemas.openxmlformats.org/drawingml/2006/main" xmlns:r="http://schemas.openxmlformats.org/officeDocument/2006/relationships" xmlns:p="http://schemas.openxmlformats.org/presentationml/2006/main">
   <p:cSld>
@@ -601,7 +287,7 @@
             <a:fld id="{4597EA2D-D11E-4F11-940E-96FC3DC86B48}" type="datetimeFigureOut">
               <a:rPr lang="de-DE" smtClean="0"/>
               <a:pPr/>
-              <a:t>20.10.2024</a:t>
+              <a:t>22.10.2024</a:t>
             </a:fld>
             <a:endParaRPr lang="de-AT"/>
           </a:p>
@@ -768,7 +454,7 @@
             <a:fld id="{25FA59D5-1C02-4780-AF81-09ADAD492357}" type="datetimeFigureOut">
               <a:rPr lang="de-AT" smtClean="0"/>
               <a:pPr/>
-              <a:t>20.10.2024</a:t>
+              <a:t>22.10.2024</a:t>
             </a:fld>
             <a:endParaRPr lang="de-AT"/>
           </a:p>
@@ -1259,7 +945,7 @@
             <a:fld id="{7AA6D168-C717-485B-B0C8-699ECBDF2CFF}" type="slidenum">
               <a:rPr lang="de-AT" smtClean="0"/>
               <a:pPr/>
-              <a:t>3</a:t>
+              <a:t>4</a:t>
             </a:fld>
             <a:endParaRPr lang="de-AT"/>
           </a:p>
@@ -1322,7 +1008,34 @@
           <a:bodyPr/>
           <a:lstStyle/>
           <a:p>
-            <a:endParaRPr lang="en-US"/>
+            <a:r>
+              <a:rPr lang="en-GB" dirty="0"/>
+              <a:t>3</a:t>
+            </a:r>
+          </a:p>
+          <a:p>
+            <a:r>
+              <a:rPr lang="en-GB" dirty="0"/>
+              <a:t>8</a:t>
+            </a:r>
+          </a:p>
+          <a:p>
+            <a:r>
+              <a:rPr lang="en-GB" dirty="0"/>
+              <a:t>9</a:t>
+            </a:r>
+          </a:p>
+          <a:p>
+            <a:r>
+              <a:rPr lang="en-GB" dirty="0"/>
+              <a:t>12</a:t>
+            </a:r>
+          </a:p>
+          <a:p>
+            <a:r>
+              <a:rPr lang="en-GB" dirty="0"/>
+              <a:t>13</a:t>
+            </a:r>
           </a:p>
         </p:txBody>
       </p:sp>
@@ -1344,7 +1057,7 @@
             <a:fld id="{7AA6D168-C717-485B-B0C8-699ECBDF2CFF}" type="slidenum">
               <a:rPr lang="de-AT" smtClean="0"/>
               <a:pPr/>
-              <a:t>6</a:t>
+              <a:t>5</a:t>
             </a:fld>
             <a:endParaRPr lang="de-AT"/>
           </a:p>
@@ -1353,7 +1066,7 @@
     </p:spTree>
     <p:extLst>
       <p:ext uri="{BB962C8B-B14F-4D97-AF65-F5344CB8AC3E}">
-        <p14:creationId xmlns:p14="http://schemas.microsoft.com/office/powerpoint/2010/main" val="2196158226"/>
+        <p14:creationId xmlns:p14="http://schemas.microsoft.com/office/powerpoint/2010/main" val="4277659807"/>
       </p:ext>
     </p:extLst>
   </p:cSld>
@@ -1438,7 +1151,7 @@
     </p:spTree>
     <p:extLst>
       <p:ext uri="{BB962C8B-B14F-4D97-AF65-F5344CB8AC3E}">
-        <p14:creationId xmlns:p14="http://schemas.microsoft.com/office/powerpoint/2010/main" val="2169856794"/>
+        <p14:creationId xmlns:p14="http://schemas.microsoft.com/office/powerpoint/2010/main" val="2196158226"/>
       </p:ext>
     </p:extLst>
   </p:cSld>
@@ -1523,7 +1236,7 @@
     </p:spTree>
     <p:extLst>
       <p:ext uri="{BB962C8B-B14F-4D97-AF65-F5344CB8AC3E}">
-        <p14:creationId xmlns:p14="http://schemas.microsoft.com/office/powerpoint/2010/main" val="1854314039"/>
+        <p14:creationId xmlns:p14="http://schemas.microsoft.com/office/powerpoint/2010/main" val="2169856794"/>
       </p:ext>
     </p:extLst>
   </p:cSld>
@@ -1608,7 +1321,7 @@
     </p:spTree>
     <p:extLst>
       <p:ext uri="{BB962C8B-B14F-4D97-AF65-F5344CB8AC3E}">
-        <p14:creationId xmlns:p14="http://schemas.microsoft.com/office/powerpoint/2010/main" val="3983324849"/>
+        <p14:creationId xmlns:p14="http://schemas.microsoft.com/office/powerpoint/2010/main" val="1854314039"/>
       </p:ext>
     </p:extLst>
   </p:cSld>
@@ -1693,7 +1406,7 @@
     </p:spTree>
     <p:extLst>
       <p:ext uri="{BB962C8B-B14F-4D97-AF65-F5344CB8AC3E}">
-        <p14:creationId xmlns:p14="http://schemas.microsoft.com/office/powerpoint/2010/main" val="1600532133"/>
+        <p14:creationId xmlns:p14="http://schemas.microsoft.com/office/powerpoint/2010/main" val="3983324849"/>
       </p:ext>
     </p:extLst>
   </p:cSld>
@@ -1747,34 +1460,7 @@
           <a:bodyPr/>
           <a:lstStyle/>
           <a:p>
-            <a:r>
-              <a:rPr lang="en-GB" dirty="0"/>
-              <a:t>3</a:t>
-            </a:r>
-          </a:p>
-          <a:p>
-            <a:r>
-              <a:rPr lang="en-GB" dirty="0"/>
-              <a:t>8</a:t>
-            </a:r>
-          </a:p>
-          <a:p>
-            <a:r>
-              <a:rPr lang="en-GB" dirty="0"/>
-              <a:t>9</a:t>
-            </a:r>
-          </a:p>
-          <a:p>
-            <a:r>
-              <a:rPr lang="en-GB" dirty="0"/>
-              <a:t>12</a:t>
-            </a:r>
-          </a:p>
-          <a:p>
-            <a:r>
-              <a:rPr lang="en-GB" dirty="0"/>
-              <a:t>13</a:t>
-            </a:r>
+            <a:endParaRPr lang="en-US"/>
           </a:p>
         </p:txBody>
       </p:sp>
@@ -1796,7 +1482,7 @@
             <a:fld id="{7AA6D168-C717-485B-B0C8-699ECBDF2CFF}" type="slidenum">
               <a:rPr lang="de-AT" smtClean="0"/>
               <a:pPr/>
-              <a:t>24</a:t>
+              <a:t>11</a:t>
             </a:fld>
             <a:endParaRPr lang="de-AT"/>
           </a:p>
@@ -1805,7 +1491,7 @@
     </p:spTree>
     <p:extLst>
       <p:ext uri="{BB962C8B-B14F-4D97-AF65-F5344CB8AC3E}">
-        <p14:creationId xmlns:p14="http://schemas.microsoft.com/office/powerpoint/2010/main" val="1070406584"/>
+        <p14:creationId xmlns:p14="http://schemas.microsoft.com/office/powerpoint/2010/main" val="1600532133"/>
       </p:ext>
     </p:extLst>
   </p:cSld>
@@ -1888,7 +1574,7 @@
           <a:p>
             <a:fld id="{903DBAB2-6CCA-40C7-8885-2C056A77E284}" type="datetime1">
               <a:rPr lang="de-AT" smtClean="0"/>
-              <a:t>20.10.2024</a:t>
+              <a:t>22.10.2024</a:t>
             </a:fld>
             <a:endParaRPr lang="de-AT"/>
           </a:p>
@@ -2243,7 +1929,7 @@
           <a:p>
             <a:fld id="{CFFB591F-AE7F-406B-977E-415D708CD05B}" type="datetime1">
               <a:rPr lang="de-AT" smtClean="0"/>
-              <a:t>20.10.2024</a:t>
+              <a:t>22.10.2024</a:t>
             </a:fld>
             <a:endParaRPr lang="de-AT"/>
           </a:p>
@@ -2723,7 +2409,7 @@
           <a:p>
             <a:fld id="{DDED4213-31A7-43A9-B381-650B72838F3D}" type="datetime1">
               <a:rPr lang="de-AT" smtClean="0"/>
-              <a:t>20.10.2024</a:t>
+              <a:t>22.10.2024</a:t>
             </a:fld>
             <a:endParaRPr lang="de-AT"/>
           </a:p>
@@ -3355,7 +3041,7 @@
           <a:p>
             <a:fld id="{73623C63-4118-48BA-956A-11DEEC1AA07D}" type="datetime1">
               <a:rPr lang="de-AT" smtClean="0"/>
-              <a:t>20.10.2024</a:t>
+              <a:t>22.10.2024</a:t>
             </a:fld>
             <a:endParaRPr lang="de-AT"/>
           </a:p>
@@ -3700,7 +3386,7 @@
           <a:p>
             <a:fld id="{D256D3EE-23A3-40C2-AAE3-0430D418E6CE}" type="datetime1">
               <a:rPr lang="de-AT" smtClean="0"/>
-              <a:t>20.10.2024</a:t>
+              <a:t>22.10.2024</a:t>
             </a:fld>
             <a:endParaRPr lang="de-AT"/>
           </a:p>
@@ -3896,7 +3582,7 @@
           <a:p>
             <a:fld id="{3FE2F795-10B4-41AA-AEDE-F815B308DCDB}" type="datetime1">
               <a:rPr lang="de-AT" smtClean="0"/>
-              <a:t>20.10.2024</a:t>
+              <a:t>22.10.2024</a:t>
             </a:fld>
             <a:endParaRPr lang="de-AT"/>
           </a:p>
@@ -4121,7 +3807,7 @@
           <a:p>
             <a:fld id="{03FB355E-663F-46F6-A58A-7E827B834F26}" type="datetime1">
               <a:rPr lang="de-AT" smtClean="0"/>
-              <a:t>20.10.2024</a:t>
+              <a:t>22.10.2024</a:t>
             </a:fld>
             <a:endParaRPr lang="de-AT"/>
           </a:p>
@@ -4628,7 +4314,7 @@
             <a:pPr algn="r"/>
             <a:fld id="{8EA2BAE2-6757-47A9-8E17-82B3704991C6}" type="datetime4">
               <a:rPr lang="de-AT" smtClean="0"/>
-              <a:t>20. Oktober 2024</a:t>
+              <a:t>22. Oktober 2024</a:t>
             </a:fld>
             <a:endParaRPr lang="de-AT" dirty="0"/>
           </a:p>
@@ -5021,6 +4707,535 @@
         </p:nvSpPr>
         <p:spPr>
           <a:xfrm>
+            <a:off x="-32619" y="0"/>
+            <a:ext cx="12257237" cy="6858000"/>
+          </a:xfrm>
+          <a:prstGeom prst="rect">
+            <a:avLst/>
+          </a:prstGeom>
+          <a:solidFill>
+            <a:schemeClr val="bg1">
+              <a:lumMod val="85000"/>
+              <a:alpha val="75000"/>
+            </a:schemeClr>
+          </a:solidFill>
+          <a:ln>
+            <a:noFill/>
+          </a:ln>
+        </p:spPr>
+        <p:style>
+          <a:lnRef idx="2">
+            <a:schemeClr val="accent1">
+              <a:shade val="15000"/>
+            </a:schemeClr>
+          </a:lnRef>
+          <a:fillRef idx="1">
+            <a:schemeClr val="accent1"/>
+          </a:fillRef>
+          <a:effectRef idx="0">
+            <a:schemeClr val="accent1"/>
+          </a:effectRef>
+          <a:fontRef idx="minor">
+            <a:schemeClr val="lt1"/>
+          </a:fontRef>
+        </p:style>
+        <p:txBody>
+          <a:bodyPr rtlCol="0" anchor="ctr"/>
+          <a:lstStyle/>
+          <a:p>
+            <a:endParaRPr lang="de-AT" sz="1800" dirty="0">
+              <a:solidFill>
+                <a:schemeClr val="bg1"/>
+              </a:solidFill>
+            </a:endParaRPr>
+          </a:p>
+        </p:txBody>
+      </p:sp>
+      <p:sp>
+        <p:nvSpPr>
+          <p:cNvPr id="4" name="Fußzeilenplatzhalter 3">
+            <a:extLst>
+              <a:ext uri="{FF2B5EF4-FFF2-40B4-BE49-F238E27FC236}">
+                <a16:creationId xmlns:a16="http://schemas.microsoft.com/office/drawing/2014/main" id="{E60B7009-2B0F-747C-568D-AC20F983B193}"/>
+              </a:ext>
+            </a:extLst>
+          </p:cNvPr>
+          <p:cNvSpPr>
+            <a:spLocks noGrp="1"/>
+          </p:cNvSpPr>
+          <p:nvPr>
+            <p:ph type="ftr" sz="quarter" idx="11"/>
+          </p:nvPr>
+        </p:nvSpPr>
+        <p:spPr/>
+        <p:txBody>
+          <a:bodyPr/>
+          <a:lstStyle/>
+          <a:p>
+            <a:r>
+              <a:rPr lang="de-AT"/>
+              <a:t>CONTRUDE </a:t>
+            </a:r>
+            <a:r>
+              <a:rPr lang="de-AT" err="1"/>
+              <a:t>Gekle</a:t>
+            </a:r>
+            <a:r>
+              <a:rPr lang="de-AT"/>
+              <a:t>, Kampl, Schrempf</a:t>
+            </a:r>
+          </a:p>
+        </p:txBody>
+      </p:sp>
+      <p:sp>
+        <p:nvSpPr>
+          <p:cNvPr id="5" name="Foliennummernplatzhalter 4">
+            <a:extLst>
+              <a:ext uri="{FF2B5EF4-FFF2-40B4-BE49-F238E27FC236}">
+                <a16:creationId xmlns:a16="http://schemas.microsoft.com/office/drawing/2014/main" id="{B8DFB85E-29D1-B262-44AB-6AE9AD2CCB9A}"/>
+              </a:ext>
+            </a:extLst>
+          </p:cNvPr>
+          <p:cNvSpPr>
+            <a:spLocks noGrp="1"/>
+          </p:cNvSpPr>
+          <p:nvPr>
+            <p:ph type="sldNum" sz="quarter" idx="12"/>
+          </p:nvPr>
+        </p:nvSpPr>
+        <p:spPr/>
+        <p:txBody>
+          <a:bodyPr/>
+          <a:lstStyle/>
+          <a:p>
+            <a:fld id="{7DCD6803-3BAA-44F6-A698-23D950C9713B}" type="slidenum">
+              <a:rPr lang="de-AT" smtClean="0">
+                <a:solidFill>
+                  <a:schemeClr val="bg1"/>
+                </a:solidFill>
+              </a:rPr>
+              <a:pPr/>
+              <a:t>10</a:t>
+            </a:fld>
+            <a:endParaRPr lang="de-AT">
+              <a:solidFill>
+                <a:schemeClr val="bg1"/>
+              </a:solidFill>
+            </a:endParaRPr>
+          </a:p>
+        </p:txBody>
+      </p:sp>
+      <p:pic>
+        <p:nvPicPr>
+          <p:cNvPr id="2050" name="Picture 2" descr="NodeMCU ESP32 | Joy-IT">
+            <a:extLst>
+              <a:ext uri="{FF2B5EF4-FFF2-40B4-BE49-F238E27FC236}">
+                <a16:creationId xmlns:a16="http://schemas.microsoft.com/office/drawing/2014/main" id="{47BFFC31-3014-823D-0EC2-60D5974785D3}"/>
+              </a:ext>
+            </a:extLst>
+          </p:cNvPr>
+          <p:cNvPicPr>
+            <a:picLocks noChangeAspect="1" noChangeArrowheads="1"/>
+          </p:cNvPicPr>
+          <p:nvPr/>
+        </p:nvPicPr>
+        <p:blipFill>
+          <a:blip r:embed="rId3" cstate="print">
+            <a:extLst>
+              <a:ext uri="{28A0092B-C50C-407E-A947-70E740481C1C}">
+                <a14:useLocalDpi xmlns:a14="http://schemas.microsoft.com/office/drawing/2010/main" val="0"/>
+              </a:ext>
+            </a:extLst>
+          </a:blip>
+          <a:srcRect/>
+          <a:stretch>
+            <a:fillRect/>
+          </a:stretch>
+        </p:blipFill>
+        <p:spPr bwMode="auto">
+          <a:xfrm>
+            <a:off x="5312724" y="1785166"/>
+            <a:ext cx="559134" cy="559134"/>
+          </a:xfrm>
+          <a:prstGeom prst="rect">
+            <a:avLst/>
+          </a:prstGeom>
+          <a:noFill/>
+          <a:extLst>
+            <a:ext uri="{909E8E84-426E-40DD-AFC4-6F175D3DCCD1}">
+              <a14:hiddenFill xmlns:a14="http://schemas.microsoft.com/office/drawing/2010/main">
+                <a:solidFill>
+                  <a:srgbClr val="FFFFFF"/>
+                </a:solidFill>
+              </a14:hiddenFill>
+            </a:ext>
+          </a:extLst>
+        </p:spPr>
+      </p:pic>
+      <p:pic>
+        <p:nvPicPr>
+          <p:cNvPr id="3" name="Picture 2" descr="NodeMCU ESP32 | Joy-IT">
+            <a:extLst>
+              <a:ext uri="{FF2B5EF4-FFF2-40B4-BE49-F238E27FC236}">
+                <a16:creationId xmlns:a16="http://schemas.microsoft.com/office/drawing/2014/main" id="{1D760FF0-D398-D889-5BE3-0519E62345AD}"/>
+              </a:ext>
+            </a:extLst>
+          </p:cNvPr>
+          <p:cNvPicPr>
+            <a:picLocks noChangeAspect="1" noChangeArrowheads="1"/>
+          </p:cNvPicPr>
+          <p:nvPr/>
+        </p:nvPicPr>
+        <p:blipFill>
+          <a:blip r:embed="rId3" cstate="print">
+            <a:extLst>
+              <a:ext uri="{28A0092B-C50C-407E-A947-70E740481C1C}">
+                <a14:useLocalDpi xmlns:a14="http://schemas.microsoft.com/office/drawing/2010/main" val="0"/>
+              </a:ext>
+            </a:extLst>
+          </a:blip>
+          <a:srcRect/>
+          <a:stretch>
+            <a:fillRect/>
+          </a:stretch>
+        </p:blipFill>
+        <p:spPr bwMode="auto">
+          <a:xfrm>
+            <a:off x="5033157" y="1792797"/>
+            <a:ext cx="559134" cy="559134"/>
+          </a:xfrm>
+          <a:prstGeom prst="rect">
+            <a:avLst/>
+          </a:prstGeom>
+          <a:noFill/>
+          <a:extLst>
+            <a:ext uri="{909E8E84-426E-40DD-AFC4-6F175D3DCCD1}">
+              <a14:hiddenFill xmlns:a14="http://schemas.microsoft.com/office/drawing/2010/main">
+                <a:solidFill>
+                  <a:srgbClr val="FFFFFF"/>
+                </a:solidFill>
+              </a14:hiddenFill>
+            </a:ext>
+          </a:extLst>
+        </p:spPr>
+      </p:pic>
+      <p:pic>
+        <p:nvPicPr>
+          <p:cNvPr id="6" name="Grafik 5">
+            <a:extLst>
+              <a:ext uri="{FF2B5EF4-FFF2-40B4-BE49-F238E27FC236}">
+                <a16:creationId xmlns:a16="http://schemas.microsoft.com/office/drawing/2014/main" id="{835BFC3E-6502-D5D2-F643-8AE4DCE6143B}"/>
+              </a:ext>
+            </a:extLst>
+          </p:cNvPr>
+          <p:cNvPicPr>
+            <a:picLocks noChangeAspect="1"/>
+          </p:cNvPicPr>
+          <p:nvPr/>
+        </p:nvPicPr>
+        <p:blipFill rotWithShape="1">
+          <a:blip r:embed="rId4">
+            <a:extLst>
+              <a:ext uri="{28A0092B-C50C-407E-A947-70E740481C1C}">
+                <a14:useLocalDpi xmlns:a14="http://schemas.microsoft.com/office/drawing/2010/main" val="0"/>
+              </a:ext>
+              <a:ext uri="{96DAC541-7B7A-43D3-8B79-37D633B846F1}">
+                <asvg:svgBlip xmlns:asvg="http://schemas.microsoft.com/office/drawing/2016/SVG/main" r:embed="rId5"/>
+              </a:ext>
+            </a:extLst>
+          </a:blip>
+          <a:srcRect l="38203" t="12999" r="30542" b="-2628"/>
+          <a:stretch/>
+        </p:blipFill>
+        <p:spPr>
+          <a:xfrm>
+            <a:off x="-24294" y="200887"/>
+            <a:ext cx="12257238" cy="6215588"/>
+          </a:xfrm>
+          <a:prstGeom prst="rect">
+            <a:avLst/>
+          </a:prstGeom>
+        </p:spPr>
+      </p:pic>
+      <p:sp>
+        <p:nvSpPr>
+          <p:cNvPr id="11" name="Textfeld 10">
+            <a:extLst>
+              <a:ext uri="{FF2B5EF4-FFF2-40B4-BE49-F238E27FC236}">
+                <a16:creationId xmlns:a16="http://schemas.microsoft.com/office/drawing/2014/main" id="{294659C0-537B-4E41-1DDA-E4A6658C91C4}"/>
+              </a:ext>
+            </a:extLst>
+          </p:cNvPr>
+          <p:cNvSpPr txBox="1"/>
+          <p:nvPr/>
+        </p:nvSpPr>
+        <p:spPr>
+          <a:xfrm>
+            <a:off x="4202226" y="4744060"/>
+            <a:ext cx="3465900" cy="523220"/>
+          </a:xfrm>
+          <a:prstGeom prst="rect">
+            <a:avLst/>
+          </a:prstGeom>
+          <a:noFill/>
+        </p:spPr>
+        <p:txBody>
+          <a:bodyPr wrap="square">
+            <a:spAutoFit/>
+          </a:bodyPr>
+          <a:lstStyle/>
+          <a:p>
+            <a:r>
+              <a:rPr lang="de-AT" sz="2800" b="1" u="sng" dirty="0">
+                <a:solidFill>
+                  <a:schemeClr val="bg1"/>
+                </a:solidFill>
+              </a:rPr>
+              <a:t>Maximilian S. Kampl</a:t>
+            </a:r>
+          </a:p>
+        </p:txBody>
+      </p:sp>
+      <p:sp>
+        <p:nvSpPr>
+          <p:cNvPr id="15" name="Textfeld 14">
+            <a:extLst>
+              <a:ext uri="{FF2B5EF4-FFF2-40B4-BE49-F238E27FC236}">
+                <a16:creationId xmlns:a16="http://schemas.microsoft.com/office/drawing/2014/main" id="{D17CEDA6-1464-BC12-5806-AA3351A735EC}"/>
+              </a:ext>
+            </a:extLst>
+          </p:cNvPr>
+          <p:cNvSpPr txBox="1"/>
+          <p:nvPr/>
+        </p:nvSpPr>
+        <p:spPr>
+          <a:xfrm>
+            <a:off x="107273" y="1817230"/>
+            <a:ext cx="1502142" cy="400110"/>
+          </a:xfrm>
+          <a:prstGeom prst="rect">
+            <a:avLst/>
+          </a:prstGeom>
+          <a:noFill/>
+        </p:spPr>
+        <p:txBody>
+          <a:bodyPr wrap="square">
+            <a:spAutoFit/>
+          </a:bodyPr>
+          <a:lstStyle/>
+          <a:p>
+            <a:r>
+              <a:rPr lang="de-AT" sz="2000" u="sng" dirty="0">
+                <a:solidFill>
+                  <a:schemeClr val="bg1"/>
+                </a:solidFill>
+              </a:rPr>
+              <a:t>Hardware</a:t>
+            </a:r>
+            <a:endParaRPr lang="en-US" u="sng" dirty="0"/>
+          </a:p>
+        </p:txBody>
+      </p:sp>
+      <p:sp>
+        <p:nvSpPr>
+          <p:cNvPr id="17" name="Textfeld 16">
+            <a:extLst>
+              <a:ext uri="{FF2B5EF4-FFF2-40B4-BE49-F238E27FC236}">
+                <a16:creationId xmlns:a16="http://schemas.microsoft.com/office/drawing/2014/main" id="{33307A70-E881-1B52-C8DC-34BD98ADE26D}"/>
+              </a:ext>
+            </a:extLst>
+          </p:cNvPr>
+          <p:cNvSpPr txBox="1"/>
+          <p:nvPr/>
+        </p:nvSpPr>
+        <p:spPr>
+          <a:xfrm>
+            <a:off x="5544671" y="1872309"/>
+            <a:ext cx="1410087" cy="400110"/>
+          </a:xfrm>
+          <a:prstGeom prst="rect">
+            <a:avLst/>
+          </a:prstGeom>
+          <a:noFill/>
+        </p:spPr>
+        <p:txBody>
+          <a:bodyPr wrap="square">
+            <a:spAutoFit/>
+          </a:bodyPr>
+          <a:lstStyle/>
+          <a:p>
+            <a:r>
+              <a:rPr lang="de-AT" sz="2000" u="sng" dirty="0">
+                <a:solidFill>
+                  <a:schemeClr val="bg1"/>
+                </a:solidFill>
+              </a:rPr>
+              <a:t>Sensorik</a:t>
+            </a:r>
+            <a:endParaRPr lang="en-US" u="sng" dirty="0"/>
+          </a:p>
+        </p:txBody>
+      </p:sp>
+      <p:sp>
+        <p:nvSpPr>
+          <p:cNvPr id="2" name="Textfeld 1">
+            <a:extLst>
+              <a:ext uri="{FF2B5EF4-FFF2-40B4-BE49-F238E27FC236}">
+                <a16:creationId xmlns:a16="http://schemas.microsoft.com/office/drawing/2014/main" id="{86EA9456-8BBA-55A9-EC46-FB2166AC4C50}"/>
+              </a:ext>
+            </a:extLst>
+          </p:cNvPr>
+          <p:cNvSpPr txBox="1"/>
+          <p:nvPr/>
+        </p:nvSpPr>
+        <p:spPr>
+          <a:xfrm>
+            <a:off x="2771285" y="2298134"/>
+            <a:ext cx="1527760" cy="892552"/>
+          </a:xfrm>
+          <a:prstGeom prst="rect">
+            <a:avLst/>
+          </a:prstGeom>
+          <a:noFill/>
+        </p:spPr>
+        <p:txBody>
+          <a:bodyPr wrap="square">
+            <a:spAutoFit/>
+          </a:bodyPr>
+          <a:lstStyle/>
+          <a:p>
+            <a:r>
+              <a:rPr lang="de-AT" sz="2000" u="sng" dirty="0">
+                <a:solidFill>
+                  <a:schemeClr val="bg1"/>
+                </a:solidFill>
+              </a:rPr>
+              <a:t>Daten-</a:t>
+            </a:r>
+          </a:p>
+          <a:p>
+            <a:endParaRPr lang="de-AT" sz="1200" u="sng" dirty="0">
+              <a:solidFill>
+                <a:schemeClr val="bg1"/>
+              </a:solidFill>
+            </a:endParaRPr>
+          </a:p>
+          <a:p>
+            <a:r>
+              <a:rPr lang="de-AT" sz="2000" u="sng" dirty="0" err="1">
+                <a:solidFill>
+                  <a:schemeClr val="bg1"/>
+                </a:solidFill>
+              </a:rPr>
+              <a:t>übertragung</a:t>
+            </a:r>
+            <a:endParaRPr lang="en-US" u="sng" dirty="0"/>
+          </a:p>
+        </p:txBody>
+      </p:sp>
+      <p:pic>
+        <p:nvPicPr>
+          <p:cNvPr id="8" name="Picture 2" descr="NodeMCU ESP32 | Joy-IT">
+            <a:extLst>
+              <a:ext uri="{FF2B5EF4-FFF2-40B4-BE49-F238E27FC236}">
+                <a16:creationId xmlns:a16="http://schemas.microsoft.com/office/drawing/2014/main" id="{7F089D39-6A03-EF6E-B437-F074B2A84608}"/>
+              </a:ext>
+            </a:extLst>
+          </p:cNvPr>
+          <p:cNvPicPr>
+            <a:picLocks noChangeAspect="1" noChangeArrowheads="1"/>
+          </p:cNvPicPr>
+          <p:nvPr/>
+        </p:nvPicPr>
+        <p:blipFill>
+          <a:blip r:embed="rId3" cstate="print">
+            <a:extLst>
+              <a:ext uri="{28A0092B-C50C-407E-A947-70E740481C1C}">
+                <a14:useLocalDpi xmlns:a14="http://schemas.microsoft.com/office/drawing/2010/main" val="0"/>
+              </a:ext>
+            </a:extLst>
+          </a:blip>
+          <a:srcRect/>
+          <a:stretch>
+            <a:fillRect/>
+          </a:stretch>
+        </p:blipFill>
+        <p:spPr bwMode="auto">
+          <a:xfrm>
+            <a:off x="7892957" y="1759602"/>
+            <a:ext cx="1969615" cy="1969615"/>
+          </a:xfrm>
+          <a:prstGeom prst="rect">
+            <a:avLst/>
+          </a:prstGeom>
+          <a:noFill/>
+          <a:extLst>
+            <a:ext uri="{909E8E84-426E-40DD-AFC4-6F175D3DCCD1}">
+              <a14:hiddenFill xmlns:a14="http://schemas.microsoft.com/office/drawing/2010/main">
+                <a:solidFill>
+                  <a:srgbClr val="FFFFFF"/>
+                </a:solidFill>
+              </a14:hiddenFill>
+            </a:ext>
+          </a:extLst>
+        </p:spPr>
+      </p:pic>
+    </p:spTree>
+    <p:extLst>
+      <p:ext uri="{BB962C8B-B14F-4D97-AF65-F5344CB8AC3E}">
+        <p14:creationId xmlns:p14="http://schemas.microsoft.com/office/powerpoint/2010/main" val="457281821"/>
+      </p:ext>
+    </p:extLst>
+  </p:cSld>
+  <p:clrMapOvr>
+    <a:masterClrMapping/>
+  </p:clrMapOvr>
+  <mc:AlternateContent xmlns:mc="http://schemas.openxmlformats.org/markup-compatibility/2006" xmlns:p159="http://schemas.microsoft.com/office/powerpoint/2015/09/main">
+    <mc:Choice Requires="p159">
+      <p:transition xmlns:p14="http://schemas.microsoft.com/office/powerpoint/2010/main" spd="slow" p14:dur="2000" advClick="0">
+        <p159:morph option="byObject"/>
+      </p:transition>
+    </mc:Choice>
+    <mc:Fallback xmlns="">
+      <p:transition spd="slow" advClick="0">
+        <p:fade/>
+      </p:transition>
+    </mc:Fallback>
+  </mc:AlternateContent>
+</p:sld>
+</file>
+
+<file path=ppt/slides/slide11.xml><?xml version="1.0" encoding="utf-8"?>
+<p:sld xmlns:a="http://schemas.openxmlformats.org/drawingml/2006/main" xmlns:r="http://schemas.openxmlformats.org/officeDocument/2006/relationships" xmlns:p="http://schemas.openxmlformats.org/presentationml/2006/main">
+  <p:cSld>
+    <p:spTree>
+      <p:nvGrpSpPr>
+        <p:cNvPr id="1" name=""/>
+        <p:cNvGrpSpPr/>
+        <p:nvPr/>
+      </p:nvGrpSpPr>
+      <p:grpSpPr>
+        <a:xfrm>
+          <a:off x="0" y="0"/>
+          <a:ext cx="0" cy="0"/>
+          <a:chOff x="0" y="0"/>
+          <a:chExt cx="0" cy="0"/>
+        </a:xfrm>
+      </p:grpSpPr>
+      <p:sp>
+        <p:nvSpPr>
+          <p:cNvPr id="7" name="Rechteck 6">
+            <a:extLst>
+              <a:ext uri="{FF2B5EF4-FFF2-40B4-BE49-F238E27FC236}">
+                <a16:creationId xmlns:a16="http://schemas.microsoft.com/office/drawing/2014/main" id="{5FD16DE7-27A8-13EC-C34D-F44A01912A4F}"/>
+              </a:ext>
+            </a:extLst>
+          </p:cNvPr>
+          <p:cNvSpPr/>
+          <p:nvPr/>
+        </p:nvSpPr>
+        <p:spPr>
+          <a:xfrm>
             <a:off x="0" y="0"/>
             <a:ext cx="12257237" cy="6858000"/>
           </a:xfrm>
@@ -5125,7 +5340,7 @@
             <a:fld id="{7DCD6803-3BAA-44F6-A698-23D950C9713B}" type="slidenum">
               <a:rPr lang="de-AT" smtClean="0"/>
               <a:pPr/>
-              <a:t>10</a:t>
+              <a:t>11</a:t>
             </a:fld>
             <a:endParaRPr lang="de-AT"/>
           </a:p>
@@ -5862,271 +6077,6 @@
 </p:sld>
 </file>
 
-<file path=ppt/slides/slide11.xml><?xml version="1.0" encoding="utf-8"?>
-<p:sld xmlns:a="http://schemas.openxmlformats.org/drawingml/2006/main" xmlns:r="http://schemas.openxmlformats.org/officeDocument/2006/relationships" xmlns:p="http://schemas.openxmlformats.org/presentationml/2006/main">
-  <p:cSld>
-    <p:spTree>
-      <p:nvGrpSpPr>
-        <p:cNvPr id="1" name=""/>
-        <p:cNvGrpSpPr/>
-        <p:nvPr/>
-      </p:nvGrpSpPr>
-      <p:grpSpPr>
-        <a:xfrm>
-          <a:off x="0" y="0"/>
-          <a:ext cx="0" cy="0"/>
-          <a:chOff x="0" y="0"/>
-          <a:chExt cx="0" cy="0"/>
-        </a:xfrm>
-      </p:grpSpPr>
-      <p:sp>
-        <p:nvSpPr>
-          <p:cNvPr id="2" name="Titel 1">
-            <a:extLst>
-              <a:ext uri="{FF2B5EF4-FFF2-40B4-BE49-F238E27FC236}">
-                <a16:creationId xmlns:a16="http://schemas.microsoft.com/office/drawing/2014/main" id="{E496C6BA-99A1-43F4-92B8-B6D762EF0987}"/>
-              </a:ext>
-            </a:extLst>
-          </p:cNvPr>
-          <p:cNvSpPr>
-            <a:spLocks noGrp="1"/>
-          </p:cNvSpPr>
-          <p:nvPr>
-            <p:ph type="title"/>
-          </p:nvPr>
-        </p:nvSpPr>
-        <p:spPr/>
-        <p:txBody>
-          <a:bodyPr/>
-          <a:lstStyle/>
-          <a:p>
-            <a:r>
-              <a:rPr lang="de-DE"/>
-              <a:t>Literatur</a:t>
-            </a:r>
-            <a:endParaRPr lang="de-AT"/>
-          </a:p>
-        </p:txBody>
-      </p:sp>
-      <p:sp>
-        <p:nvSpPr>
-          <p:cNvPr id="3" name="Inhaltsplatzhalter 2">
-            <a:extLst>
-              <a:ext uri="{FF2B5EF4-FFF2-40B4-BE49-F238E27FC236}">
-                <a16:creationId xmlns:a16="http://schemas.microsoft.com/office/drawing/2014/main" id="{A228378C-21E0-453B-B255-71BAC911E6C0}"/>
-              </a:ext>
-            </a:extLst>
-          </p:cNvPr>
-          <p:cNvSpPr>
-            <a:spLocks noGrp="1"/>
-          </p:cNvSpPr>
-          <p:nvPr>
-            <p:ph idx="1"/>
-          </p:nvPr>
-        </p:nvSpPr>
-        <p:spPr/>
-        <p:txBody>
-          <a:bodyPr/>
-          <a:lstStyle/>
-          <a:p>
-            <a:r>
-              <a:rPr lang="de-DE" dirty="0"/>
-              <a:t>REST API Design </a:t>
-            </a:r>
-            <a:r>
-              <a:rPr lang="de-DE" dirty="0" err="1"/>
-              <a:t>Rulebook</a:t>
-            </a:r>
-            <a:endParaRPr lang="de-DE" dirty="0"/>
-          </a:p>
-          <a:p>
-            <a:r>
-              <a:rPr lang="de-DE" dirty="0"/>
-              <a:t>Programming-ESP32-with-Arduino-IDE</a:t>
-            </a:r>
-          </a:p>
-          <a:p>
-            <a:r>
-              <a:rPr lang="de-DE" dirty="0" err="1">
-                <a:solidFill>
-                  <a:srgbClr val="002021"/>
-                </a:solidFill>
-                <a:highlight>
-                  <a:srgbClr val="FFFFFF"/>
-                </a:highlight>
-                <a:latin typeface="Google Sans"/>
-              </a:rPr>
-              <a:t>ChatGPT</a:t>
-            </a:r>
-            <a:r>
-              <a:rPr lang="de-DE" dirty="0">
-                <a:solidFill>
-                  <a:srgbClr val="002021"/>
-                </a:solidFill>
-                <a:highlight>
-                  <a:srgbClr val="FFFFFF"/>
-                </a:highlight>
-                <a:latin typeface="Google Sans"/>
-              </a:rPr>
-              <a:t>-Abfragen</a:t>
-            </a:r>
-          </a:p>
-          <a:p>
-            <a:r>
-              <a:rPr lang="de-DE" dirty="0">
-                <a:solidFill>
-                  <a:srgbClr val="002021"/>
-                </a:solidFill>
-                <a:highlight>
-                  <a:srgbClr val="FFFFFF"/>
-                </a:highlight>
-                <a:latin typeface="Google Sans"/>
-              </a:rPr>
-              <a:t>Datenblätter:</a:t>
-            </a:r>
-          </a:p>
-          <a:p>
-            <a:pPr lvl="1"/>
-            <a:r>
-              <a:rPr lang="de-AT" dirty="0">
-                <a:solidFill>
-                  <a:srgbClr val="002021"/>
-                </a:solidFill>
-                <a:highlight>
-                  <a:srgbClr val="FFFFFF"/>
-                </a:highlight>
-                <a:latin typeface="Google Sans"/>
-              </a:rPr>
-              <a:t>Esp32, Arduino Nano, Raspberry Zero</a:t>
-            </a:r>
-          </a:p>
-          <a:p>
-            <a:pPr lvl="1"/>
-            <a:r>
-              <a:rPr lang="de-AT" dirty="0">
-                <a:solidFill>
-                  <a:srgbClr val="002021"/>
-                </a:solidFill>
-                <a:highlight>
-                  <a:srgbClr val="FFFFFF"/>
-                </a:highlight>
-                <a:latin typeface="Google Sans"/>
-              </a:rPr>
-              <a:t>BME280</a:t>
-            </a:r>
-          </a:p>
-          <a:p>
-            <a:pPr lvl="1"/>
-            <a:r>
-              <a:rPr lang="de-AT" dirty="0">
-                <a:solidFill>
-                  <a:srgbClr val="002021"/>
-                </a:solidFill>
-                <a:highlight>
-                  <a:srgbClr val="FFFFFF"/>
-                </a:highlight>
-                <a:latin typeface="Google Sans"/>
-              </a:rPr>
-              <a:t>GY-NEO6MV2</a:t>
-            </a:r>
-          </a:p>
-          <a:p>
-            <a:pPr lvl="1"/>
-            <a:endParaRPr lang="de-AT" dirty="0">
-              <a:solidFill>
-                <a:srgbClr val="002021"/>
-              </a:solidFill>
-              <a:highlight>
-                <a:srgbClr val="FFFFFF"/>
-              </a:highlight>
-              <a:latin typeface="Google Sans"/>
-            </a:endParaRPr>
-          </a:p>
-        </p:txBody>
-      </p:sp>
-      <p:sp>
-        <p:nvSpPr>
-          <p:cNvPr id="4" name="Fußzeilenplatzhalter 3">
-            <a:extLst>
-              <a:ext uri="{FF2B5EF4-FFF2-40B4-BE49-F238E27FC236}">
-                <a16:creationId xmlns:a16="http://schemas.microsoft.com/office/drawing/2014/main" id="{8AADA028-308D-430B-A45B-407D875A2351}"/>
-              </a:ext>
-            </a:extLst>
-          </p:cNvPr>
-          <p:cNvSpPr>
-            <a:spLocks noGrp="1"/>
-          </p:cNvSpPr>
-          <p:nvPr>
-            <p:ph type="ftr" sz="quarter" idx="11"/>
-          </p:nvPr>
-        </p:nvSpPr>
-        <p:spPr/>
-        <p:txBody>
-          <a:bodyPr/>
-          <a:lstStyle/>
-          <a:p>
-            <a:r>
-              <a:rPr lang="de-AT"/>
-              <a:t>CONTRUDE Gekle, Kampl, Schrempf</a:t>
-            </a:r>
-          </a:p>
-        </p:txBody>
-      </p:sp>
-      <p:sp>
-        <p:nvSpPr>
-          <p:cNvPr id="5" name="Foliennummernplatzhalter 4">
-            <a:extLst>
-              <a:ext uri="{FF2B5EF4-FFF2-40B4-BE49-F238E27FC236}">
-                <a16:creationId xmlns:a16="http://schemas.microsoft.com/office/drawing/2014/main" id="{AB38338F-922C-40A7-B140-637B827703BF}"/>
-              </a:ext>
-            </a:extLst>
-          </p:cNvPr>
-          <p:cNvSpPr>
-            <a:spLocks noGrp="1"/>
-          </p:cNvSpPr>
-          <p:nvPr>
-            <p:ph type="sldNum" sz="quarter" idx="12"/>
-          </p:nvPr>
-        </p:nvSpPr>
-        <p:spPr/>
-        <p:txBody>
-          <a:bodyPr/>
-          <a:lstStyle/>
-          <a:p>
-            <a:fld id="{7DCD6803-3BAA-44F6-A698-23D950C9713B}" type="slidenum">
-              <a:rPr lang="de-AT" smtClean="0"/>
-              <a:pPr/>
-              <a:t>11</a:t>
-            </a:fld>
-            <a:endParaRPr lang="de-AT"/>
-          </a:p>
-        </p:txBody>
-      </p:sp>
-    </p:spTree>
-    <p:extLst>
-      <p:ext uri="{BB962C8B-B14F-4D97-AF65-F5344CB8AC3E}">
-        <p14:creationId xmlns:p14="http://schemas.microsoft.com/office/powerpoint/2010/main" val="2929837528"/>
-      </p:ext>
-    </p:extLst>
-  </p:cSld>
-  <p:clrMapOvr>
-    <a:masterClrMapping/>
-  </p:clrMapOvr>
-  <mc:AlternateContent xmlns:mc="http://schemas.openxmlformats.org/markup-compatibility/2006" xmlns:p159="http://schemas.microsoft.com/office/powerpoint/2015/09/main">
-    <mc:Choice Requires="p159">
-      <p:transition xmlns:p14="http://schemas.microsoft.com/office/powerpoint/2010/main" spd="slow" p14:dur="2000">
-        <p159:morph option="byObject"/>
-      </p:transition>
-    </mc:Choice>
-    <mc:Fallback xmlns="">
-      <p:transition spd="slow">
-        <p:fade/>
-      </p:transition>
-    </mc:Fallback>
-  </mc:AlternateContent>
-</p:sld>
-</file>
-
 <file path=ppt/slides/slide12.xml><?xml version="1.0" encoding="utf-8"?>
 <p:sld xmlns:a="http://schemas.openxmlformats.org/drawingml/2006/main" xmlns:r="http://schemas.openxmlformats.org/officeDocument/2006/relationships" xmlns:p="http://schemas.openxmlformats.org/presentationml/2006/main">
   <p:cSld>
@@ -6149,7 +6099,7 @@
           <p:cNvPr id="2" name="Titel 1">
             <a:extLst>
               <a:ext uri="{FF2B5EF4-FFF2-40B4-BE49-F238E27FC236}">
-                <a16:creationId xmlns:a16="http://schemas.microsoft.com/office/drawing/2014/main" id="{E496C6BA-99A1-43F4-92B8-B6D762EF0987}"/>
+                <a16:creationId xmlns:a16="http://schemas.microsoft.com/office/drawing/2014/main" id="{49B75182-9F7E-DDB8-1BCE-29DCCA8443FA}"/>
               </a:ext>
             </a:extLst>
           </p:cNvPr>
@@ -6166,10 +6116,9 @@
           <a:lstStyle/>
           <a:p>
             <a:r>
-              <a:rPr lang="de-DE"/>
-              <a:t>PM - Meilensteine</a:t>
-            </a:r>
-            <a:endParaRPr lang="de-AT"/>
+              <a:rPr lang="de-AT" dirty="0"/>
+              <a:t>Fortschritt - Kampl</a:t>
+            </a:r>
           </a:p>
         </p:txBody>
       </p:sp>
@@ -6178,7 +6127,7 @@
           <p:cNvPr id="3" name="Inhaltsplatzhalter 2">
             <a:extLst>
               <a:ext uri="{FF2B5EF4-FFF2-40B4-BE49-F238E27FC236}">
-                <a16:creationId xmlns:a16="http://schemas.microsoft.com/office/drawing/2014/main" id="{A228378C-21E0-453B-B255-71BAC911E6C0}"/>
+                <a16:creationId xmlns:a16="http://schemas.microsoft.com/office/drawing/2014/main" id="{024F27B7-30D2-20B0-4444-C74E11AB2A8E}"/>
               </a:ext>
             </a:extLst>
           </p:cNvPr>
@@ -6191,76 +6140,38 @@
         </p:nvSpPr>
         <p:spPr/>
         <p:txBody>
-          <a:bodyPr>
-            <a:normAutofit lnSpcReduction="10000"/>
-          </a:bodyPr>
-          <a:lstStyle/>
-          <a:p>
-            <a:r>
-              <a:rPr lang="de-DE" sz="3200" dirty="0"/>
-              <a:t>2024-02-23: Genehmigung der DA</a:t>
-            </a:r>
-          </a:p>
-          <a:p>
-            <a:pPr lvl="1"/>
-            <a:r>
-              <a:rPr lang="de-DE" sz="2800" dirty="0"/>
-              <a:t>Einreichen des Antrags durch die Schüler</a:t>
-            </a:r>
-          </a:p>
-          <a:p>
-            <a:pPr lvl="1"/>
-            <a:r>
-              <a:rPr lang="de-DE" sz="2800" dirty="0"/>
-              <a:t>DA Dokumentation wurde ausgefüllt und unterschrieben</a:t>
-            </a:r>
-          </a:p>
-          <a:p>
-            <a:r>
-              <a:rPr lang="de-DE" sz="3200" dirty="0"/>
-              <a:t>2024-05-09: Projektplan Grobentwurf fertig</a:t>
-            </a:r>
-          </a:p>
-          <a:p>
-            <a:pPr lvl="1"/>
-            <a:r>
-              <a:rPr lang="de-DE" sz="2800" dirty="0"/>
-              <a:t>Zielsetzung ausgefüllt</a:t>
-            </a:r>
-          </a:p>
-          <a:p>
-            <a:pPr lvl="1"/>
-            <a:r>
-              <a:rPr lang="de-DE" sz="2800" dirty="0"/>
-              <a:t>Projektplan ausgefüllt</a:t>
-            </a:r>
-          </a:p>
-          <a:p>
-            <a:r>
-              <a:rPr lang="de-DE" sz="3200" dirty="0"/>
-              <a:t>2024-06-01: Hardware Komponenten Recherche fertig</a:t>
-            </a:r>
-          </a:p>
-          <a:p>
-            <a:pPr lvl="1"/>
-            <a:r>
-              <a:rPr lang="de-DE" sz="2800" dirty="0"/>
-              <a:t>Bestimmung der Komponenten</a:t>
-            </a:r>
-          </a:p>
-          <a:p>
-            <a:pPr lvl="1"/>
-            <a:r>
-              <a:rPr lang="de-DE" sz="2800" dirty="0"/>
-              <a:t>Preisrechnung</a:t>
-            </a:r>
-          </a:p>
-          <a:p>
-            <a:pPr lvl="1"/>
-            <a:r>
-              <a:rPr lang="de-DE" sz="2800" dirty="0"/>
-              <a:t>Terminrechnung</a:t>
-            </a:r>
+          <a:bodyPr/>
+          <a:lstStyle/>
+          <a:p>
+            <a:r>
+              <a:rPr lang="de-DE" dirty="0"/>
+              <a:t>Hardware Recherche</a:t>
+            </a:r>
+          </a:p>
+          <a:p>
+            <a:r>
+              <a:rPr lang="de-DE" dirty="0"/>
+              <a:t>Löten</a:t>
+            </a:r>
+          </a:p>
+          <a:p>
+            <a:r>
+              <a:rPr lang="de-DE" dirty="0"/>
+              <a:t>Datenerfassung / -übertragung</a:t>
+            </a:r>
+          </a:p>
+          <a:p>
+            <a:r>
+              <a:rPr lang="de-DE" dirty="0"/>
+              <a:t>ArduinoIDE --&gt; PlatformIO</a:t>
+            </a:r>
+          </a:p>
+          <a:p>
+            <a:r>
+              <a:rPr lang="de-DE" dirty="0"/>
+              <a:t>Mesh-Netzwerk</a:t>
+            </a:r>
+            <a:endParaRPr lang="de-AT" dirty="0"/>
           </a:p>
         </p:txBody>
       </p:sp>
@@ -6269,7 +6180,7 @@
           <p:cNvPr id="4" name="Fußzeilenplatzhalter 3">
             <a:extLst>
               <a:ext uri="{FF2B5EF4-FFF2-40B4-BE49-F238E27FC236}">
-                <a16:creationId xmlns:a16="http://schemas.microsoft.com/office/drawing/2014/main" id="{8AADA028-308D-430B-A45B-407D875A2351}"/>
+                <a16:creationId xmlns:a16="http://schemas.microsoft.com/office/drawing/2014/main" id="{6E09A3E5-E9D9-C916-501D-1EB289F7F868}"/>
               </a:ext>
             </a:extLst>
           </p:cNvPr>
@@ -6287,7 +6198,15 @@
           <a:p>
             <a:r>
               <a:rPr lang="de-AT"/>
-              <a:t>CONTRUDE Gekle, Kampl, Schrempf</a:t>
+              <a:t>CONTRUDE </a:t>
+            </a:r>
+            <a:r>
+              <a:rPr lang="de-AT" err="1"/>
+              <a:t>Gekle</a:t>
+            </a:r>
+            <a:r>
+              <a:rPr lang="de-AT"/>
+              <a:t>, Kampl, Schrempf</a:t>
             </a:r>
           </a:p>
         </p:txBody>
@@ -6297,7 +6216,7 @@
           <p:cNvPr id="5" name="Foliennummernplatzhalter 4">
             <a:extLst>
               <a:ext uri="{FF2B5EF4-FFF2-40B4-BE49-F238E27FC236}">
-                <a16:creationId xmlns:a16="http://schemas.microsoft.com/office/drawing/2014/main" id="{AB38338F-922C-40A7-B140-637B827703BF}"/>
+                <a16:creationId xmlns:a16="http://schemas.microsoft.com/office/drawing/2014/main" id="{A3248E37-7A5A-CF99-7DD3-0E77067C292D}"/>
               </a:ext>
             </a:extLst>
           </p:cNvPr>
@@ -6322,10 +6241,45 @@
           </a:p>
         </p:txBody>
       </p:sp>
+      <p:pic>
+        <p:nvPicPr>
+          <p:cNvPr id="8" name="Grafik 7" descr="Ein Bild, das Elektrisches Bauelement, Elektronisches Bauteil, Elektronik, passives Bauelement enthält.&#10;&#10;Automatisch generierte Beschreibung">
+            <a:extLst>
+              <a:ext uri="{FF2B5EF4-FFF2-40B4-BE49-F238E27FC236}">
+                <a16:creationId xmlns:a16="http://schemas.microsoft.com/office/drawing/2014/main" id="{9CB9F298-EBC3-3EAD-641E-F126434862CD}"/>
+              </a:ext>
+            </a:extLst>
+          </p:cNvPr>
+          <p:cNvPicPr>
+            <a:picLocks noChangeAspect="1"/>
+          </p:cNvPicPr>
+          <p:nvPr/>
+        </p:nvPicPr>
+        <p:blipFill>
+          <a:blip r:embed="rId2" cstate="print">
+            <a:extLst>
+              <a:ext uri="{28A0092B-C50C-407E-A947-70E740481C1C}">
+                <a14:useLocalDpi xmlns:a14="http://schemas.microsoft.com/office/drawing/2010/main" val="0"/>
+              </a:ext>
+            </a:extLst>
+          </a:blip>
+          <a:srcRect l="16909" t="22905" r="19055" b="19358"/>
+          <a:stretch/>
+        </p:blipFill>
+        <p:spPr>
+          <a:xfrm>
+            <a:off x="5662374" y="1349477"/>
+            <a:ext cx="6150451" cy="4159046"/>
+          </a:xfrm>
+          <a:prstGeom prst="rect">
+            <a:avLst/>
+          </a:prstGeom>
+        </p:spPr>
+      </p:pic>
     </p:spTree>
     <p:extLst>
       <p:ext uri="{BB962C8B-B14F-4D97-AF65-F5344CB8AC3E}">
-        <p14:creationId xmlns:p14="http://schemas.microsoft.com/office/powerpoint/2010/main" val="2525704466"/>
+        <p14:creationId xmlns:p14="http://schemas.microsoft.com/office/powerpoint/2010/main" val="1487418825"/>
       </p:ext>
     </p:extLst>
   </p:cSld>
@@ -6369,7 +6323,7 @@
           <p:cNvPr id="2" name="Titel 1">
             <a:extLst>
               <a:ext uri="{FF2B5EF4-FFF2-40B4-BE49-F238E27FC236}">
-                <a16:creationId xmlns:a16="http://schemas.microsoft.com/office/drawing/2014/main" id="{E496C6BA-99A1-43F4-92B8-B6D762EF0987}"/>
+                <a16:creationId xmlns:a16="http://schemas.microsoft.com/office/drawing/2014/main" id="{49B75182-9F7E-DDB8-1BCE-29DCCA8443FA}"/>
               </a:ext>
             </a:extLst>
           </p:cNvPr>
@@ -6386,10 +6340,9 @@
           <a:lstStyle/>
           <a:p>
             <a:r>
-              <a:rPr lang="de-DE"/>
-              <a:t>PM - Meilensteine</a:t>
-            </a:r>
-            <a:endParaRPr lang="de-AT"/>
+              <a:rPr lang="de-AT" dirty="0"/>
+              <a:t>Fortschritt - Schrempf</a:t>
+            </a:r>
           </a:p>
         </p:txBody>
       </p:sp>
@@ -6398,7 +6351,7 @@
           <p:cNvPr id="3" name="Inhaltsplatzhalter 2">
             <a:extLst>
               <a:ext uri="{FF2B5EF4-FFF2-40B4-BE49-F238E27FC236}">
-                <a16:creationId xmlns:a16="http://schemas.microsoft.com/office/drawing/2014/main" id="{A228378C-21E0-453B-B255-71BAC911E6C0}"/>
+                <a16:creationId xmlns:a16="http://schemas.microsoft.com/office/drawing/2014/main" id="{024F27B7-30D2-20B0-4444-C74E11AB2A8E}"/>
               </a:ext>
             </a:extLst>
           </p:cNvPr>
@@ -6411,152 +6364,31 @@
         </p:nvSpPr>
         <p:spPr/>
         <p:txBody>
-          <a:bodyPr>
-            <a:normAutofit lnSpcReduction="10000"/>
-          </a:bodyPr>
-          <a:lstStyle/>
-          <a:p>
-            <a:pPr>
-              <a:spcBef>
-                <a:spcPts val="624"/>
-              </a:spcBef>
-              <a:buSzPts val="2600"/>
-            </a:pPr>
-            <a:r>
-              <a:rPr lang="de-DE" sz="3200" dirty="0">
-                <a:solidFill>
-                  <a:srgbClr val="000000"/>
-                </a:solidFill>
-                <a:latin typeface="Calibri" panose="020F0502020204030204" pitchFamily="34" charset="0"/>
-              </a:rPr>
-              <a:t>2024-06-17: Datenbanken fertig</a:t>
-            </a:r>
-            <a:endParaRPr lang="en-GB" sz="3200" dirty="0">
-              <a:solidFill>
-                <a:srgbClr val="000000"/>
-              </a:solidFill>
-              <a:latin typeface="Calibri" panose="020F0502020204030204" pitchFamily="34" charset="0"/>
-            </a:endParaRPr>
-          </a:p>
-          <a:p>
-            <a:pPr lvl="1">
-              <a:spcBef>
-                <a:spcPts val="624"/>
-              </a:spcBef>
-              <a:buSzPts val="2600"/>
-            </a:pPr>
-            <a:r>
-              <a:rPr lang="de-DE" sz="2800" kern="1200" dirty="0">
-                <a:solidFill>
-                  <a:srgbClr val="000000"/>
-                </a:solidFill>
-                <a:effectLst/>
-                <a:latin typeface="Calibri" panose="020F0502020204030204" pitchFamily="34" charset="0"/>
-                <a:ea typeface="+mn-ea"/>
-                <a:cs typeface="+mn-cs"/>
-              </a:rPr>
-              <a:t>Allgemeine Container Informationen</a:t>
-            </a:r>
-            <a:endParaRPr lang="en-GB" sz="2800" dirty="0">
-              <a:effectLst/>
-            </a:endParaRPr>
-          </a:p>
-          <a:p>
-            <a:pPr lvl="1"/>
-            <a:r>
-              <a:rPr lang="de-DE" sz="2800" kern="1200" dirty="0">
-                <a:solidFill>
-                  <a:srgbClr val="000000"/>
-                </a:solidFill>
-                <a:effectLst/>
-                <a:latin typeface="Calibri" panose="020F0502020204030204" pitchFamily="34" charset="0"/>
-                <a:ea typeface="+mn-ea"/>
-                <a:cs typeface="+mn-cs"/>
-              </a:rPr>
-              <a:t>Sensor Daten</a:t>
-            </a:r>
-          </a:p>
-          <a:p>
-            <a:pPr>
-              <a:spcBef>
-                <a:spcPts val="624"/>
-              </a:spcBef>
-              <a:buSzPts val="2600"/>
-            </a:pPr>
-            <a:r>
-              <a:rPr lang="de-DE" sz="3200" dirty="0">
-                <a:solidFill>
-                  <a:srgbClr val="000000"/>
-                </a:solidFill>
-                <a:latin typeface="Calibri" panose="020F0502020204030204" pitchFamily="34" charset="0"/>
-              </a:rPr>
-              <a:t>2024-06-24: Erstpräsentation der DA</a:t>
-            </a:r>
-          </a:p>
-          <a:p>
-            <a:pPr lvl="1"/>
-            <a:r>
-              <a:rPr lang="de-DE" sz="2800" dirty="0"/>
-              <a:t>Fortschritt zusammenfassen</a:t>
-            </a:r>
-          </a:p>
-          <a:p>
-            <a:pPr lvl="1"/>
-            <a:r>
-              <a:rPr lang="de-DE" sz="2800" dirty="0"/>
-              <a:t>Gantt-Diagramm erstellen</a:t>
-            </a:r>
-          </a:p>
-          <a:p>
-            <a:pPr>
-              <a:spcBef>
-                <a:spcPts val="624"/>
-              </a:spcBef>
-              <a:buSzPts val="2600"/>
-            </a:pPr>
-            <a:r>
-              <a:rPr lang="de-DE" sz="3200" dirty="0">
-                <a:solidFill>
-                  <a:srgbClr val="000000"/>
-                </a:solidFill>
-                <a:latin typeface="Calibri" panose="020F0502020204030204" pitchFamily="34" charset="0"/>
-              </a:rPr>
-              <a:t>2024-07-04: Fertige Server Architektur</a:t>
-            </a:r>
-          </a:p>
-          <a:p>
-            <a:pPr lvl="1"/>
-            <a:r>
-              <a:rPr lang="de-DE" sz="2800" dirty="0"/>
-              <a:t>Server ist einsatzfähig</a:t>
-            </a:r>
-          </a:p>
-          <a:p>
-            <a:pPr lvl="1"/>
-            <a:r>
-              <a:rPr lang="de-DE" sz="2800" dirty="0"/>
+          <a:bodyPr/>
+          <a:lstStyle/>
+          <a:p>
+            <a:r>
+              <a:rPr lang="de-AT" dirty="0"/>
+              <a:t>Datenbanken</a:t>
+            </a:r>
+          </a:p>
+          <a:p>
+            <a:r>
+              <a:rPr lang="de-AT" dirty="0"/>
               <a:t>REST-Schnittstelle</a:t>
             </a:r>
           </a:p>
           <a:p>
-            <a:pPr lvl="1"/>
-            <a:r>
-              <a:rPr lang="de-DE" sz="2800" dirty="0"/>
-              <a:t>Zugriff kann von überall gestattet werden</a:t>
-            </a:r>
-          </a:p>
-          <a:p>
-            <a:pPr marL="740664" indent="-283464" algn="l" rtl="0" eaLnBrk="1" latinLnBrk="0" hangingPunct="1">
-              <a:spcBef>
-                <a:spcPts val="528"/>
-              </a:spcBef>
-              <a:spcAft>
-                <a:spcPts val="0"/>
-              </a:spcAft>
-            </a:pPr>
-            <a:endParaRPr lang="en-GB" dirty="0">
-              <a:effectLst/>
-            </a:endParaRPr>
+            <a:r>
+              <a:rPr lang="de-AT" dirty="0"/>
+              <a:t>Authentifizierungsserver</a:t>
+            </a:r>
+          </a:p>
+          <a:p>
+            <a:r>
+              <a:rPr lang="de-AT" dirty="0"/>
+              <a:t>Datenvisualisierung</a:t>
+            </a:r>
           </a:p>
         </p:txBody>
       </p:sp>
@@ -6565,7 +6397,7 @@
           <p:cNvPr id="4" name="Fußzeilenplatzhalter 3">
             <a:extLst>
               <a:ext uri="{FF2B5EF4-FFF2-40B4-BE49-F238E27FC236}">
-                <a16:creationId xmlns:a16="http://schemas.microsoft.com/office/drawing/2014/main" id="{8AADA028-308D-430B-A45B-407D875A2351}"/>
+                <a16:creationId xmlns:a16="http://schemas.microsoft.com/office/drawing/2014/main" id="{6E09A3E5-E9D9-C916-501D-1EB289F7F868}"/>
               </a:ext>
             </a:extLst>
           </p:cNvPr>
@@ -6582,8 +6414,16 @@
           <a:lstStyle/>
           <a:p>
             <a:r>
-              <a:rPr lang="de-AT"/>
-              <a:t>CONTRUDE Gekle, Kampl, Schrempf</a:t>
+              <a:rPr lang="de-AT" dirty="0"/>
+              <a:t>CONTRUDE </a:t>
+            </a:r>
+            <a:r>
+              <a:rPr lang="de-AT" dirty="0" err="1"/>
+              <a:t>Gekle</a:t>
+            </a:r>
+            <a:r>
+              <a:rPr lang="de-AT" dirty="0"/>
+              <a:t>, Kampl, Schrempf</a:t>
             </a:r>
           </a:p>
         </p:txBody>
@@ -6593,7 +6433,7 @@
           <p:cNvPr id="5" name="Foliennummernplatzhalter 4">
             <a:extLst>
               <a:ext uri="{FF2B5EF4-FFF2-40B4-BE49-F238E27FC236}">
-                <a16:creationId xmlns:a16="http://schemas.microsoft.com/office/drawing/2014/main" id="{AB38338F-922C-40A7-B140-637B827703BF}"/>
+                <a16:creationId xmlns:a16="http://schemas.microsoft.com/office/drawing/2014/main" id="{A3248E37-7A5A-CF99-7DD3-0E77067C292D}"/>
               </a:ext>
             </a:extLst>
           </p:cNvPr>
@@ -6618,10 +6458,39 @@
           </a:p>
         </p:txBody>
       </p:sp>
+      <p:pic>
+        <p:nvPicPr>
+          <p:cNvPr id="7" name="Grafik 6">
+            <a:extLst>
+              <a:ext uri="{FF2B5EF4-FFF2-40B4-BE49-F238E27FC236}">
+                <a16:creationId xmlns:a16="http://schemas.microsoft.com/office/drawing/2014/main" id="{C54A3553-9AFB-3424-3832-8327FE170FF7}"/>
+              </a:ext>
+            </a:extLst>
+          </p:cNvPr>
+          <p:cNvPicPr>
+            <a:picLocks noChangeAspect="1"/>
+          </p:cNvPicPr>
+          <p:nvPr/>
+        </p:nvPicPr>
+        <p:blipFill>
+          <a:blip r:embed="rId2"/>
+          <a:srcRect r="40313"/>
+          <a:stretch/>
+        </p:blipFill>
+        <p:spPr>
+          <a:xfrm>
+            <a:off x="4760110" y="1289050"/>
+            <a:ext cx="6822290" cy="4516211"/>
+          </a:xfrm>
+          <a:prstGeom prst="rect">
+            <a:avLst/>
+          </a:prstGeom>
+        </p:spPr>
+      </p:pic>
     </p:spTree>
     <p:extLst>
       <p:ext uri="{BB962C8B-B14F-4D97-AF65-F5344CB8AC3E}">
-        <p14:creationId xmlns:p14="http://schemas.microsoft.com/office/powerpoint/2010/main" val="2751373545"/>
+        <p14:creationId xmlns:p14="http://schemas.microsoft.com/office/powerpoint/2010/main" val="3605780751"/>
       </p:ext>
     </p:extLst>
   </p:cSld>
@@ -6665,7 +6534,7 @@
           <p:cNvPr id="2" name="Titel 1">
             <a:extLst>
               <a:ext uri="{FF2B5EF4-FFF2-40B4-BE49-F238E27FC236}">
-                <a16:creationId xmlns:a16="http://schemas.microsoft.com/office/drawing/2014/main" id="{E496C6BA-99A1-43F4-92B8-B6D762EF0987}"/>
+                <a16:creationId xmlns:a16="http://schemas.microsoft.com/office/drawing/2014/main" id="{49B75182-9F7E-DDB8-1BCE-29DCCA8443FA}"/>
               </a:ext>
             </a:extLst>
           </p:cNvPr>
@@ -6682,10 +6551,14 @@
           <a:lstStyle/>
           <a:p>
             <a:r>
-              <a:rPr lang="de-DE"/>
-              <a:t>PM - Meilensteine</a:t>
-            </a:r>
-            <a:endParaRPr lang="de-AT"/>
+              <a:rPr lang="de-AT" dirty="0"/>
+              <a:t>Fortschritt - </a:t>
+            </a:r>
+            <a:r>
+              <a:rPr lang="de-AT" dirty="0" err="1"/>
+              <a:t>Gekle</a:t>
+            </a:r>
+            <a:endParaRPr lang="de-AT" dirty="0"/>
           </a:p>
         </p:txBody>
       </p:sp>
@@ -6694,7 +6567,7 @@
           <p:cNvPr id="3" name="Inhaltsplatzhalter 2">
             <a:extLst>
               <a:ext uri="{FF2B5EF4-FFF2-40B4-BE49-F238E27FC236}">
-                <a16:creationId xmlns:a16="http://schemas.microsoft.com/office/drawing/2014/main" id="{A228378C-21E0-453B-B255-71BAC911E6C0}"/>
+                <a16:creationId xmlns:a16="http://schemas.microsoft.com/office/drawing/2014/main" id="{024F27B7-30D2-20B0-4444-C74E11AB2A8E}"/>
               </a:ext>
             </a:extLst>
           </p:cNvPr>
@@ -6705,75 +6578,50 @@
             <p:ph idx="1"/>
           </p:nvPr>
         </p:nvSpPr>
-        <p:spPr>
-          <a:xfrm>
-            <a:off x="609600" y="1068781"/>
-            <a:ext cx="10972800" cy="5073427"/>
-          </a:xfrm>
-        </p:spPr>
-        <p:txBody>
-          <a:bodyPr>
-            <a:normAutofit/>
-          </a:bodyPr>
-          <a:lstStyle/>
-          <a:p>
-            <a:r>
-              <a:rPr lang="de-DE" sz="3200" dirty="0"/>
-              <a:t>2024-09-04: Prototyp ist funktionell</a:t>
-            </a:r>
-          </a:p>
-          <a:p>
-            <a:pPr lvl="1"/>
-            <a:r>
-              <a:rPr lang="de-DE" sz="2800" dirty="0"/>
-              <a:t>Hardware Komponenten gekauft und geliefert</a:t>
-            </a:r>
-          </a:p>
-          <a:p>
-            <a:pPr lvl="1"/>
-            <a:r>
-              <a:rPr lang="de-DE" sz="2800" dirty="0"/>
-              <a:t>Löten der Komponenten</a:t>
-            </a:r>
-          </a:p>
-          <a:p>
-            <a:pPr lvl="1"/>
-            <a:r>
-              <a:rPr lang="de-DE" sz="2800" dirty="0"/>
-              <a:t>Datenübertragung mittels MQTT</a:t>
-            </a:r>
-          </a:p>
-          <a:p>
-            <a:r>
-              <a:rPr lang="de-DE" sz="3200" dirty="0"/>
-              <a:t>2024-10-23: Zweitpräsentation der DA</a:t>
-            </a:r>
-          </a:p>
-          <a:p>
-            <a:pPr lvl="1"/>
-            <a:r>
-              <a:rPr lang="de-DE" sz="2800" dirty="0"/>
-              <a:t>Fortschritt zusammenfassen</a:t>
-            </a:r>
-          </a:p>
-          <a:p>
-            <a:r>
-              <a:rPr lang="de-DE" sz="3200" dirty="0"/>
-              <a:t>2024-11-03: Positionsalgorithmus funktionell</a:t>
-            </a:r>
-          </a:p>
-          <a:p>
-            <a:pPr lvl="1"/>
-            <a:r>
-              <a:rPr lang="de-DE" sz="2800" dirty="0"/>
-              <a:t>Ungefähre Position des Containers</a:t>
-            </a:r>
-          </a:p>
-          <a:p>
-            <a:pPr lvl="1"/>
-            <a:r>
-              <a:rPr lang="de-DE" sz="2800" dirty="0"/>
-              <a:t>Entfernung zu benachbarten Containern ermitteln</a:t>
+        <p:spPr/>
+        <p:txBody>
+          <a:bodyPr/>
+          <a:lstStyle/>
+          <a:p>
+            <a:r>
+              <a:rPr lang="de-DE" dirty="0"/>
+              <a:t>Website-Layout</a:t>
+            </a:r>
+          </a:p>
+          <a:p>
+            <a:r>
+              <a:rPr lang="de-DE" dirty="0"/>
+              <a:t>Simulation</a:t>
+            </a:r>
+          </a:p>
+          <a:p>
+            <a:r>
+              <a:rPr lang="de-DE" dirty="0" err="1"/>
+              <a:t>Directed</a:t>
+            </a:r>
+            <a:r>
+              <a:rPr lang="de-DE" dirty="0"/>
+              <a:t>-</a:t>
+            </a:r>
+            <a:r>
+              <a:rPr lang="de-DE" dirty="0" err="1"/>
+              <a:t>Draggable</a:t>
+            </a:r>
+            <a:r>
+              <a:rPr lang="de-DE" dirty="0"/>
+              <a:t>-Graph</a:t>
+            </a:r>
+          </a:p>
+          <a:p>
+            <a:r>
+              <a:rPr lang="de-DE" dirty="0"/>
+              <a:t>Positionierungsalgorithmus</a:t>
+            </a:r>
+          </a:p>
+          <a:p>
+            <a:r>
+              <a:rPr lang="de-DE" dirty="0"/>
+              <a:t>Erstes Website Design</a:t>
             </a:r>
           </a:p>
         </p:txBody>
@@ -6783,7 +6631,7 @@
           <p:cNvPr id="4" name="Fußzeilenplatzhalter 3">
             <a:extLst>
               <a:ext uri="{FF2B5EF4-FFF2-40B4-BE49-F238E27FC236}">
-                <a16:creationId xmlns:a16="http://schemas.microsoft.com/office/drawing/2014/main" id="{8AADA028-308D-430B-A45B-407D875A2351}"/>
+                <a16:creationId xmlns:a16="http://schemas.microsoft.com/office/drawing/2014/main" id="{6E09A3E5-E9D9-C916-501D-1EB289F7F868}"/>
               </a:ext>
             </a:extLst>
           </p:cNvPr>
@@ -6801,7 +6649,15 @@
           <a:p>
             <a:r>
               <a:rPr lang="de-AT"/>
-              <a:t>CONTRUDE Gekle, Kampl, Schrempf</a:t>
+              <a:t>CONTRUDE </a:t>
+            </a:r>
+            <a:r>
+              <a:rPr lang="de-AT" err="1"/>
+              <a:t>Gekle</a:t>
+            </a:r>
+            <a:r>
+              <a:rPr lang="de-AT"/>
+              <a:t>, Kampl, Schrempf</a:t>
             </a:r>
           </a:p>
         </p:txBody>
@@ -6811,7 +6667,7 @@
           <p:cNvPr id="5" name="Foliennummernplatzhalter 4">
             <a:extLst>
               <a:ext uri="{FF2B5EF4-FFF2-40B4-BE49-F238E27FC236}">
-                <a16:creationId xmlns:a16="http://schemas.microsoft.com/office/drawing/2014/main" id="{AB38338F-922C-40A7-B140-637B827703BF}"/>
+                <a16:creationId xmlns:a16="http://schemas.microsoft.com/office/drawing/2014/main" id="{A3248E37-7A5A-CF99-7DD3-0E77067C292D}"/>
               </a:ext>
             </a:extLst>
           </p:cNvPr>
@@ -6831,1733 +6687,6 @@
               <a:rPr lang="de-AT" smtClean="0"/>
               <a:pPr/>
               <a:t>14</a:t>
-            </a:fld>
-            <a:endParaRPr lang="de-AT"/>
-          </a:p>
-        </p:txBody>
-      </p:sp>
-    </p:spTree>
-    <p:extLst>
-      <p:ext uri="{BB962C8B-B14F-4D97-AF65-F5344CB8AC3E}">
-        <p14:creationId xmlns:p14="http://schemas.microsoft.com/office/powerpoint/2010/main" val="1400808523"/>
-      </p:ext>
-    </p:extLst>
-  </p:cSld>
-  <p:clrMapOvr>
-    <a:masterClrMapping/>
-  </p:clrMapOvr>
-  <mc:AlternateContent xmlns:mc="http://schemas.openxmlformats.org/markup-compatibility/2006" xmlns:p159="http://schemas.microsoft.com/office/powerpoint/2015/09/main">
-    <mc:Choice Requires="p159">
-      <p:transition xmlns:p14="http://schemas.microsoft.com/office/powerpoint/2010/main" spd="slow" p14:dur="2000">
-        <p159:morph option="byObject"/>
-      </p:transition>
-    </mc:Choice>
-    <mc:Fallback xmlns="">
-      <p:transition spd="slow">
-        <p:fade/>
-      </p:transition>
-    </mc:Fallback>
-  </mc:AlternateContent>
-</p:sld>
-</file>
-
-<file path=ppt/slides/slide15.xml><?xml version="1.0" encoding="utf-8"?>
-<p:sld xmlns:a="http://schemas.openxmlformats.org/drawingml/2006/main" xmlns:r="http://schemas.openxmlformats.org/officeDocument/2006/relationships" xmlns:p="http://schemas.openxmlformats.org/presentationml/2006/main">
-  <p:cSld>
-    <p:spTree>
-      <p:nvGrpSpPr>
-        <p:cNvPr id="1" name=""/>
-        <p:cNvGrpSpPr/>
-        <p:nvPr/>
-      </p:nvGrpSpPr>
-      <p:grpSpPr>
-        <a:xfrm>
-          <a:off x="0" y="0"/>
-          <a:ext cx="0" cy="0"/>
-          <a:chOff x="0" y="0"/>
-          <a:chExt cx="0" cy="0"/>
-        </a:xfrm>
-      </p:grpSpPr>
-      <p:sp>
-        <p:nvSpPr>
-          <p:cNvPr id="2" name="Titel 1">
-            <a:extLst>
-              <a:ext uri="{FF2B5EF4-FFF2-40B4-BE49-F238E27FC236}">
-                <a16:creationId xmlns:a16="http://schemas.microsoft.com/office/drawing/2014/main" id="{E496C6BA-99A1-43F4-92B8-B6D762EF0987}"/>
-              </a:ext>
-            </a:extLst>
-          </p:cNvPr>
-          <p:cNvSpPr>
-            <a:spLocks noGrp="1"/>
-          </p:cNvSpPr>
-          <p:nvPr>
-            <p:ph type="title"/>
-          </p:nvPr>
-        </p:nvSpPr>
-        <p:spPr/>
-        <p:txBody>
-          <a:bodyPr/>
-          <a:lstStyle/>
-          <a:p>
-            <a:r>
-              <a:rPr lang="de-DE" dirty="0"/>
-              <a:t>PM - Meilensteine</a:t>
-            </a:r>
-            <a:endParaRPr lang="de-AT" dirty="0"/>
-          </a:p>
-        </p:txBody>
-      </p:sp>
-      <p:sp>
-        <p:nvSpPr>
-          <p:cNvPr id="3" name="Inhaltsplatzhalter 2">
-            <a:extLst>
-              <a:ext uri="{FF2B5EF4-FFF2-40B4-BE49-F238E27FC236}">
-                <a16:creationId xmlns:a16="http://schemas.microsoft.com/office/drawing/2014/main" id="{A228378C-21E0-453B-B255-71BAC911E6C0}"/>
-              </a:ext>
-            </a:extLst>
-          </p:cNvPr>
-          <p:cNvSpPr>
-            <a:spLocks noGrp="1"/>
-          </p:cNvSpPr>
-          <p:nvPr>
-            <p:ph idx="1"/>
-          </p:nvPr>
-        </p:nvSpPr>
-        <p:spPr>
-          <a:xfrm>
-            <a:off x="609600" y="886218"/>
-            <a:ext cx="10972800" cy="5652697"/>
-          </a:xfrm>
-        </p:spPr>
-        <p:txBody>
-          <a:bodyPr>
-            <a:normAutofit/>
-          </a:bodyPr>
-          <a:lstStyle/>
-          <a:p>
-            <a:r>
-              <a:rPr lang="de-DE" sz="3200" dirty="0"/>
-              <a:t>2024-11-30: (</a:t>
-            </a:r>
-            <a:r>
-              <a:rPr lang="de-DE" sz="3200" dirty="0" err="1"/>
-              <a:t>Directed</a:t>
-            </a:r>
-            <a:r>
-              <a:rPr lang="de-DE" sz="3200" dirty="0"/>
-              <a:t> </a:t>
-            </a:r>
-            <a:r>
-              <a:rPr lang="de-DE" sz="3200" dirty="0" err="1"/>
-              <a:t>Draggable</a:t>
-            </a:r>
-            <a:r>
-              <a:rPr lang="de-DE" sz="3200" dirty="0"/>
-              <a:t>) Graph Visualisierung</a:t>
-            </a:r>
-          </a:p>
-          <a:p>
-            <a:pPr lvl="1">
-              <a:buFont typeface="Arial" panose="020B0604020202020204" pitchFamily="34" charset="0"/>
-              <a:buChar char="•"/>
-            </a:pPr>
-            <a:r>
-              <a:rPr lang="de-DE" sz="2800" dirty="0"/>
-              <a:t>Container Entfernungen zu anderen visualisieren</a:t>
-            </a:r>
-          </a:p>
-          <a:p>
-            <a:pPr lvl="1">
-              <a:buFont typeface="Arial" panose="020B0604020202020204" pitchFamily="34" charset="0"/>
-              <a:buChar char="•"/>
-            </a:pPr>
-            <a:r>
-              <a:rPr lang="de-DE" sz="2800" dirty="0"/>
-              <a:t>Bewegbare Knoten</a:t>
-            </a:r>
-          </a:p>
-          <a:p>
-            <a:r>
-              <a:rPr lang="de-DE" sz="3200" dirty="0"/>
-              <a:t>2025-01-31: Webanwendung funktionell</a:t>
-            </a:r>
-          </a:p>
-          <a:p>
-            <a:pPr lvl="1">
-              <a:buFont typeface="Arial" panose="020B0604020202020204" pitchFamily="34" charset="0"/>
-              <a:buChar char="•"/>
-            </a:pPr>
-            <a:r>
-              <a:rPr lang="de-DE" sz="2800" dirty="0"/>
-              <a:t>Datenabfrage möglich</a:t>
-            </a:r>
-          </a:p>
-          <a:p>
-            <a:pPr lvl="1">
-              <a:buFont typeface="Arial" panose="020B0604020202020204" pitchFamily="34" charset="0"/>
-              <a:buChar char="•"/>
-            </a:pPr>
-            <a:r>
-              <a:rPr lang="de-DE" sz="2800" dirty="0"/>
-              <a:t>Ansprechende GUI</a:t>
-            </a:r>
-          </a:p>
-          <a:p>
-            <a:r>
-              <a:rPr lang="de-DE" sz="3200" dirty="0"/>
-              <a:t>2025-03-07: Finale Abgabe der DA</a:t>
-            </a:r>
-          </a:p>
-          <a:p>
-            <a:pPr lvl="1">
-              <a:buFont typeface="Arial" panose="020B0604020202020204" pitchFamily="34" charset="0"/>
-              <a:buChar char="•"/>
-            </a:pPr>
-            <a:r>
-              <a:rPr lang="de-DE" sz="2800" dirty="0"/>
-              <a:t>Korrektur gelesen</a:t>
-            </a:r>
-          </a:p>
-          <a:p>
-            <a:pPr lvl="1">
-              <a:buFont typeface="Arial" panose="020B0604020202020204" pitchFamily="34" charset="0"/>
-              <a:buChar char="•"/>
-            </a:pPr>
-            <a:r>
-              <a:rPr lang="de-DE" sz="2800" dirty="0"/>
-              <a:t>Alle drei Subthemen fertig</a:t>
-            </a:r>
-          </a:p>
-          <a:p>
-            <a:pPr lvl="1">
-              <a:buFont typeface="Arial" panose="020B0604020202020204" pitchFamily="34" charset="0"/>
-              <a:buChar char="•"/>
-            </a:pPr>
-            <a:r>
-              <a:rPr lang="de-DE" sz="2800" dirty="0"/>
-              <a:t>DA eingereicht</a:t>
-            </a:r>
-          </a:p>
-        </p:txBody>
-      </p:sp>
-      <p:sp>
-        <p:nvSpPr>
-          <p:cNvPr id="4" name="Fußzeilenplatzhalter 3">
-            <a:extLst>
-              <a:ext uri="{FF2B5EF4-FFF2-40B4-BE49-F238E27FC236}">
-                <a16:creationId xmlns:a16="http://schemas.microsoft.com/office/drawing/2014/main" id="{8AADA028-308D-430B-A45B-407D875A2351}"/>
-              </a:ext>
-            </a:extLst>
-          </p:cNvPr>
-          <p:cNvSpPr>
-            <a:spLocks noGrp="1"/>
-          </p:cNvSpPr>
-          <p:nvPr>
-            <p:ph type="ftr" sz="quarter" idx="11"/>
-          </p:nvPr>
-        </p:nvSpPr>
-        <p:spPr/>
-        <p:txBody>
-          <a:bodyPr/>
-          <a:lstStyle/>
-          <a:p>
-            <a:r>
-              <a:rPr lang="de-AT" dirty="0"/>
-              <a:t>CONTRUDE </a:t>
-            </a:r>
-            <a:r>
-              <a:rPr lang="de-AT" dirty="0" err="1"/>
-              <a:t>Gekle</a:t>
-            </a:r>
-            <a:r>
-              <a:rPr lang="de-AT" dirty="0"/>
-              <a:t>, Kampl, Schrempf</a:t>
-            </a:r>
-          </a:p>
-        </p:txBody>
-      </p:sp>
-      <p:sp>
-        <p:nvSpPr>
-          <p:cNvPr id="5" name="Foliennummernplatzhalter 4">
-            <a:extLst>
-              <a:ext uri="{FF2B5EF4-FFF2-40B4-BE49-F238E27FC236}">
-                <a16:creationId xmlns:a16="http://schemas.microsoft.com/office/drawing/2014/main" id="{AB38338F-922C-40A7-B140-637B827703BF}"/>
-              </a:ext>
-            </a:extLst>
-          </p:cNvPr>
-          <p:cNvSpPr>
-            <a:spLocks noGrp="1"/>
-          </p:cNvSpPr>
-          <p:nvPr>
-            <p:ph type="sldNum" sz="quarter" idx="12"/>
-          </p:nvPr>
-        </p:nvSpPr>
-        <p:spPr/>
-        <p:txBody>
-          <a:bodyPr/>
-          <a:lstStyle/>
-          <a:p>
-            <a:fld id="{7DCD6803-3BAA-44F6-A698-23D950C9713B}" type="slidenum">
-              <a:rPr lang="de-AT" smtClean="0"/>
-              <a:pPr/>
-              <a:t>15</a:t>
-            </a:fld>
-            <a:endParaRPr lang="de-AT"/>
-          </a:p>
-        </p:txBody>
-      </p:sp>
-    </p:spTree>
-    <p:extLst>
-      <p:ext uri="{BB962C8B-B14F-4D97-AF65-F5344CB8AC3E}">
-        <p14:creationId xmlns:p14="http://schemas.microsoft.com/office/powerpoint/2010/main" val="3399325786"/>
-      </p:ext>
-    </p:extLst>
-  </p:cSld>
-  <p:clrMapOvr>
-    <a:masterClrMapping/>
-  </p:clrMapOvr>
-  <mc:AlternateContent xmlns:mc="http://schemas.openxmlformats.org/markup-compatibility/2006" xmlns:p159="http://schemas.microsoft.com/office/powerpoint/2015/09/main">
-    <mc:Choice Requires="p159">
-      <p:transition xmlns:p14="http://schemas.microsoft.com/office/powerpoint/2010/main" spd="slow" p14:dur="2000">
-        <p159:morph option="byObject"/>
-      </p:transition>
-    </mc:Choice>
-    <mc:Fallback xmlns="">
-      <p:transition spd="slow">
-        <p:fade/>
-      </p:transition>
-    </mc:Fallback>
-  </mc:AlternateContent>
-</p:sld>
-</file>
-
-<file path=ppt/slides/slide16.xml><?xml version="1.0" encoding="utf-8"?>
-<p:sld xmlns:a="http://schemas.openxmlformats.org/drawingml/2006/main" xmlns:r="http://schemas.openxmlformats.org/officeDocument/2006/relationships" xmlns:p="http://schemas.openxmlformats.org/presentationml/2006/main">
-  <p:cSld>
-    <p:spTree>
-      <p:nvGrpSpPr>
-        <p:cNvPr id="1" name=""/>
-        <p:cNvGrpSpPr/>
-        <p:nvPr/>
-      </p:nvGrpSpPr>
-      <p:grpSpPr>
-        <a:xfrm>
-          <a:off x="0" y="0"/>
-          <a:ext cx="0" cy="0"/>
-          <a:chOff x="0" y="0"/>
-          <a:chExt cx="0" cy="0"/>
-        </a:xfrm>
-      </p:grpSpPr>
-      <p:sp>
-        <p:nvSpPr>
-          <p:cNvPr id="2" name="Titel 1">
-            <a:extLst>
-              <a:ext uri="{FF2B5EF4-FFF2-40B4-BE49-F238E27FC236}">
-                <a16:creationId xmlns:a16="http://schemas.microsoft.com/office/drawing/2014/main" id="{3679B119-30DA-D2F0-910C-2E9634305C9E}"/>
-              </a:ext>
-            </a:extLst>
-          </p:cNvPr>
-          <p:cNvSpPr>
-            <a:spLocks noGrp="1"/>
-          </p:cNvSpPr>
-          <p:nvPr>
-            <p:ph type="title"/>
-          </p:nvPr>
-        </p:nvSpPr>
-        <p:spPr/>
-        <p:txBody>
-          <a:bodyPr/>
-          <a:lstStyle/>
-          <a:p>
-            <a:r>
-              <a:rPr lang="de-DE"/>
-              <a:t>PM – Meilensteine Gantt-Diagramm</a:t>
-            </a:r>
-            <a:endParaRPr lang="en-US"/>
-          </a:p>
-        </p:txBody>
-      </p:sp>
-      <p:sp>
-        <p:nvSpPr>
-          <p:cNvPr id="4" name="Fußzeilenplatzhalter 3">
-            <a:extLst>
-              <a:ext uri="{FF2B5EF4-FFF2-40B4-BE49-F238E27FC236}">
-                <a16:creationId xmlns:a16="http://schemas.microsoft.com/office/drawing/2014/main" id="{FD7E9FA4-3B81-7798-3F86-7DE52E93901F}"/>
-              </a:ext>
-            </a:extLst>
-          </p:cNvPr>
-          <p:cNvSpPr>
-            <a:spLocks noGrp="1"/>
-          </p:cNvSpPr>
-          <p:nvPr>
-            <p:ph type="ftr" sz="quarter" idx="11"/>
-          </p:nvPr>
-        </p:nvSpPr>
-        <p:spPr/>
-        <p:txBody>
-          <a:bodyPr/>
-          <a:lstStyle/>
-          <a:p>
-            <a:r>
-              <a:rPr lang="de-AT"/>
-              <a:t>CONTRUDE Gekle, Kampl, Schrempf</a:t>
-            </a:r>
-          </a:p>
-        </p:txBody>
-      </p:sp>
-      <p:sp>
-        <p:nvSpPr>
-          <p:cNvPr id="5" name="Foliennummernplatzhalter 4">
-            <a:extLst>
-              <a:ext uri="{FF2B5EF4-FFF2-40B4-BE49-F238E27FC236}">
-                <a16:creationId xmlns:a16="http://schemas.microsoft.com/office/drawing/2014/main" id="{5B038E27-DEEC-7AFD-5AA2-2E4F9F366D9D}"/>
-              </a:ext>
-            </a:extLst>
-          </p:cNvPr>
-          <p:cNvSpPr>
-            <a:spLocks noGrp="1"/>
-          </p:cNvSpPr>
-          <p:nvPr>
-            <p:ph type="sldNum" sz="quarter" idx="12"/>
-          </p:nvPr>
-        </p:nvSpPr>
-        <p:spPr/>
-        <p:txBody>
-          <a:bodyPr/>
-          <a:lstStyle/>
-          <a:p>
-            <a:fld id="{7DCD6803-3BAA-44F6-A698-23D950C9713B}" type="slidenum">
-              <a:rPr lang="de-AT" smtClean="0"/>
-              <a:pPr/>
-              <a:t>16</a:t>
-            </a:fld>
-            <a:endParaRPr lang="de-AT"/>
-          </a:p>
-        </p:txBody>
-      </p:sp>
-      <p:pic>
-        <p:nvPicPr>
-          <p:cNvPr id="13" name="Inhaltsplatzhalter 12" descr="Ein Bild, das Text, Screenshot, Reihe, Schrift enthält.&#10;&#10;Automatisch generierte Beschreibung">
-            <a:extLst>
-              <a:ext uri="{FF2B5EF4-FFF2-40B4-BE49-F238E27FC236}">
-                <a16:creationId xmlns:a16="http://schemas.microsoft.com/office/drawing/2014/main" id="{51ED9C1D-0E0F-1938-08D9-F34BB244C246}"/>
-              </a:ext>
-            </a:extLst>
-          </p:cNvPr>
-          <p:cNvPicPr>
-            <a:picLocks noGrp="1" noChangeAspect="1"/>
-          </p:cNvPicPr>
-          <p:nvPr>
-            <p:ph idx="1"/>
-          </p:nvPr>
-        </p:nvPicPr>
-        <p:blipFill>
-          <a:blip r:embed="rId2" cstate="print">
-            <a:extLst>
-              <a:ext uri="{28A0092B-C50C-407E-A947-70E740481C1C}">
-                <a14:useLocalDpi xmlns:a14="http://schemas.microsoft.com/office/drawing/2010/main" val="0"/>
-              </a:ext>
-            </a:extLst>
-          </a:blip>
-          <a:stretch>
-            <a:fillRect/>
-          </a:stretch>
-        </p:blipFill>
-        <p:spPr>
-          <a:xfrm>
-            <a:off x="609600" y="1096268"/>
-            <a:ext cx="10972800" cy="4986139"/>
-          </a:xfrm>
-        </p:spPr>
-      </p:pic>
-    </p:spTree>
-    <p:extLst>
-      <p:ext uri="{BB962C8B-B14F-4D97-AF65-F5344CB8AC3E}">
-        <p14:creationId xmlns:p14="http://schemas.microsoft.com/office/powerpoint/2010/main" val="2445627371"/>
-      </p:ext>
-    </p:extLst>
-  </p:cSld>
-  <p:clrMapOvr>
-    <a:masterClrMapping/>
-  </p:clrMapOvr>
-  <mc:AlternateContent xmlns:mc="http://schemas.openxmlformats.org/markup-compatibility/2006" xmlns:p159="http://schemas.microsoft.com/office/powerpoint/2015/09/main">
-    <mc:Choice Requires="p159">
-      <p:transition xmlns:p14="http://schemas.microsoft.com/office/powerpoint/2010/main" spd="slow" p14:dur="2000">
-        <p159:morph option="byObject"/>
-      </p:transition>
-    </mc:Choice>
-    <mc:Fallback xmlns="">
-      <p:transition spd="slow">
-        <p:fade/>
-      </p:transition>
-    </mc:Fallback>
-  </mc:AlternateContent>
-</p:sld>
-</file>
-
-<file path=ppt/slides/slide17.xml><?xml version="1.0" encoding="utf-8"?>
-<p:sld xmlns:a="http://schemas.openxmlformats.org/drawingml/2006/main" xmlns:r="http://schemas.openxmlformats.org/officeDocument/2006/relationships" xmlns:p="http://schemas.openxmlformats.org/presentationml/2006/main">
-  <p:cSld>
-    <p:spTree>
-      <p:nvGrpSpPr>
-        <p:cNvPr id="1" name=""/>
-        <p:cNvGrpSpPr/>
-        <p:nvPr/>
-      </p:nvGrpSpPr>
-      <p:grpSpPr>
-        <a:xfrm>
-          <a:off x="0" y="0"/>
-          <a:ext cx="0" cy="0"/>
-          <a:chOff x="0" y="0"/>
-          <a:chExt cx="0" cy="0"/>
-        </a:xfrm>
-      </p:grpSpPr>
-      <p:sp>
-        <p:nvSpPr>
-          <p:cNvPr id="2" name="Titel 1">
-            <a:extLst>
-              <a:ext uri="{FF2B5EF4-FFF2-40B4-BE49-F238E27FC236}">
-                <a16:creationId xmlns:a16="http://schemas.microsoft.com/office/drawing/2014/main" id="{E496C6BA-99A1-43F4-92B8-B6D762EF0987}"/>
-              </a:ext>
-            </a:extLst>
-          </p:cNvPr>
-          <p:cNvSpPr>
-            <a:spLocks noGrp="1"/>
-          </p:cNvSpPr>
-          <p:nvPr>
-            <p:ph type="title"/>
-          </p:nvPr>
-        </p:nvSpPr>
-        <p:spPr/>
-        <p:txBody>
-          <a:bodyPr/>
-          <a:lstStyle/>
-          <a:p>
-            <a:r>
-              <a:rPr lang="de-DE"/>
-              <a:t>PM - </a:t>
-            </a:r>
-            <a:r>
-              <a:rPr lang="de-AT"/>
-              <a:t>Kostenabschätzung</a:t>
-            </a:r>
-          </a:p>
-        </p:txBody>
-      </p:sp>
-      <p:sp>
-        <p:nvSpPr>
-          <p:cNvPr id="3" name="Inhaltsplatzhalter 2">
-            <a:extLst>
-              <a:ext uri="{FF2B5EF4-FFF2-40B4-BE49-F238E27FC236}">
-                <a16:creationId xmlns:a16="http://schemas.microsoft.com/office/drawing/2014/main" id="{A228378C-21E0-453B-B255-71BAC911E6C0}"/>
-              </a:ext>
-            </a:extLst>
-          </p:cNvPr>
-          <p:cNvSpPr>
-            <a:spLocks noGrp="1"/>
-          </p:cNvSpPr>
-          <p:nvPr>
-            <p:ph idx="1"/>
-          </p:nvPr>
-        </p:nvSpPr>
-        <p:spPr>
-          <a:xfrm>
-            <a:off x="617948" y="1057699"/>
-            <a:ext cx="10972800" cy="5073427"/>
-          </a:xfrm>
-        </p:spPr>
-        <p:txBody>
-          <a:bodyPr/>
-          <a:lstStyle/>
-          <a:p>
-            <a:r>
-              <a:rPr lang="de-AT" dirty="0"/>
-              <a:t>Gehalt</a:t>
-            </a:r>
-          </a:p>
-          <a:p>
-            <a:pPr lvl="1"/>
-            <a:r>
-              <a:rPr lang="en-US" b="0" i="0" dirty="0">
-                <a:solidFill>
-                  <a:srgbClr val="000000"/>
-                </a:solidFill>
-                <a:effectLst/>
-                <a:highlight>
-                  <a:srgbClr val="FFFFFF"/>
-                </a:highlight>
-                <a:latin typeface="DIN-Web-Pro"/>
-              </a:rPr>
-              <a:t>€ 2.192,25 pro Person</a:t>
-            </a:r>
-            <a:endParaRPr lang="de-AT" b="0" i="0" dirty="0">
-              <a:solidFill>
-                <a:srgbClr val="000000"/>
-              </a:solidFill>
-              <a:effectLst/>
-              <a:highlight>
-                <a:srgbClr val="FFFFFF"/>
-              </a:highlight>
-              <a:latin typeface="DIN-Web-Pro"/>
-            </a:endParaRPr>
-          </a:p>
-          <a:p>
-            <a:pPr lvl="1"/>
-            <a:r>
-              <a:rPr lang="de-AT" dirty="0">
-                <a:solidFill>
-                  <a:srgbClr val="000000"/>
-                </a:solidFill>
-                <a:highlight>
-                  <a:srgbClr val="FFFFFF"/>
-                </a:highlight>
-                <a:latin typeface="DIN-Web-Pro"/>
-              </a:rPr>
-              <a:t>€ 6.576,75 insgesamt</a:t>
-            </a:r>
-          </a:p>
-          <a:p>
-            <a:r>
-              <a:rPr lang="de-AT" dirty="0">
-                <a:solidFill>
-                  <a:srgbClr val="000000"/>
-                </a:solidFill>
-                <a:highlight>
-                  <a:srgbClr val="FFFFFF"/>
-                </a:highlight>
-                <a:latin typeface="DIN-Web-Pro"/>
-              </a:rPr>
-              <a:t>Hardware</a:t>
-            </a:r>
-          </a:p>
-          <a:p>
-            <a:pPr lvl="1"/>
-            <a:r>
-              <a:rPr lang="de-AT" dirty="0">
-                <a:solidFill>
-                  <a:srgbClr val="000000"/>
-                </a:solidFill>
-                <a:highlight>
-                  <a:srgbClr val="FFFFFF"/>
-                </a:highlight>
-                <a:latin typeface="DIN-Web-Pro"/>
-              </a:rPr>
-              <a:t>€ 13,74 pro Person </a:t>
-            </a:r>
-          </a:p>
-          <a:p>
-            <a:pPr lvl="1"/>
-            <a:r>
-              <a:rPr lang="de-AT" dirty="0">
-                <a:solidFill>
-                  <a:srgbClr val="000000"/>
-                </a:solidFill>
-                <a:highlight>
-                  <a:srgbClr val="FFFFFF"/>
-                </a:highlight>
-                <a:latin typeface="DIN-Web-Pro"/>
-              </a:rPr>
-              <a:t>€ 41,21 insgesamt</a:t>
-            </a:r>
-          </a:p>
-          <a:p>
-            <a:pPr marL="457200" lvl="1" indent="0">
-              <a:buNone/>
-            </a:pPr>
-            <a:endParaRPr lang="de-AT" dirty="0">
-              <a:solidFill>
-                <a:srgbClr val="000000"/>
-              </a:solidFill>
-              <a:highlight>
-                <a:srgbClr val="FFFFFF"/>
-              </a:highlight>
-              <a:latin typeface="DIN-Web-Pro"/>
-            </a:endParaRPr>
-          </a:p>
-        </p:txBody>
-      </p:sp>
-      <p:sp>
-        <p:nvSpPr>
-          <p:cNvPr id="4" name="Fußzeilenplatzhalter 3">
-            <a:extLst>
-              <a:ext uri="{FF2B5EF4-FFF2-40B4-BE49-F238E27FC236}">
-                <a16:creationId xmlns:a16="http://schemas.microsoft.com/office/drawing/2014/main" id="{8AADA028-308D-430B-A45B-407D875A2351}"/>
-              </a:ext>
-            </a:extLst>
-          </p:cNvPr>
-          <p:cNvSpPr>
-            <a:spLocks noGrp="1"/>
-          </p:cNvSpPr>
-          <p:nvPr>
-            <p:ph type="ftr" sz="quarter" idx="11"/>
-          </p:nvPr>
-        </p:nvSpPr>
-        <p:spPr/>
-        <p:txBody>
-          <a:bodyPr/>
-          <a:lstStyle/>
-          <a:p>
-            <a:r>
-              <a:rPr lang="de-AT"/>
-              <a:t>CONTRUDE Gekle, Kampl, Schrempf</a:t>
-            </a:r>
-          </a:p>
-        </p:txBody>
-      </p:sp>
-      <p:sp>
-        <p:nvSpPr>
-          <p:cNvPr id="5" name="Foliennummernplatzhalter 4">
-            <a:extLst>
-              <a:ext uri="{FF2B5EF4-FFF2-40B4-BE49-F238E27FC236}">
-                <a16:creationId xmlns:a16="http://schemas.microsoft.com/office/drawing/2014/main" id="{AB38338F-922C-40A7-B140-637B827703BF}"/>
-              </a:ext>
-            </a:extLst>
-          </p:cNvPr>
-          <p:cNvSpPr>
-            <a:spLocks noGrp="1"/>
-          </p:cNvSpPr>
-          <p:nvPr>
-            <p:ph type="sldNum" sz="quarter" idx="12"/>
-          </p:nvPr>
-        </p:nvSpPr>
-        <p:spPr/>
-        <p:txBody>
-          <a:bodyPr/>
-          <a:lstStyle/>
-          <a:p>
-            <a:fld id="{7DCD6803-3BAA-44F6-A698-23D950C9713B}" type="slidenum">
-              <a:rPr lang="de-AT" smtClean="0"/>
-              <a:pPr/>
-              <a:t>17</a:t>
-            </a:fld>
-            <a:endParaRPr lang="de-AT"/>
-          </a:p>
-        </p:txBody>
-      </p:sp>
-    </p:spTree>
-    <p:extLst>
-      <p:ext uri="{BB962C8B-B14F-4D97-AF65-F5344CB8AC3E}">
-        <p14:creationId xmlns:p14="http://schemas.microsoft.com/office/powerpoint/2010/main" val="1447962708"/>
-      </p:ext>
-    </p:extLst>
-  </p:cSld>
-  <p:clrMapOvr>
-    <a:masterClrMapping/>
-  </p:clrMapOvr>
-  <mc:AlternateContent xmlns:mc="http://schemas.openxmlformats.org/markup-compatibility/2006" xmlns:p159="http://schemas.microsoft.com/office/powerpoint/2015/09/main">
-    <mc:Choice Requires="p159">
-      <p:transition xmlns:p14="http://schemas.microsoft.com/office/powerpoint/2010/main" spd="slow" p14:dur="2000">
-        <p159:morph option="byObject"/>
-      </p:transition>
-    </mc:Choice>
-    <mc:Fallback xmlns="">
-      <p:transition spd="slow">
-        <p:fade/>
-      </p:transition>
-    </mc:Fallback>
-  </mc:AlternateContent>
-</p:sld>
-</file>
-
-<file path=ppt/slides/slide18.xml><?xml version="1.0" encoding="utf-8"?>
-<p:sld xmlns:a="http://schemas.openxmlformats.org/drawingml/2006/main" xmlns:r="http://schemas.openxmlformats.org/officeDocument/2006/relationships" xmlns:p="http://schemas.openxmlformats.org/presentationml/2006/main">
-  <p:cSld>
-    <p:spTree>
-      <p:nvGrpSpPr>
-        <p:cNvPr id="1" name=""/>
-        <p:cNvGrpSpPr/>
-        <p:nvPr/>
-      </p:nvGrpSpPr>
-      <p:grpSpPr>
-        <a:xfrm>
-          <a:off x="0" y="0"/>
-          <a:ext cx="0" cy="0"/>
-          <a:chOff x="0" y="0"/>
-          <a:chExt cx="0" cy="0"/>
-        </a:xfrm>
-      </p:grpSpPr>
-      <p:sp>
-        <p:nvSpPr>
-          <p:cNvPr id="2" name="Titel 1">
-            <a:extLst>
-              <a:ext uri="{FF2B5EF4-FFF2-40B4-BE49-F238E27FC236}">
-                <a16:creationId xmlns:a16="http://schemas.microsoft.com/office/drawing/2014/main" id="{E496C6BA-99A1-43F4-92B8-B6D762EF0987}"/>
-              </a:ext>
-            </a:extLst>
-          </p:cNvPr>
-          <p:cNvSpPr>
-            <a:spLocks noGrp="1"/>
-          </p:cNvSpPr>
-          <p:nvPr>
-            <p:ph type="title"/>
-          </p:nvPr>
-        </p:nvSpPr>
-        <p:spPr/>
-        <p:txBody>
-          <a:bodyPr/>
-          <a:lstStyle/>
-          <a:p>
-            <a:r>
-              <a:rPr lang="de-DE"/>
-              <a:t>PM – </a:t>
-            </a:r>
-            <a:r>
-              <a:rPr lang="de-AT"/>
-              <a:t>Wie wird es gelebt</a:t>
-            </a:r>
-          </a:p>
-        </p:txBody>
-      </p:sp>
-      <p:sp>
-        <p:nvSpPr>
-          <p:cNvPr id="4" name="Fußzeilenplatzhalter 3">
-            <a:extLst>
-              <a:ext uri="{FF2B5EF4-FFF2-40B4-BE49-F238E27FC236}">
-                <a16:creationId xmlns:a16="http://schemas.microsoft.com/office/drawing/2014/main" id="{8AADA028-308D-430B-A45B-407D875A2351}"/>
-              </a:ext>
-            </a:extLst>
-          </p:cNvPr>
-          <p:cNvSpPr>
-            <a:spLocks noGrp="1"/>
-          </p:cNvSpPr>
-          <p:nvPr>
-            <p:ph type="ftr" sz="quarter" idx="11"/>
-          </p:nvPr>
-        </p:nvSpPr>
-        <p:spPr/>
-        <p:txBody>
-          <a:bodyPr/>
-          <a:lstStyle/>
-          <a:p>
-            <a:r>
-              <a:rPr lang="de-AT"/>
-              <a:t>CONTRUDE Gekle, Kampl, Schrempf</a:t>
-            </a:r>
-          </a:p>
-        </p:txBody>
-      </p:sp>
-      <p:sp>
-        <p:nvSpPr>
-          <p:cNvPr id="5" name="Foliennummernplatzhalter 4">
-            <a:extLst>
-              <a:ext uri="{FF2B5EF4-FFF2-40B4-BE49-F238E27FC236}">
-                <a16:creationId xmlns:a16="http://schemas.microsoft.com/office/drawing/2014/main" id="{AB38338F-922C-40A7-B140-637B827703BF}"/>
-              </a:ext>
-            </a:extLst>
-          </p:cNvPr>
-          <p:cNvSpPr>
-            <a:spLocks noGrp="1"/>
-          </p:cNvSpPr>
-          <p:nvPr>
-            <p:ph type="sldNum" sz="quarter" idx="12"/>
-          </p:nvPr>
-        </p:nvSpPr>
-        <p:spPr/>
-        <p:txBody>
-          <a:bodyPr/>
-          <a:lstStyle/>
-          <a:p>
-            <a:fld id="{7DCD6803-3BAA-44F6-A698-23D950C9713B}" type="slidenum">
-              <a:rPr lang="de-AT" smtClean="0"/>
-              <a:pPr/>
-              <a:t>18</a:t>
-            </a:fld>
-            <a:endParaRPr lang="de-AT"/>
-          </a:p>
-        </p:txBody>
-      </p:sp>
-      <p:pic>
-        <p:nvPicPr>
-          <p:cNvPr id="6" name="Grafik 5">
-            <a:extLst>
-              <a:ext uri="{FF2B5EF4-FFF2-40B4-BE49-F238E27FC236}">
-                <a16:creationId xmlns:a16="http://schemas.microsoft.com/office/drawing/2014/main" id="{480B0DDF-6C21-FE6A-55EC-2C986A8C1062}"/>
-              </a:ext>
-            </a:extLst>
-          </p:cNvPr>
-          <p:cNvPicPr>
-            <a:picLocks noChangeAspect="1"/>
-          </p:cNvPicPr>
-          <p:nvPr/>
-        </p:nvPicPr>
-        <p:blipFill rotWithShape="1">
-          <a:blip r:embed="rId2"/>
-          <a:srcRect t="1029"/>
-          <a:stretch/>
-        </p:blipFill>
-        <p:spPr>
-          <a:xfrm>
-            <a:off x="668594" y="993057"/>
-            <a:ext cx="11307904" cy="5211097"/>
-          </a:xfrm>
-          <a:prstGeom prst="rect">
-            <a:avLst/>
-          </a:prstGeom>
-        </p:spPr>
-      </p:pic>
-    </p:spTree>
-    <p:extLst>
-      <p:ext uri="{BB962C8B-B14F-4D97-AF65-F5344CB8AC3E}">
-        <p14:creationId xmlns:p14="http://schemas.microsoft.com/office/powerpoint/2010/main" val="3861356565"/>
-      </p:ext>
-    </p:extLst>
-  </p:cSld>
-  <p:clrMapOvr>
-    <a:masterClrMapping/>
-  </p:clrMapOvr>
-  <mc:AlternateContent xmlns:mc="http://schemas.openxmlformats.org/markup-compatibility/2006" xmlns:p159="http://schemas.microsoft.com/office/powerpoint/2015/09/main">
-    <mc:Choice Requires="p159">
-      <p:transition xmlns:p14="http://schemas.microsoft.com/office/powerpoint/2010/main" spd="slow" p14:dur="2000">
-        <p159:morph option="byObject"/>
-      </p:transition>
-    </mc:Choice>
-    <mc:Fallback xmlns="">
-      <p:transition spd="slow">
-        <p:fade/>
-      </p:transition>
-    </mc:Fallback>
-  </mc:AlternateContent>
-</p:sld>
-</file>
-
-<file path=ppt/slides/slide19.xml><?xml version="1.0" encoding="utf-8"?>
-<p:sld xmlns:a="http://schemas.openxmlformats.org/drawingml/2006/main" xmlns:r="http://schemas.openxmlformats.org/officeDocument/2006/relationships" xmlns:p="http://schemas.openxmlformats.org/presentationml/2006/main">
-  <p:cSld>
-    <p:spTree>
-      <p:nvGrpSpPr>
-        <p:cNvPr id="1" name=""/>
-        <p:cNvGrpSpPr/>
-        <p:nvPr/>
-      </p:nvGrpSpPr>
-      <p:grpSpPr>
-        <a:xfrm>
-          <a:off x="0" y="0"/>
-          <a:ext cx="0" cy="0"/>
-          <a:chOff x="0" y="0"/>
-          <a:chExt cx="0" cy="0"/>
-        </a:xfrm>
-      </p:grpSpPr>
-      <p:sp>
-        <p:nvSpPr>
-          <p:cNvPr id="2" name="Titel 1">
-            <a:extLst>
-              <a:ext uri="{FF2B5EF4-FFF2-40B4-BE49-F238E27FC236}">
-                <a16:creationId xmlns:a16="http://schemas.microsoft.com/office/drawing/2014/main" id="{54532958-F680-A24A-59E2-366E54AE4AA4}"/>
-              </a:ext>
-            </a:extLst>
-          </p:cNvPr>
-          <p:cNvSpPr>
-            <a:spLocks noGrp="1"/>
-          </p:cNvSpPr>
-          <p:nvPr>
-            <p:ph type="title"/>
-          </p:nvPr>
-        </p:nvSpPr>
-        <p:spPr/>
-        <p:txBody>
-          <a:bodyPr/>
-          <a:lstStyle/>
-          <a:p>
-            <a:r>
-              <a:rPr lang="de-DE"/>
-              <a:t>PM – </a:t>
-            </a:r>
-            <a:r>
-              <a:rPr lang="de-AT"/>
-              <a:t>Wie wird es gelebt</a:t>
-            </a:r>
-            <a:endParaRPr lang="en-US"/>
-          </a:p>
-        </p:txBody>
-      </p:sp>
-      <p:sp>
-        <p:nvSpPr>
-          <p:cNvPr id="4" name="Fußzeilenplatzhalter 3">
-            <a:extLst>
-              <a:ext uri="{FF2B5EF4-FFF2-40B4-BE49-F238E27FC236}">
-                <a16:creationId xmlns:a16="http://schemas.microsoft.com/office/drawing/2014/main" id="{DD3224FF-609B-7B4D-F203-682916FBAB4A}"/>
-              </a:ext>
-            </a:extLst>
-          </p:cNvPr>
-          <p:cNvSpPr>
-            <a:spLocks noGrp="1"/>
-          </p:cNvSpPr>
-          <p:nvPr>
-            <p:ph type="ftr" sz="quarter" idx="11"/>
-          </p:nvPr>
-        </p:nvSpPr>
-        <p:spPr/>
-        <p:txBody>
-          <a:bodyPr/>
-          <a:lstStyle/>
-          <a:p>
-            <a:r>
-              <a:rPr lang="de-AT"/>
-              <a:t>CONTRUDE </a:t>
-            </a:r>
-            <a:r>
-              <a:rPr lang="de-AT" err="1"/>
-              <a:t>Gekle</a:t>
-            </a:r>
-            <a:r>
-              <a:rPr lang="de-AT"/>
-              <a:t>, Kampl, Schrempf</a:t>
-            </a:r>
-          </a:p>
-        </p:txBody>
-      </p:sp>
-      <p:sp>
-        <p:nvSpPr>
-          <p:cNvPr id="5" name="Foliennummernplatzhalter 4">
-            <a:extLst>
-              <a:ext uri="{FF2B5EF4-FFF2-40B4-BE49-F238E27FC236}">
-                <a16:creationId xmlns:a16="http://schemas.microsoft.com/office/drawing/2014/main" id="{F6686C6E-ADF3-97AC-FA73-AFDB5F9238E6}"/>
-              </a:ext>
-            </a:extLst>
-          </p:cNvPr>
-          <p:cNvSpPr>
-            <a:spLocks noGrp="1"/>
-          </p:cNvSpPr>
-          <p:nvPr>
-            <p:ph type="sldNum" sz="quarter" idx="12"/>
-          </p:nvPr>
-        </p:nvSpPr>
-        <p:spPr/>
-        <p:txBody>
-          <a:bodyPr/>
-          <a:lstStyle/>
-          <a:p>
-            <a:fld id="{7DCD6803-3BAA-44F6-A698-23D950C9713B}" type="slidenum">
-              <a:rPr lang="de-AT" smtClean="0"/>
-              <a:pPr/>
-              <a:t>19</a:t>
-            </a:fld>
-            <a:endParaRPr lang="de-AT"/>
-          </a:p>
-        </p:txBody>
-      </p:sp>
-      <p:pic>
-        <p:nvPicPr>
-          <p:cNvPr id="7" name="Grafik 6">
-            <a:extLst>
-              <a:ext uri="{FF2B5EF4-FFF2-40B4-BE49-F238E27FC236}">
-                <a16:creationId xmlns:a16="http://schemas.microsoft.com/office/drawing/2014/main" id="{378456ED-308B-B9D8-94D5-8A00BBAA6DE7}"/>
-              </a:ext>
-            </a:extLst>
-          </p:cNvPr>
-          <p:cNvPicPr>
-            <a:picLocks noChangeAspect="1"/>
-          </p:cNvPicPr>
-          <p:nvPr/>
-        </p:nvPicPr>
-        <p:blipFill>
-          <a:blip r:embed="rId2"/>
-          <a:stretch>
-            <a:fillRect/>
-          </a:stretch>
-        </p:blipFill>
-        <p:spPr>
-          <a:xfrm>
-            <a:off x="2774597" y="1065552"/>
-            <a:ext cx="6642806" cy="5133968"/>
-          </a:xfrm>
-          <a:prstGeom prst="rect">
-            <a:avLst/>
-          </a:prstGeom>
-        </p:spPr>
-      </p:pic>
-    </p:spTree>
-    <p:extLst>
-      <p:ext uri="{BB962C8B-B14F-4D97-AF65-F5344CB8AC3E}">
-        <p14:creationId xmlns:p14="http://schemas.microsoft.com/office/powerpoint/2010/main" val="555466609"/>
-      </p:ext>
-    </p:extLst>
-  </p:cSld>
-  <p:clrMapOvr>
-    <a:masterClrMapping/>
-  </p:clrMapOvr>
-  <mc:AlternateContent xmlns:mc="http://schemas.openxmlformats.org/markup-compatibility/2006" xmlns:p159="http://schemas.microsoft.com/office/powerpoint/2015/09/main">
-    <mc:Choice Requires="p159">
-      <p:transition xmlns:p14="http://schemas.microsoft.com/office/powerpoint/2010/main" spd="slow" p14:dur="2000">
-        <p159:morph option="byObject"/>
-      </p:transition>
-    </mc:Choice>
-    <mc:Fallback xmlns="">
-      <p:transition spd="slow">
-        <p:fade/>
-      </p:transition>
-    </mc:Fallback>
-  </mc:AlternateContent>
-</p:sld>
-</file>
-
-<file path=ppt/slides/slide2.xml><?xml version="1.0" encoding="utf-8"?>
-<p:sld xmlns:a="http://schemas.openxmlformats.org/drawingml/2006/main" xmlns:r="http://schemas.openxmlformats.org/officeDocument/2006/relationships" xmlns:p="http://schemas.openxmlformats.org/presentationml/2006/main">
-  <p:cSld>
-    <p:spTree>
-      <p:nvGrpSpPr>
-        <p:cNvPr id="1" name=""/>
-        <p:cNvGrpSpPr/>
-        <p:nvPr/>
-      </p:nvGrpSpPr>
-      <p:grpSpPr>
-        <a:xfrm>
-          <a:off x="0" y="0"/>
-          <a:ext cx="0" cy="0"/>
-          <a:chOff x="0" y="0"/>
-          <a:chExt cx="0" cy="0"/>
-        </a:xfrm>
-      </p:grpSpPr>
-      <p:sp>
-        <p:nvSpPr>
-          <p:cNvPr id="2" name="Titel 1">
-            <a:extLst>
-              <a:ext uri="{FF2B5EF4-FFF2-40B4-BE49-F238E27FC236}">
-                <a16:creationId xmlns:a16="http://schemas.microsoft.com/office/drawing/2014/main" id="{009E865A-CD1F-7E82-F37A-F92D30B05899}"/>
-              </a:ext>
-            </a:extLst>
-          </p:cNvPr>
-          <p:cNvSpPr>
-            <a:spLocks noGrp="1"/>
-          </p:cNvSpPr>
-          <p:nvPr>
-            <p:ph type="title"/>
-          </p:nvPr>
-        </p:nvSpPr>
-        <p:spPr/>
-        <p:txBody>
-          <a:bodyPr/>
-          <a:lstStyle/>
-          <a:p>
-            <a:r>
-              <a:rPr lang="de-DE"/>
-              <a:t>Problem</a:t>
-            </a:r>
-            <a:endParaRPr lang="en-US"/>
-          </a:p>
-        </p:txBody>
-      </p:sp>
-      <p:sp>
-        <p:nvSpPr>
-          <p:cNvPr id="3" name="Inhaltsplatzhalter 2">
-            <a:extLst>
-              <a:ext uri="{FF2B5EF4-FFF2-40B4-BE49-F238E27FC236}">
-                <a16:creationId xmlns:a16="http://schemas.microsoft.com/office/drawing/2014/main" id="{A1E194B9-AB3E-DD46-627F-B7836C81E6B2}"/>
-              </a:ext>
-            </a:extLst>
-          </p:cNvPr>
-          <p:cNvSpPr>
-            <a:spLocks noGrp="1"/>
-          </p:cNvSpPr>
-          <p:nvPr>
-            <p:ph idx="1"/>
-          </p:nvPr>
-        </p:nvSpPr>
-        <p:spPr/>
-        <p:txBody>
-          <a:bodyPr vert="horz" lIns="91440" tIns="45720" rIns="91440" bIns="45720" rtlCol="0" anchor="t">
-            <a:normAutofit/>
-          </a:bodyPr>
-          <a:lstStyle/>
-          <a:p>
-            <a:r>
-              <a:rPr lang="de-DE" dirty="0"/>
-              <a:t>Insgesamt werden 250 Millionen Container jährlich weltweit transportiert </a:t>
-            </a:r>
-            <a:r>
-              <a:rPr lang="de-DE" sz="1600" dirty="0">
-                <a:hlinkClick r:id="rId2"/>
-              </a:rPr>
-              <a:t>[1]</a:t>
-            </a:r>
-            <a:endParaRPr lang="de-DE" sz="1600" dirty="0"/>
-          </a:p>
-          <a:p>
-            <a:pPr lvl="1"/>
-            <a:r>
-              <a:rPr lang="de-DE" dirty="0"/>
-              <a:t>2500 Container werden beschädigt</a:t>
-            </a:r>
-            <a:r>
-              <a:rPr lang="de-DE" sz="1600" dirty="0"/>
-              <a:t> </a:t>
-            </a:r>
-            <a:r>
-              <a:rPr lang="en-US" sz="1600" dirty="0">
-                <a:hlinkClick r:id="rId3"/>
-              </a:rPr>
-              <a:t>[2]</a:t>
-            </a:r>
-            <a:endParaRPr lang="de-DE" sz="1600" dirty="0">
-              <a:cs typeface="Calibri"/>
-            </a:endParaRPr>
-          </a:p>
-          <a:p>
-            <a:pPr lvl="1"/>
-            <a:r>
-              <a:rPr lang="en-US" dirty="0">
-                <a:cs typeface="Calibri"/>
-              </a:rPr>
-              <a:t>1566 </a:t>
-            </a:r>
-            <a:r>
-              <a:rPr lang="en-US" dirty="0" err="1">
-                <a:cs typeface="Calibri"/>
-              </a:rPr>
-              <a:t>gehen</a:t>
-            </a:r>
-            <a:r>
-              <a:rPr lang="en-US" dirty="0">
-                <a:cs typeface="Calibri"/>
-              </a:rPr>
-              <a:t> </a:t>
-            </a:r>
-            <a:r>
-              <a:rPr lang="en-US" dirty="0" err="1">
-                <a:cs typeface="Calibri"/>
-              </a:rPr>
-              <a:t>verloren</a:t>
-            </a:r>
-            <a:r>
-              <a:rPr lang="en-US" dirty="0">
-                <a:cs typeface="Calibri"/>
-              </a:rPr>
-              <a:t> </a:t>
-            </a:r>
-            <a:r>
-              <a:rPr lang="de-DE" sz="1600" dirty="0">
-                <a:cs typeface="Calibri"/>
-                <a:hlinkClick r:id="rId2"/>
-              </a:rPr>
-              <a:t>[1]</a:t>
-            </a:r>
-            <a:endParaRPr lang="de-DE" dirty="0"/>
-          </a:p>
-          <a:p>
-            <a:pPr lvl="1"/>
-            <a:r>
-              <a:rPr lang="en-US" dirty="0"/>
-              <a:t>25% </a:t>
-            </a:r>
-            <a:r>
-              <a:rPr lang="en-US" dirty="0" err="1"/>
-              <a:t>sind</a:t>
-            </a:r>
-            <a:r>
-              <a:rPr lang="en-US" dirty="0"/>
-              <a:t> </a:t>
-            </a:r>
-            <a:r>
-              <a:rPr lang="de-DE" dirty="0"/>
-              <a:t>Temperatur</a:t>
-            </a:r>
-            <a:r>
-              <a:rPr lang="en-US" dirty="0" err="1"/>
-              <a:t>gesteuert</a:t>
-            </a:r>
-            <a:r>
-              <a:rPr lang="en-US" dirty="0"/>
-              <a:t> </a:t>
-            </a:r>
-            <a:r>
-              <a:rPr lang="en-US" sz="1600" dirty="0">
-                <a:hlinkClick r:id="rId4"/>
-              </a:rPr>
-              <a:t>[3]</a:t>
-            </a:r>
-            <a:endParaRPr lang="en-US" sz="1600" dirty="0">
-              <a:cs typeface="Calibri"/>
-            </a:endParaRPr>
-          </a:p>
-          <a:p>
-            <a:r>
-              <a:rPr lang="en-US" dirty="0" err="1"/>
-              <a:t>Wir</a:t>
-            </a:r>
-            <a:r>
-              <a:rPr lang="en-US" dirty="0"/>
-              <a:t> </a:t>
-            </a:r>
-            <a:r>
-              <a:rPr lang="en-US" dirty="0" err="1"/>
-              <a:t>wollen</a:t>
-            </a:r>
-            <a:r>
-              <a:rPr lang="en-US" dirty="0"/>
-              <a:t> es </a:t>
-            </a:r>
-            <a:r>
-              <a:rPr lang="en-US" dirty="0" err="1"/>
-              <a:t>Kunden</a:t>
-            </a:r>
-            <a:r>
-              <a:rPr lang="en-US" dirty="0"/>
-              <a:t> </a:t>
-            </a:r>
-            <a:r>
-              <a:rPr lang="en-US" dirty="0" err="1"/>
-              <a:t>ermöglichen</a:t>
-            </a:r>
-            <a:r>
-              <a:rPr lang="en-US" dirty="0"/>
-              <a:t> auf </a:t>
-            </a:r>
-            <a:r>
-              <a:rPr lang="en-US" dirty="0" err="1"/>
-              <a:t>Extremfälle</a:t>
-            </a:r>
-            <a:r>
-              <a:rPr lang="en-US" dirty="0"/>
-              <a:t> </a:t>
-            </a:r>
-            <a:r>
-              <a:rPr lang="en-US" dirty="0" err="1"/>
-              <a:t>zu</a:t>
-            </a:r>
-            <a:r>
-              <a:rPr lang="en-US" dirty="0"/>
-              <a:t> </a:t>
-            </a:r>
-            <a:r>
-              <a:rPr lang="en-US" dirty="0" err="1"/>
-              <a:t>reagieren</a:t>
-            </a:r>
-            <a:endParaRPr lang="en-US" dirty="0"/>
-          </a:p>
-        </p:txBody>
-      </p:sp>
-      <p:sp>
-        <p:nvSpPr>
-          <p:cNvPr id="4" name="Fußzeilenplatzhalter 3">
-            <a:extLst>
-              <a:ext uri="{FF2B5EF4-FFF2-40B4-BE49-F238E27FC236}">
-                <a16:creationId xmlns:a16="http://schemas.microsoft.com/office/drawing/2014/main" id="{FAC01B4F-0F70-CF7B-89F5-E2F7614CED11}"/>
-              </a:ext>
-            </a:extLst>
-          </p:cNvPr>
-          <p:cNvSpPr>
-            <a:spLocks noGrp="1"/>
-          </p:cNvSpPr>
-          <p:nvPr>
-            <p:ph type="ftr" sz="quarter" idx="11"/>
-          </p:nvPr>
-        </p:nvSpPr>
-        <p:spPr/>
-        <p:txBody>
-          <a:bodyPr/>
-          <a:lstStyle/>
-          <a:p>
-            <a:r>
-              <a:rPr lang="de-AT"/>
-              <a:t>CONTRUDE </a:t>
-            </a:r>
-            <a:r>
-              <a:rPr lang="de-AT" err="1"/>
-              <a:t>Gekle</a:t>
-            </a:r>
-            <a:r>
-              <a:rPr lang="de-AT"/>
-              <a:t>, Kampl, Schrempf</a:t>
-            </a:r>
-          </a:p>
-        </p:txBody>
-      </p:sp>
-      <p:sp>
-        <p:nvSpPr>
-          <p:cNvPr id="5" name="Foliennummernplatzhalter 4">
-            <a:extLst>
-              <a:ext uri="{FF2B5EF4-FFF2-40B4-BE49-F238E27FC236}">
-                <a16:creationId xmlns:a16="http://schemas.microsoft.com/office/drawing/2014/main" id="{5113CE34-3BAE-2923-74DC-FC3ED5248614}"/>
-              </a:ext>
-            </a:extLst>
-          </p:cNvPr>
-          <p:cNvSpPr>
-            <a:spLocks noGrp="1"/>
-          </p:cNvSpPr>
-          <p:nvPr>
-            <p:ph type="sldNum" sz="quarter" idx="12"/>
-          </p:nvPr>
-        </p:nvSpPr>
-        <p:spPr/>
-        <p:txBody>
-          <a:bodyPr/>
-          <a:lstStyle/>
-          <a:p>
-            <a:fld id="{7DCD6803-3BAA-44F6-A698-23D950C9713B}" type="slidenum">
-              <a:rPr lang="de-AT" smtClean="0"/>
-              <a:pPr/>
-              <a:t>2</a:t>
-            </a:fld>
-            <a:endParaRPr lang="de-AT"/>
-          </a:p>
-        </p:txBody>
-      </p:sp>
-    </p:spTree>
-    <p:extLst>
-      <p:ext uri="{BB962C8B-B14F-4D97-AF65-F5344CB8AC3E}">
-        <p14:creationId xmlns:p14="http://schemas.microsoft.com/office/powerpoint/2010/main" val="3563135345"/>
-      </p:ext>
-    </p:extLst>
-  </p:cSld>
-  <p:clrMapOvr>
-    <a:masterClrMapping/>
-  </p:clrMapOvr>
-  <mc:AlternateContent xmlns:mc="http://schemas.openxmlformats.org/markup-compatibility/2006" xmlns:p159="http://schemas.microsoft.com/office/powerpoint/2015/09/main">
-    <mc:Choice Requires="p159">
-      <p:transition xmlns:p14="http://schemas.microsoft.com/office/powerpoint/2010/main" spd="slow" p14:dur="2000">
-        <p159:morph option="byObject"/>
-      </p:transition>
-    </mc:Choice>
-    <mc:Fallback xmlns="">
-      <p:transition spd="slow">
-        <p:fade/>
-      </p:transition>
-    </mc:Fallback>
-  </mc:AlternateContent>
-</p:sld>
-</file>
-
-<file path=ppt/slides/slide20.xml><?xml version="1.0" encoding="utf-8"?>
-<p:sld xmlns:a="http://schemas.openxmlformats.org/drawingml/2006/main" xmlns:r="http://schemas.openxmlformats.org/officeDocument/2006/relationships" xmlns:p="http://schemas.openxmlformats.org/presentationml/2006/main">
-  <p:cSld>
-    <p:spTree>
-      <p:nvGrpSpPr>
-        <p:cNvPr id="1" name=""/>
-        <p:cNvGrpSpPr/>
-        <p:nvPr/>
-      </p:nvGrpSpPr>
-      <p:grpSpPr>
-        <a:xfrm>
-          <a:off x="0" y="0"/>
-          <a:ext cx="0" cy="0"/>
-          <a:chOff x="0" y="0"/>
-          <a:chExt cx="0" cy="0"/>
-        </a:xfrm>
-      </p:grpSpPr>
-      <p:sp>
-        <p:nvSpPr>
-          <p:cNvPr id="2" name="Titel 1">
-            <a:extLst>
-              <a:ext uri="{FF2B5EF4-FFF2-40B4-BE49-F238E27FC236}">
-                <a16:creationId xmlns:a16="http://schemas.microsoft.com/office/drawing/2014/main" id="{41705578-676D-FCCF-F067-38289B99C507}"/>
-              </a:ext>
-            </a:extLst>
-          </p:cNvPr>
-          <p:cNvSpPr>
-            <a:spLocks noGrp="1"/>
-          </p:cNvSpPr>
-          <p:nvPr>
-            <p:ph type="title"/>
-          </p:nvPr>
-        </p:nvSpPr>
-        <p:spPr/>
-        <p:txBody>
-          <a:bodyPr/>
-          <a:lstStyle/>
-          <a:p>
-            <a:r>
-              <a:rPr lang="de-AT"/>
-              <a:t>Struktur</a:t>
-            </a:r>
-          </a:p>
-        </p:txBody>
-      </p:sp>
-      <p:pic>
-        <p:nvPicPr>
-          <p:cNvPr id="7" name="Inhaltsplatzhalter 6">
-            <a:extLst>
-              <a:ext uri="{FF2B5EF4-FFF2-40B4-BE49-F238E27FC236}">
-                <a16:creationId xmlns:a16="http://schemas.microsoft.com/office/drawing/2014/main" id="{AFE89A80-B440-BF16-0152-F50CC3E17FFA}"/>
-              </a:ext>
-            </a:extLst>
-          </p:cNvPr>
-          <p:cNvPicPr>
-            <a:picLocks noGrp="1" noChangeAspect="1"/>
-          </p:cNvPicPr>
-          <p:nvPr>
-            <p:ph idx="1"/>
-          </p:nvPr>
-        </p:nvPicPr>
-        <p:blipFill>
-          <a:blip r:embed="rId2">
-            <a:extLst>
-              <a:ext uri="{28A0092B-C50C-407E-A947-70E740481C1C}">
-                <a14:useLocalDpi xmlns:a14="http://schemas.microsoft.com/office/drawing/2010/main" val="0"/>
-              </a:ext>
-              <a:ext uri="{96DAC541-7B7A-43D3-8B79-37D633B846F1}">
-                <asvg:svgBlip xmlns:asvg="http://schemas.microsoft.com/office/drawing/2016/SVG/main" r:embed="rId3"/>
-              </a:ext>
-            </a:extLst>
-          </a:blip>
-          <a:stretch>
-            <a:fillRect/>
-          </a:stretch>
-        </p:blipFill>
-        <p:spPr>
-          <a:xfrm>
-            <a:off x="2173760" y="1095711"/>
-            <a:ext cx="7844479" cy="5073650"/>
-          </a:xfrm>
-        </p:spPr>
-      </p:pic>
-      <p:sp>
-        <p:nvSpPr>
-          <p:cNvPr id="4" name="Fußzeilenplatzhalter 3">
-            <a:extLst>
-              <a:ext uri="{FF2B5EF4-FFF2-40B4-BE49-F238E27FC236}">
-                <a16:creationId xmlns:a16="http://schemas.microsoft.com/office/drawing/2014/main" id="{68EE335B-B2E2-9F37-0D30-DC40083206F5}"/>
-              </a:ext>
-            </a:extLst>
-          </p:cNvPr>
-          <p:cNvSpPr>
-            <a:spLocks noGrp="1"/>
-          </p:cNvSpPr>
-          <p:nvPr>
-            <p:ph type="ftr" sz="quarter" idx="11"/>
-          </p:nvPr>
-        </p:nvSpPr>
-        <p:spPr/>
-        <p:txBody>
-          <a:bodyPr/>
-          <a:lstStyle/>
-          <a:p>
-            <a:r>
-              <a:rPr lang="de-AT"/>
-              <a:t>CONTRUDE Gekle, Kampl, Schrempf</a:t>
-            </a:r>
-          </a:p>
-        </p:txBody>
-      </p:sp>
-      <p:sp>
-        <p:nvSpPr>
-          <p:cNvPr id="5" name="Foliennummernplatzhalter 4">
-            <a:extLst>
-              <a:ext uri="{FF2B5EF4-FFF2-40B4-BE49-F238E27FC236}">
-                <a16:creationId xmlns:a16="http://schemas.microsoft.com/office/drawing/2014/main" id="{C505ED6E-17E1-8489-2A55-B1355FDF1AC1}"/>
-              </a:ext>
-            </a:extLst>
-          </p:cNvPr>
-          <p:cNvSpPr>
-            <a:spLocks noGrp="1"/>
-          </p:cNvSpPr>
-          <p:nvPr>
-            <p:ph type="sldNum" sz="quarter" idx="12"/>
-          </p:nvPr>
-        </p:nvSpPr>
-        <p:spPr/>
-        <p:txBody>
-          <a:bodyPr/>
-          <a:lstStyle/>
-          <a:p>
-            <a:fld id="{7DCD6803-3BAA-44F6-A698-23D950C9713B}" type="slidenum">
-              <a:rPr lang="de-AT" smtClean="0"/>
-              <a:pPr/>
-              <a:t>20</a:t>
-            </a:fld>
-            <a:endParaRPr lang="de-AT"/>
-          </a:p>
-        </p:txBody>
-      </p:sp>
-    </p:spTree>
-    <p:extLst>
-      <p:ext uri="{BB962C8B-B14F-4D97-AF65-F5344CB8AC3E}">
-        <p14:creationId xmlns:p14="http://schemas.microsoft.com/office/powerpoint/2010/main" val="3150432457"/>
-      </p:ext>
-    </p:extLst>
-  </p:cSld>
-  <p:clrMapOvr>
-    <a:masterClrMapping/>
-  </p:clrMapOvr>
-  <mc:AlternateContent xmlns:mc="http://schemas.openxmlformats.org/markup-compatibility/2006" xmlns:p159="http://schemas.microsoft.com/office/powerpoint/2015/09/main">
-    <mc:Choice Requires="p159">
-      <p:transition xmlns:p14="http://schemas.microsoft.com/office/powerpoint/2010/main" spd="slow" p14:dur="2000">
-        <p159:morph option="byObject"/>
-      </p:transition>
-    </mc:Choice>
-    <mc:Fallback xmlns="">
-      <p:transition spd="slow">
-        <p:fade/>
-      </p:transition>
-    </mc:Fallback>
-  </mc:AlternateContent>
-</p:sld>
-</file>
-
-<file path=ppt/slides/slide21.xml><?xml version="1.0" encoding="utf-8"?>
-<p:sld xmlns:a="http://schemas.openxmlformats.org/drawingml/2006/main" xmlns:r="http://schemas.openxmlformats.org/officeDocument/2006/relationships" xmlns:p="http://schemas.openxmlformats.org/presentationml/2006/main">
-  <p:cSld>
-    <p:spTree>
-      <p:nvGrpSpPr>
-        <p:cNvPr id="1" name=""/>
-        <p:cNvGrpSpPr/>
-        <p:nvPr/>
-      </p:nvGrpSpPr>
-      <p:grpSpPr>
-        <a:xfrm>
-          <a:off x="0" y="0"/>
-          <a:ext cx="0" cy="0"/>
-          <a:chOff x="0" y="0"/>
-          <a:chExt cx="0" cy="0"/>
-        </a:xfrm>
-      </p:grpSpPr>
-      <p:sp>
-        <p:nvSpPr>
-          <p:cNvPr id="2" name="Titel 1">
-            <a:extLst>
-              <a:ext uri="{FF2B5EF4-FFF2-40B4-BE49-F238E27FC236}">
-                <a16:creationId xmlns:a16="http://schemas.microsoft.com/office/drawing/2014/main" id="{49B75182-9F7E-DDB8-1BCE-29DCCA8443FA}"/>
-              </a:ext>
-            </a:extLst>
-          </p:cNvPr>
-          <p:cNvSpPr>
-            <a:spLocks noGrp="1"/>
-          </p:cNvSpPr>
-          <p:nvPr>
-            <p:ph type="title"/>
-          </p:nvPr>
-        </p:nvSpPr>
-        <p:spPr/>
-        <p:txBody>
-          <a:bodyPr/>
-          <a:lstStyle/>
-          <a:p>
-            <a:r>
-              <a:rPr lang="de-AT" dirty="0"/>
-              <a:t>Fortschritt - </a:t>
-            </a:r>
-            <a:r>
-              <a:rPr lang="de-AT" dirty="0" err="1"/>
-              <a:t>Gekle</a:t>
-            </a:r>
-            <a:endParaRPr lang="de-AT" dirty="0"/>
-          </a:p>
-        </p:txBody>
-      </p:sp>
-      <p:sp>
-        <p:nvSpPr>
-          <p:cNvPr id="3" name="Inhaltsplatzhalter 2">
-            <a:extLst>
-              <a:ext uri="{FF2B5EF4-FFF2-40B4-BE49-F238E27FC236}">
-                <a16:creationId xmlns:a16="http://schemas.microsoft.com/office/drawing/2014/main" id="{024F27B7-30D2-20B0-4444-C74E11AB2A8E}"/>
-              </a:ext>
-            </a:extLst>
-          </p:cNvPr>
-          <p:cNvSpPr>
-            <a:spLocks noGrp="1"/>
-          </p:cNvSpPr>
-          <p:nvPr>
-            <p:ph idx="1"/>
-          </p:nvPr>
-        </p:nvSpPr>
-        <p:spPr/>
-        <p:txBody>
-          <a:bodyPr/>
-          <a:lstStyle/>
-          <a:p>
-            <a:r>
-              <a:rPr lang="de-DE" dirty="0"/>
-              <a:t>Website-Layout</a:t>
-            </a:r>
-          </a:p>
-          <a:p>
-            <a:r>
-              <a:rPr lang="de-DE" dirty="0"/>
-              <a:t>Simulation</a:t>
-            </a:r>
-          </a:p>
-          <a:p>
-            <a:r>
-              <a:rPr lang="de-DE" dirty="0" err="1"/>
-              <a:t>Directed</a:t>
-            </a:r>
-            <a:r>
-              <a:rPr lang="de-DE" dirty="0"/>
-              <a:t>-</a:t>
-            </a:r>
-            <a:r>
-              <a:rPr lang="de-DE" dirty="0" err="1"/>
-              <a:t>Dragable</a:t>
-            </a:r>
-            <a:r>
-              <a:rPr lang="de-DE" dirty="0"/>
-              <a:t>-Graph</a:t>
-            </a:r>
-          </a:p>
-          <a:p>
-            <a:r>
-              <a:rPr lang="de-DE" dirty="0"/>
-              <a:t>Positionierungsalgorithmus</a:t>
-            </a:r>
-          </a:p>
-          <a:p>
-            <a:r>
-              <a:rPr lang="de-DE" dirty="0"/>
-              <a:t>Erstes Website Design</a:t>
-            </a:r>
-          </a:p>
-        </p:txBody>
-      </p:sp>
-      <p:sp>
-        <p:nvSpPr>
-          <p:cNvPr id="4" name="Fußzeilenplatzhalter 3">
-            <a:extLst>
-              <a:ext uri="{FF2B5EF4-FFF2-40B4-BE49-F238E27FC236}">
-                <a16:creationId xmlns:a16="http://schemas.microsoft.com/office/drawing/2014/main" id="{6E09A3E5-E9D9-C916-501D-1EB289F7F868}"/>
-              </a:ext>
-            </a:extLst>
-          </p:cNvPr>
-          <p:cNvSpPr>
-            <a:spLocks noGrp="1"/>
-          </p:cNvSpPr>
-          <p:nvPr>
-            <p:ph type="ftr" sz="quarter" idx="11"/>
-          </p:nvPr>
-        </p:nvSpPr>
-        <p:spPr/>
-        <p:txBody>
-          <a:bodyPr/>
-          <a:lstStyle/>
-          <a:p>
-            <a:r>
-              <a:rPr lang="de-AT"/>
-              <a:t>CONTRUDE </a:t>
-            </a:r>
-            <a:r>
-              <a:rPr lang="de-AT" err="1"/>
-              <a:t>Gekle</a:t>
-            </a:r>
-            <a:r>
-              <a:rPr lang="de-AT"/>
-              <a:t>, Kampl, Schrempf</a:t>
-            </a:r>
-          </a:p>
-        </p:txBody>
-      </p:sp>
-      <p:sp>
-        <p:nvSpPr>
-          <p:cNvPr id="5" name="Foliennummernplatzhalter 4">
-            <a:extLst>
-              <a:ext uri="{FF2B5EF4-FFF2-40B4-BE49-F238E27FC236}">
-                <a16:creationId xmlns:a16="http://schemas.microsoft.com/office/drawing/2014/main" id="{A3248E37-7A5A-CF99-7DD3-0E77067C292D}"/>
-              </a:ext>
-            </a:extLst>
-          </p:cNvPr>
-          <p:cNvSpPr>
-            <a:spLocks noGrp="1"/>
-          </p:cNvSpPr>
-          <p:nvPr>
-            <p:ph type="sldNum" sz="quarter" idx="12"/>
-          </p:nvPr>
-        </p:nvSpPr>
-        <p:spPr/>
-        <p:txBody>
-          <a:bodyPr/>
-          <a:lstStyle/>
-          <a:p>
-            <a:fld id="{7DCD6803-3BAA-44F6-A698-23D950C9713B}" type="slidenum">
-              <a:rPr lang="de-AT" smtClean="0"/>
-              <a:pPr/>
-              <a:t>21</a:t>
             </a:fld>
             <a:endParaRPr lang="de-AT"/>
           </a:p>
@@ -8680,6 +6809,1906 @@
 </p:sld>
 </file>
 
+<file path=ppt/slides/slide15.xml><?xml version="1.0" encoding="utf-8"?>
+<p:sld xmlns:a="http://schemas.openxmlformats.org/drawingml/2006/main" xmlns:r="http://schemas.openxmlformats.org/officeDocument/2006/relationships" xmlns:p="http://schemas.openxmlformats.org/presentationml/2006/main">
+  <p:cSld>
+    <p:spTree>
+      <p:nvGrpSpPr>
+        <p:cNvPr id="1" name=""/>
+        <p:cNvGrpSpPr/>
+        <p:nvPr/>
+      </p:nvGrpSpPr>
+      <p:grpSpPr>
+        <a:xfrm>
+          <a:off x="0" y="0"/>
+          <a:ext cx="0" cy="0"/>
+          <a:chOff x="0" y="0"/>
+          <a:chExt cx="0" cy="0"/>
+        </a:xfrm>
+      </p:grpSpPr>
+      <p:sp>
+        <p:nvSpPr>
+          <p:cNvPr id="2" name="Titel 1">
+            <a:extLst>
+              <a:ext uri="{FF2B5EF4-FFF2-40B4-BE49-F238E27FC236}">
+                <a16:creationId xmlns:a16="http://schemas.microsoft.com/office/drawing/2014/main" id="{3679B119-30DA-D2F0-910C-2E9634305C9E}"/>
+              </a:ext>
+            </a:extLst>
+          </p:cNvPr>
+          <p:cNvSpPr>
+            <a:spLocks noGrp="1"/>
+          </p:cNvSpPr>
+          <p:nvPr>
+            <p:ph type="title"/>
+          </p:nvPr>
+        </p:nvSpPr>
+        <p:spPr/>
+        <p:txBody>
+          <a:bodyPr/>
+          <a:lstStyle/>
+          <a:p>
+            <a:r>
+              <a:rPr lang="de-DE"/>
+              <a:t>PM – Meilensteine Gantt-Diagramm</a:t>
+            </a:r>
+            <a:endParaRPr lang="en-US"/>
+          </a:p>
+        </p:txBody>
+      </p:sp>
+      <p:sp>
+        <p:nvSpPr>
+          <p:cNvPr id="4" name="Fußzeilenplatzhalter 3">
+            <a:extLst>
+              <a:ext uri="{FF2B5EF4-FFF2-40B4-BE49-F238E27FC236}">
+                <a16:creationId xmlns:a16="http://schemas.microsoft.com/office/drawing/2014/main" id="{FD7E9FA4-3B81-7798-3F86-7DE52E93901F}"/>
+              </a:ext>
+            </a:extLst>
+          </p:cNvPr>
+          <p:cNvSpPr>
+            <a:spLocks noGrp="1"/>
+          </p:cNvSpPr>
+          <p:nvPr>
+            <p:ph type="ftr" sz="quarter" idx="11"/>
+          </p:nvPr>
+        </p:nvSpPr>
+        <p:spPr/>
+        <p:txBody>
+          <a:bodyPr/>
+          <a:lstStyle/>
+          <a:p>
+            <a:r>
+              <a:rPr lang="de-AT"/>
+              <a:t>CONTRUDE Gekle, Kampl, Schrempf</a:t>
+            </a:r>
+          </a:p>
+        </p:txBody>
+      </p:sp>
+      <p:sp>
+        <p:nvSpPr>
+          <p:cNvPr id="5" name="Foliennummernplatzhalter 4">
+            <a:extLst>
+              <a:ext uri="{FF2B5EF4-FFF2-40B4-BE49-F238E27FC236}">
+                <a16:creationId xmlns:a16="http://schemas.microsoft.com/office/drawing/2014/main" id="{5B038E27-DEEC-7AFD-5AA2-2E4F9F366D9D}"/>
+              </a:ext>
+            </a:extLst>
+          </p:cNvPr>
+          <p:cNvSpPr>
+            <a:spLocks noGrp="1"/>
+          </p:cNvSpPr>
+          <p:nvPr>
+            <p:ph type="sldNum" sz="quarter" idx="12"/>
+          </p:nvPr>
+        </p:nvSpPr>
+        <p:spPr/>
+        <p:txBody>
+          <a:bodyPr/>
+          <a:lstStyle/>
+          <a:p>
+            <a:fld id="{7DCD6803-3BAA-44F6-A698-23D950C9713B}" type="slidenum">
+              <a:rPr lang="de-AT" smtClean="0"/>
+              <a:pPr/>
+              <a:t>15</a:t>
+            </a:fld>
+            <a:endParaRPr lang="de-AT"/>
+          </a:p>
+        </p:txBody>
+      </p:sp>
+      <p:pic>
+        <p:nvPicPr>
+          <p:cNvPr id="8" name="Inhaltsplatzhalter 7" descr="Ein Bild, das Text, Screenshot, Reihe, Schrift enthält.&#10;&#10;Automatisch generierte Beschreibung">
+            <a:extLst>
+              <a:ext uri="{FF2B5EF4-FFF2-40B4-BE49-F238E27FC236}">
+                <a16:creationId xmlns:a16="http://schemas.microsoft.com/office/drawing/2014/main" id="{57ECAF8D-BC15-7EC1-9CB0-1ADE9AFCD530}"/>
+              </a:ext>
+            </a:extLst>
+          </p:cNvPr>
+          <p:cNvPicPr>
+            <a:picLocks noGrp="1" noChangeAspect="1"/>
+          </p:cNvPicPr>
+          <p:nvPr>
+            <p:ph idx="1"/>
+          </p:nvPr>
+        </p:nvPicPr>
+        <p:blipFill>
+          <a:blip r:embed="rId2" cstate="print">
+            <a:extLst>
+              <a:ext uri="{28A0092B-C50C-407E-A947-70E740481C1C}">
+                <a14:useLocalDpi xmlns:a14="http://schemas.microsoft.com/office/drawing/2010/main" val="0"/>
+              </a:ext>
+            </a:extLst>
+          </a:blip>
+          <a:stretch>
+            <a:fillRect/>
+          </a:stretch>
+        </p:blipFill>
+        <p:spPr>
+          <a:xfrm>
+            <a:off x="609600" y="1096268"/>
+            <a:ext cx="10972800" cy="4986139"/>
+          </a:xfrm>
+        </p:spPr>
+      </p:pic>
+    </p:spTree>
+    <p:extLst>
+      <p:ext uri="{BB962C8B-B14F-4D97-AF65-F5344CB8AC3E}">
+        <p14:creationId xmlns:p14="http://schemas.microsoft.com/office/powerpoint/2010/main" val="2445627371"/>
+      </p:ext>
+    </p:extLst>
+  </p:cSld>
+  <p:clrMapOvr>
+    <a:masterClrMapping/>
+  </p:clrMapOvr>
+  <mc:AlternateContent xmlns:mc="http://schemas.openxmlformats.org/markup-compatibility/2006" xmlns:p159="http://schemas.microsoft.com/office/powerpoint/2015/09/main">
+    <mc:Choice Requires="p159">
+      <p:transition xmlns:p14="http://schemas.microsoft.com/office/powerpoint/2010/main" spd="slow" p14:dur="2000">
+        <p159:morph option="byObject"/>
+      </p:transition>
+    </mc:Choice>
+    <mc:Fallback xmlns="">
+      <p:transition spd="slow">
+        <p:fade/>
+      </p:transition>
+    </mc:Fallback>
+  </mc:AlternateContent>
+</p:sld>
+</file>
+
+<file path=ppt/slides/slide16.xml><?xml version="1.0" encoding="utf-8"?>
+<p:sld xmlns:a="http://schemas.openxmlformats.org/drawingml/2006/main" xmlns:r="http://schemas.openxmlformats.org/officeDocument/2006/relationships" xmlns:p="http://schemas.openxmlformats.org/presentationml/2006/main">
+  <p:cSld>
+    <p:spTree>
+      <p:nvGrpSpPr>
+        <p:cNvPr id="1" name=""/>
+        <p:cNvGrpSpPr/>
+        <p:nvPr/>
+      </p:nvGrpSpPr>
+      <p:grpSpPr>
+        <a:xfrm>
+          <a:off x="0" y="0"/>
+          <a:ext cx="0" cy="0"/>
+          <a:chOff x="0" y="0"/>
+          <a:chExt cx="0" cy="0"/>
+        </a:xfrm>
+      </p:grpSpPr>
+      <p:sp>
+        <p:nvSpPr>
+          <p:cNvPr id="2" name="Titel 1">
+            <a:extLst>
+              <a:ext uri="{FF2B5EF4-FFF2-40B4-BE49-F238E27FC236}">
+                <a16:creationId xmlns:a16="http://schemas.microsoft.com/office/drawing/2014/main" id="{E496C6BA-99A1-43F4-92B8-B6D762EF0987}"/>
+              </a:ext>
+            </a:extLst>
+          </p:cNvPr>
+          <p:cNvSpPr>
+            <a:spLocks noGrp="1"/>
+          </p:cNvSpPr>
+          <p:nvPr>
+            <p:ph type="title"/>
+          </p:nvPr>
+        </p:nvSpPr>
+        <p:spPr/>
+        <p:txBody>
+          <a:bodyPr/>
+          <a:lstStyle/>
+          <a:p>
+            <a:r>
+              <a:rPr lang="de-DE" dirty="0"/>
+              <a:t>PM - </a:t>
+            </a:r>
+            <a:r>
+              <a:rPr lang="de-AT" dirty="0"/>
+              <a:t>Kostenabschätzung</a:t>
+            </a:r>
+          </a:p>
+        </p:txBody>
+      </p:sp>
+      <p:sp>
+        <p:nvSpPr>
+          <p:cNvPr id="3" name="Inhaltsplatzhalter 2">
+            <a:extLst>
+              <a:ext uri="{FF2B5EF4-FFF2-40B4-BE49-F238E27FC236}">
+                <a16:creationId xmlns:a16="http://schemas.microsoft.com/office/drawing/2014/main" id="{A228378C-21E0-453B-B255-71BAC911E6C0}"/>
+              </a:ext>
+            </a:extLst>
+          </p:cNvPr>
+          <p:cNvSpPr>
+            <a:spLocks noGrp="1"/>
+          </p:cNvSpPr>
+          <p:nvPr>
+            <p:ph idx="1"/>
+          </p:nvPr>
+        </p:nvSpPr>
+        <p:spPr>
+          <a:xfrm>
+            <a:off x="617948" y="1057699"/>
+            <a:ext cx="10972800" cy="5073427"/>
+          </a:xfrm>
+        </p:spPr>
+        <p:txBody>
+          <a:bodyPr/>
+          <a:lstStyle/>
+          <a:p>
+            <a:r>
+              <a:rPr lang="de-AT" dirty="0"/>
+              <a:t>Gehalt</a:t>
+            </a:r>
+          </a:p>
+          <a:p>
+            <a:pPr lvl="1"/>
+            <a:r>
+              <a:rPr lang="en-US" b="0" i="0" dirty="0">
+                <a:solidFill>
+                  <a:srgbClr val="000000"/>
+                </a:solidFill>
+                <a:effectLst/>
+                <a:highlight>
+                  <a:srgbClr val="FFFFFF"/>
+                </a:highlight>
+                <a:latin typeface="DIN-Web-Pro"/>
+              </a:rPr>
+              <a:t>€ 2.192,25 pro Person</a:t>
+            </a:r>
+            <a:endParaRPr lang="de-AT" b="0" i="0" dirty="0">
+              <a:solidFill>
+                <a:srgbClr val="000000"/>
+              </a:solidFill>
+              <a:effectLst/>
+              <a:highlight>
+                <a:srgbClr val="FFFFFF"/>
+              </a:highlight>
+              <a:latin typeface="DIN-Web-Pro"/>
+            </a:endParaRPr>
+          </a:p>
+          <a:p>
+            <a:pPr lvl="1"/>
+            <a:r>
+              <a:rPr lang="de-AT" dirty="0">
+                <a:solidFill>
+                  <a:srgbClr val="000000"/>
+                </a:solidFill>
+                <a:highlight>
+                  <a:srgbClr val="FFFFFF"/>
+                </a:highlight>
+                <a:latin typeface="DIN-Web-Pro"/>
+              </a:rPr>
+              <a:t>€ 6.576,75 insgesamt</a:t>
+            </a:r>
+          </a:p>
+          <a:p>
+            <a:r>
+              <a:rPr lang="de-AT" dirty="0">
+                <a:solidFill>
+                  <a:srgbClr val="000000"/>
+                </a:solidFill>
+                <a:highlight>
+                  <a:srgbClr val="FFFFFF"/>
+                </a:highlight>
+                <a:latin typeface="DIN-Web-Pro"/>
+              </a:rPr>
+              <a:t>Hardware</a:t>
+            </a:r>
+          </a:p>
+          <a:p>
+            <a:pPr lvl="1"/>
+            <a:r>
+              <a:rPr lang="de-AT" dirty="0">
+                <a:solidFill>
+                  <a:srgbClr val="000000"/>
+                </a:solidFill>
+                <a:highlight>
+                  <a:srgbClr val="FFFFFF"/>
+                </a:highlight>
+                <a:latin typeface="DIN-Web-Pro"/>
+              </a:rPr>
+              <a:t>€ 62,07 pro Person</a:t>
+            </a:r>
+          </a:p>
+          <a:p>
+            <a:pPr lvl="1"/>
+            <a:r>
+              <a:rPr lang="de-AT" dirty="0">
+                <a:solidFill>
+                  <a:srgbClr val="000000"/>
+                </a:solidFill>
+                <a:highlight>
+                  <a:srgbClr val="FFFFFF"/>
+                </a:highlight>
+                <a:latin typeface="DIN-Web-Pro"/>
+              </a:rPr>
+              <a:t>€ 186,21 insgesamt</a:t>
+            </a:r>
+          </a:p>
+          <a:p>
+            <a:pPr lvl="2"/>
+            <a:r>
+              <a:rPr lang="de-AT" dirty="0">
+                <a:solidFill>
+                  <a:srgbClr val="000000"/>
+                </a:solidFill>
+                <a:highlight>
+                  <a:srgbClr val="FFFFFF"/>
+                </a:highlight>
+                <a:latin typeface="DIN-Web-Pro"/>
+              </a:rPr>
+              <a:t>€ 41,21 für Hardware</a:t>
+            </a:r>
+          </a:p>
+          <a:p>
+            <a:pPr lvl="2"/>
+            <a:r>
+              <a:rPr lang="de-AT" dirty="0">
+                <a:solidFill>
+                  <a:srgbClr val="000000"/>
+                </a:solidFill>
+                <a:highlight>
+                  <a:srgbClr val="FFFFFF"/>
+                </a:highlight>
+                <a:latin typeface="DIN-Web-Pro"/>
+              </a:rPr>
+              <a:t>€ 15 für Domainkosten</a:t>
+            </a:r>
+          </a:p>
+          <a:p>
+            <a:pPr lvl="2"/>
+            <a:r>
+              <a:rPr lang="de-AT" dirty="0">
+                <a:solidFill>
+                  <a:srgbClr val="000000"/>
+                </a:solidFill>
+                <a:highlight>
+                  <a:srgbClr val="FFFFFF"/>
+                </a:highlight>
+                <a:latin typeface="DIN-Web-Pro"/>
+              </a:rPr>
+              <a:t>€ 130 fürs drucken der DA </a:t>
+            </a:r>
+          </a:p>
+        </p:txBody>
+      </p:sp>
+      <p:sp>
+        <p:nvSpPr>
+          <p:cNvPr id="4" name="Fußzeilenplatzhalter 3">
+            <a:extLst>
+              <a:ext uri="{FF2B5EF4-FFF2-40B4-BE49-F238E27FC236}">
+                <a16:creationId xmlns:a16="http://schemas.microsoft.com/office/drawing/2014/main" id="{8AADA028-308D-430B-A45B-407D875A2351}"/>
+              </a:ext>
+            </a:extLst>
+          </p:cNvPr>
+          <p:cNvSpPr>
+            <a:spLocks noGrp="1"/>
+          </p:cNvSpPr>
+          <p:nvPr>
+            <p:ph type="ftr" sz="quarter" idx="11"/>
+          </p:nvPr>
+        </p:nvSpPr>
+        <p:spPr/>
+        <p:txBody>
+          <a:bodyPr/>
+          <a:lstStyle/>
+          <a:p>
+            <a:r>
+              <a:rPr lang="de-AT"/>
+              <a:t>CONTRUDE Gekle, Kampl, Schrempf</a:t>
+            </a:r>
+          </a:p>
+        </p:txBody>
+      </p:sp>
+      <p:sp>
+        <p:nvSpPr>
+          <p:cNvPr id="5" name="Foliennummernplatzhalter 4">
+            <a:extLst>
+              <a:ext uri="{FF2B5EF4-FFF2-40B4-BE49-F238E27FC236}">
+                <a16:creationId xmlns:a16="http://schemas.microsoft.com/office/drawing/2014/main" id="{AB38338F-922C-40A7-B140-637B827703BF}"/>
+              </a:ext>
+            </a:extLst>
+          </p:cNvPr>
+          <p:cNvSpPr>
+            <a:spLocks noGrp="1"/>
+          </p:cNvSpPr>
+          <p:nvPr>
+            <p:ph type="sldNum" sz="quarter" idx="12"/>
+          </p:nvPr>
+        </p:nvSpPr>
+        <p:spPr/>
+        <p:txBody>
+          <a:bodyPr/>
+          <a:lstStyle/>
+          <a:p>
+            <a:fld id="{7DCD6803-3BAA-44F6-A698-23D950C9713B}" type="slidenum">
+              <a:rPr lang="de-AT" smtClean="0"/>
+              <a:pPr/>
+              <a:t>16</a:t>
+            </a:fld>
+            <a:endParaRPr lang="de-AT"/>
+          </a:p>
+        </p:txBody>
+      </p:sp>
+    </p:spTree>
+    <p:extLst>
+      <p:ext uri="{BB962C8B-B14F-4D97-AF65-F5344CB8AC3E}">
+        <p14:creationId xmlns:p14="http://schemas.microsoft.com/office/powerpoint/2010/main" val="1447962708"/>
+      </p:ext>
+    </p:extLst>
+  </p:cSld>
+  <p:clrMapOvr>
+    <a:masterClrMapping/>
+  </p:clrMapOvr>
+  <mc:AlternateContent xmlns:mc="http://schemas.openxmlformats.org/markup-compatibility/2006" xmlns:p159="http://schemas.microsoft.com/office/powerpoint/2015/09/main">
+    <mc:Choice Requires="p159">
+      <p:transition xmlns:p14="http://schemas.microsoft.com/office/powerpoint/2010/main" spd="slow" p14:dur="2000">
+        <p159:morph option="byObject"/>
+      </p:transition>
+    </mc:Choice>
+    <mc:Fallback xmlns="">
+      <p:transition spd="slow">
+        <p:fade/>
+      </p:transition>
+    </mc:Fallback>
+  </mc:AlternateContent>
+</p:sld>
+</file>
+
+<file path=ppt/slides/slide17.xml><?xml version="1.0" encoding="utf-8"?>
+<p:sld xmlns:a="http://schemas.openxmlformats.org/drawingml/2006/main" xmlns:r="http://schemas.openxmlformats.org/officeDocument/2006/relationships" xmlns:p="http://schemas.openxmlformats.org/presentationml/2006/main">
+  <p:cSld>
+    <p:spTree>
+      <p:nvGrpSpPr>
+        <p:cNvPr id="1" name=""/>
+        <p:cNvGrpSpPr/>
+        <p:nvPr/>
+      </p:nvGrpSpPr>
+      <p:grpSpPr>
+        <a:xfrm>
+          <a:off x="0" y="0"/>
+          <a:ext cx="0" cy="0"/>
+          <a:chOff x="0" y="0"/>
+          <a:chExt cx="0" cy="0"/>
+        </a:xfrm>
+      </p:grpSpPr>
+      <p:sp>
+        <p:nvSpPr>
+          <p:cNvPr id="2" name="Titel 1">
+            <a:extLst>
+              <a:ext uri="{FF2B5EF4-FFF2-40B4-BE49-F238E27FC236}">
+                <a16:creationId xmlns:a16="http://schemas.microsoft.com/office/drawing/2014/main" id="{E496C6BA-99A1-43F4-92B8-B6D762EF0987}"/>
+              </a:ext>
+            </a:extLst>
+          </p:cNvPr>
+          <p:cNvSpPr>
+            <a:spLocks noGrp="1"/>
+          </p:cNvSpPr>
+          <p:nvPr>
+            <p:ph type="title"/>
+          </p:nvPr>
+        </p:nvSpPr>
+        <p:spPr/>
+        <p:txBody>
+          <a:bodyPr/>
+          <a:lstStyle/>
+          <a:p>
+            <a:r>
+              <a:rPr lang="de-DE"/>
+              <a:t>Literatur</a:t>
+            </a:r>
+            <a:endParaRPr lang="de-AT"/>
+          </a:p>
+        </p:txBody>
+      </p:sp>
+      <p:sp>
+        <p:nvSpPr>
+          <p:cNvPr id="3" name="Inhaltsplatzhalter 2">
+            <a:extLst>
+              <a:ext uri="{FF2B5EF4-FFF2-40B4-BE49-F238E27FC236}">
+                <a16:creationId xmlns:a16="http://schemas.microsoft.com/office/drawing/2014/main" id="{A228378C-21E0-453B-B255-71BAC911E6C0}"/>
+              </a:ext>
+            </a:extLst>
+          </p:cNvPr>
+          <p:cNvSpPr>
+            <a:spLocks noGrp="1"/>
+          </p:cNvSpPr>
+          <p:nvPr>
+            <p:ph idx="1"/>
+          </p:nvPr>
+        </p:nvSpPr>
+        <p:spPr/>
+        <p:txBody>
+          <a:bodyPr/>
+          <a:lstStyle/>
+          <a:p>
+            <a:r>
+              <a:rPr lang="de-DE" dirty="0"/>
+              <a:t>REST API Design </a:t>
+            </a:r>
+            <a:r>
+              <a:rPr lang="de-DE" dirty="0" err="1"/>
+              <a:t>Rulebook</a:t>
+            </a:r>
+            <a:endParaRPr lang="de-DE" dirty="0"/>
+          </a:p>
+          <a:p>
+            <a:r>
+              <a:rPr lang="de-DE" dirty="0"/>
+              <a:t>Programming-ESP32-with-Arduino-IDE</a:t>
+            </a:r>
+          </a:p>
+          <a:p>
+            <a:r>
+              <a:rPr lang="de-DE" dirty="0" err="1">
+                <a:solidFill>
+                  <a:srgbClr val="002021"/>
+                </a:solidFill>
+                <a:highlight>
+                  <a:srgbClr val="FFFFFF"/>
+                </a:highlight>
+                <a:latin typeface="Google Sans"/>
+              </a:rPr>
+              <a:t>ChatGPT</a:t>
+            </a:r>
+            <a:r>
+              <a:rPr lang="de-DE" dirty="0">
+                <a:solidFill>
+                  <a:srgbClr val="002021"/>
+                </a:solidFill>
+                <a:highlight>
+                  <a:srgbClr val="FFFFFF"/>
+                </a:highlight>
+                <a:latin typeface="Google Sans"/>
+              </a:rPr>
+              <a:t>-Abfragen</a:t>
+            </a:r>
+          </a:p>
+          <a:p>
+            <a:r>
+              <a:rPr lang="de-DE" dirty="0">
+                <a:solidFill>
+                  <a:srgbClr val="002021"/>
+                </a:solidFill>
+                <a:highlight>
+                  <a:srgbClr val="FFFFFF"/>
+                </a:highlight>
+                <a:latin typeface="Google Sans"/>
+              </a:rPr>
+              <a:t>Datenblätter:</a:t>
+            </a:r>
+          </a:p>
+          <a:p>
+            <a:pPr lvl="1"/>
+            <a:r>
+              <a:rPr lang="de-AT" dirty="0">
+                <a:solidFill>
+                  <a:srgbClr val="002021"/>
+                </a:solidFill>
+                <a:highlight>
+                  <a:srgbClr val="FFFFFF"/>
+                </a:highlight>
+                <a:latin typeface="Google Sans"/>
+              </a:rPr>
+              <a:t>Esp32, Arduino Nano, Raspberry Zero</a:t>
+            </a:r>
+          </a:p>
+          <a:p>
+            <a:pPr lvl="1"/>
+            <a:r>
+              <a:rPr lang="de-AT" dirty="0">
+                <a:solidFill>
+                  <a:srgbClr val="002021"/>
+                </a:solidFill>
+                <a:highlight>
+                  <a:srgbClr val="FFFFFF"/>
+                </a:highlight>
+                <a:latin typeface="Google Sans"/>
+              </a:rPr>
+              <a:t>BME280</a:t>
+            </a:r>
+          </a:p>
+          <a:p>
+            <a:pPr lvl="1"/>
+            <a:r>
+              <a:rPr lang="de-AT" dirty="0">
+                <a:solidFill>
+                  <a:srgbClr val="002021"/>
+                </a:solidFill>
+                <a:highlight>
+                  <a:srgbClr val="FFFFFF"/>
+                </a:highlight>
+                <a:latin typeface="Google Sans"/>
+              </a:rPr>
+              <a:t>GY-NEO6MV2</a:t>
+            </a:r>
+          </a:p>
+          <a:p>
+            <a:pPr lvl="1"/>
+            <a:endParaRPr lang="de-AT" dirty="0">
+              <a:solidFill>
+                <a:srgbClr val="002021"/>
+              </a:solidFill>
+              <a:highlight>
+                <a:srgbClr val="FFFFFF"/>
+              </a:highlight>
+              <a:latin typeface="Google Sans"/>
+            </a:endParaRPr>
+          </a:p>
+        </p:txBody>
+      </p:sp>
+      <p:sp>
+        <p:nvSpPr>
+          <p:cNvPr id="4" name="Fußzeilenplatzhalter 3">
+            <a:extLst>
+              <a:ext uri="{FF2B5EF4-FFF2-40B4-BE49-F238E27FC236}">
+                <a16:creationId xmlns:a16="http://schemas.microsoft.com/office/drawing/2014/main" id="{8AADA028-308D-430B-A45B-407D875A2351}"/>
+              </a:ext>
+            </a:extLst>
+          </p:cNvPr>
+          <p:cNvSpPr>
+            <a:spLocks noGrp="1"/>
+          </p:cNvSpPr>
+          <p:nvPr>
+            <p:ph type="ftr" sz="quarter" idx="11"/>
+          </p:nvPr>
+        </p:nvSpPr>
+        <p:spPr/>
+        <p:txBody>
+          <a:bodyPr/>
+          <a:lstStyle/>
+          <a:p>
+            <a:r>
+              <a:rPr lang="de-AT"/>
+              <a:t>CONTRUDE Gekle, Kampl, Schrempf</a:t>
+            </a:r>
+          </a:p>
+        </p:txBody>
+      </p:sp>
+      <p:sp>
+        <p:nvSpPr>
+          <p:cNvPr id="5" name="Foliennummernplatzhalter 4">
+            <a:extLst>
+              <a:ext uri="{FF2B5EF4-FFF2-40B4-BE49-F238E27FC236}">
+                <a16:creationId xmlns:a16="http://schemas.microsoft.com/office/drawing/2014/main" id="{AB38338F-922C-40A7-B140-637B827703BF}"/>
+              </a:ext>
+            </a:extLst>
+          </p:cNvPr>
+          <p:cNvSpPr>
+            <a:spLocks noGrp="1"/>
+          </p:cNvSpPr>
+          <p:nvPr>
+            <p:ph type="sldNum" sz="quarter" idx="12"/>
+          </p:nvPr>
+        </p:nvSpPr>
+        <p:spPr/>
+        <p:txBody>
+          <a:bodyPr/>
+          <a:lstStyle/>
+          <a:p>
+            <a:fld id="{7DCD6803-3BAA-44F6-A698-23D950C9713B}" type="slidenum">
+              <a:rPr lang="de-AT" smtClean="0"/>
+              <a:pPr/>
+              <a:t>17</a:t>
+            </a:fld>
+            <a:endParaRPr lang="de-AT"/>
+          </a:p>
+        </p:txBody>
+      </p:sp>
+    </p:spTree>
+    <p:extLst>
+      <p:ext uri="{BB962C8B-B14F-4D97-AF65-F5344CB8AC3E}">
+        <p14:creationId xmlns:p14="http://schemas.microsoft.com/office/powerpoint/2010/main" val="3513228696"/>
+      </p:ext>
+    </p:extLst>
+  </p:cSld>
+  <p:clrMapOvr>
+    <a:masterClrMapping/>
+  </p:clrMapOvr>
+  <mc:AlternateContent xmlns:mc="http://schemas.openxmlformats.org/markup-compatibility/2006" xmlns:p159="http://schemas.microsoft.com/office/powerpoint/2015/09/main">
+    <mc:Choice Requires="p159">
+      <p:transition xmlns:p14="http://schemas.microsoft.com/office/powerpoint/2010/main" spd="slow" p14:dur="2000">
+        <p159:morph option="byObject"/>
+      </p:transition>
+    </mc:Choice>
+    <mc:Fallback xmlns="">
+      <p:transition spd="slow">
+        <p:fade/>
+      </p:transition>
+    </mc:Fallback>
+  </mc:AlternateContent>
+</p:sld>
+</file>
+
+<file path=ppt/slides/slide18.xml><?xml version="1.0" encoding="utf-8"?>
+<p:sld xmlns:a="http://schemas.openxmlformats.org/drawingml/2006/main" xmlns:r="http://schemas.openxmlformats.org/officeDocument/2006/relationships" xmlns:p="http://schemas.openxmlformats.org/presentationml/2006/main">
+  <p:cSld>
+    <p:spTree>
+      <p:nvGrpSpPr>
+        <p:cNvPr id="1" name=""/>
+        <p:cNvGrpSpPr/>
+        <p:nvPr/>
+      </p:nvGrpSpPr>
+      <p:grpSpPr>
+        <a:xfrm>
+          <a:off x="0" y="0"/>
+          <a:ext cx="0" cy="0"/>
+          <a:chOff x="0" y="0"/>
+          <a:chExt cx="0" cy="0"/>
+        </a:xfrm>
+      </p:grpSpPr>
+      <p:sp>
+        <p:nvSpPr>
+          <p:cNvPr id="2" name="Textfeld 1">
+            <a:extLst>
+              <a:ext uri="{FF2B5EF4-FFF2-40B4-BE49-F238E27FC236}">
+                <a16:creationId xmlns:a16="http://schemas.microsoft.com/office/drawing/2014/main" id="{BCEF3B5A-2835-08BB-C980-A20F22EF9E91}"/>
+              </a:ext>
+            </a:extLst>
+          </p:cNvPr>
+          <p:cNvSpPr txBox="1"/>
+          <p:nvPr/>
+        </p:nvSpPr>
+        <p:spPr>
+          <a:xfrm>
+            <a:off x="1905000" y="2875002"/>
+            <a:ext cx="9644743" cy="1200329"/>
+          </a:xfrm>
+          <a:prstGeom prst="rect">
+            <a:avLst/>
+          </a:prstGeom>
+          <a:noFill/>
+        </p:spPr>
+        <p:txBody>
+          <a:bodyPr wrap="square" rtlCol="0">
+            <a:spAutoFit/>
+          </a:bodyPr>
+          <a:lstStyle/>
+          <a:p>
+            <a:r>
+              <a:rPr lang="de-DE" sz="7200" dirty="0">
+                <a:solidFill>
+                  <a:srgbClr val="9BBB59"/>
+                </a:solidFill>
+              </a:rPr>
+              <a:t>Zusatzfolien</a:t>
+            </a:r>
+            <a:endParaRPr lang="en-US" sz="6600" dirty="0">
+              <a:solidFill>
+                <a:srgbClr val="9BBB59"/>
+              </a:solidFill>
+            </a:endParaRPr>
+          </a:p>
+        </p:txBody>
+      </p:sp>
+    </p:spTree>
+    <p:extLst>
+      <p:ext uri="{BB962C8B-B14F-4D97-AF65-F5344CB8AC3E}">
+        <p14:creationId xmlns:p14="http://schemas.microsoft.com/office/powerpoint/2010/main" val="1203870192"/>
+      </p:ext>
+    </p:extLst>
+  </p:cSld>
+  <p:clrMapOvr>
+    <a:masterClrMapping/>
+  </p:clrMapOvr>
+  <mc:AlternateContent xmlns:mc="http://schemas.openxmlformats.org/markup-compatibility/2006" xmlns:p159="http://schemas.microsoft.com/office/powerpoint/2015/09/main">
+    <mc:Choice Requires="p159">
+      <p:transition xmlns:p14="http://schemas.microsoft.com/office/powerpoint/2010/main" spd="slow" p14:dur="2000">
+        <p159:morph option="byObject"/>
+      </p:transition>
+    </mc:Choice>
+    <mc:Fallback xmlns="">
+      <p:transition spd="slow">
+        <p:fade/>
+      </p:transition>
+    </mc:Fallback>
+  </mc:AlternateContent>
+</p:sld>
+</file>
+
+<file path=ppt/slides/slide19.xml><?xml version="1.0" encoding="utf-8"?>
+<p:sld xmlns:a="http://schemas.openxmlformats.org/drawingml/2006/main" xmlns:r="http://schemas.openxmlformats.org/officeDocument/2006/relationships" xmlns:p="http://schemas.openxmlformats.org/presentationml/2006/main">
+  <p:cSld>
+    <p:spTree>
+      <p:nvGrpSpPr>
+        <p:cNvPr id="1" name=""/>
+        <p:cNvGrpSpPr/>
+        <p:nvPr/>
+      </p:nvGrpSpPr>
+      <p:grpSpPr>
+        <a:xfrm>
+          <a:off x="0" y="0"/>
+          <a:ext cx="0" cy="0"/>
+          <a:chOff x="0" y="0"/>
+          <a:chExt cx="0" cy="0"/>
+        </a:xfrm>
+      </p:grpSpPr>
+      <p:sp>
+        <p:nvSpPr>
+          <p:cNvPr id="2" name="Titel 1">
+            <a:extLst>
+              <a:ext uri="{FF2B5EF4-FFF2-40B4-BE49-F238E27FC236}">
+                <a16:creationId xmlns:a16="http://schemas.microsoft.com/office/drawing/2014/main" id="{E496C6BA-99A1-43F4-92B8-B6D762EF0987}"/>
+              </a:ext>
+            </a:extLst>
+          </p:cNvPr>
+          <p:cNvSpPr>
+            <a:spLocks noGrp="1"/>
+          </p:cNvSpPr>
+          <p:nvPr>
+            <p:ph type="title"/>
+          </p:nvPr>
+        </p:nvSpPr>
+        <p:spPr/>
+        <p:txBody>
+          <a:bodyPr/>
+          <a:lstStyle/>
+          <a:p>
+            <a:r>
+              <a:rPr lang="de-DE"/>
+              <a:t>PM - Meilensteine</a:t>
+            </a:r>
+            <a:endParaRPr lang="de-AT"/>
+          </a:p>
+        </p:txBody>
+      </p:sp>
+      <p:sp>
+        <p:nvSpPr>
+          <p:cNvPr id="3" name="Inhaltsplatzhalter 2">
+            <a:extLst>
+              <a:ext uri="{FF2B5EF4-FFF2-40B4-BE49-F238E27FC236}">
+                <a16:creationId xmlns:a16="http://schemas.microsoft.com/office/drawing/2014/main" id="{A228378C-21E0-453B-B255-71BAC911E6C0}"/>
+              </a:ext>
+            </a:extLst>
+          </p:cNvPr>
+          <p:cNvSpPr>
+            <a:spLocks noGrp="1"/>
+          </p:cNvSpPr>
+          <p:nvPr>
+            <p:ph idx="1"/>
+          </p:nvPr>
+        </p:nvSpPr>
+        <p:spPr/>
+        <p:txBody>
+          <a:bodyPr>
+            <a:normAutofit lnSpcReduction="10000"/>
+          </a:bodyPr>
+          <a:lstStyle/>
+          <a:p>
+            <a:r>
+              <a:rPr lang="de-DE" sz="3200" dirty="0"/>
+              <a:t>2024-02-23: Genehmigung der DA</a:t>
+            </a:r>
+          </a:p>
+          <a:p>
+            <a:pPr lvl="1"/>
+            <a:r>
+              <a:rPr lang="de-DE" sz="2800" dirty="0"/>
+              <a:t>Einreichen des Antrags durch die Schüler</a:t>
+            </a:r>
+          </a:p>
+          <a:p>
+            <a:pPr lvl="1"/>
+            <a:r>
+              <a:rPr lang="de-DE" sz="2800" dirty="0"/>
+              <a:t>DA Dokumentation wurde ausgefüllt und unterschrieben</a:t>
+            </a:r>
+          </a:p>
+          <a:p>
+            <a:r>
+              <a:rPr lang="de-DE" sz="3200" dirty="0"/>
+              <a:t>2024-05-09: Projektplan Grobentwurf fertig</a:t>
+            </a:r>
+          </a:p>
+          <a:p>
+            <a:pPr lvl="1"/>
+            <a:r>
+              <a:rPr lang="de-DE" sz="2800" dirty="0"/>
+              <a:t>Zielsetzung ausgefüllt</a:t>
+            </a:r>
+          </a:p>
+          <a:p>
+            <a:pPr lvl="1"/>
+            <a:r>
+              <a:rPr lang="de-DE" sz="2800" dirty="0"/>
+              <a:t>Projektplan ausgefüllt</a:t>
+            </a:r>
+          </a:p>
+          <a:p>
+            <a:r>
+              <a:rPr lang="de-DE" sz="3200" dirty="0"/>
+              <a:t>2024-06-01: Hardware Komponenten Recherche fertig</a:t>
+            </a:r>
+          </a:p>
+          <a:p>
+            <a:pPr lvl="1"/>
+            <a:r>
+              <a:rPr lang="de-DE" sz="2800" dirty="0"/>
+              <a:t>Bestimmung der Komponenten</a:t>
+            </a:r>
+          </a:p>
+          <a:p>
+            <a:pPr lvl="1"/>
+            <a:r>
+              <a:rPr lang="de-DE" sz="2800" dirty="0"/>
+              <a:t>Preisrechnung</a:t>
+            </a:r>
+          </a:p>
+          <a:p>
+            <a:pPr lvl="1"/>
+            <a:r>
+              <a:rPr lang="de-DE" sz="2800" dirty="0"/>
+              <a:t>Terminrechnung</a:t>
+            </a:r>
+          </a:p>
+        </p:txBody>
+      </p:sp>
+      <p:sp>
+        <p:nvSpPr>
+          <p:cNvPr id="4" name="Fußzeilenplatzhalter 3">
+            <a:extLst>
+              <a:ext uri="{FF2B5EF4-FFF2-40B4-BE49-F238E27FC236}">
+                <a16:creationId xmlns:a16="http://schemas.microsoft.com/office/drawing/2014/main" id="{8AADA028-308D-430B-A45B-407D875A2351}"/>
+              </a:ext>
+            </a:extLst>
+          </p:cNvPr>
+          <p:cNvSpPr>
+            <a:spLocks noGrp="1"/>
+          </p:cNvSpPr>
+          <p:nvPr>
+            <p:ph type="ftr" sz="quarter" idx="11"/>
+          </p:nvPr>
+        </p:nvSpPr>
+        <p:spPr/>
+        <p:txBody>
+          <a:bodyPr/>
+          <a:lstStyle/>
+          <a:p>
+            <a:r>
+              <a:rPr lang="de-AT"/>
+              <a:t>CONTRUDE Gekle, Kampl, Schrempf</a:t>
+            </a:r>
+          </a:p>
+        </p:txBody>
+      </p:sp>
+      <p:sp>
+        <p:nvSpPr>
+          <p:cNvPr id="5" name="Foliennummernplatzhalter 4">
+            <a:extLst>
+              <a:ext uri="{FF2B5EF4-FFF2-40B4-BE49-F238E27FC236}">
+                <a16:creationId xmlns:a16="http://schemas.microsoft.com/office/drawing/2014/main" id="{AB38338F-922C-40A7-B140-637B827703BF}"/>
+              </a:ext>
+            </a:extLst>
+          </p:cNvPr>
+          <p:cNvSpPr>
+            <a:spLocks noGrp="1"/>
+          </p:cNvSpPr>
+          <p:nvPr>
+            <p:ph type="sldNum" sz="quarter" idx="12"/>
+          </p:nvPr>
+        </p:nvSpPr>
+        <p:spPr/>
+        <p:txBody>
+          <a:bodyPr/>
+          <a:lstStyle/>
+          <a:p>
+            <a:fld id="{7DCD6803-3BAA-44F6-A698-23D950C9713B}" type="slidenum">
+              <a:rPr lang="de-AT" smtClean="0"/>
+              <a:pPr/>
+              <a:t>19</a:t>
+            </a:fld>
+            <a:endParaRPr lang="de-AT"/>
+          </a:p>
+        </p:txBody>
+      </p:sp>
+    </p:spTree>
+    <p:extLst>
+      <p:ext uri="{BB962C8B-B14F-4D97-AF65-F5344CB8AC3E}">
+        <p14:creationId xmlns:p14="http://schemas.microsoft.com/office/powerpoint/2010/main" val="3650897672"/>
+      </p:ext>
+    </p:extLst>
+  </p:cSld>
+  <p:clrMapOvr>
+    <a:masterClrMapping/>
+  </p:clrMapOvr>
+  <mc:AlternateContent xmlns:mc="http://schemas.openxmlformats.org/markup-compatibility/2006" xmlns:p159="http://schemas.microsoft.com/office/powerpoint/2015/09/main">
+    <mc:Choice Requires="p159">
+      <p:transition xmlns:p14="http://schemas.microsoft.com/office/powerpoint/2010/main" spd="slow" p14:dur="2000">
+        <p159:morph option="byObject"/>
+      </p:transition>
+    </mc:Choice>
+    <mc:Fallback xmlns="">
+      <p:transition spd="slow">
+        <p:fade/>
+      </p:transition>
+    </mc:Fallback>
+  </mc:AlternateContent>
+</p:sld>
+</file>
+
+<file path=ppt/slides/slide2.xml><?xml version="1.0" encoding="utf-8"?>
+<p:sld xmlns:a="http://schemas.openxmlformats.org/drawingml/2006/main" xmlns:r="http://schemas.openxmlformats.org/officeDocument/2006/relationships" xmlns:p="http://schemas.openxmlformats.org/presentationml/2006/main">
+  <p:cSld>
+    <p:spTree>
+      <p:nvGrpSpPr>
+        <p:cNvPr id="1" name=""/>
+        <p:cNvGrpSpPr/>
+        <p:nvPr/>
+      </p:nvGrpSpPr>
+      <p:grpSpPr>
+        <a:xfrm>
+          <a:off x="0" y="0"/>
+          <a:ext cx="0" cy="0"/>
+          <a:chOff x="0" y="0"/>
+          <a:chExt cx="0" cy="0"/>
+        </a:xfrm>
+      </p:grpSpPr>
+      <p:sp>
+        <p:nvSpPr>
+          <p:cNvPr id="2" name="Titel 1">
+            <a:extLst>
+              <a:ext uri="{FF2B5EF4-FFF2-40B4-BE49-F238E27FC236}">
+                <a16:creationId xmlns:a16="http://schemas.microsoft.com/office/drawing/2014/main" id="{009E865A-CD1F-7E82-F37A-F92D30B05899}"/>
+              </a:ext>
+            </a:extLst>
+          </p:cNvPr>
+          <p:cNvSpPr>
+            <a:spLocks noGrp="1"/>
+          </p:cNvSpPr>
+          <p:nvPr>
+            <p:ph type="title"/>
+          </p:nvPr>
+        </p:nvSpPr>
+        <p:spPr/>
+        <p:txBody>
+          <a:bodyPr/>
+          <a:lstStyle/>
+          <a:p>
+            <a:r>
+              <a:rPr lang="de-DE"/>
+              <a:t>Problem</a:t>
+            </a:r>
+            <a:endParaRPr lang="en-US"/>
+          </a:p>
+        </p:txBody>
+      </p:sp>
+      <p:sp>
+        <p:nvSpPr>
+          <p:cNvPr id="3" name="Inhaltsplatzhalter 2">
+            <a:extLst>
+              <a:ext uri="{FF2B5EF4-FFF2-40B4-BE49-F238E27FC236}">
+                <a16:creationId xmlns:a16="http://schemas.microsoft.com/office/drawing/2014/main" id="{A1E194B9-AB3E-DD46-627F-B7836C81E6B2}"/>
+              </a:ext>
+            </a:extLst>
+          </p:cNvPr>
+          <p:cNvSpPr>
+            <a:spLocks noGrp="1"/>
+          </p:cNvSpPr>
+          <p:nvPr>
+            <p:ph idx="1"/>
+          </p:nvPr>
+        </p:nvSpPr>
+        <p:spPr/>
+        <p:txBody>
+          <a:bodyPr vert="horz" lIns="91440" tIns="45720" rIns="91440" bIns="45720" rtlCol="0" anchor="t">
+            <a:normAutofit/>
+          </a:bodyPr>
+          <a:lstStyle/>
+          <a:p>
+            <a:r>
+              <a:rPr lang="de-DE" dirty="0"/>
+              <a:t>Insgesamt werden 250 Millionen Container jährlich weltweit transportiert </a:t>
+            </a:r>
+            <a:r>
+              <a:rPr lang="de-DE" sz="1600" dirty="0">
+                <a:hlinkClick r:id="rId2"/>
+              </a:rPr>
+              <a:t>[1]</a:t>
+            </a:r>
+            <a:endParaRPr lang="de-DE" sz="1600" dirty="0"/>
+          </a:p>
+          <a:p>
+            <a:pPr lvl="1"/>
+            <a:r>
+              <a:rPr lang="de-DE" dirty="0"/>
+              <a:t>2500 Container werden beschädigt</a:t>
+            </a:r>
+            <a:r>
+              <a:rPr lang="de-DE" sz="1600" dirty="0"/>
+              <a:t> </a:t>
+            </a:r>
+            <a:r>
+              <a:rPr lang="en-US" sz="1600" dirty="0">
+                <a:hlinkClick r:id="rId3"/>
+              </a:rPr>
+              <a:t>[2]</a:t>
+            </a:r>
+            <a:endParaRPr lang="de-DE" sz="1600" dirty="0">
+              <a:cs typeface="Calibri"/>
+            </a:endParaRPr>
+          </a:p>
+          <a:p>
+            <a:pPr lvl="1"/>
+            <a:r>
+              <a:rPr lang="en-US" dirty="0">
+                <a:cs typeface="Calibri"/>
+              </a:rPr>
+              <a:t>1566 </a:t>
+            </a:r>
+            <a:r>
+              <a:rPr lang="en-US" dirty="0" err="1">
+                <a:cs typeface="Calibri"/>
+              </a:rPr>
+              <a:t>gehen</a:t>
+            </a:r>
+            <a:r>
+              <a:rPr lang="en-US" dirty="0">
+                <a:cs typeface="Calibri"/>
+              </a:rPr>
+              <a:t> </a:t>
+            </a:r>
+            <a:r>
+              <a:rPr lang="en-US" dirty="0" err="1">
+                <a:cs typeface="Calibri"/>
+              </a:rPr>
+              <a:t>verloren</a:t>
+            </a:r>
+            <a:r>
+              <a:rPr lang="en-US" dirty="0">
+                <a:cs typeface="Calibri"/>
+              </a:rPr>
+              <a:t> </a:t>
+            </a:r>
+            <a:r>
+              <a:rPr lang="de-DE" sz="1600" dirty="0">
+                <a:cs typeface="Calibri"/>
+                <a:hlinkClick r:id="rId2"/>
+              </a:rPr>
+              <a:t>[1]</a:t>
+            </a:r>
+            <a:endParaRPr lang="de-DE" dirty="0"/>
+          </a:p>
+          <a:p>
+            <a:pPr lvl="1"/>
+            <a:r>
+              <a:rPr lang="en-US" dirty="0"/>
+              <a:t>25% </a:t>
+            </a:r>
+            <a:r>
+              <a:rPr lang="en-US" dirty="0" err="1"/>
+              <a:t>sind</a:t>
+            </a:r>
+            <a:r>
+              <a:rPr lang="en-US" dirty="0"/>
+              <a:t> </a:t>
+            </a:r>
+            <a:r>
+              <a:rPr lang="de-DE" dirty="0"/>
+              <a:t>Temperatur</a:t>
+            </a:r>
+            <a:r>
+              <a:rPr lang="en-US" dirty="0" err="1"/>
+              <a:t>gesteuert</a:t>
+            </a:r>
+            <a:r>
+              <a:rPr lang="en-US" dirty="0"/>
+              <a:t> </a:t>
+            </a:r>
+            <a:r>
+              <a:rPr lang="en-US" sz="1600" dirty="0">
+                <a:hlinkClick r:id="rId4"/>
+              </a:rPr>
+              <a:t>[3]</a:t>
+            </a:r>
+            <a:endParaRPr lang="en-US" sz="1600" dirty="0"/>
+          </a:p>
+          <a:p>
+            <a:pPr marL="457200" lvl="1" indent="0">
+              <a:buNone/>
+            </a:pPr>
+            <a:endParaRPr lang="en-US" sz="1600" dirty="0">
+              <a:cs typeface="Calibri"/>
+            </a:endParaRPr>
+          </a:p>
+          <a:p>
+            <a:r>
+              <a:rPr lang="en-US" dirty="0" err="1"/>
+              <a:t>Wir</a:t>
+            </a:r>
+            <a:r>
+              <a:rPr lang="en-US" dirty="0"/>
+              <a:t> </a:t>
+            </a:r>
+            <a:r>
+              <a:rPr lang="en-US" dirty="0" err="1"/>
+              <a:t>wollen</a:t>
+            </a:r>
+            <a:r>
+              <a:rPr lang="en-US" dirty="0"/>
+              <a:t> es </a:t>
+            </a:r>
+            <a:r>
+              <a:rPr lang="en-US" dirty="0" err="1"/>
+              <a:t>Kunden</a:t>
+            </a:r>
+            <a:r>
+              <a:rPr lang="en-US" dirty="0"/>
+              <a:t> </a:t>
+            </a:r>
+            <a:r>
+              <a:rPr lang="en-US" dirty="0" err="1"/>
+              <a:t>ermöglichen</a:t>
+            </a:r>
+            <a:r>
+              <a:rPr lang="en-US" dirty="0"/>
+              <a:t> </a:t>
+            </a:r>
+            <a:r>
+              <a:rPr lang="en-US" dirty="0" err="1"/>
+              <a:t>durch</a:t>
+            </a:r>
+            <a:r>
+              <a:rPr lang="en-US" dirty="0"/>
+              <a:t> </a:t>
+            </a:r>
+            <a:r>
+              <a:rPr lang="en-US" dirty="0" err="1"/>
+              <a:t>kontinuierliches</a:t>
+            </a:r>
+            <a:r>
+              <a:rPr lang="en-US" dirty="0"/>
+              <a:t>  Monitoring auf </a:t>
+            </a:r>
+            <a:r>
+              <a:rPr lang="en-US" dirty="0" err="1"/>
+              <a:t>besondere</a:t>
+            </a:r>
+            <a:r>
+              <a:rPr lang="en-US" dirty="0"/>
+              <a:t> </a:t>
+            </a:r>
+            <a:r>
+              <a:rPr lang="en-US" dirty="0" err="1"/>
+              <a:t>Zustände</a:t>
+            </a:r>
+            <a:r>
+              <a:rPr lang="en-US" dirty="0"/>
+              <a:t> </a:t>
+            </a:r>
+            <a:r>
+              <a:rPr lang="en-US" dirty="0" err="1"/>
+              <a:t>zu</a:t>
+            </a:r>
+            <a:r>
+              <a:rPr lang="en-US" dirty="0"/>
+              <a:t> </a:t>
+            </a:r>
+            <a:r>
+              <a:rPr lang="en-US" dirty="0" err="1"/>
+              <a:t>reagieren</a:t>
+            </a:r>
+            <a:endParaRPr lang="en-US" dirty="0"/>
+          </a:p>
+        </p:txBody>
+      </p:sp>
+      <p:sp>
+        <p:nvSpPr>
+          <p:cNvPr id="4" name="Fußzeilenplatzhalter 3">
+            <a:extLst>
+              <a:ext uri="{FF2B5EF4-FFF2-40B4-BE49-F238E27FC236}">
+                <a16:creationId xmlns:a16="http://schemas.microsoft.com/office/drawing/2014/main" id="{FAC01B4F-0F70-CF7B-89F5-E2F7614CED11}"/>
+              </a:ext>
+            </a:extLst>
+          </p:cNvPr>
+          <p:cNvSpPr>
+            <a:spLocks noGrp="1"/>
+          </p:cNvSpPr>
+          <p:nvPr>
+            <p:ph type="ftr" sz="quarter" idx="11"/>
+          </p:nvPr>
+        </p:nvSpPr>
+        <p:spPr/>
+        <p:txBody>
+          <a:bodyPr/>
+          <a:lstStyle/>
+          <a:p>
+            <a:r>
+              <a:rPr lang="de-AT"/>
+              <a:t>CONTRUDE </a:t>
+            </a:r>
+            <a:r>
+              <a:rPr lang="de-AT" err="1"/>
+              <a:t>Gekle</a:t>
+            </a:r>
+            <a:r>
+              <a:rPr lang="de-AT"/>
+              <a:t>, Kampl, Schrempf</a:t>
+            </a:r>
+          </a:p>
+        </p:txBody>
+      </p:sp>
+      <p:sp>
+        <p:nvSpPr>
+          <p:cNvPr id="5" name="Foliennummernplatzhalter 4">
+            <a:extLst>
+              <a:ext uri="{FF2B5EF4-FFF2-40B4-BE49-F238E27FC236}">
+                <a16:creationId xmlns:a16="http://schemas.microsoft.com/office/drawing/2014/main" id="{5113CE34-3BAE-2923-74DC-FC3ED5248614}"/>
+              </a:ext>
+            </a:extLst>
+          </p:cNvPr>
+          <p:cNvSpPr>
+            <a:spLocks noGrp="1"/>
+          </p:cNvSpPr>
+          <p:nvPr>
+            <p:ph type="sldNum" sz="quarter" idx="12"/>
+          </p:nvPr>
+        </p:nvSpPr>
+        <p:spPr/>
+        <p:txBody>
+          <a:bodyPr/>
+          <a:lstStyle/>
+          <a:p>
+            <a:fld id="{7DCD6803-3BAA-44F6-A698-23D950C9713B}" type="slidenum">
+              <a:rPr lang="de-AT" smtClean="0"/>
+              <a:pPr/>
+              <a:t>2</a:t>
+            </a:fld>
+            <a:endParaRPr lang="de-AT"/>
+          </a:p>
+        </p:txBody>
+      </p:sp>
+    </p:spTree>
+    <p:extLst>
+      <p:ext uri="{BB962C8B-B14F-4D97-AF65-F5344CB8AC3E}">
+        <p14:creationId xmlns:p14="http://schemas.microsoft.com/office/powerpoint/2010/main" val="3563135345"/>
+      </p:ext>
+    </p:extLst>
+  </p:cSld>
+  <p:clrMapOvr>
+    <a:masterClrMapping/>
+  </p:clrMapOvr>
+  <mc:AlternateContent xmlns:mc="http://schemas.openxmlformats.org/markup-compatibility/2006" xmlns:p159="http://schemas.microsoft.com/office/powerpoint/2015/09/main">
+    <mc:Choice Requires="p159">
+      <p:transition xmlns:p14="http://schemas.microsoft.com/office/powerpoint/2010/main" spd="slow" p14:dur="2000">
+        <p159:morph option="byObject"/>
+      </p:transition>
+    </mc:Choice>
+    <mc:Fallback xmlns="">
+      <p:transition spd="slow">
+        <p:fade/>
+      </p:transition>
+    </mc:Fallback>
+  </mc:AlternateContent>
+</p:sld>
+</file>
+
+<file path=ppt/slides/slide20.xml><?xml version="1.0" encoding="utf-8"?>
+<p:sld xmlns:a="http://schemas.openxmlformats.org/drawingml/2006/main" xmlns:r="http://schemas.openxmlformats.org/officeDocument/2006/relationships" xmlns:p="http://schemas.openxmlformats.org/presentationml/2006/main">
+  <p:cSld>
+    <p:spTree>
+      <p:nvGrpSpPr>
+        <p:cNvPr id="1" name=""/>
+        <p:cNvGrpSpPr/>
+        <p:nvPr/>
+      </p:nvGrpSpPr>
+      <p:grpSpPr>
+        <a:xfrm>
+          <a:off x="0" y="0"/>
+          <a:ext cx="0" cy="0"/>
+          <a:chOff x="0" y="0"/>
+          <a:chExt cx="0" cy="0"/>
+        </a:xfrm>
+      </p:grpSpPr>
+      <p:sp>
+        <p:nvSpPr>
+          <p:cNvPr id="2" name="Titel 1">
+            <a:extLst>
+              <a:ext uri="{FF2B5EF4-FFF2-40B4-BE49-F238E27FC236}">
+                <a16:creationId xmlns:a16="http://schemas.microsoft.com/office/drawing/2014/main" id="{E496C6BA-99A1-43F4-92B8-B6D762EF0987}"/>
+              </a:ext>
+            </a:extLst>
+          </p:cNvPr>
+          <p:cNvSpPr>
+            <a:spLocks noGrp="1"/>
+          </p:cNvSpPr>
+          <p:nvPr>
+            <p:ph type="title"/>
+          </p:nvPr>
+        </p:nvSpPr>
+        <p:spPr/>
+        <p:txBody>
+          <a:bodyPr/>
+          <a:lstStyle/>
+          <a:p>
+            <a:r>
+              <a:rPr lang="de-DE"/>
+              <a:t>PM - Meilensteine</a:t>
+            </a:r>
+            <a:endParaRPr lang="de-AT"/>
+          </a:p>
+        </p:txBody>
+      </p:sp>
+      <p:sp>
+        <p:nvSpPr>
+          <p:cNvPr id="3" name="Inhaltsplatzhalter 2">
+            <a:extLst>
+              <a:ext uri="{FF2B5EF4-FFF2-40B4-BE49-F238E27FC236}">
+                <a16:creationId xmlns:a16="http://schemas.microsoft.com/office/drawing/2014/main" id="{A228378C-21E0-453B-B255-71BAC911E6C0}"/>
+              </a:ext>
+            </a:extLst>
+          </p:cNvPr>
+          <p:cNvSpPr>
+            <a:spLocks noGrp="1"/>
+          </p:cNvSpPr>
+          <p:nvPr>
+            <p:ph idx="1"/>
+          </p:nvPr>
+        </p:nvSpPr>
+        <p:spPr/>
+        <p:txBody>
+          <a:bodyPr>
+            <a:normAutofit lnSpcReduction="10000"/>
+          </a:bodyPr>
+          <a:lstStyle/>
+          <a:p>
+            <a:pPr>
+              <a:spcBef>
+                <a:spcPts val="624"/>
+              </a:spcBef>
+              <a:buSzPts val="2600"/>
+            </a:pPr>
+            <a:r>
+              <a:rPr lang="de-DE" sz="3200" dirty="0">
+                <a:solidFill>
+                  <a:srgbClr val="000000"/>
+                </a:solidFill>
+                <a:latin typeface="Calibri" panose="020F0502020204030204" pitchFamily="34" charset="0"/>
+              </a:rPr>
+              <a:t>2024-06-17: Datenbanken fertig</a:t>
+            </a:r>
+            <a:endParaRPr lang="en-GB" sz="3200" dirty="0">
+              <a:solidFill>
+                <a:srgbClr val="000000"/>
+              </a:solidFill>
+              <a:latin typeface="Calibri" panose="020F0502020204030204" pitchFamily="34" charset="0"/>
+            </a:endParaRPr>
+          </a:p>
+          <a:p>
+            <a:pPr lvl="1">
+              <a:spcBef>
+                <a:spcPts val="624"/>
+              </a:spcBef>
+              <a:buSzPts val="2600"/>
+            </a:pPr>
+            <a:r>
+              <a:rPr lang="de-DE" sz="2800" kern="1200" dirty="0">
+                <a:solidFill>
+                  <a:srgbClr val="000000"/>
+                </a:solidFill>
+                <a:effectLst/>
+                <a:latin typeface="Calibri" panose="020F0502020204030204" pitchFamily="34" charset="0"/>
+                <a:ea typeface="+mn-ea"/>
+                <a:cs typeface="+mn-cs"/>
+              </a:rPr>
+              <a:t>Allgemeine Container Informationen</a:t>
+            </a:r>
+            <a:endParaRPr lang="en-GB" sz="2800" dirty="0">
+              <a:effectLst/>
+            </a:endParaRPr>
+          </a:p>
+          <a:p>
+            <a:pPr lvl="1"/>
+            <a:r>
+              <a:rPr lang="de-DE" sz="2800" kern="1200" dirty="0">
+                <a:solidFill>
+                  <a:srgbClr val="000000"/>
+                </a:solidFill>
+                <a:effectLst/>
+                <a:latin typeface="Calibri" panose="020F0502020204030204" pitchFamily="34" charset="0"/>
+                <a:ea typeface="+mn-ea"/>
+                <a:cs typeface="+mn-cs"/>
+              </a:rPr>
+              <a:t>Sensor Daten</a:t>
+            </a:r>
+          </a:p>
+          <a:p>
+            <a:pPr>
+              <a:spcBef>
+                <a:spcPts val="624"/>
+              </a:spcBef>
+              <a:buSzPts val="2600"/>
+            </a:pPr>
+            <a:r>
+              <a:rPr lang="de-DE" sz="3200" dirty="0">
+                <a:solidFill>
+                  <a:srgbClr val="000000"/>
+                </a:solidFill>
+                <a:latin typeface="Calibri" panose="020F0502020204030204" pitchFamily="34" charset="0"/>
+              </a:rPr>
+              <a:t>2024-06-24: Erstpräsentation der DA</a:t>
+            </a:r>
+          </a:p>
+          <a:p>
+            <a:pPr lvl="1"/>
+            <a:r>
+              <a:rPr lang="de-DE" sz="2800" dirty="0"/>
+              <a:t>Fortschritt zusammenfassen</a:t>
+            </a:r>
+          </a:p>
+          <a:p>
+            <a:pPr lvl="1"/>
+            <a:r>
+              <a:rPr lang="de-DE" sz="2800" dirty="0"/>
+              <a:t>Gantt-Diagramm erstellen</a:t>
+            </a:r>
+          </a:p>
+          <a:p>
+            <a:pPr>
+              <a:spcBef>
+                <a:spcPts val="624"/>
+              </a:spcBef>
+              <a:buSzPts val="2600"/>
+            </a:pPr>
+            <a:r>
+              <a:rPr lang="de-DE" sz="3200" dirty="0">
+                <a:solidFill>
+                  <a:srgbClr val="000000"/>
+                </a:solidFill>
+                <a:latin typeface="Calibri" panose="020F0502020204030204" pitchFamily="34" charset="0"/>
+              </a:rPr>
+              <a:t>2024-07-04: Fertige Server Architektur</a:t>
+            </a:r>
+          </a:p>
+          <a:p>
+            <a:pPr lvl="1"/>
+            <a:r>
+              <a:rPr lang="de-DE" sz="2800" dirty="0"/>
+              <a:t>Server ist einsatzfähig</a:t>
+            </a:r>
+          </a:p>
+          <a:p>
+            <a:pPr lvl="1"/>
+            <a:r>
+              <a:rPr lang="de-DE" sz="2800" dirty="0"/>
+              <a:t>REST-Schnittstelle</a:t>
+            </a:r>
+          </a:p>
+          <a:p>
+            <a:pPr lvl="1"/>
+            <a:r>
+              <a:rPr lang="de-DE" sz="2800" dirty="0"/>
+              <a:t>Zugriff kann von überall gestattet werden</a:t>
+            </a:r>
+          </a:p>
+          <a:p>
+            <a:pPr marL="740664" indent="-283464" algn="l" rtl="0" eaLnBrk="1" latinLnBrk="0" hangingPunct="1">
+              <a:spcBef>
+                <a:spcPts val="528"/>
+              </a:spcBef>
+              <a:spcAft>
+                <a:spcPts val="0"/>
+              </a:spcAft>
+            </a:pPr>
+            <a:endParaRPr lang="en-GB" dirty="0">
+              <a:effectLst/>
+            </a:endParaRPr>
+          </a:p>
+        </p:txBody>
+      </p:sp>
+      <p:sp>
+        <p:nvSpPr>
+          <p:cNvPr id="4" name="Fußzeilenplatzhalter 3">
+            <a:extLst>
+              <a:ext uri="{FF2B5EF4-FFF2-40B4-BE49-F238E27FC236}">
+                <a16:creationId xmlns:a16="http://schemas.microsoft.com/office/drawing/2014/main" id="{8AADA028-308D-430B-A45B-407D875A2351}"/>
+              </a:ext>
+            </a:extLst>
+          </p:cNvPr>
+          <p:cNvSpPr>
+            <a:spLocks noGrp="1"/>
+          </p:cNvSpPr>
+          <p:nvPr>
+            <p:ph type="ftr" sz="quarter" idx="11"/>
+          </p:nvPr>
+        </p:nvSpPr>
+        <p:spPr/>
+        <p:txBody>
+          <a:bodyPr/>
+          <a:lstStyle/>
+          <a:p>
+            <a:r>
+              <a:rPr lang="de-AT"/>
+              <a:t>CONTRUDE Gekle, Kampl, Schrempf</a:t>
+            </a:r>
+          </a:p>
+        </p:txBody>
+      </p:sp>
+      <p:sp>
+        <p:nvSpPr>
+          <p:cNvPr id="5" name="Foliennummernplatzhalter 4">
+            <a:extLst>
+              <a:ext uri="{FF2B5EF4-FFF2-40B4-BE49-F238E27FC236}">
+                <a16:creationId xmlns:a16="http://schemas.microsoft.com/office/drawing/2014/main" id="{AB38338F-922C-40A7-B140-637B827703BF}"/>
+              </a:ext>
+            </a:extLst>
+          </p:cNvPr>
+          <p:cNvSpPr>
+            <a:spLocks noGrp="1"/>
+          </p:cNvSpPr>
+          <p:nvPr>
+            <p:ph type="sldNum" sz="quarter" idx="12"/>
+          </p:nvPr>
+        </p:nvSpPr>
+        <p:spPr/>
+        <p:txBody>
+          <a:bodyPr/>
+          <a:lstStyle/>
+          <a:p>
+            <a:fld id="{7DCD6803-3BAA-44F6-A698-23D950C9713B}" type="slidenum">
+              <a:rPr lang="de-AT" smtClean="0"/>
+              <a:pPr/>
+              <a:t>20</a:t>
+            </a:fld>
+            <a:endParaRPr lang="de-AT"/>
+          </a:p>
+        </p:txBody>
+      </p:sp>
+    </p:spTree>
+    <p:extLst>
+      <p:ext uri="{BB962C8B-B14F-4D97-AF65-F5344CB8AC3E}">
+        <p14:creationId xmlns:p14="http://schemas.microsoft.com/office/powerpoint/2010/main" val="2177424150"/>
+      </p:ext>
+    </p:extLst>
+  </p:cSld>
+  <p:clrMapOvr>
+    <a:masterClrMapping/>
+  </p:clrMapOvr>
+  <mc:AlternateContent xmlns:mc="http://schemas.openxmlformats.org/markup-compatibility/2006" xmlns:p159="http://schemas.microsoft.com/office/powerpoint/2015/09/main">
+    <mc:Choice Requires="p159">
+      <p:transition xmlns:p14="http://schemas.microsoft.com/office/powerpoint/2010/main" spd="slow" p14:dur="2000">
+        <p159:morph option="byObject"/>
+      </p:transition>
+    </mc:Choice>
+    <mc:Fallback xmlns="">
+      <p:transition spd="slow">
+        <p:fade/>
+      </p:transition>
+    </mc:Fallback>
+  </mc:AlternateContent>
+</p:sld>
+</file>
+
+<file path=ppt/slides/slide21.xml><?xml version="1.0" encoding="utf-8"?>
+<p:sld xmlns:a="http://schemas.openxmlformats.org/drawingml/2006/main" xmlns:r="http://schemas.openxmlformats.org/officeDocument/2006/relationships" xmlns:p="http://schemas.openxmlformats.org/presentationml/2006/main">
+  <p:cSld>
+    <p:spTree>
+      <p:nvGrpSpPr>
+        <p:cNvPr id="1" name=""/>
+        <p:cNvGrpSpPr/>
+        <p:nvPr/>
+      </p:nvGrpSpPr>
+      <p:grpSpPr>
+        <a:xfrm>
+          <a:off x="0" y="0"/>
+          <a:ext cx="0" cy="0"/>
+          <a:chOff x="0" y="0"/>
+          <a:chExt cx="0" cy="0"/>
+        </a:xfrm>
+      </p:grpSpPr>
+      <p:sp>
+        <p:nvSpPr>
+          <p:cNvPr id="2" name="Titel 1">
+            <a:extLst>
+              <a:ext uri="{FF2B5EF4-FFF2-40B4-BE49-F238E27FC236}">
+                <a16:creationId xmlns:a16="http://schemas.microsoft.com/office/drawing/2014/main" id="{E496C6BA-99A1-43F4-92B8-B6D762EF0987}"/>
+              </a:ext>
+            </a:extLst>
+          </p:cNvPr>
+          <p:cNvSpPr>
+            <a:spLocks noGrp="1"/>
+          </p:cNvSpPr>
+          <p:nvPr>
+            <p:ph type="title"/>
+          </p:nvPr>
+        </p:nvSpPr>
+        <p:spPr/>
+        <p:txBody>
+          <a:bodyPr/>
+          <a:lstStyle/>
+          <a:p>
+            <a:r>
+              <a:rPr lang="de-DE"/>
+              <a:t>PM - Meilensteine</a:t>
+            </a:r>
+            <a:endParaRPr lang="de-AT"/>
+          </a:p>
+        </p:txBody>
+      </p:sp>
+      <p:sp>
+        <p:nvSpPr>
+          <p:cNvPr id="3" name="Inhaltsplatzhalter 2">
+            <a:extLst>
+              <a:ext uri="{FF2B5EF4-FFF2-40B4-BE49-F238E27FC236}">
+                <a16:creationId xmlns:a16="http://schemas.microsoft.com/office/drawing/2014/main" id="{A228378C-21E0-453B-B255-71BAC911E6C0}"/>
+              </a:ext>
+            </a:extLst>
+          </p:cNvPr>
+          <p:cNvSpPr>
+            <a:spLocks noGrp="1"/>
+          </p:cNvSpPr>
+          <p:nvPr>
+            <p:ph idx="1"/>
+          </p:nvPr>
+        </p:nvSpPr>
+        <p:spPr>
+          <a:xfrm>
+            <a:off x="609600" y="1068781"/>
+            <a:ext cx="10972800" cy="5073427"/>
+          </a:xfrm>
+        </p:spPr>
+        <p:txBody>
+          <a:bodyPr>
+            <a:normAutofit/>
+          </a:bodyPr>
+          <a:lstStyle/>
+          <a:p>
+            <a:r>
+              <a:rPr lang="de-DE" sz="3200" dirty="0"/>
+              <a:t>2024-09-04: Prototyp ist funktionell</a:t>
+            </a:r>
+          </a:p>
+          <a:p>
+            <a:pPr lvl="1"/>
+            <a:r>
+              <a:rPr lang="de-DE" sz="2800" dirty="0"/>
+              <a:t>Hardware Komponenten gekauft und geliefert</a:t>
+            </a:r>
+          </a:p>
+          <a:p>
+            <a:pPr lvl="1"/>
+            <a:r>
+              <a:rPr lang="de-DE" sz="2800" dirty="0"/>
+              <a:t>Löten der Komponenten</a:t>
+            </a:r>
+          </a:p>
+          <a:p>
+            <a:pPr lvl="1"/>
+            <a:r>
+              <a:rPr lang="de-DE" sz="2800" dirty="0"/>
+              <a:t>Datenübertragung mittels MQTT</a:t>
+            </a:r>
+          </a:p>
+          <a:p>
+            <a:r>
+              <a:rPr lang="de-DE" sz="3200" dirty="0"/>
+              <a:t>2024-10-23: Zweitpräsentation der DA</a:t>
+            </a:r>
+          </a:p>
+          <a:p>
+            <a:pPr lvl="1"/>
+            <a:r>
+              <a:rPr lang="de-DE" sz="2800" dirty="0"/>
+              <a:t>Fortschritt zusammenfassen</a:t>
+            </a:r>
+          </a:p>
+          <a:p>
+            <a:r>
+              <a:rPr lang="de-DE" sz="3200" dirty="0"/>
+              <a:t>2024-11-03: Positionsalgorithmus funktionell</a:t>
+            </a:r>
+          </a:p>
+          <a:p>
+            <a:pPr lvl="1"/>
+            <a:r>
+              <a:rPr lang="de-DE" sz="2800" dirty="0"/>
+              <a:t>Ungefähre Position des Containers</a:t>
+            </a:r>
+          </a:p>
+          <a:p>
+            <a:pPr lvl="1"/>
+            <a:r>
+              <a:rPr lang="de-DE" sz="2800" dirty="0"/>
+              <a:t>Entfernung zu benachbarten Containern ermitteln</a:t>
+            </a:r>
+          </a:p>
+        </p:txBody>
+      </p:sp>
+      <p:sp>
+        <p:nvSpPr>
+          <p:cNvPr id="4" name="Fußzeilenplatzhalter 3">
+            <a:extLst>
+              <a:ext uri="{FF2B5EF4-FFF2-40B4-BE49-F238E27FC236}">
+                <a16:creationId xmlns:a16="http://schemas.microsoft.com/office/drawing/2014/main" id="{8AADA028-308D-430B-A45B-407D875A2351}"/>
+              </a:ext>
+            </a:extLst>
+          </p:cNvPr>
+          <p:cNvSpPr>
+            <a:spLocks noGrp="1"/>
+          </p:cNvSpPr>
+          <p:nvPr>
+            <p:ph type="ftr" sz="quarter" idx="11"/>
+          </p:nvPr>
+        </p:nvSpPr>
+        <p:spPr/>
+        <p:txBody>
+          <a:bodyPr/>
+          <a:lstStyle/>
+          <a:p>
+            <a:r>
+              <a:rPr lang="de-AT"/>
+              <a:t>CONTRUDE Gekle, Kampl, Schrempf</a:t>
+            </a:r>
+          </a:p>
+        </p:txBody>
+      </p:sp>
+      <p:sp>
+        <p:nvSpPr>
+          <p:cNvPr id="5" name="Foliennummernplatzhalter 4">
+            <a:extLst>
+              <a:ext uri="{FF2B5EF4-FFF2-40B4-BE49-F238E27FC236}">
+                <a16:creationId xmlns:a16="http://schemas.microsoft.com/office/drawing/2014/main" id="{AB38338F-922C-40A7-B140-637B827703BF}"/>
+              </a:ext>
+            </a:extLst>
+          </p:cNvPr>
+          <p:cNvSpPr>
+            <a:spLocks noGrp="1"/>
+          </p:cNvSpPr>
+          <p:nvPr>
+            <p:ph type="sldNum" sz="quarter" idx="12"/>
+          </p:nvPr>
+        </p:nvSpPr>
+        <p:spPr/>
+        <p:txBody>
+          <a:bodyPr/>
+          <a:lstStyle/>
+          <a:p>
+            <a:fld id="{7DCD6803-3BAA-44F6-A698-23D950C9713B}" type="slidenum">
+              <a:rPr lang="de-AT" smtClean="0"/>
+              <a:pPr/>
+              <a:t>21</a:t>
+            </a:fld>
+            <a:endParaRPr lang="de-AT"/>
+          </a:p>
+        </p:txBody>
+      </p:sp>
+    </p:spTree>
+    <p:extLst>
+      <p:ext uri="{BB962C8B-B14F-4D97-AF65-F5344CB8AC3E}">
+        <p14:creationId xmlns:p14="http://schemas.microsoft.com/office/powerpoint/2010/main" val="513499575"/>
+      </p:ext>
+    </p:extLst>
+  </p:cSld>
+  <p:clrMapOvr>
+    <a:masterClrMapping/>
+  </p:clrMapOvr>
+  <mc:AlternateContent xmlns:mc="http://schemas.openxmlformats.org/markup-compatibility/2006" xmlns:p159="http://schemas.microsoft.com/office/powerpoint/2015/09/main">
+    <mc:Choice Requires="p159">
+      <p:transition xmlns:p14="http://schemas.microsoft.com/office/powerpoint/2010/main" spd="slow" p14:dur="2000">
+        <p159:morph option="byObject"/>
+      </p:transition>
+    </mc:Choice>
+    <mc:Fallback xmlns="">
+      <p:transition spd="slow">
+        <p:fade/>
+      </p:transition>
+    </mc:Fallback>
+  </mc:AlternateContent>
+</p:sld>
+</file>
+
 <file path=ppt/slides/slide22.xml><?xml version="1.0" encoding="utf-8"?>
 <p:sld xmlns:a="http://schemas.openxmlformats.org/drawingml/2006/main" xmlns:r="http://schemas.openxmlformats.org/officeDocument/2006/relationships" xmlns:p="http://schemas.openxmlformats.org/presentationml/2006/main">
   <p:cSld>
@@ -8702,7 +8731,7 @@
           <p:cNvPr id="2" name="Titel 1">
             <a:extLst>
               <a:ext uri="{FF2B5EF4-FFF2-40B4-BE49-F238E27FC236}">
-                <a16:creationId xmlns:a16="http://schemas.microsoft.com/office/drawing/2014/main" id="{49B75182-9F7E-DDB8-1BCE-29DCCA8443FA}"/>
+                <a16:creationId xmlns:a16="http://schemas.microsoft.com/office/drawing/2014/main" id="{E496C6BA-99A1-43F4-92B8-B6D762EF0987}"/>
               </a:ext>
             </a:extLst>
           </p:cNvPr>
@@ -8719,96 +8748,177 @@
           <a:lstStyle/>
           <a:p>
             <a:r>
+              <a:rPr lang="de-DE" dirty="0"/>
+              <a:t>PM - Meilensteine</a:t>
+            </a:r>
+            <a:endParaRPr lang="de-AT" dirty="0"/>
+          </a:p>
+        </p:txBody>
+      </p:sp>
+      <p:sp>
+        <p:nvSpPr>
+          <p:cNvPr id="3" name="Inhaltsplatzhalter 2">
+            <a:extLst>
+              <a:ext uri="{FF2B5EF4-FFF2-40B4-BE49-F238E27FC236}">
+                <a16:creationId xmlns:a16="http://schemas.microsoft.com/office/drawing/2014/main" id="{A228378C-21E0-453B-B255-71BAC911E6C0}"/>
+              </a:ext>
+            </a:extLst>
+          </p:cNvPr>
+          <p:cNvSpPr>
+            <a:spLocks noGrp="1"/>
+          </p:cNvSpPr>
+          <p:nvPr>
+            <p:ph idx="1"/>
+          </p:nvPr>
+        </p:nvSpPr>
+        <p:spPr>
+          <a:xfrm>
+            <a:off x="609600" y="886218"/>
+            <a:ext cx="10972800" cy="5652697"/>
+          </a:xfrm>
+        </p:spPr>
+        <p:txBody>
+          <a:bodyPr>
+            <a:normAutofit/>
+          </a:bodyPr>
+          <a:lstStyle/>
+          <a:p>
+            <a:r>
+              <a:rPr lang="de-DE" sz="3200" dirty="0"/>
+              <a:t>2024-11-30: (</a:t>
+            </a:r>
+            <a:r>
+              <a:rPr lang="de-DE" sz="3200" dirty="0" err="1"/>
+              <a:t>Directed</a:t>
+            </a:r>
+            <a:r>
+              <a:rPr lang="de-DE" sz="3200" dirty="0"/>
+              <a:t> </a:t>
+            </a:r>
+            <a:r>
+              <a:rPr lang="de-DE" sz="3200" dirty="0" err="1"/>
+              <a:t>Draggable</a:t>
+            </a:r>
+            <a:r>
+              <a:rPr lang="de-DE" sz="3200" dirty="0"/>
+              <a:t>) Graph Visualisierung</a:t>
+            </a:r>
+          </a:p>
+          <a:p>
+            <a:pPr lvl="1">
+              <a:buFont typeface="Arial" panose="020B0604020202020204" pitchFamily="34" charset="0"/>
+              <a:buChar char="•"/>
+            </a:pPr>
+            <a:r>
+              <a:rPr lang="de-DE" sz="2800" dirty="0"/>
+              <a:t>Container Entfernungen zu anderen visualisieren</a:t>
+            </a:r>
+          </a:p>
+          <a:p>
+            <a:pPr lvl="1">
+              <a:buFont typeface="Arial" panose="020B0604020202020204" pitchFamily="34" charset="0"/>
+              <a:buChar char="•"/>
+            </a:pPr>
+            <a:r>
+              <a:rPr lang="de-DE" sz="2800" dirty="0"/>
+              <a:t>Bewegbare Knoten</a:t>
+            </a:r>
+          </a:p>
+          <a:p>
+            <a:r>
+              <a:rPr lang="de-DE" sz="3200" dirty="0"/>
+              <a:t>2025-01-31: Webanwendung funktionell</a:t>
+            </a:r>
+          </a:p>
+          <a:p>
+            <a:pPr lvl="1">
+              <a:buFont typeface="Arial" panose="020B0604020202020204" pitchFamily="34" charset="0"/>
+              <a:buChar char="•"/>
+            </a:pPr>
+            <a:r>
+              <a:rPr lang="de-DE" sz="2800" dirty="0"/>
+              <a:t>Datenabfrage möglich</a:t>
+            </a:r>
+          </a:p>
+          <a:p>
+            <a:pPr lvl="1">
+              <a:buFont typeface="Arial" panose="020B0604020202020204" pitchFamily="34" charset="0"/>
+              <a:buChar char="•"/>
+            </a:pPr>
+            <a:r>
+              <a:rPr lang="de-DE" sz="2800" dirty="0"/>
+              <a:t>Ansprechende GUI</a:t>
+            </a:r>
+          </a:p>
+          <a:p>
+            <a:r>
+              <a:rPr lang="de-DE" sz="3200" dirty="0"/>
+              <a:t>2025-03-07: Finale Abgabe der DA</a:t>
+            </a:r>
+          </a:p>
+          <a:p>
+            <a:pPr lvl="1">
+              <a:buFont typeface="Arial" panose="020B0604020202020204" pitchFamily="34" charset="0"/>
+              <a:buChar char="•"/>
+            </a:pPr>
+            <a:r>
+              <a:rPr lang="de-DE" sz="2800" dirty="0"/>
+              <a:t>Korrektur gelesen</a:t>
+            </a:r>
+          </a:p>
+          <a:p>
+            <a:pPr lvl="1">
+              <a:buFont typeface="Arial" panose="020B0604020202020204" pitchFamily="34" charset="0"/>
+              <a:buChar char="•"/>
+            </a:pPr>
+            <a:r>
+              <a:rPr lang="de-DE" sz="2800" dirty="0"/>
+              <a:t>Alle drei Subthemen fertig</a:t>
+            </a:r>
+          </a:p>
+          <a:p>
+            <a:pPr lvl="1">
+              <a:buFont typeface="Arial" panose="020B0604020202020204" pitchFamily="34" charset="0"/>
+              <a:buChar char="•"/>
+            </a:pPr>
+            <a:r>
+              <a:rPr lang="de-DE" sz="2800" dirty="0"/>
+              <a:t>DA eingereicht</a:t>
+            </a:r>
+          </a:p>
+        </p:txBody>
+      </p:sp>
+      <p:sp>
+        <p:nvSpPr>
+          <p:cNvPr id="4" name="Fußzeilenplatzhalter 3">
+            <a:extLst>
+              <a:ext uri="{FF2B5EF4-FFF2-40B4-BE49-F238E27FC236}">
+                <a16:creationId xmlns:a16="http://schemas.microsoft.com/office/drawing/2014/main" id="{8AADA028-308D-430B-A45B-407D875A2351}"/>
+              </a:ext>
+            </a:extLst>
+          </p:cNvPr>
+          <p:cNvSpPr>
+            <a:spLocks noGrp="1"/>
+          </p:cNvSpPr>
+          <p:nvPr>
+            <p:ph type="ftr" sz="quarter" idx="11"/>
+          </p:nvPr>
+        </p:nvSpPr>
+        <p:spPr/>
+        <p:txBody>
+          <a:bodyPr/>
+          <a:lstStyle/>
+          <a:p>
+            <a:r>
               <a:rPr lang="de-AT" dirty="0"/>
-              <a:t>Fortschritt - Kampl</a:t>
-            </a:r>
-          </a:p>
-        </p:txBody>
-      </p:sp>
-      <p:sp>
-        <p:nvSpPr>
-          <p:cNvPr id="3" name="Inhaltsplatzhalter 2">
-            <a:extLst>
-              <a:ext uri="{FF2B5EF4-FFF2-40B4-BE49-F238E27FC236}">
-                <a16:creationId xmlns:a16="http://schemas.microsoft.com/office/drawing/2014/main" id="{024F27B7-30D2-20B0-4444-C74E11AB2A8E}"/>
-              </a:ext>
-            </a:extLst>
-          </p:cNvPr>
-          <p:cNvSpPr>
-            <a:spLocks noGrp="1"/>
-          </p:cNvSpPr>
-          <p:nvPr>
-            <p:ph idx="1"/>
-          </p:nvPr>
-        </p:nvSpPr>
-        <p:spPr/>
-        <p:txBody>
-          <a:bodyPr/>
-          <a:lstStyle/>
-          <a:p>
-            <a:r>
-              <a:rPr lang="de-DE" dirty="0"/>
-              <a:t>Hardware Recherche</a:t>
-            </a:r>
-          </a:p>
-          <a:p>
-            <a:r>
-              <a:rPr lang="de-DE" dirty="0"/>
-              <a:t>Löten</a:t>
-            </a:r>
-          </a:p>
-          <a:p>
-            <a:r>
-              <a:rPr lang="de-DE" dirty="0"/>
-              <a:t>Datenerfassung / -übertragung</a:t>
-            </a:r>
-          </a:p>
-          <a:p>
-            <a:r>
-              <a:rPr lang="de-DE" dirty="0"/>
-              <a:t>ArduinoIDE --&gt; PlatformIO</a:t>
-            </a:r>
-          </a:p>
-          <a:p>
-            <a:r>
-              <a:rPr lang="de-DE" dirty="0"/>
-              <a:t>Mesh-Netzwerk</a:t>
-            </a:r>
-            <a:endParaRPr lang="de-AT" dirty="0"/>
-          </a:p>
-        </p:txBody>
-      </p:sp>
-      <p:sp>
-        <p:nvSpPr>
-          <p:cNvPr id="4" name="Fußzeilenplatzhalter 3">
-            <a:extLst>
-              <a:ext uri="{FF2B5EF4-FFF2-40B4-BE49-F238E27FC236}">
-                <a16:creationId xmlns:a16="http://schemas.microsoft.com/office/drawing/2014/main" id="{6E09A3E5-E9D9-C916-501D-1EB289F7F868}"/>
-              </a:ext>
-            </a:extLst>
-          </p:cNvPr>
-          <p:cNvSpPr>
-            <a:spLocks noGrp="1"/>
-          </p:cNvSpPr>
-          <p:nvPr>
-            <p:ph type="ftr" sz="quarter" idx="11"/>
-          </p:nvPr>
-        </p:nvSpPr>
-        <p:spPr/>
-        <p:txBody>
-          <a:bodyPr/>
-          <a:lstStyle/>
-          <a:p>
-            <a:r>
-              <a:rPr lang="de-AT"/>
               <a:t>CONTRUDE </a:t>
             </a:r>
             <a:r>
-              <a:rPr lang="de-AT" err="1"/>
+              <a:rPr lang="de-AT" dirty="0" err="1"/>
               <a:t>Gekle</a:t>
             </a:r>
             <a:r>
-              <a:rPr lang="de-AT"/>
+              <a:rPr lang="de-AT" dirty="0"/>
               <a:t>, Kampl, Schrempf</a:t>
             </a:r>
           </a:p>
@@ -8819,7 +8929,7 @@
           <p:cNvPr id="5" name="Foliennummernplatzhalter 4">
             <a:extLst>
               <a:ext uri="{FF2B5EF4-FFF2-40B4-BE49-F238E27FC236}">
-                <a16:creationId xmlns:a16="http://schemas.microsoft.com/office/drawing/2014/main" id="{A3248E37-7A5A-CF99-7DD3-0E77067C292D}"/>
+                <a16:creationId xmlns:a16="http://schemas.microsoft.com/office/drawing/2014/main" id="{AB38338F-922C-40A7-B140-637B827703BF}"/>
               </a:ext>
             </a:extLst>
           </p:cNvPr>
@@ -8844,45 +8954,10 @@
           </a:p>
         </p:txBody>
       </p:sp>
-      <p:pic>
-        <p:nvPicPr>
-          <p:cNvPr id="8" name="Grafik 7" descr="Ein Bild, das Elektrisches Bauelement, Elektronisches Bauteil, Elektronik, passives Bauelement enthält.&#10;&#10;Automatisch generierte Beschreibung">
-            <a:extLst>
-              <a:ext uri="{FF2B5EF4-FFF2-40B4-BE49-F238E27FC236}">
-                <a16:creationId xmlns:a16="http://schemas.microsoft.com/office/drawing/2014/main" id="{9CB9F298-EBC3-3EAD-641E-F126434862CD}"/>
-              </a:ext>
-            </a:extLst>
-          </p:cNvPr>
-          <p:cNvPicPr>
-            <a:picLocks noChangeAspect="1"/>
-          </p:cNvPicPr>
-          <p:nvPr/>
-        </p:nvPicPr>
-        <p:blipFill>
-          <a:blip r:embed="rId2" cstate="print">
-            <a:extLst>
-              <a:ext uri="{28A0092B-C50C-407E-A947-70E740481C1C}">
-                <a14:useLocalDpi xmlns:a14="http://schemas.microsoft.com/office/drawing/2010/main" val="0"/>
-              </a:ext>
-            </a:extLst>
-          </a:blip>
-          <a:srcRect l="16909" t="22905" r="19055" b="19358"/>
-          <a:stretch/>
-        </p:blipFill>
-        <p:spPr>
-          <a:xfrm>
-            <a:off x="5662374" y="1349477"/>
-            <a:ext cx="6150451" cy="4159046"/>
-          </a:xfrm>
-          <a:prstGeom prst="rect">
-            <a:avLst/>
-          </a:prstGeom>
-        </p:spPr>
-      </p:pic>
     </p:spTree>
     <p:extLst>
       <p:ext uri="{BB962C8B-B14F-4D97-AF65-F5344CB8AC3E}">
-        <p14:creationId xmlns:p14="http://schemas.microsoft.com/office/powerpoint/2010/main" val="1404620372"/>
+        <p14:creationId xmlns:p14="http://schemas.microsoft.com/office/powerpoint/2010/main" val="1745660633"/>
       </p:ext>
     </p:extLst>
   </p:cSld>
@@ -8926,7 +9001,7 @@
           <p:cNvPr id="2" name="Titel 1">
             <a:extLst>
               <a:ext uri="{FF2B5EF4-FFF2-40B4-BE49-F238E27FC236}">
-                <a16:creationId xmlns:a16="http://schemas.microsoft.com/office/drawing/2014/main" id="{49B75182-9F7E-DDB8-1BCE-29DCCA8443FA}"/>
+                <a16:creationId xmlns:a16="http://schemas.microsoft.com/office/drawing/2014/main" id="{E496C6BA-99A1-43F4-92B8-B6D762EF0987}"/>
               </a:ext>
             </a:extLst>
           </p:cNvPr>
@@ -8943,18 +9018,22 @@
           <a:lstStyle/>
           <a:p>
             <a:r>
-              <a:rPr lang="de-AT" dirty="0"/>
-              <a:t>Fortschritt - Schrempf</a:t>
-            </a:r>
-          </a:p>
-        </p:txBody>
-      </p:sp>
-      <p:sp>
-        <p:nvSpPr>
-          <p:cNvPr id="3" name="Inhaltsplatzhalter 2">
-            <a:extLst>
-              <a:ext uri="{FF2B5EF4-FFF2-40B4-BE49-F238E27FC236}">
-                <a16:creationId xmlns:a16="http://schemas.microsoft.com/office/drawing/2014/main" id="{024F27B7-30D2-20B0-4444-C74E11AB2A8E}"/>
+              <a:rPr lang="de-DE"/>
+              <a:t>PM – </a:t>
+            </a:r>
+            <a:r>
+              <a:rPr lang="de-AT"/>
+              <a:t>Wie wird es gelebt</a:t>
+            </a:r>
+          </a:p>
+        </p:txBody>
+      </p:sp>
+      <p:sp>
+        <p:nvSpPr>
+          <p:cNvPr id="4" name="Fußzeilenplatzhalter 3">
+            <a:extLst>
+              <a:ext uri="{FF2B5EF4-FFF2-40B4-BE49-F238E27FC236}">
+                <a16:creationId xmlns:a16="http://schemas.microsoft.com/office/drawing/2014/main" id="{8AADA028-308D-430B-A45B-407D875A2351}"/>
               </a:ext>
             </a:extLst>
           </p:cNvPr>
@@ -8962,7 +9041,7 @@
             <a:spLocks noGrp="1"/>
           </p:cNvSpPr>
           <p:nvPr>
-            <p:ph idx="1"/>
+            <p:ph type="ftr" sz="quarter" idx="11"/>
           </p:nvPr>
         </p:nvSpPr>
         <p:spPr/>
@@ -8971,62 +9050,8 @@
           <a:lstStyle/>
           <a:p>
             <a:r>
-              <a:rPr lang="de-AT" dirty="0"/>
-              <a:t>Datenbanken</a:t>
-            </a:r>
-          </a:p>
-          <a:p>
-            <a:r>
-              <a:rPr lang="de-AT" dirty="0"/>
-              <a:t>REST-Schnittstelle</a:t>
-            </a:r>
-          </a:p>
-          <a:p>
-            <a:r>
-              <a:rPr lang="de-AT" dirty="0"/>
-              <a:t>Authentifizierungsserver</a:t>
-            </a:r>
-          </a:p>
-          <a:p>
-            <a:r>
-              <a:rPr lang="de-AT" dirty="0"/>
-              <a:t>Datenvisualisierung</a:t>
-            </a:r>
-          </a:p>
-        </p:txBody>
-      </p:sp>
-      <p:sp>
-        <p:nvSpPr>
-          <p:cNvPr id="4" name="Fußzeilenplatzhalter 3">
-            <a:extLst>
-              <a:ext uri="{FF2B5EF4-FFF2-40B4-BE49-F238E27FC236}">
-                <a16:creationId xmlns:a16="http://schemas.microsoft.com/office/drawing/2014/main" id="{6E09A3E5-E9D9-C916-501D-1EB289F7F868}"/>
-              </a:ext>
-            </a:extLst>
-          </p:cNvPr>
-          <p:cNvSpPr>
-            <a:spLocks noGrp="1"/>
-          </p:cNvSpPr>
-          <p:nvPr>
-            <p:ph type="ftr" sz="quarter" idx="11"/>
-          </p:nvPr>
-        </p:nvSpPr>
-        <p:spPr/>
-        <p:txBody>
-          <a:bodyPr/>
-          <a:lstStyle/>
-          <a:p>
-            <a:r>
-              <a:rPr lang="de-AT" dirty="0"/>
-              <a:t>CONTRUDE </a:t>
-            </a:r>
-            <a:r>
-              <a:rPr lang="de-AT" dirty="0" err="1"/>
-              <a:t>Gekle</a:t>
-            </a:r>
-            <a:r>
-              <a:rPr lang="de-AT" dirty="0"/>
-              <a:t>, Kampl, Schrempf</a:t>
+              <a:rPr lang="de-AT"/>
+              <a:t>CONTRUDE Gekle, Kampl, Schrempf</a:t>
             </a:r>
           </a:p>
         </p:txBody>
@@ -9036,7 +9061,7 @@
           <p:cNvPr id="5" name="Foliennummernplatzhalter 4">
             <a:extLst>
               <a:ext uri="{FF2B5EF4-FFF2-40B4-BE49-F238E27FC236}">
-                <a16:creationId xmlns:a16="http://schemas.microsoft.com/office/drawing/2014/main" id="{A3248E37-7A5A-CF99-7DD3-0E77067C292D}"/>
+                <a16:creationId xmlns:a16="http://schemas.microsoft.com/office/drawing/2014/main" id="{AB38338F-922C-40A7-B140-637B827703BF}"/>
               </a:ext>
             </a:extLst>
           </p:cNvPr>
@@ -9063,10 +9088,39 @@
       </p:sp>
       <p:pic>
         <p:nvPicPr>
+          <p:cNvPr id="6" name="Grafik 5">
+            <a:extLst>
+              <a:ext uri="{FF2B5EF4-FFF2-40B4-BE49-F238E27FC236}">
+                <a16:creationId xmlns:a16="http://schemas.microsoft.com/office/drawing/2014/main" id="{480B0DDF-6C21-FE6A-55EC-2C986A8C1062}"/>
+              </a:ext>
+            </a:extLst>
+          </p:cNvPr>
+          <p:cNvPicPr>
+            <a:picLocks noChangeAspect="1"/>
+          </p:cNvPicPr>
+          <p:nvPr/>
+        </p:nvPicPr>
+        <p:blipFill rotWithShape="1">
+          <a:blip r:embed="rId2"/>
+          <a:srcRect t="1029"/>
+          <a:stretch/>
+        </p:blipFill>
+        <p:spPr>
+          <a:xfrm>
+            <a:off x="668594" y="993057"/>
+            <a:ext cx="11307904" cy="5211097"/>
+          </a:xfrm>
+          <a:prstGeom prst="rect">
+            <a:avLst/>
+          </a:prstGeom>
+        </p:spPr>
+      </p:pic>
+      <p:pic>
+        <p:nvPicPr>
           <p:cNvPr id="7" name="Grafik 6">
             <a:extLst>
               <a:ext uri="{FF2B5EF4-FFF2-40B4-BE49-F238E27FC236}">
-                <a16:creationId xmlns:a16="http://schemas.microsoft.com/office/drawing/2014/main" id="{C54A3553-9AFB-3424-3832-8327FE170FF7}"/>
+                <a16:creationId xmlns:a16="http://schemas.microsoft.com/office/drawing/2014/main" id="{8A565820-7A84-1BBA-CB6C-D935E213EC20}"/>
               </a:ext>
             </a:extLst>
           </p:cNvPr>
@@ -9076,14 +9130,15 @@
           <p:nvPr/>
         </p:nvPicPr>
         <p:blipFill>
-          <a:blip r:embed="rId2"/>
-          <a:srcRect r="40313"/>
-          <a:stretch/>
+          <a:blip r:embed="rId3"/>
+          <a:stretch>
+            <a:fillRect/>
+          </a:stretch>
         </p:blipFill>
         <p:spPr>
           <a:xfrm>
-            <a:off x="4760110" y="1289050"/>
-            <a:ext cx="6822290" cy="4516211"/>
+            <a:off x="668594" y="993057"/>
+            <a:ext cx="11299543" cy="5211097"/>
           </a:xfrm>
           <a:prstGeom prst="rect">
             <a:avLst/>
@@ -9093,7 +9148,305 @@
     </p:spTree>
     <p:extLst>
       <p:ext uri="{BB962C8B-B14F-4D97-AF65-F5344CB8AC3E}">
-        <p14:creationId xmlns:p14="http://schemas.microsoft.com/office/powerpoint/2010/main" val="148161461"/>
+        <p14:creationId xmlns:p14="http://schemas.microsoft.com/office/powerpoint/2010/main" val="3861356565"/>
+      </p:ext>
+    </p:extLst>
+  </p:cSld>
+  <p:clrMapOvr>
+    <a:masterClrMapping/>
+  </p:clrMapOvr>
+  <mc:AlternateContent xmlns:mc="http://schemas.openxmlformats.org/markup-compatibility/2006" xmlns:p159="http://schemas.microsoft.com/office/powerpoint/2015/09/main">
+    <mc:Choice Requires="p159">
+      <p:transition xmlns:p14="http://schemas.microsoft.com/office/powerpoint/2010/main" spd="slow" p14:dur="2000">
+        <p159:morph option="byObject"/>
+      </p:transition>
+    </mc:Choice>
+    <mc:Fallback xmlns="">
+      <p:transition spd="slow">
+        <p:fade/>
+      </p:transition>
+    </mc:Fallback>
+  </mc:AlternateContent>
+  <p:timing>
+    <p:tnLst>
+      <p:par>
+        <p:cTn id="1" dur="indefinite" restart="never" nodeType="tmRoot">
+          <p:childTnLst>
+            <p:seq concurrent="1" nextAc="seek">
+              <p:cTn id="2" dur="indefinite" nodeType="mainSeq">
+                <p:childTnLst>
+                  <p:par>
+                    <p:cTn id="3" fill="hold">
+                      <p:stCondLst>
+                        <p:cond delay="indefinite"/>
+                      </p:stCondLst>
+                      <p:childTnLst>
+                        <p:par>
+                          <p:cTn id="4" fill="hold">
+                            <p:stCondLst>
+                              <p:cond delay="0"/>
+                            </p:stCondLst>
+                            <p:childTnLst>
+                              <p:par>
+                                <p:cTn id="5" presetID="10" presetClass="exit" presetSubtype="0" fill="hold" nodeType="clickEffect">
+                                  <p:stCondLst>
+                                    <p:cond delay="0"/>
+                                  </p:stCondLst>
+                                  <p:childTnLst>
+                                    <p:animEffect transition="out" filter="fade">
+                                      <p:cBhvr>
+                                        <p:cTn id="6" dur="500"/>
+                                        <p:tgtEl>
+                                          <p:spTgt spid="6"/>
+                                        </p:tgtEl>
+                                      </p:cBhvr>
+                                    </p:animEffect>
+                                    <p:set>
+                                      <p:cBhvr>
+                                        <p:cTn id="7" dur="1" fill="hold">
+                                          <p:stCondLst>
+                                            <p:cond delay="499"/>
+                                          </p:stCondLst>
+                                        </p:cTn>
+                                        <p:tgtEl>
+                                          <p:spTgt spid="6"/>
+                                        </p:tgtEl>
+                                        <p:attrNameLst>
+                                          <p:attrName>style.visibility</p:attrName>
+                                        </p:attrNameLst>
+                                      </p:cBhvr>
+                                      <p:to>
+                                        <p:strVal val="hidden"/>
+                                      </p:to>
+                                    </p:set>
+                                  </p:childTnLst>
+                                </p:cTn>
+                              </p:par>
+                            </p:childTnLst>
+                          </p:cTn>
+                        </p:par>
+                        <p:par>
+                          <p:cTn id="8" fill="hold">
+                            <p:stCondLst>
+                              <p:cond delay="500"/>
+                            </p:stCondLst>
+                            <p:childTnLst>
+                              <p:par>
+                                <p:cTn id="9" presetID="10" presetClass="entr" presetSubtype="0" fill="hold" nodeType="afterEffect">
+                                  <p:stCondLst>
+                                    <p:cond delay="0"/>
+                                  </p:stCondLst>
+                                  <p:childTnLst>
+                                    <p:set>
+                                      <p:cBhvr>
+                                        <p:cTn id="10" dur="1" fill="hold">
+                                          <p:stCondLst>
+                                            <p:cond delay="0"/>
+                                          </p:stCondLst>
+                                        </p:cTn>
+                                        <p:tgtEl>
+                                          <p:spTgt spid="7"/>
+                                        </p:tgtEl>
+                                        <p:attrNameLst>
+                                          <p:attrName>style.visibility</p:attrName>
+                                        </p:attrNameLst>
+                                      </p:cBhvr>
+                                      <p:to>
+                                        <p:strVal val="visible"/>
+                                      </p:to>
+                                    </p:set>
+                                    <p:animEffect transition="in" filter="fade">
+                                      <p:cBhvr>
+                                        <p:cTn id="11" dur="500"/>
+                                        <p:tgtEl>
+                                          <p:spTgt spid="7"/>
+                                        </p:tgtEl>
+                                      </p:cBhvr>
+                                    </p:animEffect>
+                                  </p:childTnLst>
+                                </p:cTn>
+                              </p:par>
+                            </p:childTnLst>
+                          </p:cTn>
+                        </p:par>
+                      </p:childTnLst>
+                    </p:cTn>
+                  </p:par>
+                </p:childTnLst>
+              </p:cTn>
+              <p:prevCondLst>
+                <p:cond evt="onPrev" delay="0">
+                  <p:tgtEl>
+                    <p:sldTgt/>
+                  </p:tgtEl>
+                </p:cond>
+              </p:prevCondLst>
+              <p:nextCondLst>
+                <p:cond evt="onNext" delay="0">
+                  <p:tgtEl>
+                    <p:sldTgt/>
+                  </p:tgtEl>
+                </p:cond>
+              </p:nextCondLst>
+            </p:seq>
+          </p:childTnLst>
+        </p:cTn>
+      </p:par>
+    </p:tnLst>
+  </p:timing>
+</p:sld>
+</file>
+
+<file path=ppt/slides/slide24.xml><?xml version="1.0" encoding="utf-8"?>
+<p:sld xmlns:a="http://schemas.openxmlformats.org/drawingml/2006/main" xmlns:r="http://schemas.openxmlformats.org/officeDocument/2006/relationships" xmlns:p="http://schemas.openxmlformats.org/presentationml/2006/main">
+  <p:cSld>
+    <p:spTree>
+      <p:nvGrpSpPr>
+        <p:cNvPr id="1" name=""/>
+        <p:cNvGrpSpPr/>
+        <p:nvPr/>
+      </p:nvGrpSpPr>
+      <p:grpSpPr>
+        <a:xfrm>
+          <a:off x="0" y="0"/>
+          <a:ext cx="0" cy="0"/>
+          <a:chOff x="0" y="0"/>
+          <a:chExt cx="0" cy="0"/>
+        </a:xfrm>
+      </p:grpSpPr>
+      <p:sp>
+        <p:nvSpPr>
+          <p:cNvPr id="2" name="Titel 1">
+            <a:extLst>
+              <a:ext uri="{FF2B5EF4-FFF2-40B4-BE49-F238E27FC236}">
+                <a16:creationId xmlns:a16="http://schemas.microsoft.com/office/drawing/2014/main" id="{54532958-F680-A24A-59E2-366E54AE4AA4}"/>
+              </a:ext>
+            </a:extLst>
+          </p:cNvPr>
+          <p:cNvSpPr>
+            <a:spLocks noGrp="1"/>
+          </p:cNvSpPr>
+          <p:nvPr>
+            <p:ph type="title"/>
+          </p:nvPr>
+        </p:nvSpPr>
+        <p:spPr/>
+        <p:txBody>
+          <a:bodyPr/>
+          <a:lstStyle/>
+          <a:p>
+            <a:r>
+              <a:rPr lang="de-DE"/>
+              <a:t>PM – </a:t>
+            </a:r>
+            <a:r>
+              <a:rPr lang="de-AT"/>
+              <a:t>Wie wird es gelebt</a:t>
+            </a:r>
+            <a:endParaRPr lang="en-US"/>
+          </a:p>
+        </p:txBody>
+      </p:sp>
+      <p:sp>
+        <p:nvSpPr>
+          <p:cNvPr id="4" name="Fußzeilenplatzhalter 3">
+            <a:extLst>
+              <a:ext uri="{FF2B5EF4-FFF2-40B4-BE49-F238E27FC236}">
+                <a16:creationId xmlns:a16="http://schemas.microsoft.com/office/drawing/2014/main" id="{DD3224FF-609B-7B4D-F203-682916FBAB4A}"/>
+              </a:ext>
+            </a:extLst>
+          </p:cNvPr>
+          <p:cNvSpPr>
+            <a:spLocks noGrp="1"/>
+          </p:cNvSpPr>
+          <p:nvPr>
+            <p:ph type="ftr" sz="quarter" idx="11"/>
+          </p:nvPr>
+        </p:nvSpPr>
+        <p:spPr/>
+        <p:txBody>
+          <a:bodyPr/>
+          <a:lstStyle/>
+          <a:p>
+            <a:r>
+              <a:rPr lang="de-AT"/>
+              <a:t>CONTRUDE </a:t>
+            </a:r>
+            <a:r>
+              <a:rPr lang="de-AT" err="1"/>
+              <a:t>Gekle</a:t>
+            </a:r>
+            <a:r>
+              <a:rPr lang="de-AT"/>
+              <a:t>, Kampl, Schrempf</a:t>
+            </a:r>
+          </a:p>
+        </p:txBody>
+      </p:sp>
+      <p:sp>
+        <p:nvSpPr>
+          <p:cNvPr id="5" name="Foliennummernplatzhalter 4">
+            <a:extLst>
+              <a:ext uri="{FF2B5EF4-FFF2-40B4-BE49-F238E27FC236}">
+                <a16:creationId xmlns:a16="http://schemas.microsoft.com/office/drawing/2014/main" id="{F6686C6E-ADF3-97AC-FA73-AFDB5F9238E6}"/>
+              </a:ext>
+            </a:extLst>
+          </p:cNvPr>
+          <p:cNvSpPr>
+            <a:spLocks noGrp="1"/>
+          </p:cNvSpPr>
+          <p:nvPr>
+            <p:ph type="sldNum" sz="quarter" idx="12"/>
+          </p:nvPr>
+        </p:nvSpPr>
+        <p:spPr/>
+        <p:txBody>
+          <a:bodyPr/>
+          <a:lstStyle/>
+          <a:p>
+            <a:fld id="{7DCD6803-3BAA-44F6-A698-23D950C9713B}" type="slidenum">
+              <a:rPr lang="de-AT" smtClean="0"/>
+              <a:pPr/>
+              <a:t>24</a:t>
+            </a:fld>
+            <a:endParaRPr lang="de-AT"/>
+          </a:p>
+        </p:txBody>
+      </p:sp>
+      <p:pic>
+        <p:nvPicPr>
+          <p:cNvPr id="7" name="Grafik 6">
+            <a:extLst>
+              <a:ext uri="{FF2B5EF4-FFF2-40B4-BE49-F238E27FC236}">
+                <a16:creationId xmlns:a16="http://schemas.microsoft.com/office/drawing/2014/main" id="{378456ED-308B-B9D8-94D5-8A00BBAA6DE7}"/>
+              </a:ext>
+            </a:extLst>
+          </p:cNvPr>
+          <p:cNvPicPr>
+            <a:picLocks noChangeAspect="1"/>
+          </p:cNvPicPr>
+          <p:nvPr/>
+        </p:nvPicPr>
+        <p:blipFill>
+          <a:blip r:embed="rId2"/>
+          <a:stretch>
+            <a:fillRect/>
+          </a:stretch>
+        </p:blipFill>
+        <p:spPr>
+          <a:xfrm>
+            <a:off x="2774597" y="1065552"/>
+            <a:ext cx="6642806" cy="5133968"/>
+          </a:xfrm>
+          <a:prstGeom prst="rect">
+            <a:avLst/>
+          </a:prstGeom>
+        </p:spPr>
+      </p:pic>
+    </p:spTree>
+    <p:extLst>
+      <p:ext uri="{BB962C8B-B14F-4D97-AF65-F5344CB8AC3E}">
+        <p14:creationId xmlns:p14="http://schemas.microsoft.com/office/powerpoint/2010/main" val="555466609"/>
       </p:ext>
     </p:extLst>
   </p:cSld>
@@ -9115,7 +9468,7 @@
 </p:sld>
 </file>
 
-<file path=ppt/slides/slide24.xml><?xml version="1.0" encoding="utf-8"?>
+<file path=ppt/slides/slide25.xml><?xml version="1.0" encoding="utf-8"?>
 <p:sld xmlns:a="http://schemas.openxmlformats.org/drawingml/2006/main" xmlns:r="http://schemas.openxmlformats.org/officeDocument/2006/relationships" xmlns:p="http://schemas.openxmlformats.org/presentationml/2006/main">
   <p:cSld>
     <p:spTree>
@@ -9137,7 +9490,7 @@
           <p:cNvPr id="2" name="Titel 1">
             <a:extLst>
               <a:ext uri="{FF2B5EF4-FFF2-40B4-BE49-F238E27FC236}">
-                <a16:creationId xmlns:a16="http://schemas.microsoft.com/office/drawing/2014/main" id="{FDE61FA0-08C4-81DD-FFF1-438E05BAE05D}"/>
+                <a16:creationId xmlns:a16="http://schemas.microsoft.com/office/drawing/2014/main" id="{41705578-676D-FCCF-F067-38289B99C507}"/>
               </a:ext>
             </a:extLst>
           </p:cNvPr>
@@ -9154,97 +9507,36 @@
           <a:lstStyle/>
           <a:p>
             <a:r>
-              <a:rPr lang="de-DE" dirty="0"/>
-              <a:t>SDGs</a:t>
-            </a:r>
-          </a:p>
-        </p:txBody>
-      </p:sp>
-      <p:sp>
-        <p:nvSpPr>
-          <p:cNvPr id="4" name="Fußzeilenplatzhalter 3">
-            <a:extLst>
-              <a:ext uri="{FF2B5EF4-FFF2-40B4-BE49-F238E27FC236}">
-                <a16:creationId xmlns:a16="http://schemas.microsoft.com/office/drawing/2014/main" id="{E5F5223E-8ED4-4C95-5CDA-F14BDC1EEAAF}"/>
-              </a:ext>
-            </a:extLst>
-          </p:cNvPr>
-          <p:cNvSpPr>
-            <a:spLocks noGrp="1"/>
-          </p:cNvSpPr>
-          <p:nvPr>
-            <p:ph type="ftr" sz="quarter" idx="11"/>
-          </p:nvPr>
-        </p:nvSpPr>
-        <p:spPr/>
-        <p:txBody>
-          <a:bodyPr/>
-          <a:lstStyle/>
-          <a:p>
-            <a:r>
               <a:rPr lang="de-AT" dirty="0"/>
-              <a:t>CONTRUDE </a:t>
-            </a:r>
-            <a:r>
-              <a:rPr lang="de-AT" dirty="0" err="1"/>
-              <a:t>Gekle</a:t>
-            </a:r>
-            <a:r>
-              <a:rPr lang="de-AT" dirty="0"/>
-              <a:t>, Kampl, Schrempf</a:t>
-            </a:r>
-          </a:p>
-        </p:txBody>
-      </p:sp>
-      <p:sp>
-        <p:nvSpPr>
-          <p:cNvPr id="5" name="Foliennummernplatzhalter 4">
-            <a:extLst>
-              <a:ext uri="{FF2B5EF4-FFF2-40B4-BE49-F238E27FC236}">
-                <a16:creationId xmlns:a16="http://schemas.microsoft.com/office/drawing/2014/main" id="{084E3D3B-E2A9-622A-9A79-9DA0E88A6E40}"/>
-              </a:ext>
-            </a:extLst>
-          </p:cNvPr>
-          <p:cNvSpPr>
-            <a:spLocks noGrp="1"/>
-          </p:cNvSpPr>
-          <p:nvPr>
-            <p:ph type="sldNum" sz="quarter" idx="12"/>
-          </p:nvPr>
-        </p:nvSpPr>
-        <p:spPr/>
-        <p:txBody>
-          <a:bodyPr/>
-          <a:lstStyle/>
-          <a:p>
-            <a:fld id="{7DCD6803-3BAA-44F6-A698-23D950C9713B}" type="slidenum">
-              <a:rPr lang="de-AT" smtClean="0"/>
-              <a:pPr/>
-              <a:t>24</a:t>
-            </a:fld>
-            <a:endParaRPr lang="de-AT"/>
+              <a:t>Server-Struktur</a:t>
+            </a:r>
           </a:p>
         </p:txBody>
       </p:sp>
       <p:pic>
         <p:nvPicPr>
-          <p:cNvPr id="7" name="Grafik 6" descr="Ein Bild, das Text, Schrift, Grün, Grafiken enthält.&#10;&#10;Automatisch generierte Beschreibung">
-            <a:extLst>
-              <a:ext uri="{FF2B5EF4-FFF2-40B4-BE49-F238E27FC236}">
-                <a16:creationId xmlns:a16="http://schemas.microsoft.com/office/drawing/2014/main" id="{BB3329D1-48C7-94F5-D68C-8796277FBDDB}"/>
+          <p:cNvPr id="7" name="Inhaltsplatzhalter 6">
+            <a:extLst>
+              <a:ext uri="{FF2B5EF4-FFF2-40B4-BE49-F238E27FC236}">
+                <a16:creationId xmlns:a16="http://schemas.microsoft.com/office/drawing/2014/main" id="{AFE89A80-B440-BF16-0152-F50CC3E17FFA}"/>
               </a:ext>
             </a:extLst>
           </p:cNvPr>
           <p:cNvPicPr>
-            <a:picLocks noChangeAspect="1"/>
+            <a:picLocks noGrp="1" noChangeAspect="1"/>
           </p:cNvPicPr>
-          <p:nvPr/>
+          <p:nvPr>
+            <p:ph idx="1"/>
+          </p:nvPr>
         </p:nvPicPr>
         <p:blipFill>
-          <a:blip r:embed="rId3" cstate="print">
+          <a:blip r:embed="rId2">
             <a:extLst>
               <a:ext uri="{28A0092B-C50C-407E-A947-70E740481C1C}">
                 <a14:useLocalDpi xmlns:a14="http://schemas.microsoft.com/office/drawing/2010/main" val="0"/>
+              </a:ext>
+              <a:ext uri="{96DAC541-7B7A-43D3-8B79-37D633B846F1}">
+                <asvg:svgBlip xmlns:asvg="http://schemas.microsoft.com/office/drawing/2016/SVG/main" r:embed="rId3"/>
               </a:ext>
             </a:extLst>
           </a:blip>
@@ -9254,162 +9546,73 @@
         </p:blipFill>
         <p:spPr>
           <a:xfrm>
-            <a:off x="2043046" y="1141214"/>
-            <a:ext cx="2354461" cy="2354461"/>
+            <a:off x="2173760" y="1095711"/>
+            <a:ext cx="7844479" cy="5073650"/>
           </a:xfrm>
-          <a:prstGeom prst="rect">
-            <a:avLst/>
-          </a:prstGeom>
         </p:spPr>
       </p:pic>
-      <p:pic>
-        <p:nvPicPr>
-          <p:cNvPr id="10" name="Grafik 9" descr="Ein Bild, das Text, Schrift, Grafiken, Logo enthält.&#10;&#10;Automatisch generierte Beschreibung">
-            <a:extLst>
-              <a:ext uri="{FF2B5EF4-FFF2-40B4-BE49-F238E27FC236}">
-                <a16:creationId xmlns:a16="http://schemas.microsoft.com/office/drawing/2014/main" id="{D5DB498B-8B11-E80E-56FC-E602297D0C6A}"/>
-              </a:ext>
-            </a:extLst>
-          </p:cNvPr>
-          <p:cNvPicPr>
-            <a:picLocks noChangeAspect="1"/>
-          </p:cNvPicPr>
-          <p:nvPr/>
-        </p:nvPicPr>
-        <p:blipFill>
-          <a:blip r:embed="rId4" cstate="print">
-            <a:extLst>
-              <a:ext uri="{28A0092B-C50C-407E-A947-70E740481C1C}">
-                <a14:useLocalDpi xmlns:a14="http://schemas.microsoft.com/office/drawing/2010/main" val="0"/>
-              </a:ext>
-            </a:extLst>
-          </a:blip>
-          <a:stretch>
-            <a:fillRect/>
-          </a:stretch>
-        </p:blipFill>
-        <p:spPr>
-          <a:xfrm>
-            <a:off x="5077564" y="1141214"/>
-            <a:ext cx="2354461" cy="2354461"/>
-          </a:xfrm>
-          <a:prstGeom prst="rect">
-            <a:avLst/>
-          </a:prstGeom>
-        </p:spPr>
-      </p:pic>
-      <p:pic>
-        <p:nvPicPr>
-          <p:cNvPr id="12" name="Grafik 11" descr="Ein Bild, das Text, Design, Grafiken, Schrift enthält.&#10;&#10;Automatisch generierte Beschreibung">
-            <a:extLst>
-              <a:ext uri="{FF2B5EF4-FFF2-40B4-BE49-F238E27FC236}">
-                <a16:creationId xmlns:a16="http://schemas.microsoft.com/office/drawing/2014/main" id="{5FC52199-4A3F-3E14-874F-7564EE6BFC29}"/>
-              </a:ext>
-            </a:extLst>
-          </p:cNvPr>
-          <p:cNvPicPr>
-            <a:picLocks noChangeAspect="1"/>
-          </p:cNvPicPr>
-          <p:nvPr/>
-        </p:nvPicPr>
-        <p:blipFill>
-          <a:blip r:embed="rId5" cstate="print">
-            <a:extLst>
-              <a:ext uri="{28A0092B-C50C-407E-A947-70E740481C1C}">
-                <a14:useLocalDpi xmlns:a14="http://schemas.microsoft.com/office/drawing/2010/main" val="0"/>
-              </a:ext>
-            </a:extLst>
-          </a:blip>
-          <a:stretch>
-            <a:fillRect/>
-          </a:stretch>
-        </p:blipFill>
-        <p:spPr>
-          <a:xfrm>
-            <a:off x="8112082" y="1141214"/>
-            <a:ext cx="2354461" cy="2354461"/>
-          </a:xfrm>
-          <a:prstGeom prst="rect">
-            <a:avLst/>
-          </a:prstGeom>
-        </p:spPr>
-      </p:pic>
-      <p:pic>
-        <p:nvPicPr>
-          <p:cNvPr id="14" name="Grafik 13" descr="Ein Bild, das Text, Schrift, Logo, Grafiken enthält.&#10;&#10;Automatisch generierte Beschreibung">
-            <a:extLst>
-              <a:ext uri="{FF2B5EF4-FFF2-40B4-BE49-F238E27FC236}">
-                <a16:creationId xmlns:a16="http://schemas.microsoft.com/office/drawing/2014/main" id="{F4B79455-BB9C-413C-9CEB-C51B694642FA}"/>
-              </a:ext>
-            </a:extLst>
-          </p:cNvPr>
-          <p:cNvPicPr>
-            <a:picLocks noChangeAspect="1"/>
-          </p:cNvPicPr>
-          <p:nvPr/>
-        </p:nvPicPr>
-        <p:blipFill>
-          <a:blip r:embed="rId6" cstate="print">
-            <a:extLst>
-              <a:ext uri="{28A0092B-C50C-407E-A947-70E740481C1C}">
-                <a14:useLocalDpi xmlns:a14="http://schemas.microsoft.com/office/drawing/2010/main" val="0"/>
-              </a:ext>
-            </a:extLst>
-          </a:blip>
-          <a:stretch>
-            <a:fillRect/>
-          </a:stretch>
-        </p:blipFill>
-        <p:spPr>
-          <a:xfrm>
-            <a:off x="3560305" y="3724394"/>
-            <a:ext cx="2354461" cy="2354461"/>
-          </a:xfrm>
-          <a:prstGeom prst="rect">
-            <a:avLst/>
-          </a:prstGeom>
-        </p:spPr>
-      </p:pic>
-      <p:pic>
-        <p:nvPicPr>
-          <p:cNvPr id="16" name="Grafik 15" descr="Ein Bild, das Text, Logo, Grafiken, Grafikdesign enthält.&#10;&#10;Automatisch generierte Beschreibung">
-            <a:extLst>
-              <a:ext uri="{FF2B5EF4-FFF2-40B4-BE49-F238E27FC236}">
-                <a16:creationId xmlns:a16="http://schemas.microsoft.com/office/drawing/2014/main" id="{4A1CF2A3-C671-DF8D-6D25-6E8CA96ED248}"/>
-              </a:ext>
-            </a:extLst>
-          </p:cNvPr>
-          <p:cNvPicPr>
-            <a:picLocks noChangeAspect="1"/>
-          </p:cNvPicPr>
-          <p:nvPr/>
-        </p:nvPicPr>
-        <p:blipFill>
-          <a:blip r:embed="rId7" cstate="print">
-            <a:extLst>
-              <a:ext uri="{28A0092B-C50C-407E-A947-70E740481C1C}">
-                <a14:useLocalDpi xmlns:a14="http://schemas.microsoft.com/office/drawing/2010/main" val="0"/>
-              </a:ext>
-            </a:extLst>
-          </a:blip>
-          <a:stretch>
-            <a:fillRect/>
-          </a:stretch>
-        </p:blipFill>
-        <p:spPr>
-          <a:xfrm>
-            <a:off x="6588472" y="3725305"/>
-            <a:ext cx="2367163" cy="2367163"/>
-          </a:xfrm>
-          <a:prstGeom prst="rect">
-            <a:avLst/>
-          </a:prstGeom>
-        </p:spPr>
-      </p:pic>
+      <p:sp>
+        <p:nvSpPr>
+          <p:cNvPr id="4" name="Fußzeilenplatzhalter 3">
+            <a:extLst>
+              <a:ext uri="{FF2B5EF4-FFF2-40B4-BE49-F238E27FC236}">
+                <a16:creationId xmlns:a16="http://schemas.microsoft.com/office/drawing/2014/main" id="{68EE335B-B2E2-9F37-0D30-DC40083206F5}"/>
+              </a:ext>
+            </a:extLst>
+          </p:cNvPr>
+          <p:cNvSpPr>
+            <a:spLocks noGrp="1"/>
+          </p:cNvSpPr>
+          <p:nvPr>
+            <p:ph type="ftr" sz="quarter" idx="11"/>
+          </p:nvPr>
+        </p:nvSpPr>
+        <p:spPr/>
+        <p:txBody>
+          <a:bodyPr/>
+          <a:lstStyle/>
+          <a:p>
+            <a:r>
+              <a:rPr lang="de-AT"/>
+              <a:t>CONTRUDE Gekle, Kampl, Schrempf</a:t>
+            </a:r>
+          </a:p>
+        </p:txBody>
+      </p:sp>
+      <p:sp>
+        <p:nvSpPr>
+          <p:cNvPr id="5" name="Foliennummernplatzhalter 4">
+            <a:extLst>
+              <a:ext uri="{FF2B5EF4-FFF2-40B4-BE49-F238E27FC236}">
+                <a16:creationId xmlns:a16="http://schemas.microsoft.com/office/drawing/2014/main" id="{C505ED6E-17E1-8489-2A55-B1355FDF1AC1}"/>
+              </a:ext>
+            </a:extLst>
+          </p:cNvPr>
+          <p:cNvSpPr>
+            <a:spLocks noGrp="1"/>
+          </p:cNvSpPr>
+          <p:nvPr>
+            <p:ph type="sldNum" sz="quarter" idx="12"/>
+          </p:nvPr>
+        </p:nvSpPr>
+        <p:spPr/>
+        <p:txBody>
+          <a:bodyPr/>
+          <a:lstStyle/>
+          <a:p>
+            <a:fld id="{7DCD6803-3BAA-44F6-A698-23D950C9713B}" type="slidenum">
+              <a:rPr lang="de-AT" smtClean="0"/>
+              <a:pPr/>
+              <a:t>25</a:t>
+            </a:fld>
+            <a:endParaRPr lang="de-AT"/>
+          </a:p>
+        </p:txBody>
+      </p:sp>
     </p:spTree>
     <p:extLst>
       <p:ext uri="{BB962C8B-B14F-4D97-AF65-F5344CB8AC3E}">
-        <p14:creationId xmlns:p14="http://schemas.microsoft.com/office/powerpoint/2010/main" val="2858394226"/>
+        <p14:creationId xmlns:p14="http://schemas.microsoft.com/office/powerpoint/2010/main" val="4255778362"/>
       </p:ext>
     </p:extLst>
   </p:cSld>
@@ -9465,7 +9668,7 @@
           <a:p>
             <a:r>
               <a:rPr lang="de-AT"/>
-              <a:t>Partner/Aufgabenstellung</a:t>
+              <a:t>Ziele</a:t>
             </a:r>
           </a:p>
         </p:txBody>
@@ -9487,15 +9690,7 @@
           <a:p>
             <a:r>
               <a:rPr lang="de-AT"/>
-              <a:t>CONTRUDE </a:t>
-            </a:r>
-            <a:r>
-              <a:rPr lang="de-AT" err="1"/>
-              <a:t>Gekle</a:t>
-            </a:r>
-            <a:r>
-              <a:rPr lang="de-AT"/>
-              <a:t>, Kampl, Schrempf</a:t>
+              <a:t>CONTRUDE Gekle, Kampl, Schrempf</a:t>
             </a:r>
           </a:p>
         </p:txBody>
@@ -9512,76 +9707,142 @@
         </p:nvSpPr>
         <p:spPr/>
         <p:txBody>
-          <a:bodyPr vert="horz" lIns="91440" tIns="45720" rIns="91440" bIns="45720" rtlCol="0" anchor="t">
+          <a:bodyPr>
             <a:normAutofit/>
           </a:bodyPr>
           <a:lstStyle/>
           <a:p>
-            <a:r>
-              <a:rPr lang="de-AT" dirty="0"/>
-              <a:t>HTL Leoben</a:t>
-            </a:r>
-          </a:p>
-          <a:p>
-            <a:r>
-              <a:rPr lang="de-AT" dirty="0"/>
-              <a:t>Container Tracken</a:t>
-            </a:r>
-          </a:p>
-          <a:p>
-            <a:pPr lvl="1"/>
-            <a:r>
-              <a:rPr lang="de-AT" dirty="0"/>
-              <a:t>Prototypen bauen </a:t>
-            </a:r>
-          </a:p>
-          <a:p>
-            <a:pPr lvl="1"/>
-            <a:r>
-              <a:rPr lang="de-AT" dirty="0"/>
-              <a:t>Positionierung ermitteln</a:t>
-            </a:r>
-            <a:endParaRPr lang="de-AT" dirty="0">
-              <a:cs typeface="Calibri"/>
+            <a:pPr algn="l" fontAlgn="base">
+              <a:buFont typeface="Arial" panose="020B0604020202020204" pitchFamily="34" charset="0"/>
+              <a:buChar char="•"/>
+            </a:pPr>
+            <a:r>
+              <a:rPr lang="de-DE" b="0" i="0" dirty="0">
+                <a:effectLst/>
+                <a:latin typeface="+mj-lt"/>
+              </a:rPr>
+              <a:t>Verfolgung von Containern während des Überseetransports </a:t>
+            </a:r>
+          </a:p>
+          <a:p>
+            <a:pPr lvl="1" fontAlgn="base">
+              <a:buFont typeface="Arial" panose="020B0604020202020204" pitchFamily="34" charset="0"/>
+              <a:buChar char="•"/>
+            </a:pPr>
+            <a:r>
+              <a:rPr lang="de-DE" b="0" i="0" dirty="0">
+                <a:effectLst/>
+                <a:latin typeface="+mj-lt"/>
+              </a:rPr>
+              <a:t>GPS-Tracking</a:t>
+            </a:r>
+          </a:p>
+          <a:p>
+            <a:pPr algn="l" fontAlgn="base">
+              <a:buFont typeface="Arial" panose="020B0604020202020204" pitchFamily="34" charset="0"/>
+              <a:buChar char="•"/>
+            </a:pPr>
+            <a:r>
+              <a:rPr lang="de-DE" b="0" i="0" dirty="0">
+                <a:effectLst/>
+                <a:latin typeface="+mj-lt"/>
+              </a:rPr>
+              <a:t>Erfassung von Umweltdaten für einen spezifischen Container</a:t>
+            </a:r>
+          </a:p>
+          <a:p>
+            <a:pPr lvl="1" fontAlgn="base">
+              <a:buFont typeface="Arial" panose="020B0604020202020204" pitchFamily="34" charset="0"/>
+              <a:buChar char="•"/>
+            </a:pPr>
+            <a:r>
+              <a:rPr lang="de-DE" dirty="0">
+                <a:latin typeface="+mj-lt"/>
+              </a:rPr>
+              <a:t>Temperatur</a:t>
+            </a:r>
+          </a:p>
+          <a:p>
+            <a:pPr lvl="1" fontAlgn="base">
+              <a:buFont typeface="Arial" panose="020B0604020202020204" pitchFamily="34" charset="0"/>
+              <a:buChar char="•"/>
+            </a:pPr>
+            <a:r>
+              <a:rPr lang="de-DE" b="0" i="0" dirty="0">
+                <a:effectLst/>
+                <a:latin typeface="+mj-lt"/>
+              </a:rPr>
+              <a:t>Luftfeuchtigkeit/-druck</a:t>
+            </a:r>
+          </a:p>
+          <a:p>
+            <a:pPr lvl="1" fontAlgn="base">
+              <a:buFont typeface="Arial" panose="020B0604020202020204" pitchFamily="34" charset="0"/>
+              <a:buChar char="•"/>
+            </a:pPr>
+            <a:r>
+              <a:rPr lang="de-DE" dirty="0">
+                <a:latin typeface="+mj-lt"/>
+              </a:rPr>
+              <a:t>Erschütterung</a:t>
+            </a:r>
+            <a:endParaRPr lang="de-DE" b="0" i="0" dirty="0">
+              <a:effectLst/>
+              <a:latin typeface="+mj-lt"/>
             </a:endParaRPr>
           </a:p>
           <a:p>
-            <a:r>
-              <a:rPr lang="de-AT" dirty="0"/>
-              <a:t>Umweltdaten auslesen</a:t>
-            </a:r>
-          </a:p>
-          <a:p>
-            <a:pPr lvl="1"/>
-            <a:r>
-              <a:rPr lang="de-AT" dirty="0"/>
-              <a:t>Daten persistieren </a:t>
-            </a:r>
-            <a:endParaRPr lang="de-AT" dirty="0">
-              <a:cs typeface="Calibri"/>
-            </a:endParaRPr>
-          </a:p>
-          <a:p>
-            <a:pPr lvl="1"/>
-            <a:r>
-              <a:rPr lang="de-AT" dirty="0"/>
-              <a:t>Daten in Webanwendung anzeigen </a:t>
-            </a:r>
-            <a:endParaRPr lang="de-AT" dirty="0">
-              <a:cs typeface="Calibri"/>
-            </a:endParaRPr>
-          </a:p>
-          <a:p>
-            <a:pPr lvl="1"/>
-            <a:endParaRPr lang="de-AT" dirty="0"/>
-          </a:p>
-          <a:p>
-            <a:pPr lvl="1"/>
-            <a:endParaRPr lang="de-AT" dirty="0"/>
-          </a:p>
-          <a:p>
-            <a:pPr lvl="1"/>
-            <a:endParaRPr lang="de-AT" dirty="0"/>
+            <a:pPr algn="l" fontAlgn="base">
+              <a:buFont typeface="Arial" panose="020B0604020202020204" pitchFamily="34" charset="0"/>
+              <a:buChar char="•"/>
+            </a:pPr>
+            <a:r>
+              <a:rPr lang="de-DE" b="0" i="0" dirty="0">
+                <a:effectLst/>
+                <a:latin typeface="+mj-lt"/>
+              </a:rPr>
+              <a:t>Bereitstellung historischer Umweltdaten je Container</a:t>
+            </a:r>
+          </a:p>
+          <a:p>
+            <a:pPr algn="l" fontAlgn="base">
+              <a:buFont typeface="Arial" panose="020B0604020202020204" pitchFamily="34" charset="0"/>
+              <a:buChar char="•"/>
+            </a:pPr>
+            <a:r>
+              <a:rPr lang="de-DE" b="0" i="0" dirty="0">
+                <a:effectLst/>
+                <a:latin typeface="+mj-lt"/>
+              </a:rPr>
+              <a:t>Entwicklung von Hardwareprototypen für einen Proof-</a:t>
+            </a:r>
+            <a:r>
+              <a:rPr lang="de-DE" b="0" i="0" dirty="0" err="1">
+                <a:effectLst/>
+                <a:latin typeface="+mj-lt"/>
+              </a:rPr>
+              <a:t>of</a:t>
+            </a:r>
+            <a:r>
+              <a:rPr lang="de-DE" b="0" i="0" dirty="0">
+                <a:effectLst/>
+                <a:latin typeface="+mj-lt"/>
+              </a:rPr>
+              <a:t>-Concept</a:t>
+            </a:r>
+          </a:p>
+          <a:p>
+            <a:pPr algn="l" fontAlgn="base">
+              <a:buFont typeface="Arial" panose="020B0604020202020204" pitchFamily="34" charset="0"/>
+              <a:buChar char="•"/>
+            </a:pPr>
+            <a:r>
+              <a:rPr lang="de-DE" b="0" i="0" dirty="0">
+                <a:effectLst/>
+                <a:latin typeface="+mj-lt"/>
+              </a:rPr>
+              <a:t>Modernes Userinterface zur Abfrage und Visualisierung der erfassten Daten</a:t>
+            </a:r>
           </a:p>
         </p:txBody>
       </p:sp>
@@ -9612,7 +9873,7 @@
     </p:spTree>
     <p:extLst>
       <p:ext uri="{BB962C8B-B14F-4D97-AF65-F5344CB8AC3E}">
-        <p14:creationId xmlns:p14="http://schemas.microsoft.com/office/powerpoint/2010/main" val="1710119030"/>
+        <p14:creationId xmlns:p14="http://schemas.microsoft.com/office/powerpoint/2010/main" val="3925678693"/>
       </p:ext>
     </p:extLst>
   </p:cSld>
@@ -9668,7 +9929,7 @@
           <a:p>
             <a:r>
               <a:rPr lang="de-AT"/>
-              <a:t>Ziele</a:t>
+              <a:t>Partner/Aufgabenstellung</a:t>
             </a:r>
           </a:p>
         </p:txBody>
@@ -9690,7 +9951,15 @@
           <a:p>
             <a:r>
               <a:rPr lang="de-AT"/>
-              <a:t>CONTRUDE Gekle, Kampl, Schrempf</a:t>
+              <a:t>CONTRUDE </a:t>
+            </a:r>
+            <a:r>
+              <a:rPr lang="de-AT" err="1"/>
+              <a:t>Gekle</a:t>
+            </a:r>
+            <a:r>
+              <a:rPr lang="de-AT"/>
+              <a:t>, Kampl, Schrempf</a:t>
             </a:r>
           </a:p>
         </p:txBody>
@@ -9707,101 +9976,87 @@
         </p:nvSpPr>
         <p:spPr/>
         <p:txBody>
-          <a:bodyPr>
+          <a:bodyPr vert="horz" lIns="91440" tIns="45720" rIns="91440" bIns="45720" rtlCol="0" anchor="t">
             <a:normAutofit/>
           </a:bodyPr>
           <a:lstStyle/>
           <a:p>
-            <a:pPr algn="l" fontAlgn="base">
-              <a:buFont typeface="Arial" panose="020B0604020202020204" pitchFamily="34" charset="0"/>
-              <a:buChar char="•"/>
+            <a:r>
+              <a:rPr lang="de-AT" dirty="0"/>
+              <a:t>HTL Leoben</a:t>
+            </a:r>
+          </a:p>
+          <a:p>
+            <a:pPr marL="0" indent="0">
+              <a:buNone/>
             </a:pPr>
-            <a:r>
-              <a:rPr lang="de-DE" b="0" i="0" dirty="0">
-                <a:effectLst/>
-                <a:latin typeface="+mj-lt"/>
-              </a:rPr>
-              <a:t>Verfolgung von Containern während des Überseetransports </a:t>
-            </a:r>
-          </a:p>
-          <a:p>
-            <a:pPr lvl="1" fontAlgn="base">
-              <a:buFont typeface="Arial" panose="020B0604020202020204" pitchFamily="34" charset="0"/>
-              <a:buChar char="•"/>
+            <a:endParaRPr lang="de-AT" dirty="0"/>
+          </a:p>
+          <a:p>
+            <a:r>
+              <a:rPr lang="de-AT" dirty="0"/>
+              <a:t>Container Tracken</a:t>
+            </a:r>
+          </a:p>
+          <a:p>
+            <a:pPr lvl="1"/>
+            <a:r>
+              <a:rPr lang="de-AT" dirty="0"/>
+              <a:t>Prototypen bauen </a:t>
+            </a:r>
+          </a:p>
+          <a:p>
+            <a:pPr lvl="1"/>
+            <a:r>
+              <a:rPr lang="de-AT" dirty="0"/>
+              <a:t>Positionierung ermitteln</a:t>
+            </a:r>
+          </a:p>
+          <a:p>
+            <a:pPr marL="457200" lvl="1" indent="0">
+              <a:buNone/>
             </a:pPr>
-            <a:r>
-              <a:rPr lang="de-DE" b="0" i="0" dirty="0">
-                <a:effectLst/>
-                <a:latin typeface="+mj-lt"/>
-              </a:rPr>
-              <a:t>GPS-Tracking</a:t>
-            </a:r>
-          </a:p>
-          <a:p>
-            <a:pPr algn="l" fontAlgn="base">
-              <a:buFont typeface="Arial" panose="020B0604020202020204" pitchFamily="34" charset="0"/>
-              <a:buChar char="•"/>
-            </a:pPr>
-            <a:r>
-              <a:rPr lang="de-DE" b="0" i="0" dirty="0">
-                <a:effectLst/>
-                <a:latin typeface="+mj-lt"/>
-              </a:rPr>
-              <a:t>Erfassung von Umweltdaten für einen spezifischen Container</a:t>
-            </a:r>
-          </a:p>
-          <a:p>
-            <a:pPr algn="l" fontAlgn="base">
-              <a:buFont typeface="Arial" panose="020B0604020202020204" pitchFamily="34" charset="0"/>
-              <a:buChar char="•"/>
-            </a:pPr>
-            <a:r>
-              <a:rPr lang="de-DE" b="0" i="0" dirty="0">
-                <a:effectLst/>
-                <a:latin typeface="+mj-lt"/>
-              </a:rPr>
-              <a:t>Bereitstellung historischer Umweltdaten für spezifische Container</a:t>
-            </a:r>
-          </a:p>
-          <a:p>
-            <a:pPr algn="l" fontAlgn="base">
-              <a:buFont typeface="Arial" panose="020B0604020202020204" pitchFamily="34" charset="0"/>
-              <a:buChar char="•"/>
-            </a:pPr>
-            <a:r>
-              <a:rPr lang="de-DE" b="0" i="0" dirty="0">
-                <a:effectLst/>
-                <a:latin typeface="+mj-lt"/>
-              </a:rPr>
-              <a:t>Entwicklung von Hardware Prototypen für einen Proof-</a:t>
-            </a:r>
-            <a:r>
-              <a:rPr lang="de-DE" b="0" i="0" dirty="0" err="1">
-                <a:effectLst/>
-                <a:latin typeface="+mj-lt"/>
-              </a:rPr>
-              <a:t>of</a:t>
-            </a:r>
-            <a:r>
-              <a:rPr lang="de-DE" b="0" i="0" dirty="0">
-                <a:effectLst/>
-                <a:latin typeface="+mj-lt"/>
-              </a:rPr>
-              <a:t>-Concept</a:t>
-            </a:r>
-          </a:p>
-          <a:p>
-            <a:pPr algn="l" fontAlgn="base">
-              <a:buFont typeface="Arial" panose="020B0604020202020204" pitchFamily="34" charset="0"/>
-              <a:buChar char="•"/>
-            </a:pPr>
-            <a:r>
-              <a:rPr lang="de-DE" b="0" i="0" dirty="0">
-                <a:effectLst/>
-                <a:latin typeface="+mj-lt"/>
-              </a:rPr>
-              <a:t>Modernes Userinterface zur Abfrage und Visualisierung der erfassten Daten</a:t>
-            </a:r>
+            <a:endParaRPr lang="de-AT" dirty="0">
+              <a:cs typeface="Calibri"/>
+            </a:endParaRPr>
+          </a:p>
+          <a:p>
+            <a:r>
+              <a:rPr lang="de-AT" dirty="0"/>
+              <a:t>Umweltdaten auslesen</a:t>
+            </a:r>
+          </a:p>
+          <a:p>
+            <a:pPr lvl="1"/>
+            <a:r>
+              <a:rPr lang="de-AT" dirty="0"/>
+              <a:t>Daten persistieren </a:t>
+            </a:r>
+            <a:endParaRPr lang="de-AT" dirty="0">
+              <a:cs typeface="Calibri"/>
+            </a:endParaRPr>
+          </a:p>
+          <a:p>
+            <a:pPr lvl="1"/>
+            <a:r>
+              <a:rPr lang="de-AT" dirty="0"/>
+              <a:t>Daten in Webanwendung anzeigen </a:t>
+            </a:r>
+            <a:endParaRPr lang="de-AT" dirty="0">
+              <a:cs typeface="Calibri"/>
+            </a:endParaRPr>
+          </a:p>
+          <a:p>
+            <a:pPr lvl="1"/>
+            <a:endParaRPr lang="de-AT" dirty="0"/>
+          </a:p>
+          <a:p>
+            <a:pPr lvl="1"/>
+            <a:endParaRPr lang="de-AT" dirty="0"/>
+          </a:p>
+          <a:p>
+            <a:pPr lvl="1"/>
+            <a:endParaRPr lang="de-AT" dirty="0"/>
           </a:p>
         </p:txBody>
       </p:sp>
@@ -9832,7 +10087,7 @@
     </p:spTree>
     <p:extLst>
       <p:ext uri="{BB962C8B-B14F-4D97-AF65-F5344CB8AC3E}">
-        <p14:creationId xmlns:p14="http://schemas.microsoft.com/office/powerpoint/2010/main" val="3925678693"/>
+        <p14:creationId xmlns:p14="http://schemas.microsoft.com/office/powerpoint/2010/main" val="1710119030"/>
       </p:ext>
     </p:extLst>
   </p:cSld>
@@ -9873,10 +10128,38 @@
       </p:grpSpPr>
       <p:sp>
         <p:nvSpPr>
+          <p:cNvPr id="2" name="Titel 1">
+            <a:extLst>
+              <a:ext uri="{FF2B5EF4-FFF2-40B4-BE49-F238E27FC236}">
+                <a16:creationId xmlns:a16="http://schemas.microsoft.com/office/drawing/2014/main" id="{FDE61FA0-08C4-81DD-FFF1-438E05BAE05D}"/>
+              </a:ext>
+            </a:extLst>
+          </p:cNvPr>
+          <p:cNvSpPr>
+            <a:spLocks noGrp="1"/>
+          </p:cNvSpPr>
+          <p:nvPr>
+            <p:ph type="title"/>
+          </p:nvPr>
+        </p:nvSpPr>
+        <p:spPr/>
+        <p:txBody>
+          <a:bodyPr/>
+          <a:lstStyle/>
+          <a:p>
+            <a:r>
+              <a:rPr lang="de-DE" dirty="0"/>
+              <a:t>SDGs</a:t>
+            </a:r>
+          </a:p>
+        </p:txBody>
+      </p:sp>
+      <p:sp>
+        <p:nvSpPr>
           <p:cNvPr id="4" name="Fußzeilenplatzhalter 3">
             <a:extLst>
               <a:ext uri="{FF2B5EF4-FFF2-40B4-BE49-F238E27FC236}">
-                <a16:creationId xmlns:a16="http://schemas.microsoft.com/office/drawing/2014/main" id="{E60B7009-2B0F-747C-568D-AC20F983B193}"/>
+                <a16:creationId xmlns:a16="http://schemas.microsoft.com/office/drawing/2014/main" id="{E5F5223E-8ED4-4C95-5CDA-F14BDC1EEAAF}"/>
               </a:ext>
             </a:extLst>
           </p:cNvPr>
@@ -9893,15 +10176,15 @@
           <a:lstStyle/>
           <a:p>
             <a:r>
-              <a:rPr lang="de-AT"/>
+              <a:rPr lang="de-AT" dirty="0"/>
               <a:t>CONTRUDE </a:t>
             </a:r>
             <a:r>
-              <a:rPr lang="de-AT" err="1"/>
+              <a:rPr lang="de-AT" dirty="0" err="1"/>
               <a:t>Gekle</a:t>
             </a:r>
             <a:r>
-              <a:rPr lang="de-AT"/>
+              <a:rPr lang="de-AT" dirty="0"/>
               <a:t>, Kampl, Schrempf</a:t>
             </a:r>
           </a:p>
@@ -9912,7 +10195,7 @@
           <p:cNvPr id="5" name="Foliennummernplatzhalter 4">
             <a:extLst>
               <a:ext uri="{FF2B5EF4-FFF2-40B4-BE49-F238E27FC236}">
-                <a16:creationId xmlns:a16="http://schemas.microsoft.com/office/drawing/2014/main" id="{B8DFB85E-29D1-B262-44AB-6AE9AD2CCB9A}"/>
+                <a16:creationId xmlns:a16="http://schemas.microsoft.com/office/drawing/2014/main" id="{084E3D3B-E2A9-622A-9A79-9DA0E88A6E40}"/>
               </a:ext>
             </a:extLst>
           </p:cNvPr>
@@ -9932,6 +10215,294 @@
               <a:rPr lang="de-AT" smtClean="0"/>
               <a:pPr/>
               <a:t>5</a:t>
+            </a:fld>
+            <a:endParaRPr lang="de-AT"/>
+          </a:p>
+        </p:txBody>
+      </p:sp>
+      <p:pic>
+        <p:nvPicPr>
+          <p:cNvPr id="7" name="Grafik 6" descr="Ein Bild, das Text, Schrift, Grün, Grafiken enthält.&#10;&#10;Automatisch generierte Beschreibung">
+            <a:extLst>
+              <a:ext uri="{FF2B5EF4-FFF2-40B4-BE49-F238E27FC236}">
+                <a16:creationId xmlns:a16="http://schemas.microsoft.com/office/drawing/2014/main" id="{BB3329D1-48C7-94F5-D68C-8796277FBDDB}"/>
+              </a:ext>
+            </a:extLst>
+          </p:cNvPr>
+          <p:cNvPicPr>
+            <a:picLocks noChangeAspect="1"/>
+          </p:cNvPicPr>
+          <p:nvPr/>
+        </p:nvPicPr>
+        <p:blipFill>
+          <a:blip r:embed="rId3" cstate="print">
+            <a:extLst>
+              <a:ext uri="{28A0092B-C50C-407E-A947-70E740481C1C}">
+                <a14:useLocalDpi xmlns:a14="http://schemas.microsoft.com/office/drawing/2010/main" val="0"/>
+              </a:ext>
+            </a:extLst>
+          </a:blip>
+          <a:stretch>
+            <a:fillRect/>
+          </a:stretch>
+        </p:blipFill>
+        <p:spPr>
+          <a:xfrm>
+            <a:off x="2043046" y="1141214"/>
+            <a:ext cx="2354461" cy="2354461"/>
+          </a:xfrm>
+          <a:prstGeom prst="rect">
+            <a:avLst/>
+          </a:prstGeom>
+        </p:spPr>
+      </p:pic>
+      <p:pic>
+        <p:nvPicPr>
+          <p:cNvPr id="10" name="Grafik 9" descr="Ein Bild, das Text, Schrift, Grafiken, Logo enthält.&#10;&#10;Automatisch generierte Beschreibung">
+            <a:extLst>
+              <a:ext uri="{FF2B5EF4-FFF2-40B4-BE49-F238E27FC236}">
+                <a16:creationId xmlns:a16="http://schemas.microsoft.com/office/drawing/2014/main" id="{D5DB498B-8B11-E80E-56FC-E602297D0C6A}"/>
+              </a:ext>
+            </a:extLst>
+          </p:cNvPr>
+          <p:cNvPicPr>
+            <a:picLocks noChangeAspect="1"/>
+          </p:cNvPicPr>
+          <p:nvPr/>
+        </p:nvPicPr>
+        <p:blipFill>
+          <a:blip r:embed="rId4" cstate="print">
+            <a:extLst>
+              <a:ext uri="{28A0092B-C50C-407E-A947-70E740481C1C}">
+                <a14:useLocalDpi xmlns:a14="http://schemas.microsoft.com/office/drawing/2010/main" val="0"/>
+              </a:ext>
+            </a:extLst>
+          </a:blip>
+          <a:stretch>
+            <a:fillRect/>
+          </a:stretch>
+        </p:blipFill>
+        <p:spPr>
+          <a:xfrm>
+            <a:off x="5077564" y="1141214"/>
+            <a:ext cx="2354461" cy="2354461"/>
+          </a:xfrm>
+          <a:prstGeom prst="rect">
+            <a:avLst/>
+          </a:prstGeom>
+        </p:spPr>
+      </p:pic>
+      <p:pic>
+        <p:nvPicPr>
+          <p:cNvPr id="12" name="Grafik 11" descr="Ein Bild, das Text, Design, Grafiken, Schrift enthält.&#10;&#10;Automatisch generierte Beschreibung">
+            <a:extLst>
+              <a:ext uri="{FF2B5EF4-FFF2-40B4-BE49-F238E27FC236}">
+                <a16:creationId xmlns:a16="http://schemas.microsoft.com/office/drawing/2014/main" id="{5FC52199-4A3F-3E14-874F-7564EE6BFC29}"/>
+              </a:ext>
+            </a:extLst>
+          </p:cNvPr>
+          <p:cNvPicPr>
+            <a:picLocks noChangeAspect="1"/>
+          </p:cNvPicPr>
+          <p:nvPr/>
+        </p:nvPicPr>
+        <p:blipFill>
+          <a:blip r:embed="rId5" cstate="print">
+            <a:extLst>
+              <a:ext uri="{28A0092B-C50C-407E-A947-70E740481C1C}">
+                <a14:useLocalDpi xmlns:a14="http://schemas.microsoft.com/office/drawing/2010/main" val="0"/>
+              </a:ext>
+            </a:extLst>
+          </a:blip>
+          <a:stretch>
+            <a:fillRect/>
+          </a:stretch>
+        </p:blipFill>
+        <p:spPr>
+          <a:xfrm>
+            <a:off x="8112082" y="1141214"/>
+            <a:ext cx="2354461" cy="2354461"/>
+          </a:xfrm>
+          <a:prstGeom prst="rect">
+            <a:avLst/>
+          </a:prstGeom>
+        </p:spPr>
+      </p:pic>
+      <p:pic>
+        <p:nvPicPr>
+          <p:cNvPr id="14" name="Grafik 13" descr="Ein Bild, das Text, Schrift, Logo, Grafiken enthält.&#10;&#10;Automatisch generierte Beschreibung">
+            <a:extLst>
+              <a:ext uri="{FF2B5EF4-FFF2-40B4-BE49-F238E27FC236}">
+                <a16:creationId xmlns:a16="http://schemas.microsoft.com/office/drawing/2014/main" id="{F4B79455-BB9C-413C-9CEB-C51B694642FA}"/>
+              </a:ext>
+            </a:extLst>
+          </p:cNvPr>
+          <p:cNvPicPr>
+            <a:picLocks noChangeAspect="1"/>
+          </p:cNvPicPr>
+          <p:nvPr/>
+        </p:nvPicPr>
+        <p:blipFill>
+          <a:blip r:embed="rId6" cstate="print">
+            <a:extLst>
+              <a:ext uri="{28A0092B-C50C-407E-A947-70E740481C1C}">
+                <a14:useLocalDpi xmlns:a14="http://schemas.microsoft.com/office/drawing/2010/main" val="0"/>
+              </a:ext>
+            </a:extLst>
+          </a:blip>
+          <a:stretch>
+            <a:fillRect/>
+          </a:stretch>
+        </p:blipFill>
+        <p:spPr>
+          <a:xfrm>
+            <a:off x="3560305" y="3724394"/>
+            <a:ext cx="2354461" cy="2354461"/>
+          </a:xfrm>
+          <a:prstGeom prst="rect">
+            <a:avLst/>
+          </a:prstGeom>
+        </p:spPr>
+      </p:pic>
+      <p:pic>
+        <p:nvPicPr>
+          <p:cNvPr id="16" name="Grafik 15" descr="Ein Bild, das Text, Logo, Grafiken, Grafikdesign enthält.&#10;&#10;Automatisch generierte Beschreibung">
+            <a:extLst>
+              <a:ext uri="{FF2B5EF4-FFF2-40B4-BE49-F238E27FC236}">
+                <a16:creationId xmlns:a16="http://schemas.microsoft.com/office/drawing/2014/main" id="{4A1CF2A3-C671-DF8D-6D25-6E8CA96ED248}"/>
+              </a:ext>
+            </a:extLst>
+          </p:cNvPr>
+          <p:cNvPicPr>
+            <a:picLocks noChangeAspect="1"/>
+          </p:cNvPicPr>
+          <p:nvPr/>
+        </p:nvPicPr>
+        <p:blipFill>
+          <a:blip r:embed="rId7" cstate="print">
+            <a:extLst>
+              <a:ext uri="{28A0092B-C50C-407E-A947-70E740481C1C}">
+                <a14:useLocalDpi xmlns:a14="http://schemas.microsoft.com/office/drawing/2010/main" val="0"/>
+              </a:ext>
+            </a:extLst>
+          </a:blip>
+          <a:stretch>
+            <a:fillRect/>
+          </a:stretch>
+        </p:blipFill>
+        <p:spPr>
+          <a:xfrm>
+            <a:off x="6588472" y="3725305"/>
+            <a:ext cx="2367163" cy="2367163"/>
+          </a:xfrm>
+          <a:prstGeom prst="rect">
+            <a:avLst/>
+          </a:prstGeom>
+        </p:spPr>
+      </p:pic>
+    </p:spTree>
+    <p:extLst>
+      <p:ext uri="{BB962C8B-B14F-4D97-AF65-F5344CB8AC3E}">
+        <p14:creationId xmlns:p14="http://schemas.microsoft.com/office/powerpoint/2010/main" val="1681797385"/>
+      </p:ext>
+    </p:extLst>
+  </p:cSld>
+  <p:clrMapOvr>
+    <a:masterClrMapping/>
+  </p:clrMapOvr>
+  <mc:AlternateContent xmlns:mc="http://schemas.openxmlformats.org/markup-compatibility/2006" xmlns:p159="http://schemas.microsoft.com/office/powerpoint/2015/09/main">
+    <mc:Choice Requires="p159">
+      <p:transition xmlns:p14="http://schemas.microsoft.com/office/powerpoint/2010/main" spd="slow" p14:dur="2000">
+        <p159:morph option="byObject"/>
+      </p:transition>
+    </mc:Choice>
+    <mc:Fallback xmlns="">
+      <p:transition spd="slow">
+        <p:fade/>
+      </p:transition>
+    </mc:Fallback>
+  </mc:AlternateContent>
+</p:sld>
+</file>
+
+<file path=ppt/slides/slide6.xml><?xml version="1.0" encoding="utf-8"?>
+<p:sld xmlns:a="http://schemas.openxmlformats.org/drawingml/2006/main" xmlns:r="http://schemas.openxmlformats.org/officeDocument/2006/relationships" xmlns:p="http://schemas.openxmlformats.org/presentationml/2006/main">
+  <p:cSld>
+    <p:spTree>
+      <p:nvGrpSpPr>
+        <p:cNvPr id="1" name=""/>
+        <p:cNvGrpSpPr/>
+        <p:nvPr/>
+      </p:nvGrpSpPr>
+      <p:grpSpPr>
+        <a:xfrm>
+          <a:off x="0" y="0"/>
+          <a:ext cx="0" cy="0"/>
+          <a:chOff x="0" y="0"/>
+          <a:chExt cx="0" cy="0"/>
+        </a:xfrm>
+      </p:grpSpPr>
+      <p:sp>
+        <p:nvSpPr>
+          <p:cNvPr id="4" name="Fußzeilenplatzhalter 3">
+            <a:extLst>
+              <a:ext uri="{FF2B5EF4-FFF2-40B4-BE49-F238E27FC236}">
+                <a16:creationId xmlns:a16="http://schemas.microsoft.com/office/drawing/2014/main" id="{E60B7009-2B0F-747C-568D-AC20F983B193}"/>
+              </a:ext>
+            </a:extLst>
+          </p:cNvPr>
+          <p:cNvSpPr>
+            <a:spLocks noGrp="1"/>
+          </p:cNvSpPr>
+          <p:nvPr>
+            <p:ph type="ftr" sz="quarter" idx="11"/>
+          </p:nvPr>
+        </p:nvSpPr>
+        <p:spPr/>
+        <p:txBody>
+          <a:bodyPr/>
+          <a:lstStyle/>
+          <a:p>
+            <a:r>
+              <a:rPr lang="de-AT"/>
+              <a:t>CONTRUDE </a:t>
+            </a:r>
+            <a:r>
+              <a:rPr lang="de-AT" err="1"/>
+              <a:t>Gekle</a:t>
+            </a:r>
+            <a:r>
+              <a:rPr lang="de-AT"/>
+              <a:t>, Kampl, Schrempf</a:t>
+            </a:r>
+          </a:p>
+        </p:txBody>
+      </p:sp>
+      <p:sp>
+        <p:nvSpPr>
+          <p:cNvPr id="5" name="Foliennummernplatzhalter 4">
+            <a:extLst>
+              <a:ext uri="{FF2B5EF4-FFF2-40B4-BE49-F238E27FC236}">
+                <a16:creationId xmlns:a16="http://schemas.microsoft.com/office/drawing/2014/main" id="{B8DFB85E-29D1-B262-44AB-6AE9AD2CCB9A}"/>
+              </a:ext>
+            </a:extLst>
+          </p:cNvPr>
+          <p:cNvSpPr>
+            <a:spLocks noGrp="1"/>
+          </p:cNvSpPr>
+          <p:nvPr>
+            <p:ph type="sldNum" sz="quarter" idx="12"/>
+          </p:nvPr>
+        </p:nvSpPr>
+        <p:spPr/>
+        <p:txBody>
+          <a:bodyPr/>
+          <a:lstStyle/>
+          <a:p>
+            <a:fld id="{7DCD6803-3BAA-44F6-A698-23D950C9713B}" type="slidenum">
+              <a:rPr lang="de-AT" smtClean="0"/>
+              <a:pPr/>
+              <a:t>6</a:t>
             </a:fld>
             <a:endParaRPr lang="de-AT"/>
           </a:p>
@@ -10369,7 +10940,7 @@
 </p:sld>
 </file>
 
-<file path=ppt/slides/slide6.xml><?xml version="1.0" encoding="utf-8"?>
+<file path=ppt/slides/slide7.xml><?xml version="1.0" encoding="utf-8"?>
 <p:sld xmlns:a="http://schemas.openxmlformats.org/drawingml/2006/main" xmlns:r="http://schemas.openxmlformats.org/officeDocument/2006/relationships" xmlns:p="http://schemas.openxmlformats.org/presentationml/2006/main">
   <p:cSld>
     <p:spTree>
@@ -10446,7 +11017,7 @@
             <a:fld id="{7DCD6803-3BAA-44F6-A698-23D950C9713B}" type="slidenum">
               <a:rPr lang="de-AT" smtClean="0"/>
               <a:pPr/>
-              <a:t>6</a:t>
+              <a:t>7</a:t>
             </a:fld>
             <a:endParaRPr lang="de-AT"/>
           </a:p>
@@ -11140,7 +11711,7 @@
 </p:sld>
 </file>
 
-<file path=ppt/slides/slide7.xml><?xml version="1.0" encoding="utf-8"?>
+<file path=ppt/slides/slide8.xml><?xml version="1.0" encoding="utf-8"?>
 <p:sld xmlns:a="http://schemas.openxmlformats.org/drawingml/2006/main" xmlns:r="http://schemas.openxmlformats.org/officeDocument/2006/relationships" xmlns:p="http://schemas.openxmlformats.org/presentationml/2006/main">
   <p:cSld>
     <p:spTree>
@@ -11279,7 +11850,7 @@
                 </a:solidFill>
               </a:rPr>
               <a:pPr/>
-              <a:t>7</a:t>
+              <a:t>8</a:t>
             </a:fld>
             <a:endParaRPr lang="de-AT">
               <a:solidFill>
@@ -11820,7 +12391,7 @@
 </p:sld>
 </file>
 
-<file path=ppt/slides/slide8.xml><?xml version="1.0" encoding="utf-8"?>
+<file path=ppt/slides/slide9.xml><?xml version="1.0" encoding="utf-8"?>
 <p:sld xmlns:a="http://schemas.openxmlformats.org/drawingml/2006/main" xmlns:r="http://schemas.openxmlformats.org/officeDocument/2006/relationships" xmlns:p="http://schemas.openxmlformats.org/presentationml/2006/main">
   <p:cSld>
     <p:spTree>
@@ -11959,7 +12530,7 @@
                 </a:solidFill>
               </a:rPr>
               <a:pPr/>
-              <a:t>8</a:t>
+              <a:t>9</a:t>
             </a:fld>
             <a:endParaRPr lang="de-AT">
               <a:solidFill>
@@ -12342,535 +12913,6 @@
     </mc:Choice>
     <mc:Fallback xmlns="">
       <p:transition spd="slow" advClick="0" advTm="500">
-        <p:fade/>
-      </p:transition>
-    </mc:Fallback>
-  </mc:AlternateContent>
-</p:sld>
-</file>
-
-<file path=ppt/slides/slide9.xml><?xml version="1.0" encoding="utf-8"?>
-<p:sld xmlns:a="http://schemas.openxmlformats.org/drawingml/2006/main" xmlns:r="http://schemas.openxmlformats.org/officeDocument/2006/relationships" xmlns:p="http://schemas.openxmlformats.org/presentationml/2006/main">
-  <p:cSld>
-    <p:spTree>
-      <p:nvGrpSpPr>
-        <p:cNvPr id="1" name=""/>
-        <p:cNvGrpSpPr/>
-        <p:nvPr/>
-      </p:nvGrpSpPr>
-      <p:grpSpPr>
-        <a:xfrm>
-          <a:off x="0" y="0"/>
-          <a:ext cx="0" cy="0"/>
-          <a:chOff x="0" y="0"/>
-          <a:chExt cx="0" cy="0"/>
-        </a:xfrm>
-      </p:grpSpPr>
-      <p:sp>
-        <p:nvSpPr>
-          <p:cNvPr id="7" name="Rechteck 6">
-            <a:extLst>
-              <a:ext uri="{FF2B5EF4-FFF2-40B4-BE49-F238E27FC236}">
-                <a16:creationId xmlns:a16="http://schemas.microsoft.com/office/drawing/2014/main" id="{5FD16DE7-27A8-13EC-C34D-F44A01912A4F}"/>
-              </a:ext>
-            </a:extLst>
-          </p:cNvPr>
-          <p:cNvSpPr/>
-          <p:nvPr/>
-        </p:nvSpPr>
-        <p:spPr>
-          <a:xfrm>
-            <a:off x="-32619" y="0"/>
-            <a:ext cx="12257237" cy="6858000"/>
-          </a:xfrm>
-          <a:prstGeom prst="rect">
-            <a:avLst/>
-          </a:prstGeom>
-          <a:solidFill>
-            <a:schemeClr val="bg1">
-              <a:lumMod val="85000"/>
-              <a:alpha val="75000"/>
-            </a:schemeClr>
-          </a:solidFill>
-          <a:ln>
-            <a:noFill/>
-          </a:ln>
-        </p:spPr>
-        <p:style>
-          <a:lnRef idx="2">
-            <a:schemeClr val="accent1">
-              <a:shade val="15000"/>
-            </a:schemeClr>
-          </a:lnRef>
-          <a:fillRef idx="1">
-            <a:schemeClr val="accent1"/>
-          </a:fillRef>
-          <a:effectRef idx="0">
-            <a:schemeClr val="accent1"/>
-          </a:effectRef>
-          <a:fontRef idx="minor">
-            <a:schemeClr val="lt1"/>
-          </a:fontRef>
-        </p:style>
-        <p:txBody>
-          <a:bodyPr rtlCol="0" anchor="ctr"/>
-          <a:lstStyle/>
-          <a:p>
-            <a:endParaRPr lang="de-AT" sz="1800" dirty="0">
-              <a:solidFill>
-                <a:schemeClr val="bg1"/>
-              </a:solidFill>
-            </a:endParaRPr>
-          </a:p>
-        </p:txBody>
-      </p:sp>
-      <p:sp>
-        <p:nvSpPr>
-          <p:cNvPr id="4" name="Fußzeilenplatzhalter 3">
-            <a:extLst>
-              <a:ext uri="{FF2B5EF4-FFF2-40B4-BE49-F238E27FC236}">
-                <a16:creationId xmlns:a16="http://schemas.microsoft.com/office/drawing/2014/main" id="{E60B7009-2B0F-747C-568D-AC20F983B193}"/>
-              </a:ext>
-            </a:extLst>
-          </p:cNvPr>
-          <p:cNvSpPr>
-            <a:spLocks noGrp="1"/>
-          </p:cNvSpPr>
-          <p:nvPr>
-            <p:ph type="ftr" sz="quarter" idx="11"/>
-          </p:nvPr>
-        </p:nvSpPr>
-        <p:spPr/>
-        <p:txBody>
-          <a:bodyPr/>
-          <a:lstStyle/>
-          <a:p>
-            <a:r>
-              <a:rPr lang="de-AT"/>
-              <a:t>CONTRUDE </a:t>
-            </a:r>
-            <a:r>
-              <a:rPr lang="de-AT" err="1"/>
-              <a:t>Gekle</a:t>
-            </a:r>
-            <a:r>
-              <a:rPr lang="de-AT"/>
-              <a:t>, Kampl, Schrempf</a:t>
-            </a:r>
-          </a:p>
-        </p:txBody>
-      </p:sp>
-      <p:sp>
-        <p:nvSpPr>
-          <p:cNvPr id="5" name="Foliennummernplatzhalter 4">
-            <a:extLst>
-              <a:ext uri="{FF2B5EF4-FFF2-40B4-BE49-F238E27FC236}">
-                <a16:creationId xmlns:a16="http://schemas.microsoft.com/office/drawing/2014/main" id="{B8DFB85E-29D1-B262-44AB-6AE9AD2CCB9A}"/>
-              </a:ext>
-            </a:extLst>
-          </p:cNvPr>
-          <p:cNvSpPr>
-            <a:spLocks noGrp="1"/>
-          </p:cNvSpPr>
-          <p:nvPr>
-            <p:ph type="sldNum" sz="quarter" idx="12"/>
-          </p:nvPr>
-        </p:nvSpPr>
-        <p:spPr/>
-        <p:txBody>
-          <a:bodyPr/>
-          <a:lstStyle/>
-          <a:p>
-            <a:fld id="{7DCD6803-3BAA-44F6-A698-23D950C9713B}" type="slidenum">
-              <a:rPr lang="de-AT" smtClean="0">
-                <a:solidFill>
-                  <a:schemeClr val="bg1"/>
-                </a:solidFill>
-              </a:rPr>
-              <a:pPr/>
-              <a:t>9</a:t>
-            </a:fld>
-            <a:endParaRPr lang="de-AT">
-              <a:solidFill>
-                <a:schemeClr val="bg1"/>
-              </a:solidFill>
-            </a:endParaRPr>
-          </a:p>
-        </p:txBody>
-      </p:sp>
-      <p:pic>
-        <p:nvPicPr>
-          <p:cNvPr id="2050" name="Picture 2" descr="NodeMCU ESP32 | Joy-IT">
-            <a:extLst>
-              <a:ext uri="{FF2B5EF4-FFF2-40B4-BE49-F238E27FC236}">
-                <a16:creationId xmlns:a16="http://schemas.microsoft.com/office/drawing/2014/main" id="{47BFFC31-3014-823D-0EC2-60D5974785D3}"/>
-              </a:ext>
-            </a:extLst>
-          </p:cNvPr>
-          <p:cNvPicPr>
-            <a:picLocks noChangeAspect="1" noChangeArrowheads="1"/>
-          </p:cNvPicPr>
-          <p:nvPr/>
-        </p:nvPicPr>
-        <p:blipFill>
-          <a:blip r:embed="rId3" cstate="print">
-            <a:extLst>
-              <a:ext uri="{28A0092B-C50C-407E-A947-70E740481C1C}">
-                <a14:useLocalDpi xmlns:a14="http://schemas.microsoft.com/office/drawing/2010/main" val="0"/>
-              </a:ext>
-            </a:extLst>
-          </a:blip>
-          <a:srcRect/>
-          <a:stretch>
-            <a:fillRect/>
-          </a:stretch>
-        </p:blipFill>
-        <p:spPr bwMode="auto">
-          <a:xfrm>
-            <a:off x="5312724" y="1785166"/>
-            <a:ext cx="559134" cy="559134"/>
-          </a:xfrm>
-          <a:prstGeom prst="rect">
-            <a:avLst/>
-          </a:prstGeom>
-          <a:noFill/>
-          <a:extLst>
-            <a:ext uri="{909E8E84-426E-40DD-AFC4-6F175D3DCCD1}">
-              <a14:hiddenFill xmlns:a14="http://schemas.microsoft.com/office/drawing/2010/main">
-                <a:solidFill>
-                  <a:srgbClr val="FFFFFF"/>
-                </a:solidFill>
-              </a14:hiddenFill>
-            </a:ext>
-          </a:extLst>
-        </p:spPr>
-      </p:pic>
-      <p:pic>
-        <p:nvPicPr>
-          <p:cNvPr id="3" name="Picture 2" descr="NodeMCU ESP32 | Joy-IT">
-            <a:extLst>
-              <a:ext uri="{FF2B5EF4-FFF2-40B4-BE49-F238E27FC236}">
-                <a16:creationId xmlns:a16="http://schemas.microsoft.com/office/drawing/2014/main" id="{1D760FF0-D398-D889-5BE3-0519E62345AD}"/>
-              </a:ext>
-            </a:extLst>
-          </p:cNvPr>
-          <p:cNvPicPr>
-            <a:picLocks noChangeAspect="1" noChangeArrowheads="1"/>
-          </p:cNvPicPr>
-          <p:nvPr/>
-        </p:nvPicPr>
-        <p:blipFill>
-          <a:blip r:embed="rId3" cstate="print">
-            <a:extLst>
-              <a:ext uri="{28A0092B-C50C-407E-A947-70E740481C1C}">
-                <a14:useLocalDpi xmlns:a14="http://schemas.microsoft.com/office/drawing/2010/main" val="0"/>
-              </a:ext>
-            </a:extLst>
-          </a:blip>
-          <a:srcRect/>
-          <a:stretch>
-            <a:fillRect/>
-          </a:stretch>
-        </p:blipFill>
-        <p:spPr bwMode="auto">
-          <a:xfrm>
-            <a:off x="5033157" y="1792797"/>
-            <a:ext cx="559134" cy="559134"/>
-          </a:xfrm>
-          <a:prstGeom prst="rect">
-            <a:avLst/>
-          </a:prstGeom>
-          <a:noFill/>
-          <a:extLst>
-            <a:ext uri="{909E8E84-426E-40DD-AFC4-6F175D3DCCD1}">
-              <a14:hiddenFill xmlns:a14="http://schemas.microsoft.com/office/drawing/2010/main">
-                <a:solidFill>
-                  <a:srgbClr val="FFFFFF"/>
-                </a:solidFill>
-              </a14:hiddenFill>
-            </a:ext>
-          </a:extLst>
-        </p:spPr>
-      </p:pic>
-      <p:pic>
-        <p:nvPicPr>
-          <p:cNvPr id="6" name="Grafik 5">
-            <a:extLst>
-              <a:ext uri="{FF2B5EF4-FFF2-40B4-BE49-F238E27FC236}">
-                <a16:creationId xmlns:a16="http://schemas.microsoft.com/office/drawing/2014/main" id="{835BFC3E-6502-D5D2-F643-8AE4DCE6143B}"/>
-              </a:ext>
-            </a:extLst>
-          </p:cNvPr>
-          <p:cNvPicPr>
-            <a:picLocks noChangeAspect="1"/>
-          </p:cNvPicPr>
-          <p:nvPr/>
-        </p:nvPicPr>
-        <p:blipFill rotWithShape="1">
-          <a:blip r:embed="rId4">
-            <a:extLst>
-              <a:ext uri="{28A0092B-C50C-407E-A947-70E740481C1C}">
-                <a14:useLocalDpi xmlns:a14="http://schemas.microsoft.com/office/drawing/2010/main" val="0"/>
-              </a:ext>
-              <a:ext uri="{96DAC541-7B7A-43D3-8B79-37D633B846F1}">
-                <asvg:svgBlip xmlns:asvg="http://schemas.microsoft.com/office/drawing/2016/SVG/main" r:embed="rId5"/>
-              </a:ext>
-            </a:extLst>
-          </a:blip>
-          <a:srcRect l="38203" t="12999" r="30542" b="-2628"/>
-          <a:stretch/>
-        </p:blipFill>
-        <p:spPr>
-          <a:xfrm>
-            <a:off x="-24294" y="200887"/>
-            <a:ext cx="12257238" cy="6215588"/>
-          </a:xfrm>
-          <a:prstGeom prst="rect">
-            <a:avLst/>
-          </a:prstGeom>
-        </p:spPr>
-      </p:pic>
-      <p:sp>
-        <p:nvSpPr>
-          <p:cNvPr id="11" name="Textfeld 10">
-            <a:extLst>
-              <a:ext uri="{FF2B5EF4-FFF2-40B4-BE49-F238E27FC236}">
-                <a16:creationId xmlns:a16="http://schemas.microsoft.com/office/drawing/2014/main" id="{294659C0-537B-4E41-1DDA-E4A6658C91C4}"/>
-              </a:ext>
-            </a:extLst>
-          </p:cNvPr>
-          <p:cNvSpPr txBox="1"/>
-          <p:nvPr/>
-        </p:nvSpPr>
-        <p:spPr>
-          <a:xfrm>
-            <a:off x="4202226" y="4744060"/>
-            <a:ext cx="3465900" cy="523220"/>
-          </a:xfrm>
-          <a:prstGeom prst="rect">
-            <a:avLst/>
-          </a:prstGeom>
-          <a:noFill/>
-        </p:spPr>
-        <p:txBody>
-          <a:bodyPr wrap="square">
-            <a:spAutoFit/>
-          </a:bodyPr>
-          <a:lstStyle/>
-          <a:p>
-            <a:r>
-              <a:rPr lang="de-AT" sz="2800" b="1" u="sng" dirty="0">
-                <a:solidFill>
-                  <a:schemeClr val="bg1"/>
-                </a:solidFill>
-              </a:rPr>
-              <a:t>Maximilian S. Kampl</a:t>
-            </a:r>
-          </a:p>
-        </p:txBody>
-      </p:sp>
-      <p:sp>
-        <p:nvSpPr>
-          <p:cNvPr id="15" name="Textfeld 14">
-            <a:extLst>
-              <a:ext uri="{FF2B5EF4-FFF2-40B4-BE49-F238E27FC236}">
-                <a16:creationId xmlns:a16="http://schemas.microsoft.com/office/drawing/2014/main" id="{D17CEDA6-1464-BC12-5806-AA3351A735EC}"/>
-              </a:ext>
-            </a:extLst>
-          </p:cNvPr>
-          <p:cNvSpPr txBox="1"/>
-          <p:nvPr/>
-        </p:nvSpPr>
-        <p:spPr>
-          <a:xfrm>
-            <a:off x="107273" y="1817230"/>
-            <a:ext cx="1502142" cy="400110"/>
-          </a:xfrm>
-          <a:prstGeom prst="rect">
-            <a:avLst/>
-          </a:prstGeom>
-          <a:noFill/>
-        </p:spPr>
-        <p:txBody>
-          <a:bodyPr wrap="square">
-            <a:spAutoFit/>
-          </a:bodyPr>
-          <a:lstStyle/>
-          <a:p>
-            <a:r>
-              <a:rPr lang="de-AT" sz="2000" u="sng" dirty="0">
-                <a:solidFill>
-                  <a:schemeClr val="bg1"/>
-                </a:solidFill>
-              </a:rPr>
-              <a:t>Hardware</a:t>
-            </a:r>
-            <a:endParaRPr lang="en-US" u="sng" dirty="0"/>
-          </a:p>
-        </p:txBody>
-      </p:sp>
-      <p:sp>
-        <p:nvSpPr>
-          <p:cNvPr id="17" name="Textfeld 16">
-            <a:extLst>
-              <a:ext uri="{FF2B5EF4-FFF2-40B4-BE49-F238E27FC236}">
-                <a16:creationId xmlns:a16="http://schemas.microsoft.com/office/drawing/2014/main" id="{33307A70-E881-1B52-C8DC-34BD98ADE26D}"/>
-              </a:ext>
-            </a:extLst>
-          </p:cNvPr>
-          <p:cNvSpPr txBox="1"/>
-          <p:nvPr/>
-        </p:nvSpPr>
-        <p:spPr>
-          <a:xfrm>
-            <a:off x="5544671" y="1872309"/>
-            <a:ext cx="1410087" cy="400110"/>
-          </a:xfrm>
-          <a:prstGeom prst="rect">
-            <a:avLst/>
-          </a:prstGeom>
-          <a:noFill/>
-        </p:spPr>
-        <p:txBody>
-          <a:bodyPr wrap="square">
-            <a:spAutoFit/>
-          </a:bodyPr>
-          <a:lstStyle/>
-          <a:p>
-            <a:r>
-              <a:rPr lang="de-AT" sz="2000" u="sng" dirty="0">
-                <a:solidFill>
-                  <a:schemeClr val="bg1"/>
-                </a:solidFill>
-              </a:rPr>
-              <a:t>Sensorik</a:t>
-            </a:r>
-            <a:endParaRPr lang="en-US" u="sng" dirty="0"/>
-          </a:p>
-        </p:txBody>
-      </p:sp>
-      <p:sp>
-        <p:nvSpPr>
-          <p:cNvPr id="2" name="Textfeld 1">
-            <a:extLst>
-              <a:ext uri="{FF2B5EF4-FFF2-40B4-BE49-F238E27FC236}">
-                <a16:creationId xmlns:a16="http://schemas.microsoft.com/office/drawing/2014/main" id="{86EA9456-8BBA-55A9-EC46-FB2166AC4C50}"/>
-              </a:ext>
-            </a:extLst>
-          </p:cNvPr>
-          <p:cNvSpPr txBox="1"/>
-          <p:nvPr/>
-        </p:nvSpPr>
-        <p:spPr>
-          <a:xfrm>
-            <a:off x="2771285" y="2298134"/>
-            <a:ext cx="1527760" cy="892552"/>
-          </a:xfrm>
-          <a:prstGeom prst="rect">
-            <a:avLst/>
-          </a:prstGeom>
-          <a:noFill/>
-        </p:spPr>
-        <p:txBody>
-          <a:bodyPr wrap="square">
-            <a:spAutoFit/>
-          </a:bodyPr>
-          <a:lstStyle/>
-          <a:p>
-            <a:r>
-              <a:rPr lang="de-AT" sz="2000" u="sng" dirty="0">
-                <a:solidFill>
-                  <a:schemeClr val="bg1"/>
-                </a:solidFill>
-              </a:rPr>
-              <a:t>Daten-</a:t>
-            </a:r>
-          </a:p>
-          <a:p>
-            <a:endParaRPr lang="de-AT" sz="1200" u="sng" dirty="0">
-              <a:solidFill>
-                <a:schemeClr val="bg1"/>
-              </a:solidFill>
-            </a:endParaRPr>
-          </a:p>
-          <a:p>
-            <a:r>
-              <a:rPr lang="de-AT" sz="2000" u="sng" dirty="0" err="1">
-                <a:solidFill>
-                  <a:schemeClr val="bg1"/>
-                </a:solidFill>
-              </a:rPr>
-              <a:t>übertragung</a:t>
-            </a:r>
-            <a:endParaRPr lang="en-US" u="sng" dirty="0"/>
-          </a:p>
-        </p:txBody>
-      </p:sp>
-      <p:pic>
-        <p:nvPicPr>
-          <p:cNvPr id="8" name="Picture 2" descr="NodeMCU ESP32 | Joy-IT">
-            <a:extLst>
-              <a:ext uri="{FF2B5EF4-FFF2-40B4-BE49-F238E27FC236}">
-                <a16:creationId xmlns:a16="http://schemas.microsoft.com/office/drawing/2014/main" id="{7F089D39-6A03-EF6E-B437-F074B2A84608}"/>
-              </a:ext>
-            </a:extLst>
-          </p:cNvPr>
-          <p:cNvPicPr>
-            <a:picLocks noChangeAspect="1" noChangeArrowheads="1"/>
-          </p:cNvPicPr>
-          <p:nvPr/>
-        </p:nvPicPr>
-        <p:blipFill>
-          <a:blip r:embed="rId3" cstate="print">
-            <a:extLst>
-              <a:ext uri="{28A0092B-C50C-407E-A947-70E740481C1C}">
-                <a14:useLocalDpi xmlns:a14="http://schemas.microsoft.com/office/drawing/2010/main" val="0"/>
-              </a:ext>
-            </a:extLst>
-          </a:blip>
-          <a:srcRect/>
-          <a:stretch>
-            <a:fillRect/>
-          </a:stretch>
-        </p:blipFill>
-        <p:spPr bwMode="auto">
-          <a:xfrm>
-            <a:off x="7892957" y="1759602"/>
-            <a:ext cx="1969615" cy="1969615"/>
-          </a:xfrm>
-          <a:prstGeom prst="rect">
-            <a:avLst/>
-          </a:prstGeom>
-          <a:noFill/>
-          <a:extLst>
-            <a:ext uri="{909E8E84-426E-40DD-AFC4-6F175D3DCCD1}">
-              <a14:hiddenFill xmlns:a14="http://schemas.microsoft.com/office/drawing/2010/main">
-                <a:solidFill>
-                  <a:srgbClr val="FFFFFF"/>
-                </a:solidFill>
-              </a14:hiddenFill>
-            </a:ext>
-          </a:extLst>
-        </p:spPr>
-      </p:pic>
-    </p:spTree>
-    <p:extLst>
-      <p:ext uri="{BB962C8B-B14F-4D97-AF65-F5344CB8AC3E}">
-        <p14:creationId xmlns:p14="http://schemas.microsoft.com/office/powerpoint/2010/main" val="457281821"/>
-      </p:ext>
-    </p:extLst>
-  </p:cSld>
-  <p:clrMapOvr>
-    <a:masterClrMapping/>
-  </p:clrMapOvr>
-  <mc:AlternateContent xmlns:mc="http://schemas.openxmlformats.org/markup-compatibility/2006" xmlns:p159="http://schemas.microsoft.com/office/powerpoint/2015/09/main">
-    <mc:Choice Requires="p159">
-      <p:transition xmlns:p14="http://schemas.microsoft.com/office/powerpoint/2010/main" spd="slow" p14:dur="2000" advClick="0">
-        <p159:morph option="byObject"/>
-      </p:transition>
-    </mc:Choice>
-    <mc:Fallback xmlns="">
-      <p:transition spd="slow" advClick="0">
         <p:fade/>
       </p:transition>
     </mc:Fallback>
@@ -13732,19 +13774,33 @@
 </file>
 
 <file path=customXml/item1.xml><?xml version="1.0" encoding="utf-8"?>
-<ct:contentTypeSchema xmlns:ct="http://schemas.microsoft.com/office/2006/metadata/contentType" xmlns:ma="http://schemas.microsoft.com/office/2006/metadata/properties/metaAttributes" ct:_="" ma:_="" ma:contentTypeName="Dokument" ma:contentTypeID="0x010100AEC342486E2AC5419469D1A36EC3682B" ma:contentTypeVersion="4" ma:contentTypeDescription="Ein neues Dokument erstellen." ma:contentTypeScope="" ma:versionID="3fa14d8831e4b125e814b54aaa4122bb">
-  <xsd:schema xmlns:xsd="http://www.w3.org/2001/XMLSchema" xmlns:xs="http://www.w3.org/2001/XMLSchema" xmlns:p="http://schemas.microsoft.com/office/2006/metadata/properties" xmlns:ns2="025117e9-99fa-48ff-aab4-bb37753ec9db" targetNamespace="http://schemas.microsoft.com/office/2006/metadata/properties" ma:root="true" ma:fieldsID="c273f986753a84b21935896d46e76ffa" ns2:_="">
-    <xsd:import namespace="025117e9-99fa-48ff-aab4-bb37753ec9db"/>
+<ct:contentTypeSchema xmlns:ct="http://schemas.microsoft.com/office/2006/metadata/contentType" xmlns:ma="http://schemas.microsoft.com/office/2006/metadata/properties/metaAttributes" ct:_="" ma:_="" ma:contentTypeName="Dokument" ma:contentTypeID="0x0101005F460AD6521AC94094D79EF685B712E2" ma:contentTypeVersion="17" ma:contentTypeDescription="Ein neues Dokument erstellen." ma:contentTypeScope="" ma:versionID="f6e9042ae1bf6ac704b1b913dfc4a2f3">
+  <xsd:schema xmlns:xsd="http://www.w3.org/2001/XMLSchema" xmlns:xs="http://www.w3.org/2001/XMLSchema" xmlns:p="http://schemas.microsoft.com/office/2006/metadata/properties" xmlns:ns3="8c5829c6-aac1-4f1e-b1e2-fbed17fe0519" xmlns:ns4="1a2ca174-3ffa-4801-8f05-6cc015117562" targetNamespace="http://schemas.microsoft.com/office/2006/metadata/properties" ma:root="true" ma:fieldsID="7246b0f695e7409bfa53e534d82f2228" ns3:_="" ns4:_="">
+    <xsd:import namespace="8c5829c6-aac1-4f1e-b1e2-fbed17fe0519"/>
+    <xsd:import namespace="1a2ca174-3ffa-4801-8f05-6cc015117562"/>
     <xsd:element name="properties">
       <xsd:complexType>
         <xsd:sequence>
           <xsd:element name="documentManagement">
             <xsd:complexType>
               <xsd:all>
-                <xsd:element ref="ns2:MediaServiceMetadata" minOccurs="0"/>
-                <xsd:element ref="ns2:MediaServiceFastMetadata" minOccurs="0"/>
-                <xsd:element ref="ns2:MediaServiceSearchProperties" minOccurs="0"/>
-                <xsd:element ref="ns2:MediaServiceObjectDetectorVersions" minOccurs="0"/>
+                <xsd:element ref="ns3:SharedWithUsers" minOccurs="0"/>
+                <xsd:element ref="ns3:SharedWithDetails" minOccurs="0"/>
+                <xsd:element ref="ns3:SharingHintHash" minOccurs="0"/>
+                <xsd:element ref="ns4:MediaServiceMetadata" minOccurs="0"/>
+                <xsd:element ref="ns4:MediaServiceFastMetadata" minOccurs="0"/>
+                <xsd:element ref="ns4:MediaServiceAutoTags" minOccurs="0"/>
+                <xsd:element ref="ns4:MediaServiceGenerationTime" minOccurs="0"/>
+                <xsd:element ref="ns4:MediaServiceEventHashCode" minOccurs="0"/>
+                <xsd:element ref="ns4:MediaServiceOCR" minOccurs="0"/>
+                <xsd:element ref="ns4:MediaServiceDateTaken" minOccurs="0"/>
+                <xsd:element ref="ns4:MediaLengthInSeconds" minOccurs="0"/>
+                <xsd:element ref="ns4:MediaServiceAutoKeyPoints" minOccurs="0"/>
+                <xsd:element ref="ns4:MediaServiceKeyPoints" minOccurs="0"/>
+                <xsd:element ref="ns4:_activity" minOccurs="0"/>
+                <xsd:element ref="ns4:MediaServiceObjectDetectorVersions" minOccurs="0"/>
+                <xsd:element ref="ns4:MediaServiceSystemTags" minOccurs="0"/>
+                <xsd:element ref="ns4:MediaServiceSearchProperties" minOccurs="0"/>
               </xsd:all>
             </xsd:complexType>
           </xsd:element>
@@ -13752,27 +13808,116 @@
       </xsd:complexType>
     </xsd:element>
   </xsd:schema>
-  <xsd:schema xmlns:xsd="http://www.w3.org/2001/XMLSchema" xmlns:xs="http://www.w3.org/2001/XMLSchema" xmlns:dms="http://schemas.microsoft.com/office/2006/documentManagement/types" xmlns:pc="http://schemas.microsoft.com/office/infopath/2007/PartnerControls" targetNamespace="025117e9-99fa-48ff-aab4-bb37753ec9db" elementFormDefault="qualified">
+  <xsd:schema xmlns:xsd="http://www.w3.org/2001/XMLSchema" xmlns:xs="http://www.w3.org/2001/XMLSchema" xmlns:dms="http://schemas.microsoft.com/office/2006/documentManagement/types" xmlns:pc="http://schemas.microsoft.com/office/infopath/2007/PartnerControls" targetNamespace="8c5829c6-aac1-4f1e-b1e2-fbed17fe0519" elementFormDefault="qualified">
     <xsd:import namespace="http://schemas.microsoft.com/office/2006/documentManagement/types"/>
     <xsd:import namespace="http://schemas.microsoft.com/office/infopath/2007/PartnerControls"/>
-    <xsd:element name="MediaServiceMetadata" ma:index="8" nillable="true" ma:displayName="MediaServiceMetadata" ma:hidden="true" ma:internalName="MediaServiceMetadata" ma:readOnly="true">
+    <xsd:element name="SharedWithUsers" ma:index="8" nillable="true" ma:displayName="Freigegeben für" ma:internalName="SharedWithUsers" ma:readOnly="true">
+      <xsd:complexType>
+        <xsd:complexContent>
+          <xsd:extension base="dms:UserMulti">
+            <xsd:sequence>
+              <xsd:element name="UserInfo" minOccurs="0" maxOccurs="unbounded">
+                <xsd:complexType>
+                  <xsd:sequence>
+                    <xsd:element name="DisplayName" type="xsd:string" minOccurs="0"/>
+                    <xsd:element name="AccountId" type="dms:UserId" minOccurs="0" nillable="true"/>
+                    <xsd:element name="AccountType" type="xsd:string" minOccurs="0"/>
+                  </xsd:sequence>
+                </xsd:complexType>
+              </xsd:element>
+            </xsd:sequence>
+          </xsd:extension>
+        </xsd:complexContent>
+      </xsd:complexType>
+    </xsd:element>
+    <xsd:element name="SharedWithDetails" ma:index="9" nillable="true" ma:displayName="Freigegeben für - Details" ma:internalName="SharedWithDetails" ma:readOnly="true">
+      <xsd:simpleType>
+        <xsd:restriction base="dms:Note">
+          <xsd:maxLength value="255"/>
+        </xsd:restriction>
+      </xsd:simpleType>
+    </xsd:element>
+    <xsd:element name="SharingHintHash" ma:index="10" nillable="true" ma:displayName="Freigabehinweishash" ma:hidden="true" ma:internalName="SharingHintHash" ma:readOnly="true">
+      <xsd:simpleType>
+        <xsd:restriction base="dms:Text"/>
+      </xsd:simpleType>
+    </xsd:element>
+  </xsd:schema>
+  <xsd:schema xmlns:xsd="http://www.w3.org/2001/XMLSchema" xmlns:xs="http://www.w3.org/2001/XMLSchema" xmlns:dms="http://schemas.microsoft.com/office/2006/documentManagement/types" xmlns:pc="http://schemas.microsoft.com/office/infopath/2007/PartnerControls" targetNamespace="1a2ca174-3ffa-4801-8f05-6cc015117562" elementFormDefault="qualified">
+    <xsd:import namespace="http://schemas.microsoft.com/office/2006/documentManagement/types"/>
+    <xsd:import namespace="http://schemas.microsoft.com/office/infopath/2007/PartnerControls"/>
+    <xsd:element name="MediaServiceMetadata" ma:index="11" nillable="true" ma:displayName="MediaServiceMetadata" ma:hidden="true" ma:internalName="MediaServiceMetadata" ma:readOnly="true">
       <xsd:simpleType>
         <xsd:restriction base="dms:Note"/>
       </xsd:simpleType>
     </xsd:element>
-    <xsd:element name="MediaServiceFastMetadata" ma:index="9" nillable="true" ma:displayName="MediaServiceFastMetadata" ma:hidden="true" ma:internalName="MediaServiceFastMetadata" ma:readOnly="true">
+    <xsd:element name="MediaServiceFastMetadata" ma:index="12" nillable="true" ma:displayName="MediaServiceFastMetadata" ma:hidden="true" ma:internalName="MediaServiceFastMetadata" ma:readOnly="true">
       <xsd:simpleType>
         <xsd:restriction base="dms:Note"/>
       </xsd:simpleType>
     </xsd:element>
-    <xsd:element name="MediaServiceSearchProperties" ma:index="10" nillable="true" ma:displayName="MediaServiceSearchProperties" ma:hidden="true" ma:internalName="MediaServiceSearchProperties" ma:readOnly="true">
+    <xsd:element name="MediaServiceAutoTags" ma:index="13" nillable="true" ma:displayName="Tags" ma:internalName="MediaServiceAutoTags" ma:readOnly="true">
+      <xsd:simpleType>
+        <xsd:restriction base="dms:Text"/>
+      </xsd:simpleType>
+    </xsd:element>
+    <xsd:element name="MediaServiceGenerationTime" ma:index="14" nillable="true" ma:displayName="MediaServiceGenerationTime" ma:hidden="true" ma:internalName="MediaServiceGenerationTime" ma:readOnly="true">
+      <xsd:simpleType>
+        <xsd:restriction base="dms:Text"/>
+      </xsd:simpleType>
+    </xsd:element>
+    <xsd:element name="MediaServiceEventHashCode" ma:index="15" nillable="true" ma:displayName="MediaServiceEventHashCode" ma:hidden="true" ma:internalName="MediaServiceEventHashCode" ma:readOnly="true">
+      <xsd:simpleType>
+        <xsd:restriction base="dms:Text"/>
+      </xsd:simpleType>
+    </xsd:element>
+    <xsd:element name="MediaServiceOCR" ma:index="16" nillable="true" ma:displayName="Extracted Text" ma:internalName="MediaServiceOCR" ma:readOnly="true">
+      <xsd:simpleType>
+        <xsd:restriction base="dms:Note">
+          <xsd:maxLength value="255"/>
+        </xsd:restriction>
+      </xsd:simpleType>
+    </xsd:element>
+    <xsd:element name="MediaServiceDateTaken" ma:index="17" nillable="true" ma:displayName="MediaServiceDateTaken" ma:hidden="true" ma:internalName="MediaServiceDateTaken" ma:readOnly="true">
+      <xsd:simpleType>
+        <xsd:restriction base="dms:Text"/>
+      </xsd:simpleType>
+    </xsd:element>
+    <xsd:element name="MediaLengthInSeconds" ma:index="18" nillable="true" ma:displayName="MediaLengthInSeconds" ma:hidden="true" ma:internalName="MediaLengthInSeconds" ma:readOnly="true">
+      <xsd:simpleType>
+        <xsd:restriction base="dms:Unknown"/>
+      </xsd:simpleType>
+    </xsd:element>
+    <xsd:element name="MediaServiceAutoKeyPoints" ma:index="19" nillable="true" ma:displayName="MediaServiceAutoKeyPoints" ma:hidden="true" ma:internalName="MediaServiceAutoKeyPoints" ma:readOnly="true">
       <xsd:simpleType>
         <xsd:restriction base="dms:Note"/>
       </xsd:simpleType>
     </xsd:element>
-    <xsd:element name="MediaServiceObjectDetectorVersions" ma:index="11" nillable="true" ma:displayName="MediaServiceObjectDetectorVersions" ma:hidden="true" ma:indexed="true" ma:internalName="MediaServiceObjectDetectorVersions" ma:readOnly="true">
+    <xsd:element name="MediaServiceKeyPoints" ma:index="20" nillable="true" ma:displayName="KeyPoints" ma:internalName="MediaServiceKeyPoints" ma:readOnly="true">
+      <xsd:simpleType>
+        <xsd:restriction base="dms:Note">
+          <xsd:maxLength value="255"/>
+        </xsd:restriction>
+      </xsd:simpleType>
+    </xsd:element>
+    <xsd:element name="_activity" ma:index="21" nillable="true" ma:displayName="_activity" ma:hidden="true" ma:internalName="_activity">
+      <xsd:simpleType>
+        <xsd:restriction base="dms:Note"/>
+      </xsd:simpleType>
+    </xsd:element>
+    <xsd:element name="MediaServiceObjectDetectorVersions" ma:index="22" nillable="true" ma:displayName="MediaServiceObjectDetectorVersions" ma:hidden="true" ma:indexed="true" ma:internalName="MediaServiceObjectDetectorVersions" ma:readOnly="true">
       <xsd:simpleType>
         <xsd:restriction base="dms:Text"/>
+      </xsd:simpleType>
+    </xsd:element>
+    <xsd:element name="MediaServiceSystemTags" ma:index="23" nillable="true" ma:displayName="MediaServiceSystemTags" ma:hidden="true" ma:internalName="MediaServiceSystemTags" ma:readOnly="true">
+      <xsd:simpleType>
+        <xsd:restriction base="dms:Note"/>
+      </xsd:simpleType>
+    </xsd:element>
+    <xsd:element name="MediaServiceSearchProperties" ma:index="24" nillable="true" ma:displayName="MediaServiceSearchProperties" ma:hidden="true" ma:internalName="MediaServiceSearchProperties" ma:readOnly="true">
+      <xsd:simpleType>
+        <xsd:restriction base="dms:Note"/>
       </xsd:simpleType>
     </xsd:element>
   </xsd:schema>
@@ -13876,12 +14021,6 @@
 </file>
 
 <file path=customXml/item2.xml><?xml version="1.0" encoding="utf-8"?>
-<p:properties xmlns:p="http://schemas.microsoft.com/office/2006/metadata/properties" xmlns:xsi="http://www.w3.org/2001/XMLSchema-instance" xmlns:pc="http://schemas.microsoft.com/office/infopath/2007/PartnerControls">
-  <documentManagement/>
-</p:properties>
-</file>
-
-<file path=customXml/item3.xml><?xml version="1.0" encoding="utf-8"?>
 <?mso-contentType ?>
 <FormTemplates xmlns="http://schemas.microsoft.com/sharepoint/v3/contenttype/forms">
   <Display>DocumentLibraryForm</Display>
@@ -13890,44 +14029,54 @@
 </FormTemplates>
 </file>
 
+<file path=customXml/item3.xml><?xml version="1.0" encoding="utf-8"?>
+<p:properties xmlns:p="http://schemas.microsoft.com/office/2006/metadata/properties" xmlns:xsi="http://www.w3.org/2001/XMLSchema-instance" xmlns:pc="http://schemas.microsoft.com/office/infopath/2007/PartnerControls">
+  <documentManagement>
+    <_activity xmlns="1a2ca174-3ffa-4801-8f05-6cc015117562" xsi:nil="true"/>
+  </documentManagement>
+</p:properties>
+</file>
+
 <file path=customXml/itemProps1.xml><?xml version="1.0" encoding="utf-8"?>
-<ds:datastoreItem xmlns:ds="http://schemas.openxmlformats.org/officeDocument/2006/customXml" ds:itemID="{112BE4CD-0DD7-4283-8B22-B94F084D1F44}">
+<ds:datastoreItem xmlns:ds="http://schemas.openxmlformats.org/officeDocument/2006/customXml" ds:itemID="{797E5D2C-0DBD-4D3E-AAB8-5797BC5721B9}">
   <ds:schemaRefs>
-    <ds:schemaRef ds:uri="025117e9-99fa-48ff-aab4-bb37753ec9db"/>
+    <ds:schemaRef ds:uri="http://schemas.microsoft.com/office/2006/metadata/contentType"/>
+    <ds:schemaRef ds:uri="http://schemas.microsoft.com/office/2006/metadata/properties/metaAttributes"/>
+    <ds:schemaRef ds:uri="http://www.w3.org/2001/XMLSchema"/>
+    <ds:schemaRef ds:uri="http://schemas.microsoft.com/office/2006/metadata/properties"/>
+    <ds:schemaRef ds:uri="8c5829c6-aac1-4f1e-b1e2-fbed17fe0519"/>
+    <ds:schemaRef ds:uri="1a2ca174-3ffa-4801-8f05-6cc015117562"/>
+    <ds:schemaRef ds:uri="http://schemas.microsoft.com/office/2006/documentManagement/types"/>
+    <ds:schemaRef ds:uri="http://schemas.microsoft.com/office/infopath/2007/PartnerControls"/>
+    <ds:schemaRef ds:uri="http://schemas.openxmlformats.org/package/2006/metadata/core-properties"/>
     <ds:schemaRef ds:uri="http://purl.org/dc/elements/1.1/"/>
     <ds:schemaRef ds:uri="http://purl.org/dc/terms/"/>
     <ds:schemaRef ds:uri="http://schemas.microsoft.com/internal/obd"/>
-    <ds:schemaRef ds:uri="http://schemas.microsoft.com/office/2006/documentManagement/types"/>
-    <ds:schemaRef ds:uri="http://schemas.microsoft.com/office/2006/metadata/contentType"/>
-    <ds:schemaRef ds:uri="http://schemas.microsoft.com/office/2006/metadata/properties"/>
-    <ds:schemaRef ds:uri="http://schemas.microsoft.com/office/2006/metadata/properties/metaAttributes"/>
-    <ds:schemaRef ds:uri="http://schemas.microsoft.com/office/infopath/2007/PartnerControls"/>
-    <ds:schemaRef ds:uri="http://schemas.openxmlformats.org/package/2006/metadata/core-properties"/>
-    <ds:schemaRef ds:uri="http://www.w3.org/2001/XMLSchema"/>
   </ds:schemaRefs>
 </ds:datastoreItem>
 </file>
 
 <file path=customXml/itemProps2.xml><?xml version="1.0" encoding="utf-8"?>
-<ds:datastoreItem xmlns:ds="http://schemas.openxmlformats.org/officeDocument/2006/customXml" ds:itemID="{91B09AE3-FA1D-40C8-A6CE-A2D9F55131C8}">
+<ds:datastoreItem xmlns:ds="http://schemas.openxmlformats.org/officeDocument/2006/customXml" ds:itemID="{A62B322D-2084-418A-8960-B074ADC5B6DB}">
   <ds:schemaRefs>
-    <ds:schemaRef ds:uri="http://schemas.microsoft.com/office/2006/metadata/properties"/>
-    <ds:schemaRef ds:uri="http://www.w3.org/XML/1998/namespace"/>
-    <ds:schemaRef ds:uri="http://purl.org/dc/elements/1.1/"/>
-    <ds:schemaRef ds:uri="http://schemas.openxmlformats.org/package/2006/metadata/core-properties"/>
-    <ds:schemaRef ds:uri="http://purl.org/dc/dcmitype/"/>
-    <ds:schemaRef ds:uri="http://schemas.microsoft.com/office/infopath/2007/PartnerControls"/>
-    <ds:schemaRef ds:uri="http://schemas.microsoft.com/office/2006/documentManagement/types"/>
-    <ds:schemaRef ds:uri="http://purl.org/dc/terms/"/>
-    <ds:schemaRef ds:uri="025117e9-99fa-48ff-aab4-bb37753ec9db"/>
+    <ds:schemaRef ds:uri="http://schemas.microsoft.com/sharepoint/v3/contenttype/forms"/>
   </ds:schemaRefs>
 </ds:datastoreItem>
 </file>
 
 <file path=customXml/itemProps3.xml><?xml version="1.0" encoding="utf-8"?>
-<ds:datastoreItem xmlns:ds="http://schemas.openxmlformats.org/officeDocument/2006/customXml" ds:itemID="{A62B322D-2084-418A-8960-B074ADC5B6DB}">
+<ds:datastoreItem xmlns:ds="http://schemas.openxmlformats.org/officeDocument/2006/customXml" ds:itemID="{91B09AE3-FA1D-40C8-A6CE-A2D9F55131C8}">
   <ds:schemaRefs>
-    <ds:schemaRef ds:uri="http://schemas.microsoft.com/sharepoint/v3/contenttype/forms"/>
+    <ds:schemaRef ds:uri="http://schemas.microsoft.com/office/2006/documentManagement/types"/>
+    <ds:schemaRef ds:uri="http://schemas.microsoft.com/office/2006/metadata/properties"/>
+    <ds:schemaRef ds:uri="http://purl.org/dc/elements/1.1/"/>
+    <ds:schemaRef ds:uri="1a2ca174-3ffa-4801-8f05-6cc015117562"/>
+    <ds:schemaRef ds:uri="http://schemas.microsoft.com/office/infopath/2007/PartnerControls"/>
+    <ds:schemaRef ds:uri="http://www.w3.org/XML/1998/namespace"/>
+    <ds:schemaRef ds:uri="http://schemas.openxmlformats.org/package/2006/metadata/core-properties"/>
+    <ds:schemaRef ds:uri="8c5829c6-aac1-4f1e-b1e2-fbed17fe0519"/>
+    <ds:schemaRef ds:uri="http://purl.org/dc/dcmitype/"/>
+    <ds:schemaRef ds:uri="http://purl.org/dc/terms/"/>
   </ds:schemaRefs>
 </ds:datastoreItem>
 </file>